--- a/docs/Lecture 8.pptx
+++ b/docs/Lecture 8.pptx
@@ -2,43 +2,48 @@
 <file path=ppt/presentation.xml><?xml version="1.0" encoding="utf-8"?>
 <p:presentation xmlns:a="http://schemas.openxmlformats.org/drawingml/2006/main" xmlns:r="http://schemas.openxmlformats.org/officeDocument/2006/relationships" xmlns:p="http://schemas.openxmlformats.org/presentationml/2006/main" saveSubsetFonts="1">
   <p:sldMasterIdLst>
-    <p:sldMasterId id="2147483648" r:id="rId1"/>
+    <p:sldMasterId id="2147483648" r:id="rId2"/>
   </p:sldMasterIdLst>
   <p:notesMasterIdLst>
-    <p:notesMasterId r:id="rId33"/>
+    <p:notesMasterId r:id="rId39"/>
   </p:notesMasterIdLst>
   <p:sldIdLst>
-    <p:sldId id="268" r:id="rId2"/>
-    <p:sldId id="298" r:id="rId3"/>
-    <p:sldId id="299" r:id="rId4"/>
-    <p:sldId id="301" r:id="rId5"/>
-    <p:sldId id="304" r:id="rId6"/>
-    <p:sldId id="308" r:id="rId7"/>
-    <p:sldId id="313" r:id="rId8"/>
-    <p:sldId id="300" r:id="rId9"/>
-    <p:sldId id="303" r:id="rId10"/>
-    <p:sldId id="302" r:id="rId11"/>
-    <p:sldId id="306" r:id="rId12"/>
-    <p:sldId id="309" r:id="rId13"/>
-    <p:sldId id="310" r:id="rId14"/>
-    <p:sldId id="307" r:id="rId15"/>
-    <p:sldId id="311" r:id="rId16"/>
-    <p:sldId id="314" r:id="rId17"/>
-    <p:sldId id="315" r:id="rId18"/>
-    <p:sldId id="316" r:id="rId19"/>
-    <p:sldId id="321" r:id="rId20"/>
-    <p:sldId id="317" r:id="rId21"/>
-    <p:sldId id="319" r:id="rId22"/>
-    <p:sldId id="320" r:id="rId23"/>
-    <p:sldId id="325" r:id="rId24"/>
-    <p:sldId id="318" r:id="rId25"/>
-    <p:sldId id="327" r:id="rId26"/>
-    <p:sldId id="323" r:id="rId27"/>
-    <p:sldId id="328" r:id="rId28"/>
-    <p:sldId id="322" r:id="rId29"/>
-    <p:sldId id="324" r:id="rId30"/>
-    <p:sldId id="326" r:id="rId31"/>
-    <p:sldId id="312" r:id="rId32"/>
+    <p:sldId id="268" r:id="rId3"/>
+    <p:sldId id="298" r:id="rId4"/>
+    <p:sldId id="299" r:id="rId5"/>
+    <p:sldId id="301" r:id="rId6"/>
+    <p:sldId id="304" r:id="rId7"/>
+    <p:sldId id="308" r:id="rId8"/>
+    <p:sldId id="313" r:id="rId9"/>
+    <p:sldId id="300" r:id="rId10"/>
+    <p:sldId id="303" r:id="rId11"/>
+    <p:sldId id="302" r:id="rId12"/>
+    <p:sldId id="306" r:id="rId13"/>
+    <p:sldId id="309" r:id="rId14"/>
+    <p:sldId id="310" r:id="rId15"/>
+    <p:sldId id="307" r:id="rId16"/>
+    <p:sldId id="311" r:id="rId17"/>
+    <p:sldId id="273" r:id="rId18"/>
+    <p:sldId id="276" r:id="rId19"/>
+    <p:sldId id="277" r:id="rId20"/>
+    <p:sldId id="278" r:id="rId21"/>
+    <p:sldId id="279" r:id="rId22"/>
+    <p:sldId id="314" r:id="rId23"/>
+    <p:sldId id="315" r:id="rId24"/>
+    <p:sldId id="316" r:id="rId25"/>
+    <p:sldId id="321" r:id="rId26"/>
+    <p:sldId id="317" r:id="rId27"/>
+    <p:sldId id="319" r:id="rId28"/>
+    <p:sldId id="320" r:id="rId29"/>
+    <p:sldId id="325" r:id="rId30"/>
+    <p:sldId id="318" r:id="rId31"/>
+    <p:sldId id="327" r:id="rId32"/>
+    <p:sldId id="323" r:id="rId33"/>
+    <p:sldId id="328" r:id="rId34"/>
+    <p:sldId id="322" r:id="rId35"/>
+    <p:sldId id="324" r:id="rId36"/>
+    <p:sldId id="326" r:id="rId37"/>
+    <p:sldId id="312" r:id="rId38"/>
   </p:sldIdLst>
   <p:sldSz cx="12192000" cy="6858000"/>
   <p:notesSz cx="6858000" cy="9144000"/>
@@ -148,7 +153,7 @@
 <file path=ppt/revisionInfo.xml><?xml version="1.0" encoding="utf-8"?>
 <p1510:revInfo xmlns:a="http://schemas.openxmlformats.org/drawingml/2006/main" xmlns:r="http://schemas.openxmlformats.org/officeDocument/2006/relationships" xmlns:p1510="http://schemas.microsoft.com/office/powerpoint/2015/10/main">
   <p1510:revLst>
-    <p1510:client id="{D50F62EA-83EF-43A7-B82D-213DF821BB50}" v="495" dt="2025-02-09T16:27:16.818"/>
+    <p1510:client id="{D50F62EA-83EF-43A7-B82D-213DF821BB50}" v="508" dt="2025-02-10T16:09:18.794"/>
   </p1510:revLst>
 </p1510:revInfo>
 </file>
@@ -158,10 +163,245 @@
   <pc:docChgLst>
     <pc:chgData name="Kurapov, Petr A" userId="4f72f5bd-7121-44c3-86b2-1c510f75006f" providerId="ADAL" clId="{D50F62EA-83EF-43A7-B82D-213DF821BB50}"/>
     <pc:docChg chg="undo redo custSel addSld delSld modSld sldOrd">
-      <pc:chgData name="Kurapov, Petr A" userId="4f72f5bd-7121-44c3-86b2-1c510f75006f" providerId="ADAL" clId="{D50F62EA-83EF-43A7-B82D-213DF821BB50}" dt="2025-02-09T16:27:33.184" v="17445" actId="14100"/>
+      <pc:chgData name="Kurapov, Petr A" userId="4f72f5bd-7121-44c3-86b2-1c510f75006f" providerId="ADAL" clId="{D50F62EA-83EF-43A7-B82D-213DF821BB50}" dt="2025-02-13T15:35:18.256" v="17488" actId="47"/>
       <pc:docMkLst>
         <pc:docMk/>
       </pc:docMkLst>
+      <pc:sldChg chg="modSp add del mod">
+        <pc:chgData name="Kurapov, Petr A" userId="4f72f5bd-7121-44c3-86b2-1c510f75006f" providerId="ADAL" clId="{D50F62EA-83EF-43A7-B82D-213DF821BB50}" dt="2025-02-10T16:07:59.458" v="17450" actId="2696"/>
+        <pc:sldMkLst>
+          <pc:docMk/>
+          <pc:sldMk cId="3189269344" sldId="273"/>
+        </pc:sldMkLst>
+      </pc:sldChg>
+      <pc:sldChg chg="delSp modSp add mod">
+        <pc:chgData name="Kurapov, Petr A" userId="4f72f5bd-7121-44c3-86b2-1c510f75006f" providerId="ADAL" clId="{D50F62EA-83EF-43A7-B82D-213DF821BB50}" dt="2025-02-10T16:09:41.075" v="17487" actId="478"/>
+        <pc:sldMkLst>
+          <pc:docMk/>
+          <pc:sldMk cId="3434663707" sldId="273"/>
+        </pc:sldMkLst>
+        <pc:spChg chg="mod">
+          <ac:chgData name="Kurapov, Petr A" userId="4f72f5bd-7121-44c3-86b2-1c510f75006f" providerId="ADAL" clId="{D50F62EA-83EF-43A7-B82D-213DF821BB50}" dt="2025-02-10T16:08:19.677" v="17475" actId="20577"/>
+          <ac:spMkLst>
+            <pc:docMk/>
+            <pc:sldMk cId="3434663707" sldId="273"/>
+            <ac:spMk id="2" creationId="{81B8D5E6-1796-4CBC-A7FF-CD7E0D8BE00B}"/>
+          </ac:spMkLst>
+        </pc:spChg>
+      </pc:sldChg>
+      <pc:sldChg chg="add del">
+        <pc:chgData name="Kurapov, Petr A" userId="4f72f5bd-7121-44c3-86b2-1c510f75006f" providerId="ADAL" clId="{D50F62EA-83EF-43A7-B82D-213DF821BB50}" dt="2025-02-10T16:09:10.696" v="17480" actId="47"/>
+        <pc:sldMkLst>
+          <pc:docMk/>
+          <pc:sldMk cId="423823669" sldId="274"/>
+        </pc:sldMkLst>
+      </pc:sldChg>
+      <pc:sldChg chg="modSp add del mod">
+        <pc:chgData name="Kurapov, Petr A" userId="4f72f5bd-7121-44c3-86b2-1c510f75006f" providerId="ADAL" clId="{D50F62EA-83EF-43A7-B82D-213DF821BB50}" dt="2025-02-10T16:07:59.458" v="17450" actId="2696"/>
+        <pc:sldMkLst>
+          <pc:docMk/>
+          <pc:sldMk cId="814794284" sldId="276"/>
+        </pc:sldMkLst>
+      </pc:sldChg>
+      <pc:sldChg chg="delSp modSp add mod">
+        <pc:chgData name="Kurapov, Petr A" userId="4f72f5bd-7121-44c3-86b2-1c510f75006f" providerId="ADAL" clId="{D50F62EA-83EF-43A7-B82D-213DF821BB50}" dt="2025-02-10T16:09:37.433" v="17486" actId="478"/>
+        <pc:sldMkLst>
+          <pc:docMk/>
+          <pc:sldMk cId="2405043301" sldId="276"/>
+        </pc:sldMkLst>
+        <pc:spChg chg="mod">
+          <ac:chgData name="Kurapov, Petr A" userId="4f72f5bd-7121-44c3-86b2-1c510f75006f" providerId="ADAL" clId="{D50F62EA-83EF-43A7-B82D-213DF821BB50}" dt="2025-02-10T16:08:26.857" v="17476"/>
+          <ac:spMkLst>
+            <pc:docMk/>
+            <pc:sldMk cId="2405043301" sldId="276"/>
+            <ac:spMk id="2" creationId="{81B8D5E6-1796-4CBC-A7FF-CD7E0D8BE00B}"/>
+          </ac:spMkLst>
+        </pc:spChg>
+      </pc:sldChg>
+      <pc:sldChg chg="add del">
+        <pc:chgData name="Kurapov, Petr A" userId="4f72f5bd-7121-44c3-86b2-1c510f75006f" providerId="ADAL" clId="{D50F62EA-83EF-43A7-B82D-213DF821BB50}" dt="2025-02-10T16:07:59.458" v="17450" actId="2696"/>
+        <pc:sldMkLst>
+          <pc:docMk/>
+          <pc:sldMk cId="208399368" sldId="277"/>
+        </pc:sldMkLst>
+      </pc:sldChg>
+      <pc:sldChg chg="delSp modSp add mod">
+        <pc:chgData name="Kurapov, Petr A" userId="4f72f5bd-7121-44c3-86b2-1c510f75006f" providerId="ADAL" clId="{D50F62EA-83EF-43A7-B82D-213DF821BB50}" dt="2025-02-10T16:09:33.081" v="17485" actId="478"/>
+        <pc:sldMkLst>
+          <pc:docMk/>
+          <pc:sldMk cId="1595083590" sldId="277"/>
+        </pc:sldMkLst>
+        <pc:spChg chg="mod">
+          <ac:chgData name="Kurapov, Petr A" userId="4f72f5bd-7121-44c3-86b2-1c510f75006f" providerId="ADAL" clId="{D50F62EA-83EF-43A7-B82D-213DF821BB50}" dt="2025-02-10T16:08:28.644" v="17477"/>
+          <ac:spMkLst>
+            <pc:docMk/>
+            <pc:sldMk cId="1595083590" sldId="277"/>
+            <ac:spMk id="2" creationId="{81B8D5E6-1796-4CBC-A7FF-CD7E0D8BE00B}"/>
+          </ac:spMkLst>
+        </pc:spChg>
+      </pc:sldChg>
+      <pc:sldChg chg="add del">
+        <pc:chgData name="Kurapov, Petr A" userId="4f72f5bd-7121-44c3-86b2-1c510f75006f" providerId="ADAL" clId="{D50F62EA-83EF-43A7-B82D-213DF821BB50}" dt="2025-02-10T16:07:59.458" v="17450" actId="2696"/>
+        <pc:sldMkLst>
+          <pc:docMk/>
+          <pc:sldMk cId="272198517" sldId="278"/>
+        </pc:sldMkLst>
+      </pc:sldChg>
+      <pc:sldChg chg="delSp modSp add mod">
+        <pc:chgData name="Kurapov, Petr A" userId="4f72f5bd-7121-44c3-86b2-1c510f75006f" providerId="ADAL" clId="{D50F62EA-83EF-43A7-B82D-213DF821BB50}" dt="2025-02-10T16:09:28.251" v="17484" actId="478"/>
+        <pc:sldMkLst>
+          <pc:docMk/>
+          <pc:sldMk cId="1186756187" sldId="278"/>
+        </pc:sldMkLst>
+        <pc:spChg chg="mod">
+          <ac:chgData name="Kurapov, Petr A" userId="4f72f5bd-7121-44c3-86b2-1c510f75006f" providerId="ADAL" clId="{D50F62EA-83EF-43A7-B82D-213DF821BB50}" dt="2025-02-10T16:08:31.243" v="17478"/>
+          <ac:spMkLst>
+            <pc:docMk/>
+            <pc:sldMk cId="1186756187" sldId="278"/>
+            <ac:spMk id="2" creationId="{81B8D5E6-1796-4CBC-A7FF-CD7E0D8BE00B}"/>
+          </ac:spMkLst>
+        </pc:spChg>
+      </pc:sldChg>
+      <pc:sldChg chg="delSp add mod">
+        <pc:chgData name="Kurapov, Petr A" userId="4f72f5bd-7121-44c3-86b2-1c510f75006f" providerId="ADAL" clId="{D50F62EA-83EF-43A7-B82D-213DF821BB50}" dt="2025-02-10T16:09:24.868" v="17483" actId="478"/>
+        <pc:sldMkLst>
+          <pc:docMk/>
+          <pc:sldMk cId="329803256" sldId="279"/>
+        </pc:sldMkLst>
+      </pc:sldChg>
+      <pc:sldChg chg="addSp modSp add del">
+        <pc:chgData name="Kurapov, Petr A" userId="4f72f5bd-7121-44c3-86b2-1c510f75006f" providerId="ADAL" clId="{D50F62EA-83EF-43A7-B82D-213DF821BB50}" dt="2025-02-10T16:09:13.360" v="17481" actId="2696"/>
+        <pc:sldMkLst>
+          <pc:docMk/>
+          <pc:sldMk cId="772987450" sldId="279"/>
+        </pc:sldMkLst>
+      </pc:sldChg>
+      <pc:sldChg chg="add del">
+        <pc:chgData name="Kurapov, Petr A" userId="4f72f5bd-7121-44c3-86b2-1c510f75006f" providerId="ADAL" clId="{D50F62EA-83EF-43A7-B82D-213DF821BB50}" dt="2025-02-13T15:35:18.256" v="17488" actId="47"/>
+        <pc:sldMkLst>
+          <pc:docMk/>
+          <pc:sldMk cId="2870474486" sldId="280"/>
+        </pc:sldMkLst>
+      </pc:sldChg>
+      <pc:sldChg chg="add del">
+        <pc:chgData name="Kurapov, Petr A" userId="4f72f5bd-7121-44c3-86b2-1c510f75006f" providerId="ADAL" clId="{D50F62EA-83EF-43A7-B82D-213DF821BB50}" dt="2025-02-13T15:35:18.256" v="17488" actId="47"/>
+        <pc:sldMkLst>
+          <pc:docMk/>
+          <pc:sldMk cId="2093669677" sldId="281"/>
+        </pc:sldMkLst>
+      </pc:sldChg>
+      <pc:sldChg chg="add del">
+        <pc:chgData name="Kurapov, Petr A" userId="4f72f5bd-7121-44c3-86b2-1c510f75006f" providerId="ADAL" clId="{D50F62EA-83EF-43A7-B82D-213DF821BB50}" dt="2025-02-13T15:35:18.256" v="17488" actId="47"/>
+        <pc:sldMkLst>
+          <pc:docMk/>
+          <pc:sldMk cId="378899630" sldId="282"/>
+        </pc:sldMkLst>
+      </pc:sldChg>
+      <pc:sldChg chg="add del">
+        <pc:chgData name="Kurapov, Petr A" userId="4f72f5bd-7121-44c3-86b2-1c510f75006f" providerId="ADAL" clId="{D50F62EA-83EF-43A7-B82D-213DF821BB50}" dt="2025-02-13T15:35:18.256" v="17488" actId="47"/>
+        <pc:sldMkLst>
+          <pc:docMk/>
+          <pc:sldMk cId="3085825128" sldId="283"/>
+        </pc:sldMkLst>
+      </pc:sldChg>
+      <pc:sldChg chg="add del">
+        <pc:chgData name="Kurapov, Petr A" userId="4f72f5bd-7121-44c3-86b2-1c510f75006f" providerId="ADAL" clId="{D50F62EA-83EF-43A7-B82D-213DF821BB50}" dt="2025-02-13T15:35:18.256" v="17488" actId="47"/>
+        <pc:sldMkLst>
+          <pc:docMk/>
+          <pc:sldMk cId="274880584" sldId="284"/>
+        </pc:sldMkLst>
+      </pc:sldChg>
+      <pc:sldChg chg="add del">
+        <pc:chgData name="Kurapov, Petr A" userId="4f72f5bd-7121-44c3-86b2-1c510f75006f" providerId="ADAL" clId="{D50F62EA-83EF-43A7-B82D-213DF821BB50}" dt="2025-02-13T15:35:18.256" v="17488" actId="47"/>
+        <pc:sldMkLst>
+          <pc:docMk/>
+          <pc:sldMk cId="1967494727" sldId="285"/>
+        </pc:sldMkLst>
+      </pc:sldChg>
+      <pc:sldChg chg="add del">
+        <pc:chgData name="Kurapov, Petr A" userId="4f72f5bd-7121-44c3-86b2-1c510f75006f" providerId="ADAL" clId="{D50F62EA-83EF-43A7-B82D-213DF821BB50}" dt="2025-02-13T15:35:18.256" v="17488" actId="47"/>
+        <pc:sldMkLst>
+          <pc:docMk/>
+          <pc:sldMk cId="2917592760" sldId="286"/>
+        </pc:sldMkLst>
+      </pc:sldChg>
+      <pc:sldChg chg="add del">
+        <pc:chgData name="Kurapov, Petr A" userId="4f72f5bd-7121-44c3-86b2-1c510f75006f" providerId="ADAL" clId="{D50F62EA-83EF-43A7-B82D-213DF821BB50}" dt="2025-02-13T15:35:18.256" v="17488" actId="47"/>
+        <pc:sldMkLst>
+          <pc:docMk/>
+          <pc:sldMk cId="403173656" sldId="287"/>
+        </pc:sldMkLst>
+      </pc:sldChg>
+      <pc:sldChg chg="add del">
+        <pc:chgData name="Kurapov, Petr A" userId="4f72f5bd-7121-44c3-86b2-1c510f75006f" providerId="ADAL" clId="{D50F62EA-83EF-43A7-B82D-213DF821BB50}" dt="2025-02-13T15:35:18.256" v="17488" actId="47"/>
+        <pc:sldMkLst>
+          <pc:docMk/>
+          <pc:sldMk cId="442498981" sldId="288"/>
+        </pc:sldMkLst>
+      </pc:sldChg>
+      <pc:sldChg chg="add del">
+        <pc:chgData name="Kurapov, Petr A" userId="4f72f5bd-7121-44c3-86b2-1c510f75006f" providerId="ADAL" clId="{D50F62EA-83EF-43A7-B82D-213DF821BB50}" dt="2025-02-13T15:35:18.256" v="17488" actId="47"/>
+        <pc:sldMkLst>
+          <pc:docMk/>
+          <pc:sldMk cId="4163683576" sldId="289"/>
+        </pc:sldMkLst>
+      </pc:sldChg>
+      <pc:sldChg chg="add del">
+        <pc:chgData name="Kurapov, Petr A" userId="4f72f5bd-7121-44c3-86b2-1c510f75006f" providerId="ADAL" clId="{D50F62EA-83EF-43A7-B82D-213DF821BB50}" dt="2025-02-13T15:35:18.256" v="17488" actId="47"/>
+        <pc:sldMkLst>
+          <pc:docMk/>
+          <pc:sldMk cId="98208875" sldId="290"/>
+        </pc:sldMkLst>
+      </pc:sldChg>
+      <pc:sldChg chg="add del">
+        <pc:chgData name="Kurapov, Petr A" userId="4f72f5bd-7121-44c3-86b2-1c510f75006f" providerId="ADAL" clId="{D50F62EA-83EF-43A7-B82D-213DF821BB50}" dt="2025-02-13T15:35:18.256" v="17488" actId="47"/>
+        <pc:sldMkLst>
+          <pc:docMk/>
+          <pc:sldMk cId="1569091328" sldId="291"/>
+        </pc:sldMkLst>
+      </pc:sldChg>
+      <pc:sldChg chg="add del">
+        <pc:chgData name="Kurapov, Petr A" userId="4f72f5bd-7121-44c3-86b2-1c510f75006f" providerId="ADAL" clId="{D50F62EA-83EF-43A7-B82D-213DF821BB50}" dt="2025-02-13T15:35:18.256" v="17488" actId="47"/>
+        <pc:sldMkLst>
+          <pc:docMk/>
+          <pc:sldMk cId="2619183447" sldId="292"/>
+        </pc:sldMkLst>
+      </pc:sldChg>
+      <pc:sldChg chg="add del">
+        <pc:chgData name="Kurapov, Petr A" userId="4f72f5bd-7121-44c3-86b2-1c510f75006f" providerId="ADAL" clId="{D50F62EA-83EF-43A7-B82D-213DF821BB50}" dt="2025-02-13T15:35:18.256" v="17488" actId="47"/>
+        <pc:sldMkLst>
+          <pc:docMk/>
+          <pc:sldMk cId="4088548919" sldId="293"/>
+        </pc:sldMkLst>
+      </pc:sldChg>
+      <pc:sldChg chg="add del">
+        <pc:chgData name="Kurapov, Petr A" userId="4f72f5bd-7121-44c3-86b2-1c510f75006f" providerId="ADAL" clId="{D50F62EA-83EF-43A7-B82D-213DF821BB50}" dt="2025-02-13T15:35:18.256" v="17488" actId="47"/>
+        <pc:sldMkLst>
+          <pc:docMk/>
+          <pc:sldMk cId="3779279239" sldId="294"/>
+        </pc:sldMkLst>
+      </pc:sldChg>
+      <pc:sldChg chg="add del">
+        <pc:chgData name="Kurapov, Petr A" userId="4f72f5bd-7121-44c3-86b2-1c510f75006f" providerId="ADAL" clId="{D50F62EA-83EF-43A7-B82D-213DF821BB50}" dt="2025-02-13T15:35:18.256" v="17488" actId="47"/>
+        <pc:sldMkLst>
+          <pc:docMk/>
+          <pc:sldMk cId="4192504018" sldId="295"/>
+        </pc:sldMkLst>
+      </pc:sldChg>
+      <pc:sldChg chg="add del">
+        <pc:chgData name="Kurapov, Petr A" userId="4f72f5bd-7121-44c3-86b2-1c510f75006f" providerId="ADAL" clId="{D50F62EA-83EF-43A7-B82D-213DF821BB50}" dt="2025-02-13T15:35:18.256" v="17488" actId="47"/>
+        <pc:sldMkLst>
+          <pc:docMk/>
+          <pc:sldMk cId="3358773774" sldId="296"/>
+        </pc:sldMkLst>
+      </pc:sldChg>
+      <pc:sldChg chg="add del">
+        <pc:chgData name="Kurapov, Petr A" userId="4f72f5bd-7121-44c3-86b2-1c510f75006f" providerId="ADAL" clId="{D50F62EA-83EF-43A7-B82D-213DF821BB50}" dt="2025-02-13T15:35:18.256" v="17488" actId="47"/>
+        <pc:sldMkLst>
+          <pc:docMk/>
+          <pc:sldMk cId="4060551064" sldId="297"/>
+        </pc:sldMkLst>
+      </pc:sldChg>
       <pc:sldChg chg="modSp mod">
         <pc:chgData name="Kurapov, Petr A" userId="4f72f5bd-7121-44c3-86b2-1c510f75006f" providerId="ADAL" clId="{D50F62EA-83EF-43A7-B82D-213DF821BB50}" dt="2025-02-04T12:07:35.742" v="19" actId="20577"/>
         <pc:sldMkLst>
@@ -378,6 +618,13 @@
             <ac:spMk id="3" creationId="{69B8EA2B-6C02-1A0A-BB3B-E00FE478B80C}"/>
           </ac:spMkLst>
         </pc:spChg>
+      </pc:sldChg>
+      <pc:sldChg chg="add del">
+        <pc:chgData name="Kurapov, Petr A" userId="4f72f5bd-7121-44c3-86b2-1c510f75006f" providerId="ADAL" clId="{D50F62EA-83EF-43A7-B82D-213DF821BB50}" dt="2025-02-13T15:35:18.256" v="17488" actId="47"/>
+        <pc:sldMkLst>
+          <pc:docMk/>
+          <pc:sldMk cId="678415867" sldId="305"/>
+        </pc:sldMkLst>
       </pc:sldChg>
       <pc:sldChg chg="modSp new del mod">
         <pc:chgData name="Kurapov, Petr A" userId="4f72f5bd-7121-44c3-86b2-1c510f75006f" providerId="ADAL" clId="{D50F62EA-83EF-43A7-B82D-213DF821BB50}" dt="2025-02-07T14:50:41.467" v="5552" actId="47"/>
@@ -1121,326 +1368,6 @@
             <ac:spMk id="3" creationId="{86EA7399-D343-83F1-8C6F-F5710E8BB9AA}"/>
           </ac:spMkLst>
         </pc:spChg>
-        <pc:spChg chg="add mod">
-          <ac:chgData name="Kurapov, Petr A" userId="4f72f5bd-7121-44c3-86b2-1c510f75006f" providerId="ADAL" clId="{D50F62EA-83EF-43A7-B82D-213DF821BB50}" dt="2025-02-09T12:55:20.014" v="10505"/>
-          <ac:spMkLst>
-            <pc:docMk/>
-            <pc:sldMk cId="1390493610" sldId="318"/>
-            <ac:spMk id="5" creationId="{97813A9F-F43C-03E4-D900-846C4AC28643}"/>
-          </ac:spMkLst>
-        </pc:spChg>
-        <pc:spChg chg="add mod">
-          <ac:chgData name="Kurapov, Petr A" userId="4f72f5bd-7121-44c3-86b2-1c510f75006f" providerId="ADAL" clId="{D50F62EA-83EF-43A7-B82D-213DF821BB50}" dt="2025-02-09T12:55:20.014" v="10505"/>
-          <ac:spMkLst>
-            <pc:docMk/>
-            <pc:sldMk cId="1390493610" sldId="318"/>
-            <ac:spMk id="6" creationId="{4F48CDBC-DB16-099A-99EA-AC4AFF01BF77}"/>
-          </ac:spMkLst>
-        </pc:spChg>
-        <pc:spChg chg="add mod">
-          <ac:chgData name="Kurapov, Petr A" userId="4f72f5bd-7121-44c3-86b2-1c510f75006f" providerId="ADAL" clId="{D50F62EA-83EF-43A7-B82D-213DF821BB50}" dt="2025-02-09T12:55:20.014" v="10505"/>
-          <ac:spMkLst>
-            <pc:docMk/>
-            <pc:sldMk cId="1390493610" sldId="318"/>
-            <ac:spMk id="7" creationId="{57281DE1-8732-D696-0F55-0753F59C2344}"/>
-          </ac:spMkLst>
-        </pc:spChg>
-        <pc:spChg chg="add mod">
-          <ac:chgData name="Kurapov, Petr A" userId="4f72f5bd-7121-44c3-86b2-1c510f75006f" providerId="ADAL" clId="{D50F62EA-83EF-43A7-B82D-213DF821BB50}" dt="2025-02-09T12:55:20.014" v="10505"/>
-          <ac:spMkLst>
-            <pc:docMk/>
-            <pc:sldMk cId="1390493610" sldId="318"/>
-            <ac:spMk id="8" creationId="{857DABE5-CAD1-D082-B748-C6C2D75DF712}"/>
-          </ac:spMkLst>
-        </pc:spChg>
-        <pc:spChg chg="add mod">
-          <ac:chgData name="Kurapov, Petr A" userId="4f72f5bd-7121-44c3-86b2-1c510f75006f" providerId="ADAL" clId="{D50F62EA-83EF-43A7-B82D-213DF821BB50}" dt="2025-02-09T12:55:20.014" v="10505"/>
-          <ac:spMkLst>
-            <pc:docMk/>
-            <pc:sldMk cId="1390493610" sldId="318"/>
-            <ac:spMk id="9" creationId="{16C0580B-AD3E-4148-29EA-7AAF0D2A0A9E}"/>
-          </ac:spMkLst>
-        </pc:spChg>
-        <pc:spChg chg="add mod">
-          <ac:chgData name="Kurapov, Petr A" userId="4f72f5bd-7121-44c3-86b2-1c510f75006f" providerId="ADAL" clId="{D50F62EA-83EF-43A7-B82D-213DF821BB50}" dt="2025-02-09T12:55:20.014" v="10505"/>
-          <ac:spMkLst>
-            <pc:docMk/>
-            <pc:sldMk cId="1390493610" sldId="318"/>
-            <ac:spMk id="10" creationId="{0471FF8F-AE25-2AC2-DCF0-F5403A89FB8F}"/>
-          </ac:spMkLst>
-        </pc:spChg>
-        <pc:spChg chg="add mod">
-          <ac:chgData name="Kurapov, Petr A" userId="4f72f5bd-7121-44c3-86b2-1c510f75006f" providerId="ADAL" clId="{D50F62EA-83EF-43A7-B82D-213DF821BB50}" dt="2025-02-09T12:55:20.014" v="10505"/>
-          <ac:spMkLst>
-            <pc:docMk/>
-            <pc:sldMk cId="1390493610" sldId="318"/>
-            <ac:spMk id="16" creationId="{881E81BC-7D90-A088-F720-D357477B59F4}"/>
-          </ac:spMkLst>
-        </pc:spChg>
-        <pc:spChg chg="add mod">
-          <ac:chgData name="Kurapov, Petr A" userId="4f72f5bd-7121-44c3-86b2-1c510f75006f" providerId="ADAL" clId="{D50F62EA-83EF-43A7-B82D-213DF821BB50}" dt="2025-02-09T12:55:20.014" v="10505"/>
-          <ac:spMkLst>
-            <pc:docMk/>
-            <pc:sldMk cId="1390493610" sldId="318"/>
-            <ac:spMk id="17" creationId="{E4621A83-FCB7-65BC-CA7C-6D598603408C}"/>
-          </ac:spMkLst>
-        </pc:spChg>
-        <pc:spChg chg="add mod">
-          <ac:chgData name="Kurapov, Petr A" userId="4f72f5bd-7121-44c3-86b2-1c510f75006f" providerId="ADAL" clId="{D50F62EA-83EF-43A7-B82D-213DF821BB50}" dt="2025-02-09T12:55:20.014" v="10505"/>
-          <ac:spMkLst>
-            <pc:docMk/>
-            <pc:sldMk cId="1390493610" sldId="318"/>
-            <ac:spMk id="20" creationId="{8552EA41-A4A0-E89A-8183-2CF64F0144CB}"/>
-          </ac:spMkLst>
-        </pc:spChg>
-        <pc:spChg chg="add mod">
-          <ac:chgData name="Kurapov, Petr A" userId="4f72f5bd-7121-44c3-86b2-1c510f75006f" providerId="ADAL" clId="{D50F62EA-83EF-43A7-B82D-213DF821BB50}" dt="2025-02-09T12:55:20.014" v="10505"/>
-          <ac:spMkLst>
-            <pc:docMk/>
-            <pc:sldMk cId="1390493610" sldId="318"/>
-            <ac:spMk id="22" creationId="{AF9E3122-F5B4-9FDC-66A0-33A75472D951}"/>
-          </ac:spMkLst>
-        </pc:spChg>
-        <pc:spChg chg="add mod">
-          <ac:chgData name="Kurapov, Petr A" userId="4f72f5bd-7121-44c3-86b2-1c510f75006f" providerId="ADAL" clId="{D50F62EA-83EF-43A7-B82D-213DF821BB50}" dt="2025-02-09T12:55:20.014" v="10505"/>
-          <ac:spMkLst>
-            <pc:docMk/>
-            <pc:sldMk cId="1390493610" sldId="318"/>
-            <ac:spMk id="25" creationId="{41199CDA-72D5-5205-2D03-D3CE96DD2A53}"/>
-          </ac:spMkLst>
-        </pc:spChg>
-        <pc:spChg chg="add mod">
-          <ac:chgData name="Kurapov, Petr A" userId="4f72f5bd-7121-44c3-86b2-1c510f75006f" providerId="ADAL" clId="{D50F62EA-83EF-43A7-B82D-213DF821BB50}" dt="2025-02-09T12:55:20.014" v="10505"/>
-          <ac:spMkLst>
-            <pc:docMk/>
-            <pc:sldMk cId="1390493610" sldId="318"/>
-            <ac:spMk id="26" creationId="{57D51B80-60D3-D2F7-5543-C5EC230D9222}"/>
-          </ac:spMkLst>
-        </pc:spChg>
-        <pc:spChg chg="add mod">
-          <ac:chgData name="Kurapov, Petr A" userId="4f72f5bd-7121-44c3-86b2-1c510f75006f" providerId="ADAL" clId="{D50F62EA-83EF-43A7-B82D-213DF821BB50}" dt="2025-02-09T12:55:20.014" v="10505"/>
-          <ac:spMkLst>
-            <pc:docMk/>
-            <pc:sldMk cId="1390493610" sldId="318"/>
-            <ac:spMk id="27" creationId="{DB88A987-7D63-167A-EAAD-171A13209E80}"/>
-          </ac:spMkLst>
-        </pc:spChg>
-        <pc:spChg chg="add mod">
-          <ac:chgData name="Kurapov, Petr A" userId="4f72f5bd-7121-44c3-86b2-1c510f75006f" providerId="ADAL" clId="{D50F62EA-83EF-43A7-B82D-213DF821BB50}" dt="2025-02-09T12:55:20.014" v="10505"/>
-          <ac:spMkLst>
-            <pc:docMk/>
-            <pc:sldMk cId="1390493610" sldId="318"/>
-            <ac:spMk id="28" creationId="{45A608AB-E76A-A22C-C3B8-90A022F83313}"/>
-          </ac:spMkLst>
-        </pc:spChg>
-        <pc:spChg chg="add mod">
-          <ac:chgData name="Kurapov, Petr A" userId="4f72f5bd-7121-44c3-86b2-1c510f75006f" providerId="ADAL" clId="{D50F62EA-83EF-43A7-B82D-213DF821BB50}" dt="2025-02-09T12:55:20.014" v="10505"/>
-          <ac:spMkLst>
-            <pc:docMk/>
-            <pc:sldMk cId="1390493610" sldId="318"/>
-            <ac:spMk id="29" creationId="{457B12CD-87B9-84B3-7750-AE03339EDC9F}"/>
-          </ac:spMkLst>
-        </pc:spChg>
-        <pc:spChg chg="add mod">
-          <ac:chgData name="Kurapov, Petr A" userId="4f72f5bd-7121-44c3-86b2-1c510f75006f" providerId="ADAL" clId="{D50F62EA-83EF-43A7-B82D-213DF821BB50}" dt="2025-02-09T12:55:20.014" v="10505"/>
-          <ac:spMkLst>
-            <pc:docMk/>
-            <pc:sldMk cId="1390493610" sldId="318"/>
-            <ac:spMk id="30" creationId="{EC00F25A-F087-7C92-8C7F-5271E1F24F8F}"/>
-          </ac:spMkLst>
-        </pc:spChg>
-        <pc:spChg chg="add mod">
-          <ac:chgData name="Kurapov, Petr A" userId="4f72f5bd-7121-44c3-86b2-1c510f75006f" providerId="ADAL" clId="{D50F62EA-83EF-43A7-B82D-213DF821BB50}" dt="2025-02-09T12:55:20.014" v="10505"/>
-          <ac:spMkLst>
-            <pc:docMk/>
-            <pc:sldMk cId="1390493610" sldId="318"/>
-            <ac:spMk id="36" creationId="{BDFA8966-A0A6-E35C-9620-90EF6A8CF61E}"/>
-          </ac:spMkLst>
-        </pc:spChg>
-        <pc:spChg chg="add mod">
-          <ac:chgData name="Kurapov, Petr A" userId="4f72f5bd-7121-44c3-86b2-1c510f75006f" providerId="ADAL" clId="{D50F62EA-83EF-43A7-B82D-213DF821BB50}" dt="2025-02-09T12:55:20.014" v="10505"/>
-          <ac:spMkLst>
-            <pc:docMk/>
-            <pc:sldMk cId="1390493610" sldId="318"/>
-            <ac:spMk id="37" creationId="{1CE28F76-BEF4-015C-A6CF-34868F009611}"/>
-          </ac:spMkLst>
-        </pc:spChg>
-        <pc:spChg chg="add mod">
-          <ac:chgData name="Kurapov, Petr A" userId="4f72f5bd-7121-44c3-86b2-1c510f75006f" providerId="ADAL" clId="{D50F62EA-83EF-43A7-B82D-213DF821BB50}" dt="2025-02-09T12:55:20.014" v="10505"/>
-          <ac:spMkLst>
-            <pc:docMk/>
-            <pc:sldMk cId="1390493610" sldId="318"/>
-            <ac:spMk id="40" creationId="{353FFC4C-D174-A954-9A0D-655F265FD709}"/>
-          </ac:spMkLst>
-        </pc:spChg>
-        <pc:spChg chg="add mod">
-          <ac:chgData name="Kurapov, Petr A" userId="4f72f5bd-7121-44c3-86b2-1c510f75006f" providerId="ADAL" clId="{D50F62EA-83EF-43A7-B82D-213DF821BB50}" dt="2025-02-09T12:55:20.014" v="10505"/>
-          <ac:spMkLst>
-            <pc:docMk/>
-            <pc:sldMk cId="1390493610" sldId="318"/>
-            <ac:spMk id="46" creationId="{7EB16827-564C-D5F8-C933-6CECBBF8ADBC}"/>
-          </ac:spMkLst>
-        </pc:spChg>
-        <pc:spChg chg="add mod">
-          <ac:chgData name="Kurapov, Petr A" userId="4f72f5bd-7121-44c3-86b2-1c510f75006f" providerId="ADAL" clId="{D50F62EA-83EF-43A7-B82D-213DF821BB50}" dt="2025-02-09T12:55:45.405" v="10506"/>
-          <ac:spMkLst>
-            <pc:docMk/>
-            <pc:sldMk cId="1390493610" sldId="318"/>
-            <ac:spMk id="48" creationId="{AAC17ED7-AD24-FBE9-F235-6DD6FD9BA1C3}"/>
-          </ac:spMkLst>
-        </pc:spChg>
-        <pc:spChg chg="add mod">
-          <ac:chgData name="Kurapov, Petr A" userId="4f72f5bd-7121-44c3-86b2-1c510f75006f" providerId="ADAL" clId="{D50F62EA-83EF-43A7-B82D-213DF821BB50}" dt="2025-02-09T12:55:45.405" v="10506"/>
-          <ac:spMkLst>
-            <pc:docMk/>
-            <pc:sldMk cId="1390493610" sldId="318"/>
-            <ac:spMk id="49" creationId="{BB951354-F994-BC4C-4FCB-28EDCBA07288}"/>
-          </ac:spMkLst>
-        </pc:spChg>
-        <pc:spChg chg="add mod">
-          <ac:chgData name="Kurapov, Petr A" userId="4f72f5bd-7121-44c3-86b2-1c510f75006f" providerId="ADAL" clId="{D50F62EA-83EF-43A7-B82D-213DF821BB50}" dt="2025-02-09T12:55:45.405" v="10506"/>
-          <ac:spMkLst>
-            <pc:docMk/>
-            <pc:sldMk cId="1390493610" sldId="318"/>
-            <ac:spMk id="50" creationId="{348F105A-C3BE-89A0-9C12-249CE9AA3868}"/>
-          </ac:spMkLst>
-        </pc:spChg>
-        <pc:spChg chg="add mod">
-          <ac:chgData name="Kurapov, Petr A" userId="4f72f5bd-7121-44c3-86b2-1c510f75006f" providerId="ADAL" clId="{D50F62EA-83EF-43A7-B82D-213DF821BB50}" dt="2025-02-09T12:55:45.405" v="10506"/>
-          <ac:spMkLst>
-            <pc:docMk/>
-            <pc:sldMk cId="1390493610" sldId="318"/>
-            <ac:spMk id="51" creationId="{A3A58D44-562E-3301-1362-0F9635D5A830}"/>
-          </ac:spMkLst>
-        </pc:spChg>
-        <pc:spChg chg="add mod">
-          <ac:chgData name="Kurapov, Petr A" userId="4f72f5bd-7121-44c3-86b2-1c510f75006f" providerId="ADAL" clId="{D50F62EA-83EF-43A7-B82D-213DF821BB50}" dt="2025-02-09T12:55:45.405" v="10506"/>
-          <ac:spMkLst>
-            <pc:docMk/>
-            <pc:sldMk cId="1390493610" sldId="318"/>
-            <ac:spMk id="52" creationId="{6927230D-C6EB-BF6A-F2DB-ED7D4DE5097C}"/>
-          </ac:spMkLst>
-        </pc:spChg>
-        <pc:spChg chg="add mod">
-          <ac:chgData name="Kurapov, Petr A" userId="4f72f5bd-7121-44c3-86b2-1c510f75006f" providerId="ADAL" clId="{D50F62EA-83EF-43A7-B82D-213DF821BB50}" dt="2025-02-09T12:55:45.405" v="10506"/>
-          <ac:spMkLst>
-            <pc:docMk/>
-            <pc:sldMk cId="1390493610" sldId="318"/>
-            <ac:spMk id="53" creationId="{15BACC24-6A04-B7CB-F671-70D3A0D9D7F0}"/>
-          </ac:spMkLst>
-        </pc:spChg>
-        <pc:spChg chg="add mod">
-          <ac:chgData name="Kurapov, Petr A" userId="4f72f5bd-7121-44c3-86b2-1c510f75006f" providerId="ADAL" clId="{D50F62EA-83EF-43A7-B82D-213DF821BB50}" dt="2025-02-09T12:55:45.405" v="10506"/>
-          <ac:spMkLst>
-            <pc:docMk/>
-            <pc:sldMk cId="1390493610" sldId="318"/>
-            <ac:spMk id="59" creationId="{E39D9E0C-6221-9DA2-13C8-7F6E5505143E}"/>
-          </ac:spMkLst>
-        </pc:spChg>
-        <pc:spChg chg="add mod">
-          <ac:chgData name="Kurapov, Petr A" userId="4f72f5bd-7121-44c3-86b2-1c510f75006f" providerId="ADAL" clId="{D50F62EA-83EF-43A7-B82D-213DF821BB50}" dt="2025-02-09T12:55:45.405" v="10506"/>
-          <ac:spMkLst>
-            <pc:docMk/>
-            <pc:sldMk cId="1390493610" sldId="318"/>
-            <ac:spMk id="60" creationId="{7DEE9152-C852-9E25-4742-3AD267C10B97}"/>
-          </ac:spMkLst>
-        </pc:spChg>
-        <pc:spChg chg="add mod">
-          <ac:chgData name="Kurapov, Petr A" userId="4f72f5bd-7121-44c3-86b2-1c510f75006f" providerId="ADAL" clId="{D50F62EA-83EF-43A7-B82D-213DF821BB50}" dt="2025-02-09T12:55:45.405" v="10506"/>
-          <ac:spMkLst>
-            <pc:docMk/>
-            <pc:sldMk cId="1390493610" sldId="318"/>
-            <ac:spMk id="63" creationId="{E01D45C5-0F30-5FA9-EC12-816CEB800D78}"/>
-          </ac:spMkLst>
-        </pc:spChg>
-        <pc:spChg chg="add mod">
-          <ac:chgData name="Kurapov, Petr A" userId="4f72f5bd-7121-44c3-86b2-1c510f75006f" providerId="ADAL" clId="{D50F62EA-83EF-43A7-B82D-213DF821BB50}" dt="2025-02-09T12:55:45.405" v="10506"/>
-          <ac:spMkLst>
-            <pc:docMk/>
-            <pc:sldMk cId="1390493610" sldId="318"/>
-            <ac:spMk id="65" creationId="{32B26261-0CAF-67C8-F470-EE79C600745A}"/>
-          </ac:spMkLst>
-        </pc:spChg>
-        <pc:spChg chg="add mod">
-          <ac:chgData name="Kurapov, Petr A" userId="4f72f5bd-7121-44c3-86b2-1c510f75006f" providerId="ADAL" clId="{D50F62EA-83EF-43A7-B82D-213DF821BB50}" dt="2025-02-09T12:55:45.405" v="10506"/>
-          <ac:spMkLst>
-            <pc:docMk/>
-            <pc:sldMk cId="1390493610" sldId="318"/>
-            <ac:spMk id="68" creationId="{DB91B775-4EBF-A745-2469-543EC9879506}"/>
-          </ac:spMkLst>
-        </pc:spChg>
-        <pc:spChg chg="add mod">
-          <ac:chgData name="Kurapov, Petr A" userId="4f72f5bd-7121-44c3-86b2-1c510f75006f" providerId="ADAL" clId="{D50F62EA-83EF-43A7-B82D-213DF821BB50}" dt="2025-02-09T12:55:45.405" v="10506"/>
-          <ac:spMkLst>
-            <pc:docMk/>
-            <pc:sldMk cId="1390493610" sldId="318"/>
-            <ac:spMk id="69" creationId="{5EDFCD79-E13F-277C-DF57-2B06CEC15E92}"/>
-          </ac:spMkLst>
-        </pc:spChg>
-        <pc:spChg chg="add mod">
-          <ac:chgData name="Kurapov, Petr A" userId="4f72f5bd-7121-44c3-86b2-1c510f75006f" providerId="ADAL" clId="{D50F62EA-83EF-43A7-B82D-213DF821BB50}" dt="2025-02-09T12:55:45.405" v="10506"/>
-          <ac:spMkLst>
-            <pc:docMk/>
-            <pc:sldMk cId="1390493610" sldId="318"/>
-            <ac:spMk id="70" creationId="{57AC722D-72CE-238E-8583-660F422D6C2C}"/>
-          </ac:spMkLst>
-        </pc:spChg>
-        <pc:spChg chg="add mod">
-          <ac:chgData name="Kurapov, Petr A" userId="4f72f5bd-7121-44c3-86b2-1c510f75006f" providerId="ADAL" clId="{D50F62EA-83EF-43A7-B82D-213DF821BB50}" dt="2025-02-09T12:55:45.405" v="10506"/>
-          <ac:spMkLst>
-            <pc:docMk/>
-            <pc:sldMk cId="1390493610" sldId="318"/>
-            <ac:spMk id="71" creationId="{3F8DAE0B-6CA9-F239-D15F-406C33006727}"/>
-          </ac:spMkLst>
-        </pc:spChg>
-        <pc:spChg chg="add mod">
-          <ac:chgData name="Kurapov, Petr A" userId="4f72f5bd-7121-44c3-86b2-1c510f75006f" providerId="ADAL" clId="{D50F62EA-83EF-43A7-B82D-213DF821BB50}" dt="2025-02-09T12:55:45.405" v="10506"/>
-          <ac:spMkLst>
-            <pc:docMk/>
-            <pc:sldMk cId="1390493610" sldId="318"/>
-            <ac:spMk id="72" creationId="{287800A2-03FB-28CB-53C9-AA1156BDD641}"/>
-          </ac:spMkLst>
-        </pc:spChg>
-        <pc:spChg chg="add mod">
-          <ac:chgData name="Kurapov, Petr A" userId="4f72f5bd-7121-44c3-86b2-1c510f75006f" providerId="ADAL" clId="{D50F62EA-83EF-43A7-B82D-213DF821BB50}" dt="2025-02-09T12:55:45.405" v="10506"/>
-          <ac:spMkLst>
-            <pc:docMk/>
-            <pc:sldMk cId="1390493610" sldId="318"/>
-            <ac:spMk id="73" creationId="{8BC8A255-1C19-B500-15F0-201BC4A5CB27}"/>
-          </ac:spMkLst>
-        </pc:spChg>
-        <pc:spChg chg="add mod">
-          <ac:chgData name="Kurapov, Petr A" userId="4f72f5bd-7121-44c3-86b2-1c510f75006f" providerId="ADAL" clId="{D50F62EA-83EF-43A7-B82D-213DF821BB50}" dt="2025-02-09T12:55:45.405" v="10506"/>
-          <ac:spMkLst>
-            <pc:docMk/>
-            <pc:sldMk cId="1390493610" sldId="318"/>
-            <ac:spMk id="79" creationId="{E040AA00-0D65-A2A4-FA43-8C5717479025}"/>
-          </ac:spMkLst>
-        </pc:spChg>
-        <pc:spChg chg="add mod">
-          <ac:chgData name="Kurapov, Petr A" userId="4f72f5bd-7121-44c3-86b2-1c510f75006f" providerId="ADAL" clId="{D50F62EA-83EF-43A7-B82D-213DF821BB50}" dt="2025-02-09T12:55:45.405" v="10506"/>
-          <ac:spMkLst>
-            <pc:docMk/>
-            <pc:sldMk cId="1390493610" sldId="318"/>
-            <ac:spMk id="80" creationId="{C2271746-0462-9FBE-D9A6-B24AE192B7E5}"/>
-          </ac:spMkLst>
-        </pc:spChg>
-        <pc:spChg chg="add mod">
-          <ac:chgData name="Kurapov, Petr A" userId="4f72f5bd-7121-44c3-86b2-1c510f75006f" providerId="ADAL" clId="{D50F62EA-83EF-43A7-B82D-213DF821BB50}" dt="2025-02-09T12:55:45.405" v="10506"/>
-          <ac:spMkLst>
-            <pc:docMk/>
-            <pc:sldMk cId="1390493610" sldId="318"/>
-            <ac:spMk id="83" creationId="{D13C49EA-B2CB-2C62-F3F4-F252B1F88D7E}"/>
-          </ac:spMkLst>
-        </pc:spChg>
-        <pc:spChg chg="add mod">
-          <ac:chgData name="Kurapov, Petr A" userId="4f72f5bd-7121-44c3-86b2-1c510f75006f" providerId="ADAL" clId="{D50F62EA-83EF-43A7-B82D-213DF821BB50}" dt="2025-02-09T12:55:45.405" v="10506"/>
-          <ac:spMkLst>
-            <pc:docMk/>
-            <pc:sldMk cId="1390493610" sldId="318"/>
-            <ac:spMk id="89" creationId="{A7B4D2C3-0899-770B-B7AC-BA1F9C0E4DD6}"/>
-          </ac:spMkLst>
-        </pc:spChg>
         <pc:spChg chg="mod">
           <ac:chgData name="Kurapov, Petr A" userId="4f72f5bd-7121-44c3-86b2-1c510f75006f" providerId="ADAL" clId="{D50F62EA-83EF-43A7-B82D-213DF821BB50}" dt="2025-02-09T12:59:38.436" v="10600" actId="1036"/>
           <ac:spMkLst>
@@ -1609,22 +1536,6 @@
             <ac:grpSpMk id="92" creationId="{B4276233-B93F-720F-24D8-EFBED2607A57}"/>
           </ac:grpSpMkLst>
         </pc:grpChg>
-        <pc:graphicFrameChg chg="add mod">
-          <ac:chgData name="Kurapov, Petr A" userId="4f72f5bd-7121-44c3-86b2-1c510f75006f" providerId="ADAL" clId="{D50F62EA-83EF-43A7-B82D-213DF821BB50}" dt="2025-02-09T12:55:20.014" v="10505"/>
-          <ac:graphicFrameMkLst>
-            <pc:docMk/>
-            <pc:sldMk cId="1390493610" sldId="318"/>
-            <ac:graphicFrameMk id="42" creationId="{0EBE3CD7-4DB2-7E6F-6DD4-841A7D85C417}"/>
-          </ac:graphicFrameMkLst>
-        </pc:graphicFrameChg>
-        <pc:graphicFrameChg chg="add mod">
-          <ac:chgData name="Kurapov, Petr A" userId="4f72f5bd-7121-44c3-86b2-1c510f75006f" providerId="ADAL" clId="{D50F62EA-83EF-43A7-B82D-213DF821BB50}" dt="2025-02-09T12:55:45.405" v="10506"/>
-          <ac:graphicFrameMkLst>
-            <pc:docMk/>
-            <pc:sldMk cId="1390493610" sldId="318"/>
-            <ac:graphicFrameMk id="85" creationId="{5D492944-9221-4553-455A-7EAD3EC41BDC}"/>
-          </ac:graphicFrameMkLst>
-        </pc:graphicFrameChg>
         <pc:graphicFrameChg chg="add mod modGraphic">
           <ac:chgData name="Kurapov, Petr A" userId="4f72f5bd-7121-44c3-86b2-1c510f75006f" providerId="ADAL" clId="{D50F62EA-83EF-43A7-B82D-213DF821BB50}" dt="2025-02-09T12:59:20.473" v="10595" actId="1076"/>
           <ac:graphicFrameMkLst>
@@ -1633,86 +1544,6 @@
             <ac:graphicFrameMk id="90" creationId="{ECD238DB-C248-F04F-D152-4015B4DD74AB}"/>
           </ac:graphicFrameMkLst>
         </pc:graphicFrameChg>
-        <pc:picChg chg="add mod">
-          <ac:chgData name="Kurapov, Petr A" userId="4f72f5bd-7121-44c3-86b2-1c510f75006f" providerId="ADAL" clId="{D50F62EA-83EF-43A7-B82D-213DF821BB50}" dt="2025-02-09T12:55:20.014" v="10505"/>
-          <ac:picMkLst>
-            <pc:docMk/>
-            <pc:sldMk cId="1390493610" sldId="318"/>
-            <ac:picMk id="4" creationId="{0A46E24B-7B7A-5DD7-59C4-B63CC01DE5D5}"/>
-          </ac:picMkLst>
-        </pc:picChg>
-        <pc:picChg chg="add mod">
-          <ac:chgData name="Kurapov, Petr A" userId="4f72f5bd-7121-44c3-86b2-1c510f75006f" providerId="ADAL" clId="{D50F62EA-83EF-43A7-B82D-213DF821BB50}" dt="2025-02-09T12:55:20.014" v="10505"/>
-          <ac:picMkLst>
-            <pc:docMk/>
-            <pc:sldMk cId="1390493610" sldId="318"/>
-            <ac:picMk id="19" creationId="{110FE9DA-A053-4F30-C506-FEAB9E5A2C56}"/>
-          </ac:picMkLst>
-        </pc:picChg>
-        <pc:picChg chg="add mod">
-          <ac:chgData name="Kurapov, Petr A" userId="4f72f5bd-7121-44c3-86b2-1c510f75006f" providerId="ADAL" clId="{D50F62EA-83EF-43A7-B82D-213DF821BB50}" dt="2025-02-09T12:55:20.014" v="10505"/>
-          <ac:picMkLst>
-            <pc:docMk/>
-            <pc:sldMk cId="1390493610" sldId="318"/>
-            <ac:picMk id="21" creationId="{E70D6ADF-C0D3-A881-6DEE-861FAA16E04C}"/>
-          </ac:picMkLst>
-        </pc:picChg>
-        <pc:picChg chg="add mod">
-          <ac:chgData name="Kurapov, Petr A" userId="4f72f5bd-7121-44c3-86b2-1c510f75006f" providerId="ADAL" clId="{D50F62EA-83EF-43A7-B82D-213DF821BB50}" dt="2025-02-09T12:55:20.014" v="10505"/>
-          <ac:picMkLst>
-            <pc:docMk/>
-            <pc:sldMk cId="1390493610" sldId="318"/>
-            <ac:picMk id="39" creationId="{45CAB7B3-9472-E1F4-5574-DFF850DBA46D}"/>
-          </ac:picMkLst>
-        </pc:picChg>
-        <pc:picChg chg="add mod">
-          <ac:chgData name="Kurapov, Petr A" userId="4f72f5bd-7121-44c3-86b2-1c510f75006f" providerId="ADAL" clId="{D50F62EA-83EF-43A7-B82D-213DF821BB50}" dt="2025-02-09T12:55:20.014" v="10505"/>
-          <ac:picMkLst>
-            <pc:docMk/>
-            <pc:sldMk cId="1390493610" sldId="318"/>
-            <ac:picMk id="44" creationId="{BB5AD861-0ED4-B5A7-E1BC-54BC23AF10AC}"/>
-          </ac:picMkLst>
-        </pc:picChg>
-        <pc:picChg chg="add mod">
-          <ac:chgData name="Kurapov, Petr A" userId="4f72f5bd-7121-44c3-86b2-1c510f75006f" providerId="ADAL" clId="{D50F62EA-83EF-43A7-B82D-213DF821BB50}" dt="2025-02-09T12:55:45.405" v="10506"/>
-          <ac:picMkLst>
-            <pc:docMk/>
-            <pc:sldMk cId="1390493610" sldId="318"/>
-            <ac:picMk id="47" creationId="{E904F67F-18F8-1DAB-6A6D-703A3FDE029D}"/>
-          </ac:picMkLst>
-        </pc:picChg>
-        <pc:picChg chg="add mod">
-          <ac:chgData name="Kurapov, Petr A" userId="4f72f5bd-7121-44c3-86b2-1c510f75006f" providerId="ADAL" clId="{D50F62EA-83EF-43A7-B82D-213DF821BB50}" dt="2025-02-09T12:55:45.405" v="10506"/>
-          <ac:picMkLst>
-            <pc:docMk/>
-            <pc:sldMk cId="1390493610" sldId="318"/>
-            <ac:picMk id="62" creationId="{411129A4-A038-D9C8-C52F-7CF9A0DE6847}"/>
-          </ac:picMkLst>
-        </pc:picChg>
-        <pc:picChg chg="add mod">
-          <ac:chgData name="Kurapov, Petr A" userId="4f72f5bd-7121-44c3-86b2-1c510f75006f" providerId="ADAL" clId="{D50F62EA-83EF-43A7-B82D-213DF821BB50}" dt="2025-02-09T12:55:45.405" v="10506"/>
-          <ac:picMkLst>
-            <pc:docMk/>
-            <pc:sldMk cId="1390493610" sldId="318"/>
-            <ac:picMk id="64" creationId="{8963E358-BBE1-7483-1E3B-9253194DEEC7}"/>
-          </ac:picMkLst>
-        </pc:picChg>
-        <pc:picChg chg="add mod">
-          <ac:chgData name="Kurapov, Petr A" userId="4f72f5bd-7121-44c3-86b2-1c510f75006f" providerId="ADAL" clId="{D50F62EA-83EF-43A7-B82D-213DF821BB50}" dt="2025-02-09T12:55:45.405" v="10506"/>
-          <ac:picMkLst>
-            <pc:docMk/>
-            <pc:sldMk cId="1390493610" sldId="318"/>
-            <ac:picMk id="82" creationId="{CAA1F52D-C4A9-56E9-5275-FA1E7603275E}"/>
-          </ac:picMkLst>
-        </pc:picChg>
-        <pc:picChg chg="add mod">
-          <ac:chgData name="Kurapov, Petr A" userId="4f72f5bd-7121-44c3-86b2-1c510f75006f" providerId="ADAL" clId="{D50F62EA-83EF-43A7-B82D-213DF821BB50}" dt="2025-02-09T12:55:45.405" v="10506"/>
-          <ac:picMkLst>
-            <pc:docMk/>
-            <pc:sldMk cId="1390493610" sldId="318"/>
-            <ac:picMk id="87" creationId="{818744A8-EA5B-10B5-9B7E-6F0AD804D37B}"/>
-          </ac:picMkLst>
-        </pc:picChg>
         <pc:picChg chg="mod">
           <ac:chgData name="Kurapov, Petr A" userId="4f72f5bd-7121-44c3-86b2-1c510f75006f" providerId="ADAL" clId="{D50F62EA-83EF-43A7-B82D-213DF821BB50}" dt="2025-02-09T12:59:38.436" v="10600" actId="1036"/>
           <ac:picMkLst>
@@ -1753,278 +1584,6 @@
             <ac:picMk id="131" creationId="{0CE93B1B-EA61-0FA3-0520-366119A54933}"/>
           </ac:picMkLst>
         </pc:picChg>
-        <pc:cxnChg chg="add mod">
-          <ac:chgData name="Kurapov, Petr A" userId="4f72f5bd-7121-44c3-86b2-1c510f75006f" providerId="ADAL" clId="{D50F62EA-83EF-43A7-B82D-213DF821BB50}" dt="2025-02-09T12:55:20.014" v="10505"/>
-          <ac:cxnSpMkLst>
-            <pc:docMk/>
-            <pc:sldMk cId="1390493610" sldId="318"/>
-            <ac:cxnSpMk id="11" creationId="{7AE16B7A-8094-9A97-20B5-6FE93CAC67D0}"/>
-          </ac:cxnSpMkLst>
-        </pc:cxnChg>
-        <pc:cxnChg chg="add mod">
-          <ac:chgData name="Kurapov, Petr A" userId="4f72f5bd-7121-44c3-86b2-1c510f75006f" providerId="ADAL" clId="{D50F62EA-83EF-43A7-B82D-213DF821BB50}" dt="2025-02-09T12:55:20.014" v="10505"/>
-          <ac:cxnSpMkLst>
-            <pc:docMk/>
-            <pc:sldMk cId="1390493610" sldId="318"/>
-            <ac:cxnSpMk id="12" creationId="{4869B75A-A515-6928-37EE-7087918623B5}"/>
-          </ac:cxnSpMkLst>
-        </pc:cxnChg>
-        <pc:cxnChg chg="add mod">
-          <ac:chgData name="Kurapov, Petr A" userId="4f72f5bd-7121-44c3-86b2-1c510f75006f" providerId="ADAL" clId="{D50F62EA-83EF-43A7-B82D-213DF821BB50}" dt="2025-02-09T12:55:20.014" v="10505"/>
-          <ac:cxnSpMkLst>
-            <pc:docMk/>
-            <pc:sldMk cId="1390493610" sldId="318"/>
-            <ac:cxnSpMk id="13" creationId="{8B653C7C-22B7-CD7D-F382-E3838B78B28D}"/>
-          </ac:cxnSpMkLst>
-        </pc:cxnChg>
-        <pc:cxnChg chg="add mod">
-          <ac:chgData name="Kurapov, Petr A" userId="4f72f5bd-7121-44c3-86b2-1c510f75006f" providerId="ADAL" clId="{D50F62EA-83EF-43A7-B82D-213DF821BB50}" dt="2025-02-09T12:55:20.014" v="10505"/>
-          <ac:cxnSpMkLst>
-            <pc:docMk/>
-            <pc:sldMk cId="1390493610" sldId="318"/>
-            <ac:cxnSpMk id="14" creationId="{41827215-C320-A3BA-420E-42C9315428C8}"/>
-          </ac:cxnSpMkLst>
-        </pc:cxnChg>
-        <pc:cxnChg chg="add mod">
-          <ac:chgData name="Kurapov, Petr A" userId="4f72f5bd-7121-44c3-86b2-1c510f75006f" providerId="ADAL" clId="{D50F62EA-83EF-43A7-B82D-213DF821BB50}" dt="2025-02-09T12:55:20.014" v="10505"/>
-          <ac:cxnSpMkLst>
-            <pc:docMk/>
-            <pc:sldMk cId="1390493610" sldId="318"/>
-            <ac:cxnSpMk id="15" creationId="{FF00780E-9356-5298-F55E-284425255A25}"/>
-          </ac:cxnSpMkLst>
-        </pc:cxnChg>
-        <pc:cxnChg chg="add mod">
-          <ac:chgData name="Kurapov, Petr A" userId="4f72f5bd-7121-44c3-86b2-1c510f75006f" providerId="ADAL" clId="{D50F62EA-83EF-43A7-B82D-213DF821BB50}" dt="2025-02-09T12:55:20.014" v="10505"/>
-          <ac:cxnSpMkLst>
-            <pc:docMk/>
-            <pc:sldMk cId="1390493610" sldId="318"/>
-            <ac:cxnSpMk id="18" creationId="{0727910A-B60E-214B-09FF-2206E21558F6}"/>
-          </ac:cxnSpMkLst>
-        </pc:cxnChg>
-        <pc:cxnChg chg="add mod">
-          <ac:chgData name="Kurapov, Petr A" userId="4f72f5bd-7121-44c3-86b2-1c510f75006f" providerId="ADAL" clId="{D50F62EA-83EF-43A7-B82D-213DF821BB50}" dt="2025-02-09T12:55:20.014" v="10505"/>
-          <ac:cxnSpMkLst>
-            <pc:docMk/>
-            <pc:sldMk cId="1390493610" sldId="318"/>
-            <ac:cxnSpMk id="23" creationId="{5376D5D2-940C-4DF5-FBB9-432EF083223E}"/>
-          </ac:cxnSpMkLst>
-        </pc:cxnChg>
-        <pc:cxnChg chg="add mod">
-          <ac:chgData name="Kurapov, Petr A" userId="4f72f5bd-7121-44c3-86b2-1c510f75006f" providerId="ADAL" clId="{D50F62EA-83EF-43A7-B82D-213DF821BB50}" dt="2025-02-09T12:55:20.014" v="10505"/>
-          <ac:cxnSpMkLst>
-            <pc:docMk/>
-            <pc:sldMk cId="1390493610" sldId="318"/>
-            <ac:cxnSpMk id="24" creationId="{8F810A37-C754-B691-69BF-DAF9239D037F}"/>
-          </ac:cxnSpMkLst>
-        </pc:cxnChg>
-        <pc:cxnChg chg="add mod">
-          <ac:chgData name="Kurapov, Petr A" userId="4f72f5bd-7121-44c3-86b2-1c510f75006f" providerId="ADAL" clId="{D50F62EA-83EF-43A7-B82D-213DF821BB50}" dt="2025-02-09T12:55:20.014" v="10505"/>
-          <ac:cxnSpMkLst>
-            <pc:docMk/>
-            <pc:sldMk cId="1390493610" sldId="318"/>
-            <ac:cxnSpMk id="31" creationId="{2E8DC115-5867-D0E6-E919-E984F0B007AF}"/>
-          </ac:cxnSpMkLst>
-        </pc:cxnChg>
-        <pc:cxnChg chg="add mod">
-          <ac:chgData name="Kurapov, Petr A" userId="4f72f5bd-7121-44c3-86b2-1c510f75006f" providerId="ADAL" clId="{D50F62EA-83EF-43A7-B82D-213DF821BB50}" dt="2025-02-09T12:55:20.014" v="10505"/>
-          <ac:cxnSpMkLst>
-            <pc:docMk/>
-            <pc:sldMk cId="1390493610" sldId="318"/>
-            <ac:cxnSpMk id="32" creationId="{7704FB9F-07D1-D7A1-3197-A6970EC52D17}"/>
-          </ac:cxnSpMkLst>
-        </pc:cxnChg>
-        <pc:cxnChg chg="add mod">
-          <ac:chgData name="Kurapov, Petr A" userId="4f72f5bd-7121-44c3-86b2-1c510f75006f" providerId="ADAL" clId="{D50F62EA-83EF-43A7-B82D-213DF821BB50}" dt="2025-02-09T12:55:20.014" v="10505"/>
-          <ac:cxnSpMkLst>
-            <pc:docMk/>
-            <pc:sldMk cId="1390493610" sldId="318"/>
-            <ac:cxnSpMk id="33" creationId="{3A37D7A0-1FBD-8E77-BFED-20E40659EB50}"/>
-          </ac:cxnSpMkLst>
-        </pc:cxnChg>
-        <pc:cxnChg chg="add mod">
-          <ac:chgData name="Kurapov, Petr A" userId="4f72f5bd-7121-44c3-86b2-1c510f75006f" providerId="ADAL" clId="{D50F62EA-83EF-43A7-B82D-213DF821BB50}" dt="2025-02-09T12:55:20.014" v="10505"/>
-          <ac:cxnSpMkLst>
-            <pc:docMk/>
-            <pc:sldMk cId="1390493610" sldId="318"/>
-            <ac:cxnSpMk id="34" creationId="{75BB816A-C946-C336-3FC0-EABBE5065CA2}"/>
-          </ac:cxnSpMkLst>
-        </pc:cxnChg>
-        <pc:cxnChg chg="add mod">
-          <ac:chgData name="Kurapov, Petr A" userId="4f72f5bd-7121-44c3-86b2-1c510f75006f" providerId="ADAL" clId="{D50F62EA-83EF-43A7-B82D-213DF821BB50}" dt="2025-02-09T12:55:20.014" v="10505"/>
-          <ac:cxnSpMkLst>
-            <pc:docMk/>
-            <pc:sldMk cId="1390493610" sldId="318"/>
-            <ac:cxnSpMk id="35" creationId="{781D8471-C77A-F721-6449-752A67830725}"/>
-          </ac:cxnSpMkLst>
-        </pc:cxnChg>
-        <pc:cxnChg chg="add mod">
-          <ac:chgData name="Kurapov, Petr A" userId="4f72f5bd-7121-44c3-86b2-1c510f75006f" providerId="ADAL" clId="{D50F62EA-83EF-43A7-B82D-213DF821BB50}" dt="2025-02-09T12:55:20.014" v="10505"/>
-          <ac:cxnSpMkLst>
-            <pc:docMk/>
-            <pc:sldMk cId="1390493610" sldId="318"/>
-            <ac:cxnSpMk id="38" creationId="{BFD09F56-1D18-3204-00F4-D10BDE8B79C9}"/>
-          </ac:cxnSpMkLst>
-        </pc:cxnChg>
-        <pc:cxnChg chg="add mod">
-          <ac:chgData name="Kurapov, Petr A" userId="4f72f5bd-7121-44c3-86b2-1c510f75006f" providerId="ADAL" clId="{D50F62EA-83EF-43A7-B82D-213DF821BB50}" dt="2025-02-09T12:55:20.014" v="10505"/>
-          <ac:cxnSpMkLst>
-            <pc:docMk/>
-            <pc:sldMk cId="1390493610" sldId="318"/>
-            <ac:cxnSpMk id="41" creationId="{DC5699A9-51E5-B803-F208-F138F8B889D9}"/>
-          </ac:cxnSpMkLst>
-        </pc:cxnChg>
-        <pc:cxnChg chg="add mod">
-          <ac:chgData name="Kurapov, Petr A" userId="4f72f5bd-7121-44c3-86b2-1c510f75006f" providerId="ADAL" clId="{D50F62EA-83EF-43A7-B82D-213DF821BB50}" dt="2025-02-09T12:55:20.014" v="10505"/>
-          <ac:cxnSpMkLst>
-            <pc:docMk/>
-            <pc:sldMk cId="1390493610" sldId="318"/>
-            <ac:cxnSpMk id="43" creationId="{D8F08B5B-9BD2-A253-E527-4D99A81AC9CA}"/>
-          </ac:cxnSpMkLst>
-        </pc:cxnChg>
-        <pc:cxnChg chg="add mod">
-          <ac:chgData name="Kurapov, Petr A" userId="4f72f5bd-7121-44c3-86b2-1c510f75006f" providerId="ADAL" clId="{D50F62EA-83EF-43A7-B82D-213DF821BB50}" dt="2025-02-09T12:55:20.014" v="10505"/>
-          <ac:cxnSpMkLst>
-            <pc:docMk/>
-            <pc:sldMk cId="1390493610" sldId="318"/>
-            <ac:cxnSpMk id="45" creationId="{443BE842-9E5F-55CF-9AB6-4DEFBCF1E4AC}"/>
-          </ac:cxnSpMkLst>
-        </pc:cxnChg>
-        <pc:cxnChg chg="add mod">
-          <ac:chgData name="Kurapov, Petr A" userId="4f72f5bd-7121-44c3-86b2-1c510f75006f" providerId="ADAL" clId="{D50F62EA-83EF-43A7-B82D-213DF821BB50}" dt="2025-02-09T12:55:45.405" v="10506"/>
-          <ac:cxnSpMkLst>
-            <pc:docMk/>
-            <pc:sldMk cId="1390493610" sldId="318"/>
-            <ac:cxnSpMk id="54" creationId="{244B16A3-959D-9513-7F25-628AF00DAE11}"/>
-          </ac:cxnSpMkLst>
-        </pc:cxnChg>
-        <pc:cxnChg chg="add mod">
-          <ac:chgData name="Kurapov, Petr A" userId="4f72f5bd-7121-44c3-86b2-1c510f75006f" providerId="ADAL" clId="{D50F62EA-83EF-43A7-B82D-213DF821BB50}" dt="2025-02-09T12:55:45.405" v="10506"/>
-          <ac:cxnSpMkLst>
-            <pc:docMk/>
-            <pc:sldMk cId="1390493610" sldId="318"/>
-            <ac:cxnSpMk id="55" creationId="{3B74CF85-EF3C-B66B-C7FB-CE3AB513318E}"/>
-          </ac:cxnSpMkLst>
-        </pc:cxnChg>
-        <pc:cxnChg chg="add mod">
-          <ac:chgData name="Kurapov, Petr A" userId="4f72f5bd-7121-44c3-86b2-1c510f75006f" providerId="ADAL" clId="{D50F62EA-83EF-43A7-B82D-213DF821BB50}" dt="2025-02-09T12:55:45.405" v="10506"/>
-          <ac:cxnSpMkLst>
-            <pc:docMk/>
-            <pc:sldMk cId="1390493610" sldId="318"/>
-            <ac:cxnSpMk id="56" creationId="{5012CF8E-09ED-37FC-A271-752571220454}"/>
-          </ac:cxnSpMkLst>
-        </pc:cxnChg>
-        <pc:cxnChg chg="add mod">
-          <ac:chgData name="Kurapov, Petr A" userId="4f72f5bd-7121-44c3-86b2-1c510f75006f" providerId="ADAL" clId="{D50F62EA-83EF-43A7-B82D-213DF821BB50}" dt="2025-02-09T12:55:45.405" v="10506"/>
-          <ac:cxnSpMkLst>
-            <pc:docMk/>
-            <pc:sldMk cId="1390493610" sldId="318"/>
-            <ac:cxnSpMk id="57" creationId="{F70581A2-1446-D492-AEB6-1B95C3C357E2}"/>
-          </ac:cxnSpMkLst>
-        </pc:cxnChg>
-        <pc:cxnChg chg="add mod">
-          <ac:chgData name="Kurapov, Petr A" userId="4f72f5bd-7121-44c3-86b2-1c510f75006f" providerId="ADAL" clId="{D50F62EA-83EF-43A7-B82D-213DF821BB50}" dt="2025-02-09T12:55:45.405" v="10506"/>
-          <ac:cxnSpMkLst>
-            <pc:docMk/>
-            <pc:sldMk cId="1390493610" sldId="318"/>
-            <ac:cxnSpMk id="58" creationId="{DE8A12AB-A5A9-ABAD-25A9-8810ECA6787E}"/>
-          </ac:cxnSpMkLst>
-        </pc:cxnChg>
-        <pc:cxnChg chg="add mod">
-          <ac:chgData name="Kurapov, Petr A" userId="4f72f5bd-7121-44c3-86b2-1c510f75006f" providerId="ADAL" clId="{D50F62EA-83EF-43A7-B82D-213DF821BB50}" dt="2025-02-09T12:55:45.405" v="10506"/>
-          <ac:cxnSpMkLst>
-            <pc:docMk/>
-            <pc:sldMk cId="1390493610" sldId="318"/>
-            <ac:cxnSpMk id="61" creationId="{66F5BCE9-6781-DD27-69F5-D824D287BE6E}"/>
-          </ac:cxnSpMkLst>
-        </pc:cxnChg>
-        <pc:cxnChg chg="add mod">
-          <ac:chgData name="Kurapov, Petr A" userId="4f72f5bd-7121-44c3-86b2-1c510f75006f" providerId="ADAL" clId="{D50F62EA-83EF-43A7-B82D-213DF821BB50}" dt="2025-02-09T12:55:45.405" v="10506"/>
-          <ac:cxnSpMkLst>
-            <pc:docMk/>
-            <pc:sldMk cId="1390493610" sldId="318"/>
-            <ac:cxnSpMk id="66" creationId="{4E7EB375-2436-495B-4B4A-FD9CC04C317D}"/>
-          </ac:cxnSpMkLst>
-        </pc:cxnChg>
-        <pc:cxnChg chg="add mod">
-          <ac:chgData name="Kurapov, Petr A" userId="4f72f5bd-7121-44c3-86b2-1c510f75006f" providerId="ADAL" clId="{D50F62EA-83EF-43A7-B82D-213DF821BB50}" dt="2025-02-09T12:55:45.405" v="10506"/>
-          <ac:cxnSpMkLst>
-            <pc:docMk/>
-            <pc:sldMk cId="1390493610" sldId="318"/>
-            <ac:cxnSpMk id="67" creationId="{E3541DF2-F728-F930-4867-054557A88251}"/>
-          </ac:cxnSpMkLst>
-        </pc:cxnChg>
-        <pc:cxnChg chg="add mod">
-          <ac:chgData name="Kurapov, Petr A" userId="4f72f5bd-7121-44c3-86b2-1c510f75006f" providerId="ADAL" clId="{D50F62EA-83EF-43A7-B82D-213DF821BB50}" dt="2025-02-09T12:55:45.405" v="10506"/>
-          <ac:cxnSpMkLst>
-            <pc:docMk/>
-            <pc:sldMk cId="1390493610" sldId="318"/>
-            <ac:cxnSpMk id="74" creationId="{BFBEAE9C-5CE3-71E5-8CBB-2CB7D8830791}"/>
-          </ac:cxnSpMkLst>
-        </pc:cxnChg>
-        <pc:cxnChg chg="add mod">
-          <ac:chgData name="Kurapov, Petr A" userId="4f72f5bd-7121-44c3-86b2-1c510f75006f" providerId="ADAL" clId="{D50F62EA-83EF-43A7-B82D-213DF821BB50}" dt="2025-02-09T12:55:45.405" v="10506"/>
-          <ac:cxnSpMkLst>
-            <pc:docMk/>
-            <pc:sldMk cId="1390493610" sldId="318"/>
-            <ac:cxnSpMk id="75" creationId="{5E71409B-1A71-A352-AAF9-E20E65E24B9F}"/>
-          </ac:cxnSpMkLst>
-        </pc:cxnChg>
-        <pc:cxnChg chg="add mod">
-          <ac:chgData name="Kurapov, Petr A" userId="4f72f5bd-7121-44c3-86b2-1c510f75006f" providerId="ADAL" clId="{D50F62EA-83EF-43A7-B82D-213DF821BB50}" dt="2025-02-09T12:55:45.405" v="10506"/>
-          <ac:cxnSpMkLst>
-            <pc:docMk/>
-            <pc:sldMk cId="1390493610" sldId="318"/>
-            <ac:cxnSpMk id="76" creationId="{A31B2DCB-530B-AA59-E2AF-D9EB85EA297E}"/>
-          </ac:cxnSpMkLst>
-        </pc:cxnChg>
-        <pc:cxnChg chg="add mod">
-          <ac:chgData name="Kurapov, Petr A" userId="4f72f5bd-7121-44c3-86b2-1c510f75006f" providerId="ADAL" clId="{D50F62EA-83EF-43A7-B82D-213DF821BB50}" dt="2025-02-09T12:55:45.405" v="10506"/>
-          <ac:cxnSpMkLst>
-            <pc:docMk/>
-            <pc:sldMk cId="1390493610" sldId="318"/>
-            <ac:cxnSpMk id="77" creationId="{E8857EEE-A3EC-850B-D3D7-658C433615C8}"/>
-          </ac:cxnSpMkLst>
-        </pc:cxnChg>
-        <pc:cxnChg chg="add mod">
-          <ac:chgData name="Kurapov, Petr A" userId="4f72f5bd-7121-44c3-86b2-1c510f75006f" providerId="ADAL" clId="{D50F62EA-83EF-43A7-B82D-213DF821BB50}" dt="2025-02-09T12:55:45.405" v="10506"/>
-          <ac:cxnSpMkLst>
-            <pc:docMk/>
-            <pc:sldMk cId="1390493610" sldId="318"/>
-            <ac:cxnSpMk id="78" creationId="{6BE53BF5-A445-736F-EF1C-E159DE011342}"/>
-          </ac:cxnSpMkLst>
-        </pc:cxnChg>
-        <pc:cxnChg chg="add mod">
-          <ac:chgData name="Kurapov, Petr A" userId="4f72f5bd-7121-44c3-86b2-1c510f75006f" providerId="ADAL" clId="{D50F62EA-83EF-43A7-B82D-213DF821BB50}" dt="2025-02-09T12:55:45.405" v="10506"/>
-          <ac:cxnSpMkLst>
-            <pc:docMk/>
-            <pc:sldMk cId="1390493610" sldId="318"/>
-            <ac:cxnSpMk id="81" creationId="{29C26824-6353-40CB-AB6B-E0F3506D2FBD}"/>
-          </ac:cxnSpMkLst>
-        </pc:cxnChg>
-        <pc:cxnChg chg="add mod">
-          <ac:chgData name="Kurapov, Petr A" userId="4f72f5bd-7121-44c3-86b2-1c510f75006f" providerId="ADAL" clId="{D50F62EA-83EF-43A7-B82D-213DF821BB50}" dt="2025-02-09T12:55:45.405" v="10506"/>
-          <ac:cxnSpMkLst>
-            <pc:docMk/>
-            <pc:sldMk cId="1390493610" sldId="318"/>
-            <ac:cxnSpMk id="84" creationId="{CB897809-A277-6ED4-0F2F-C46F2913AD16}"/>
-          </ac:cxnSpMkLst>
-        </pc:cxnChg>
-        <pc:cxnChg chg="add mod">
-          <ac:chgData name="Kurapov, Petr A" userId="4f72f5bd-7121-44c3-86b2-1c510f75006f" providerId="ADAL" clId="{D50F62EA-83EF-43A7-B82D-213DF821BB50}" dt="2025-02-09T12:55:45.405" v="10506"/>
-          <ac:cxnSpMkLst>
-            <pc:docMk/>
-            <pc:sldMk cId="1390493610" sldId="318"/>
-            <ac:cxnSpMk id="86" creationId="{A4A62BC7-EB6E-5CF0-74DB-C840F38B3E1B}"/>
-          </ac:cxnSpMkLst>
-        </pc:cxnChg>
-        <pc:cxnChg chg="add mod">
-          <ac:chgData name="Kurapov, Petr A" userId="4f72f5bd-7121-44c3-86b2-1c510f75006f" providerId="ADAL" clId="{D50F62EA-83EF-43A7-B82D-213DF821BB50}" dt="2025-02-09T12:55:45.405" v="10506"/>
-          <ac:cxnSpMkLst>
-            <pc:docMk/>
-            <pc:sldMk cId="1390493610" sldId="318"/>
-            <ac:cxnSpMk id="88" creationId="{6C34FAAB-03DA-408F-6755-9779FF8D38BD}"/>
-          </ac:cxnSpMkLst>
-        </pc:cxnChg>
         <pc:cxnChg chg="add mod">
           <ac:chgData name="Kurapov, Petr A" userId="4f72f5bd-7121-44c3-86b2-1c510f75006f" providerId="ADAL" clId="{D50F62EA-83EF-43A7-B82D-213DF821BB50}" dt="2025-02-09T12:59:20.473" v="10595" actId="1076"/>
           <ac:cxnSpMkLst>
@@ -2373,366 +1932,6 @@
           <pc:docMk/>
           <pc:sldMk cId="3126802298" sldId="322"/>
         </pc:sldMkLst>
-        <pc:spChg chg="del">
-          <ac:chgData name="Kurapov, Petr A" userId="4f72f5bd-7121-44c3-86b2-1c510f75006f" providerId="ADAL" clId="{D50F62EA-83EF-43A7-B82D-213DF821BB50}" dt="2025-02-09T12:56:10.779" v="10509" actId="478"/>
-          <ac:spMkLst>
-            <pc:docMk/>
-            <pc:sldMk cId="3126802298" sldId="322"/>
-            <ac:spMk id="3" creationId="{F57780B3-1956-B3F9-1675-694BA1505E01}"/>
-          </ac:spMkLst>
-        </pc:spChg>
-        <pc:spChg chg="add mod">
-          <ac:chgData name="Kurapov, Petr A" userId="4f72f5bd-7121-44c3-86b2-1c510f75006f" providerId="ADAL" clId="{D50F62EA-83EF-43A7-B82D-213DF821BB50}" dt="2025-02-09T12:57:48.469" v="10581" actId="14100"/>
-          <ac:spMkLst>
-            <pc:docMk/>
-            <pc:sldMk cId="3126802298" sldId="322"/>
-            <ac:spMk id="5" creationId="{5313A06B-BDAD-E5FD-B96D-0C2EF5B6CF06}"/>
-          </ac:spMkLst>
-        </pc:spChg>
-        <pc:spChg chg="add mod">
-          <ac:chgData name="Kurapov, Petr A" userId="4f72f5bd-7121-44c3-86b2-1c510f75006f" providerId="ADAL" clId="{D50F62EA-83EF-43A7-B82D-213DF821BB50}" dt="2025-02-09T12:57:48.469" v="10581" actId="14100"/>
-          <ac:spMkLst>
-            <pc:docMk/>
-            <pc:sldMk cId="3126802298" sldId="322"/>
-            <ac:spMk id="6" creationId="{B200230C-800F-180F-4675-A8A93E267B9C}"/>
-          </ac:spMkLst>
-        </pc:spChg>
-        <pc:spChg chg="add mod">
-          <ac:chgData name="Kurapov, Petr A" userId="4f72f5bd-7121-44c3-86b2-1c510f75006f" providerId="ADAL" clId="{D50F62EA-83EF-43A7-B82D-213DF821BB50}" dt="2025-02-09T12:57:48.469" v="10581" actId="14100"/>
-          <ac:spMkLst>
-            <pc:docMk/>
-            <pc:sldMk cId="3126802298" sldId="322"/>
-            <ac:spMk id="7" creationId="{97871440-9D44-5098-43E6-C56A8C53DC21}"/>
-          </ac:spMkLst>
-        </pc:spChg>
-        <pc:spChg chg="add mod">
-          <ac:chgData name="Kurapov, Petr A" userId="4f72f5bd-7121-44c3-86b2-1c510f75006f" providerId="ADAL" clId="{D50F62EA-83EF-43A7-B82D-213DF821BB50}" dt="2025-02-09T12:57:48.469" v="10581" actId="14100"/>
-          <ac:spMkLst>
-            <pc:docMk/>
-            <pc:sldMk cId="3126802298" sldId="322"/>
-            <ac:spMk id="8" creationId="{E7F33A50-C1BB-FC93-0E0C-5D911B63662B}"/>
-          </ac:spMkLst>
-        </pc:spChg>
-        <pc:spChg chg="add mod">
-          <ac:chgData name="Kurapov, Petr A" userId="4f72f5bd-7121-44c3-86b2-1c510f75006f" providerId="ADAL" clId="{D50F62EA-83EF-43A7-B82D-213DF821BB50}" dt="2025-02-09T12:57:48.469" v="10581" actId="14100"/>
-          <ac:spMkLst>
-            <pc:docMk/>
-            <pc:sldMk cId="3126802298" sldId="322"/>
-            <ac:spMk id="9" creationId="{F1CA12CC-674D-0929-6A64-B773CBB4B023}"/>
-          </ac:spMkLst>
-        </pc:spChg>
-        <pc:spChg chg="add mod">
-          <ac:chgData name="Kurapov, Petr A" userId="4f72f5bd-7121-44c3-86b2-1c510f75006f" providerId="ADAL" clId="{D50F62EA-83EF-43A7-B82D-213DF821BB50}" dt="2025-02-09T12:57:48.469" v="10581" actId="14100"/>
-          <ac:spMkLst>
-            <pc:docMk/>
-            <pc:sldMk cId="3126802298" sldId="322"/>
-            <ac:spMk id="10" creationId="{B389CF0A-56F9-1C5F-8C79-441C6BB88EE6}"/>
-          </ac:spMkLst>
-        </pc:spChg>
-        <pc:spChg chg="add mod">
-          <ac:chgData name="Kurapov, Petr A" userId="4f72f5bd-7121-44c3-86b2-1c510f75006f" providerId="ADAL" clId="{D50F62EA-83EF-43A7-B82D-213DF821BB50}" dt="2025-02-09T12:57:48.469" v="10581" actId="14100"/>
-          <ac:spMkLst>
-            <pc:docMk/>
-            <pc:sldMk cId="3126802298" sldId="322"/>
-            <ac:spMk id="16" creationId="{744C215C-35F5-67C5-D77D-95DAE2F0589E}"/>
-          </ac:spMkLst>
-        </pc:spChg>
-        <pc:spChg chg="add mod">
-          <ac:chgData name="Kurapov, Petr A" userId="4f72f5bd-7121-44c3-86b2-1c510f75006f" providerId="ADAL" clId="{D50F62EA-83EF-43A7-B82D-213DF821BB50}" dt="2025-02-09T12:57:48.469" v="10581" actId="14100"/>
-          <ac:spMkLst>
-            <pc:docMk/>
-            <pc:sldMk cId="3126802298" sldId="322"/>
-            <ac:spMk id="17" creationId="{1882D2A9-EB52-6620-145F-AC690B3F1A99}"/>
-          </ac:spMkLst>
-        </pc:spChg>
-        <pc:spChg chg="add mod">
-          <ac:chgData name="Kurapov, Petr A" userId="4f72f5bd-7121-44c3-86b2-1c510f75006f" providerId="ADAL" clId="{D50F62EA-83EF-43A7-B82D-213DF821BB50}" dt="2025-02-09T12:58:04.022" v="10583" actId="1076"/>
-          <ac:spMkLst>
-            <pc:docMk/>
-            <pc:sldMk cId="3126802298" sldId="322"/>
-            <ac:spMk id="20" creationId="{796F7F14-D3B4-F182-608C-3DC00E8EA3D1}"/>
-          </ac:spMkLst>
-        </pc:spChg>
-        <pc:spChg chg="add mod">
-          <ac:chgData name="Kurapov, Petr A" userId="4f72f5bd-7121-44c3-86b2-1c510f75006f" providerId="ADAL" clId="{D50F62EA-83EF-43A7-B82D-213DF821BB50}" dt="2025-02-09T12:57:48.469" v="10581" actId="14100"/>
-          <ac:spMkLst>
-            <pc:docMk/>
-            <pc:sldMk cId="3126802298" sldId="322"/>
-            <ac:spMk id="22" creationId="{AE302B6A-F2E3-FFC0-A19A-C9D065A12621}"/>
-          </ac:spMkLst>
-        </pc:spChg>
-        <pc:spChg chg="add mod">
-          <ac:chgData name="Kurapov, Petr A" userId="4f72f5bd-7121-44c3-86b2-1c510f75006f" providerId="ADAL" clId="{D50F62EA-83EF-43A7-B82D-213DF821BB50}" dt="2025-02-09T12:57:48.469" v="10581" actId="14100"/>
-          <ac:spMkLst>
-            <pc:docMk/>
-            <pc:sldMk cId="3126802298" sldId="322"/>
-            <ac:spMk id="25" creationId="{495019A3-466E-8E11-590D-3B27F8FAD2D0}"/>
-          </ac:spMkLst>
-        </pc:spChg>
-        <pc:spChg chg="add mod">
-          <ac:chgData name="Kurapov, Petr A" userId="4f72f5bd-7121-44c3-86b2-1c510f75006f" providerId="ADAL" clId="{D50F62EA-83EF-43A7-B82D-213DF821BB50}" dt="2025-02-09T12:57:48.469" v="10581" actId="14100"/>
-          <ac:spMkLst>
-            <pc:docMk/>
-            <pc:sldMk cId="3126802298" sldId="322"/>
-            <ac:spMk id="26" creationId="{7263A230-7225-93BC-014E-EF743C554C38}"/>
-          </ac:spMkLst>
-        </pc:spChg>
-        <pc:spChg chg="add mod">
-          <ac:chgData name="Kurapov, Petr A" userId="4f72f5bd-7121-44c3-86b2-1c510f75006f" providerId="ADAL" clId="{D50F62EA-83EF-43A7-B82D-213DF821BB50}" dt="2025-02-09T12:57:48.469" v="10581" actId="14100"/>
-          <ac:spMkLst>
-            <pc:docMk/>
-            <pc:sldMk cId="3126802298" sldId="322"/>
-            <ac:spMk id="27" creationId="{EE4C07C8-3144-B453-A11D-2BA13B82F325}"/>
-          </ac:spMkLst>
-        </pc:spChg>
-        <pc:spChg chg="add mod">
-          <ac:chgData name="Kurapov, Petr A" userId="4f72f5bd-7121-44c3-86b2-1c510f75006f" providerId="ADAL" clId="{D50F62EA-83EF-43A7-B82D-213DF821BB50}" dt="2025-02-09T12:57:48.469" v="10581" actId="14100"/>
-          <ac:spMkLst>
-            <pc:docMk/>
-            <pc:sldMk cId="3126802298" sldId="322"/>
-            <ac:spMk id="28" creationId="{87B3045C-634B-7356-353B-0C09C3AE6E94}"/>
-          </ac:spMkLst>
-        </pc:spChg>
-        <pc:spChg chg="add mod">
-          <ac:chgData name="Kurapov, Petr A" userId="4f72f5bd-7121-44c3-86b2-1c510f75006f" providerId="ADAL" clId="{D50F62EA-83EF-43A7-B82D-213DF821BB50}" dt="2025-02-09T12:57:48.469" v="10581" actId="14100"/>
-          <ac:spMkLst>
-            <pc:docMk/>
-            <pc:sldMk cId="3126802298" sldId="322"/>
-            <ac:spMk id="29" creationId="{C5ACF4D1-C077-2D9E-37F0-1524270FAB5D}"/>
-          </ac:spMkLst>
-        </pc:spChg>
-        <pc:spChg chg="add mod">
-          <ac:chgData name="Kurapov, Petr A" userId="4f72f5bd-7121-44c3-86b2-1c510f75006f" providerId="ADAL" clId="{D50F62EA-83EF-43A7-B82D-213DF821BB50}" dt="2025-02-09T12:57:48.469" v="10581" actId="14100"/>
-          <ac:spMkLst>
-            <pc:docMk/>
-            <pc:sldMk cId="3126802298" sldId="322"/>
-            <ac:spMk id="30" creationId="{7CB0D658-E561-1137-8658-1A087C45D483}"/>
-          </ac:spMkLst>
-        </pc:spChg>
-        <pc:spChg chg="add mod">
-          <ac:chgData name="Kurapov, Petr A" userId="4f72f5bd-7121-44c3-86b2-1c510f75006f" providerId="ADAL" clId="{D50F62EA-83EF-43A7-B82D-213DF821BB50}" dt="2025-02-09T12:57:48.469" v="10581" actId="14100"/>
-          <ac:spMkLst>
-            <pc:docMk/>
-            <pc:sldMk cId="3126802298" sldId="322"/>
-            <ac:spMk id="36" creationId="{D7E97FD2-E93A-BF53-3F1D-85DB893377B5}"/>
-          </ac:spMkLst>
-        </pc:spChg>
-        <pc:spChg chg="add mod">
-          <ac:chgData name="Kurapov, Petr A" userId="4f72f5bd-7121-44c3-86b2-1c510f75006f" providerId="ADAL" clId="{D50F62EA-83EF-43A7-B82D-213DF821BB50}" dt="2025-02-09T12:57:48.469" v="10581" actId="14100"/>
-          <ac:spMkLst>
-            <pc:docMk/>
-            <pc:sldMk cId="3126802298" sldId="322"/>
-            <ac:spMk id="37" creationId="{92B142F2-B14E-BF28-2281-1B52F9DAFFA6}"/>
-          </ac:spMkLst>
-        </pc:spChg>
-        <pc:spChg chg="add mod">
-          <ac:chgData name="Kurapov, Petr A" userId="4f72f5bd-7121-44c3-86b2-1c510f75006f" providerId="ADAL" clId="{D50F62EA-83EF-43A7-B82D-213DF821BB50}" dt="2025-02-09T12:58:11.060" v="10585" actId="1076"/>
-          <ac:spMkLst>
-            <pc:docMk/>
-            <pc:sldMk cId="3126802298" sldId="322"/>
-            <ac:spMk id="40" creationId="{5EB788B6-00B0-0623-7741-ACF89D77DD50}"/>
-          </ac:spMkLst>
-        </pc:spChg>
-        <pc:spChg chg="add mod">
-          <ac:chgData name="Kurapov, Petr A" userId="4f72f5bd-7121-44c3-86b2-1c510f75006f" providerId="ADAL" clId="{D50F62EA-83EF-43A7-B82D-213DF821BB50}" dt="2025-02-09T12:57:48.469" v="10581" actId="14100"/>
-          <ac:spMkLst>
-            <pc:docMk/>
-            <pc:sldMk cId="3126802298" sldId="322"/>
-            <ac:spMk id="46" creationId="{3F5A8D52-BD35-5267-73EC-8411234CB3BA}"/>
-          </ac:spMkLst>
-        </pc:spChg>
-        <pc:grpChg chg="add mod">
-          <ac:chgData name="Kurapov, Petr A" userId="4f72f5bd-7121-44c3-86b2-1c510f75006f" providerId="ADAL" clId="{D50F62EA-83EF-43A7-B82D-213DF821BB50}" dt="2025-02-09T12:57:48.469" v="10581" actId="14100"/>
-          <ac:grpSpMkLst>
-            <pc:docMk/>
-            <pc:sldMk cId="3126802298" sldId="322"/>
-            <ac:grpSpMk id="47" creationId="{E344A19A-3B8E-DCF2-B5CC-82006964AC68}"/>
-          </ac:grpSpMkLst>
-        </pc:grpChg>
-        <pc:graphicFrameChg chg="add mod modGraphic">
-          <ac:chgData name="Kurapov, Petr A" userId="4f72f5bd-7121-44c3-86b2-1c510f75006f" providerId="ADAL" clId="{D50F62EA-83EF-43A7-B82D-213DF821BB50}" dt="2025-02-09T12:58:26.215" v="10588" actId="14734"/>
-          <ac:graphicFrameMkLst>
-            <pc:docMk/>
-            <pc:sldMk cId="3126802298" sldId="322"/>
-            <ac:graphicFrameMk id="42" creationId="{ECB04118-6B5A-E976-5A4F-692BB82A1967}"/>
-          </ac:graphicFrameMkLst>
-        </pc:graphicFrameChg>
-        <pc:picChg chg="add mod">
-          <ac:chgData name="Kurapov, Petr A" userId="4f72f5bd-7121-44c3-86b2-1c510f75006f" providerId="ADAL" clId="{D50F62EA-83EF-43A7-B82D-213DF821BB50}" dt="2025-02-09T12:57:48.469" v="10581" actId="14100"/>
-          <ac:picMkLst>
-            <pc:docMk/>
-            <pc:sldMk cId="3126802298" sldId="322"/>
-            <ac:picMk id="4" creationId="{EA5DA6CD-2BE6-C220-045D-C38635DE96F3}"/>
-          </ac:picMkLst>
-        </pc:picChg>
-        <pc:picChg chg="add mod">
-          <ac:chgData name="Kurapov, Petr A" userId="4f72f5bd-7121-44c3-86b2-1c510f75006f" providerId="ADAL" clId="{D50F62EA-83EF-43A7-B82D-213DF821BB50}" dt="2025-02-09T12:57:48.469" v="10581" actId="14100"/>
-          <ac:picMkLst>
-            <pc:docMk/>
-            <pc:sldMk cId="3126802298" sldId="322"/>
-            <ac:picMk id="19" creationId="{3D48B579-7373-7501-40FD-96F6ACAA9921}"/>
-          </ac:picMkLst>
-        </pc:picChg>
-        <pc:picChg chg="add mod">
-          <ac:chgData name="Kurapov, Petr A" userId="4f72f5bd-7121-44c3-86b2-1c510f75006f" providerId="ADAL" clId="{D50F62EA-83EF-43A7-B82D-213DF821BB50}" dt="2025-02-09T12:57:48.469" v="10581" actId="14100"/>
-          <ac:picMkLst>
-            <pc:docMk/>
-            <pc:sldMk cId="3126802298" sldId="322"/>
-            <ac:picMk id="21" creationId="{EAE80911-7D7E-6B15-21FE-93199A6115E8}"/>
-          </ac:picMkLst>
-        </pc:picChg>
-        <pc:picChg chg="add mod">
-          <ac:chgData name="Kurapov, Petr A" userId="4f72f5bd-7121-44c3-86b2-1c510f75006f" providerId="ADAL" clId="{D50F62EA-83EF-43A7-B82D-213DF821BB50}" dt="2025-02-09T12:57:48.469" v="10581" actId="14100"/>
-          <ac:picMkLst>
-            <pc:docMk/>
-            <pc:sldMk cId="3126802298" sldId="322"/>
-            <ac:picMk id="39" creationId="{F0F3665E-F051-FF27-343F-9376CA11DF06}"/>
-          </ac:picMkLst>
-        </pc:picChg>
-        <pc:picChg chg="add mod">
-          <ac:chgData name="Kurapov, Petr A" userId="4f72f5bd-7121-44c3-86b2-1c510f75006f" providerId="ADAL" clId="{D50F62EA-83EF-43A7-B82D-213DF821BB50}" dt="2025-02-09T12:57:48.469" v="10581" actId="14100"/>
-          <ac:picMkLst>
-            <pc:docMk/>
-            <pc:sldMk cId="3126802298" sldId="322"/>
-            <ac:picMk id="44" creationId="{D268B3A3-B738-85D8-9089-DC0496D360AB}"/>
-          </ac:picMkLst>
-        </pc:picChg>
-        <pc:cxnChg chg="add mod">
-          <ac:chgData name="Kurapov, Petr A" userId="4f72f5bd-7121-44c3-86b2-1c510f75006f" providerId="ADAL" clId="{D50F62EA-83EF-43A7-B82D-213DF821BB50}" dt="2025-02-09T12:57:48.469" v="10581" actId="14100"/>
-          <ac:cxnSpMkLst>
-            <pc:docMk/>
-            <pc:sldMk cId="3126802298" sldId="322"/>
-            <ac:cxnSpMk id="11" creationId="{1D5B826E-5889-D1D7-BAAE-072AC208FB68}"/>
-          </ac:cxnSpMkLst>
-        </pc:cxnChg>
-        <pc:cxnChg chg="add mod">
-          <ac:chgData name="Kurapov, Petr A" userId="4f72f5bd-7121-44c3-86b2-1c510f75006f" providerId="ADAL" clId="{D50F62EA-83EF-43A7-B82D-213DF821BB50}" dt="2025-02-09T12:57:48.469" v="10581" actId="14100"/>
-          <ac:cxnSpMkLst>
-            <pc:docMk/>
-            <pc:sldMk cId="3126802298" sldId="322"/>
-            <ac:cxnSpMk id="12" creationId="{6A0140CD-7988-E80A-C4B5-CF46491204AF}"/>
-          </ac:cxnSpMkLst>
-        </pc:cxnChg>
-        <pc:cxnChg chg="add mod">
-          <ac:chgData name="Kurapov, Petr A" userId="4f72f5bd-7121-44c3-86b2-1c510f75006f" providerId="ADAL" clId="{D50F62EA-83EF-43A7-B82D-213DF821BB50}" dt="2025-02-09T12:57:48.469" v="10581" actId="14100"/>
-          <ac:cxnSpMkLst>
-            <pc:docMk/>
-            <pc:sldMk cId="3126802298" sldId="322"/>
-            <ac:cxnSpMk id="13" creationId="{45C4A8B0-5A46-2A4C-E27A-2E82401E77E0}"/>
-          </ac:cxnSpMkLst>
-        </pc:cxnChg>
-        <pc:cxnChg chg="add mod">
-          <ac:chgData name="Kurapov, Petr A" userId="4f72f5bd-7121-44c3-86b2-1c510f75006f" providerId="ADAL" clId="{D50F62EA-83EF-43A7-B82D-213DF821BB50}" dt="2025-02-09T12:57:48.469" v="10581" actId="14100"/>
-          <ac:cxnSpMkLst>
-            <pc:docMk/>
-            <pc:sldMk cId="3126802298" sldId="322"/>
-            <ac:cxnSpMk id="14" creationId="{65225B27-4B10-E1CE-2376-05894615DAE1}"/>
-          </ac:cxnSpMkLst>
-        </pc:cxnChg>
-        <pc:cxnChg chg="add mod">
-          <ac:chgData name="Kurapov, Petr A" userId="4f72f5bd-7121-44c3-86b2-1c510f75006f" providerId="ADAL" clId="{D50F62EA-83EF-43A7-B82D-213DF821BB50}" dt="2025-02-09T12:57:48.469" v="10581" actId="14100"/>
-          <ac:cxnSpMkLst>
-            <pc:docMk/>
-            <pc:sldMk cId="3126802298" sldId="322"/>
-            <ac:cxnSpMk id="15" creationId="{B200A856-B14A-11EF-3490-EF0CB07EA6FA}"/>
-          </ac:cxnSpMkLst>
-        </pc:cxnChg>
-        <pc:cxnChg chg="add mod">
-          <ac:chgData name="Kurapov, Petr A" userId="4f72f5bd-7121-44c3-86b2-1c510f75006f" providerId="ADAL" clId="{D50F62EA-83EF-43A7-B82D-213DF821BB50}" dt="2025-02-09T12:57:48.469" v="10581" actId="14100"/>
-          <ac:cxnSpMkLst>
-            <pc:docMk/>
-            <pc:sldMk cId="3126802298" sldId="322"/>
-            <ac:cxnSpMk id="18" creationId="{EBCF0E62-35FA-EFEB-B2AA-6A7CD2FF554A}"/>
-          </ac:cxnSpMkLst>
-        </pc:cxnChg>
-        <pc:cxnChg chg="add mod">
-          <ac:chgData name="Kurapov, Petr A" userId="4f72f5bd-7121-44c3-86b2-1c510f75006f" providerId="ADAL" clId="{D50F62EA-83EF-43A7-B82D-213DF821BB50}" dt="2025-02-09T12:57:48.469" v="10581" actId="14100"/>
-          <ac:cxnSpMkLst>
-            <pc:docMk/>
-            <pc:sldMk cId="3126802298" sldId="322"/>
-            <ac:cxnSpMk id="23" creationId="{6C7A8D3F-4CE6-EA2F-B780-9AEAAD52E346}"/>
-          </ac:cxnSpMkLst>
-        </pc:cxnChg>
-        <pc:cxnChg chg="add mod">
-          <ac:chgData name="Kurapov, Petr A" userId="4f72f5bd-7121-44c3-86b2-1c510f75006f" providerId="ADAL" clId="{D50F62EA-83EF-43A7-B82D-213DF821BB50}" dt="2025-02-09T12:58:04.022" v="10583" actId="1076"/>
-          <ac:cxnSpMkLst>
-            <pc:docMk/>
-            <pc:sldMk cId="3126802298" sldId="322"/>
-            <ac:cxnSpMk id="24" creationId="{CA08B3A3-C395-E917-CE62-15E6CC54097D}"/>
-          </ac:cxnSpMkLst>
-        </pc:cxnChg>
-        <pc:cxnChg chg="add mod">
-          <ac:chgData name="Kurapov, Petr A" userId="4f72f5bd-7121-44c3-86b2-1c510f75006f" providerId="ADAL" clId="{D50F62EA-83EF-43A7-B82D-213DF821BB50}" dt="2025-02-09T12:57:48.469" v="10581" actId="14100"/>
-          <ac:cxnSpMkLst>
-            <pc:docMk/>
-            <pc:sldMk cId="3126802298" sldId="322"/>
-            <ac:cxnSpMk id="31" creationId="{C31B64E0-6257-35FC-63B1-BCACB970AD3B}"/>
-          </ac:cxnSpMkLst>
-        </pc:cxnChg>
-        <pc:cxnChg chg="add mod">
-          <ac:chgData name="Kurapov, Petr A" userId="4f72f5bd-7121-44c3-86b2-1c510f75006f" providerId="ADAL" clId="{D50F62EA-83EF-43A7-B82D-213DF821BB50}" dt="2025-02-09T12:57:48.469" v="10581" actId="14100"/>
-          <ac:cxnSpMkLst>
-            <pc:docMk/>
-            <pc:sldMk cId="3126802298" sldId="322"/>
-            <ac:cxnSpMk id="32" creationId="{5DD192AC-AD68-65E2-F0ED-EF5FAE7F0B8F}"/>
-          </ac:cxnSpMkLst>
-        </pc:cxnChg>
-        <pc:cxnChg chg="add mod">
-          <ac:chgData name="Kurapov, Petr A" userId="4f72f5bd-7121-44c3-86b2-1c510f75006f" providerId="ADAL" clId="{D50F62EA-83EF-43A7-B82D-213DF821BB50}" dt="2025-02-09T12:57:48.469" v="10581" actId="14100"/>
-          <ac:cxnSpMkLst>
-            <pc:docMk/>
-            <pc:sldMk cId="3126802298" sldId="322"/>
-            <ac:cxnSpMk id="33" creationId="{26623D20-B345-CA31-492E-FAB0F60E8C42}"/>
-          </ac:cxnSpMkLst>
-        </pc:cxnChg>
-        <pc:cxnChg chg="add mod">
-          <ac:chgData name="Kurapov, Petr A" userId="4f72f5bd-7121-44c3-86b2-1c510f75006f" providerId="ADAL" clId="{D50F62EA-83EF-43A7-B82D-213DF821BB50}" dt="2025-02-09T12:57:48.469" v="10581" actId="14100"/>
-          <ac:cxnSpMkLst>
-            <pc:docMk/>
-            <pc:sldMk cId="3126802298" sldId="322"/>
-            <ac:cxnSpMk id="34" creationId="{379655AB-F25B-BB70-7DFC-EB0BC88791F8}"/>
-          </ac:cxnSpMkLst>
-        </pc:cxnChg>
-        <pc:cxnChg chg="add mod">
-          <ac:chgData name="Kurapov, Petr A" userId="4f72f5bd-7121-44c3-86b2-1c510f75006f" providerId="ADAL" clId="{D50F62EA-83EF-43A7-B82D-213DF821BB50}" dt="2025-02-09T12:57:48.469" v="10581" actId="14100"/>
-          <ac:cxnSpMkLst>
-            <pc:docMk/>
-            <pc:sldMk cId="3126802298" sldId="322"/>
-            <ac:cxnSpMk id="35" creationId="{34056D7C-28B6-3C17-FEB6-7B3C8181E7CA}"/>
-          </ac:cxnSpMkLst>
-        </pc:cxnChg>
-        <pc:cxnChg chg="add mod">
-          <ac:chgData name="Kurapov, Petr A" userId="4f72f5bd-7121-44c3-86b2-1c510f75006f" providerId="ADAL" clId="{D50F62EA-83EF-43A7-B82D-213DF821BB50}" dt="2025-02-09T12:57:48.469" v="10581" actId="14100"/>
-          <ac:cxnSpMkLst>
-            <pc:docMk/>
-            <pc:sldMk cId="3126802298" sldId="322"/>
-            <ac:cxnSpMk id="38" creationId="{DEDA2E3C-B340-C589-E5AB-343021A72615}"/>
-          </ac:cxnSpMkLst>
-        </pc:cxnChg>
-        <pc:cxnChg chg="add mod">
-          <ac:chgData name="Kurapov, Petr A" userId="4f72f5bd-7121-44c3-86b2-1c510f75006f" providerId="ADAL" clId="{D50F62EA-83EF-43A7-B82D-213DF821BB50}" dt="2025-02-09T12:57:48.469" v="10581" actId="14100"/>
-          <ac:cxnSpMkLst>
-            <pc:docMk/>
-            <pc:sldMk cId="3126802298" sldId="322"/>
-            <ac:cxnSpMk id="41" creationId="{B44F2C79-2E0B-DAE3-5638-1464EDD85BD1}"/>
-          </ac:cxnSpMkLst>
-        </pc:cxnChg>
-        <pc:cxnChg chg="add mod">
-          <ac:chgData name="Kurapov, Petr A" userId="4f72f5bd-7121-44c3-86b2-1c510f75006f" providerId="ADAL" clId="{D50F62EA-83EF-43A7-B82D-213DF821BB50}" dt="2025-02-09T12:57:48.469" v="10581" actId="14100"/>
-          <ac:cxnSpMkLst>
-            <pc:docMk/>
-            <pc:sldMk cId="3126802298" sldId="322"/>
-            <ac:cxnSpMk id="43" creationId="{96A50135-0CDB-4784-662A-580F667CFDFC}"/>
-          </ac:cxnSpMkLst>
-        </pc:cxnChg>
-        <pc:cxnChg chg="add mod">
-          <ac:chgData name="Kurapov, Petr A" userId="4f72f5bd-7121-44c3-86b2-1c510f75006f" providerId="ADAL" clId="{D50F62EA-83EF-43A7-B82D-213DF821BB50}" dt="2025-02-09T12:57:48.469" v="10581" actId="14100"/>
-          <ac:cxnSpMkLst>
-            <pc:docMk/>
-            <pc:sldMk cId="3126802298" sldId="322"/>
-            <ac:cxnSpMk id="45" creationId="{8B94575B-2D2E-388B-8F1D-AA4128BCDC86}"/>
-          </ac:cxnSpMkLst>
-        </pc:cxnChg>
       </pc:sldChg>
       <pc:sldChg chg="addSp modSp new mod modClrScheme chgLayout">
         <pc:chgData name="Kurapov, Petr A" userId="4f72f5bd-7121-44c3-86b2-1c510f75006f" providerId="ADAL" clId="{D50F62EA-83EF-43A7-B82D-213DF821BB50}" dt="2025-02-09T16:27:33.184" v="17445" actId="14100"/>
@@ -2887,14 +2086,6 @@
             <ac:spMk id="3" creationId="{A3FD1369-1474-FA0C-62C0-3D828F0288E5}"/>
           </ac:spMkLst>
         </pc:spChg>
-        <pc:spChg chg="add del mod ord">
-          <ac:chgData name="Kurapov, Petr A" userId="4f72f5bd-7121-44c3-86b2-1c510f75006f" providerId="ADAL" clId="{D50F62EA-83EF-43A7-B82D-213DF821BB50}" dt="2025-02-09T15:44:44.539" v="16048" actId="478"/>
-          <ac:spMkLst>
-            <pc:docMk/>
-            <pc:sldMk cId="290752705" sldId="327"/>
-            <ac:spMk id="4" creationId="{664B54E9-32E4-AF01-74E4-F937650C5F1A}"/>
-          </ac:spMkLst>
-        </pc:spChg>
         <pc:spChg chg="add mod">
           <ac:chgData name="Kurapov, Petr A" userId="4f72f5bd-7121-44c3-86b2-1c510f75006f" providerId="ADAL" clId="{D50F62EA-83EF-43A7-B82D-213DF821BB50}" dt="2025-02-09T15:46:57.703" v="16184" actId="1076"/>
           <ac:spMkLst>
@@ -2949,22 +2140,6 @@
             <pc:docMk/>
             <pc:sldMk cId="290752705" sldId="327"/>
             <ac:spMk id="11" creationId="{C3D21716-9746-BE47-97E9-C09529249755}"/>
-          </ac:spMkLst>
-        </pc:spChg>
-        <pc:spChg chg="add del mod">
-          <ac:chgData name="Kurapov, Petr A" userId="4f72f5bd-7121-44c3-86b2-1c510f75006f" providerId="ADAL" clId="{D50F62EA-83EF-43A7-B82D-213DF821BB50}" dt="2025-02-09T15:45:48.534" v="16118" actId="478"/>
-          <ac:spMkLst>
-            <pc:docMk/>
-            <pc:sldMk cId="290752705" sldId="327"/>
-            <ac:spMk id="18" creationId="{38CC1983-5CE3-9EE7-64CD-7AEDBF5C5442}"/>
-          </ac:spMkLst>
-        </pc:spChg>
-        <pc:spChg chg="add del mod">
-          <ac:chgData name="Kurapov, Petr A" userId="4f72f5bd-7121-44c3-86b2-1c510f75006f" providerId="ADAL" clId="{D50F62EA-83EF-43A7-B82D-213DF821BB50}" dt="2025-02-09T15:45:53.829" v="16119" actId="478"/>
-          <ac:spMkLst>
-            <pc:docMk/>
-            <pc:sldMk cId="290752705" sldId="327"/>
-            <ac:spMk id="19" creationId="{A5627824-6278-4122-5E46-5065AFA8172E}"/>
           </ac:spMkLst>
         </pc:spChg>
         <pc:spChg chg="add mod">
@@ -3038,22 +2213,6 @@
           <pc:docMk/>
           <pc:sldMk cId="3555701933" sldId="328"/>
         </pc:sldMkLst>
-        <pc:spChg chg="mod">
-          <ac:chgData name="Kurapov, Petr A" userId="4f72f5bd-7121-44c3-86b2-1c510f75006f" providerId="ADAL" clId="{D50F62EA-83EF-43A7-B82D-213DF821BB50}" dt="2025-02-09T16:13:39.497" v="16888" actId="20577"/>
-          <ac:spMkLst>
-            <pc:docMk/>
-            <pc:sldMk cId="3555701933" sldId="328"/>
-            <ac:spMk id="2" creationId="{009F6938-E76D-03AD-19D5-51D4D43EE5EF}"/>
-          </ac:spMkLst>
-        </pc:spChg>
-        <pc:spChg chg="mod">
-          <ac:chgData name="Kurapov, Petr A" userId="4f72f5bd-7121-44c3-86b2-1c510f75006f" providerId="ADAL" clId="{D50F62EA-83EF-43A7-B82D-213DF821BB50}" dt="2025-02-09T16:14:00.356" v="16906" actId="20577"/>
-          <ac:spMkLst>
-            <pc:docMk/>
-            <pc:sldMk cId="3555701933" sldId="328"/>
-            <ac:spMk id="3" creationId="{2A9499D0-25E9-0B6C-4977-D388B4C4F568}"/>
-          </ac:spMkLst>
-        </pc:spChg>
       </pc:sldChg>
       <pc:sldChg chg="modSp new mod">
         <pc:chgData name="Kurapov, Petr A" userId="4f72f5bd-7121-44c3-86b2-1c510f75006f" providerId="ADAL" clId="{D50F62EA-83EF-43A7-B82D-213DF821BB50}" dt="2025-02-09T16:25:04.334" v="17375" actId="113"/>
@@ -3077,6 +2236,335 @@
             <ac:spMk id="3" creationId="{B299177A-0AB2-C862-E4A9-A9CE9030C71D}"/>
           </ac:spMkLst>
         </pc:spChg>
+      </pc:sldChg>
+      <pc:sldChg chg="add del">
+        <pc:chgData name="Kurapov, Petr A" userId="4f72f5bd-7121-44c3-86b2-1c510f75006f" providerId="ADAL" clId="{D50F62EA-83EF-43A7-B82D-213DF821BB50}" dt="2025-02-13T15:35:18.256" v="17488" actId="47"/>
+        <pc:sldMkLst>
+          <pc:docMk/>
+          <pc:sldMk cId="1651781435" sldId="329"/>
+        </pc:sldMkLst>
+      </pc:sldChg>
+      <pc:sldChg chg="add del">
+        <pc:chgData name="Kurapov, Petr A" userId="4f72f5bd-7121-44c3-86b2-1c510f75006f" providerId="ADAL" clId="{D50F62EA-83EF-43A7-B82D-213DF821BB50}" dt="2025-02-13T15:35:18.256" v="17488" actId="47"/>
+        <pc:sldMkLst>
+          <pc:docMk/>
+          <pc:sldMk cId="1995920480" sldId="330"/>
+        </pc:sldMkLst>
+      </pc:sldChg>
+      <pc:sldChg chg="add del">
+        <pc:chgData name="Kurapov, Petr A" userId="4f72f5bd-7121-44c3-86b2-1c510f75006f" providerId="ADAL" clId="{D50F62EA-83EF-43A7-B82D-213DF821BB50}" dt="2025-02-13T15:35:18.256" v="17488" actId="47"/>
+        <pc:sldMkLst>
+          <pc:docMk/>
+          <pc:sldMk cId="3155820950" sldId="331"/>
+        </pc:sldMkLst>
+      </pc:sldChg>
+      <pc:sldChg chg="add del">
+        <pc:chgData name="Kurapov, Petr A" userId="4f72f5bd-7121-44c3-86b2-1c510f75006f" providerId="ADAL" clId="{D50F62EA-83EF-43A7-B82D-213DF821BB50}" dt="2025-02-13T15:35:18.256" v="17488" actId="47"/>
+        <pc:sldMkLst>
+          <pc:docMk/>
+          <pc:sldMk cId="3710262499" sldId="332"/>
+        </pc:sldMkLst>
+      </pc:sldChg>
+      <pc:sldChg chg="add del">
+        <pc:chgData name="Kurapov, Petr A" userId="4f72f5bd-7121-44c3-86b2-1c510f75006f" providerId="ADAL" clId="{D50F62EA-83EF-43A7-B82D-213DF821BB50}" dt="2025-02-13T15:35:18.256" v="17488" actId="47"/>
+        <pc:sldMkLst>
+          <pc:docMk/>
+          <pc:sldMk cId="3865019466" sldId="333"/>
+        </pc:sldMkLst>
+      </pc:sldChg>
+      <pc:sldChg chg="add del">
+        <pc:chgData name="Kurapov, Petr A" userId="4f72f5bd-7121-44c3-86b2-1c510f75006f" providerId="ADAL" clId="{D50F62EA-83EF-43A7-B82D-213DF821BB50}" dt="2025-02-13T15:35:18.256" v="17488" actId="47"/>
+        <pc:sldMkLst>
+          <pc:docMk/>
+          <pc:sldMk cId="2318891873" sldId="334"/>
+        </pc:sldMkLst>
+      </pc:sldChg>
+      <pc:sldChg chg="add del">
+        <pc:chgData name="Kurapov, Petr A" userId="4f72f5bd-7121-44c3-86b2-1c510f75006f" providerId="ADAL" clId="{D50F62EA-83EF-43A7-B82D-213DF821BB50}" dt="2025-02-13T15:35:18.256" v="17488" actId="47"/>
+        <pc:sldMkLst>
+          <pc:docMk/>
+          <pc:sldMk cId="1982318579" sldId="335"/>
+        </pc:sldMkLst>
+      </pc:sldChg>
+      <pc:sldChg chg="add del">
+        <pc:chgData name="Kurapov, Petr A" userId="4f72f5bd-7121-44c3-86b2-1c510f75006f" providerId="ADAL" clId="{D50F62EA-83EF-43A7-B82D-213DF821BB50}" dt="2025-02-13T15:35:18.256" v="17488" actId="47"/>
+        <pc:sldMkLst>
+          <pc:docMk/>
+          <pc:sldMk cId="2676588266" sldId="336"/>
+        </pc:sldMkLst>
+      </pc:sldChg>
+      <pc:sldChg chg="add del">
+        <pc:chgData name="Kurapov, Petr A" userId="4f72f5bd-7121-44c3-86b2-1c510f75006f" providerId="ADAL" clId="{D50F62EA-83EF-43A7-B82D-213DF821BB50}" dt="2025-02-13T15:35:18.256" v="17488" actId="47"/>
+        <pc:sldMkLst>
+          <pc:docMk/>
+          <pc:sldMk cId="3785403557" sldId="337"/>
+        </pc:sldMkLst>
+      </pc:sldChg>
+      <pc:sldChg chg="add del">
+        <pc:chgData name="Kurapov, Petr A" userId="4f72f5bd-7121-44c3-86b2-1c510f75006f" providerId="ADAL" clId="{D50F62EA-83EF-43A7-B82D-213DF821BB50}" dt="2025-02-13T15:35:18.256" v="17488" actId="47"/>
+        <pc:sldMkLst>
+          <pc:docMk/>
+          <pc:sldMk cId="2744280291" sldId="338"/>
+        </pc:sldMkLst>
+      </pc:sldChg>
+      <pc:sldChg chg="add del">
+        <pc:chgData name="Kurapov, Petr A" userId="4f72f5bd-7121-44c3-86b2-1c510f75006f" providerId="ADAL" clId="{D50F62EA-83EF-43A7-B82D-213DF821BB50}" dt="2025-02-13T15:35:18.256" v="17488" actId="47"/>
+        <pc:sldMkLst>
+          <pc:docMk/>
+          <pc:sldMk cId="1408887341" sldId="339"/>
+        </pc:sldMkLst>
+      </pc:sldChg>
+      <pc:sldChg chg="add del">
+        <pc:chgData name="Kurapov, Petr A" userId="4f72f5bd-7121-44c3-86b2-1c510f75006f" providerId="ADAL" clId="{D50F62EA-83EF-43A7-B82D-213DF821BB50}" dt="2025-02-13T15:35:18.256" v="17488" actId="47"/>
+        <pc:sldMkLst>
+          <pc:docMk/>
+          <pc:sldMk cId="248187595" sldId="340"/>
+        </pc:sldMkLst>
+      </pc:sldChg>
+      <pc:sldChg chg="add del">
+        <pc:chgData name="Kurapov, Petr A" userId="4f72f5bd-7121-44c3-86b2-1c510f75006f" providerId="ADAL" clId="{D50F62EA-83EF-43A7-B82D-213DF821BB50}" dt="2025-02-13T15:35:18.256" v="17488" actId="47"/>
+        <pc:sldMkLst>
+          <pc:docMk/>
+          <pc:sldMk cId="768360993" sldId="341"/>
+        </pc:sldMkLst>
+      </pc:sldChg>
+      <pc:sldChg chg="add del">
+        <pc:chgData name="Kurapov, Petr A" userId="4f72f5bd-7121-44c3-86b2-1c510f75006f" providerId="ADAL" clId="{D50F62EA-83EF-43A7-B82D-213DF821BB50}" dt="2025-02-13T15:35:18.256" v="17488" actId="47"/>
+        <pc:sldMkLst>
+          <pc:docMk/>
+          <pc:sldMk cId="2805588878" sldId="342"/>
+        </pc:sldMkLst>
+      </pc:sldChg>
+      <pc:sldChg chg="add del">
+        <pc:chgData name="Kurapov, Petr A" userId="4f72f5bd-7121-44c3-86b2-1c510f75006f" providerId="ADAL" clId="{D50F62EA-83EF-43A7-B82D-213DF821BB50}" dt="2025-02-13T15:35:18.256" v="17488" actId="47"/>
+        <pc:sldMkLst>
+          <pc:docMk/>
+          <pc:sldMk cId="1670980240" sldId="343"/>
+        </pc:sldMkLst>
+      </pc:sldChg>
+      <pc:sldChg chg="add del">
+        <pc:chgData name="Kurapov, Petr A" userId="4f72f5bd-7121-44c3-86b2-1c510f75006f" providerId="ADAL" clId="{D50F62EA-83EF-43A7-B82D-213DF821BB50}" dt="2025-02-13T15:35:18.256" v="17488" actId="47"/>
+        <pc:sldMkLst>
+          <pc:docMk/>
+          <pc:sldMk cId="2060628749" sldId="344"/>
+        </pc:sldMkLst>
+      </pc:sldChg>
+      <pc:sldChg chg="add del">
+        <pc:chgData name="Kurapov, Petr A" userId="4f72f5bd-7121-44c3-86b2-1c510f75006f" providerId="ADAL" clId="{D50F62EA-83EF-43A7-B82D-213DF821BB50}" dt="2025-02-13T15:35:18.256" v="17488" actId="47"/>
+        <pc:sldMkLst>
+          <pc:docMk/>
+          <pc:sldMk cId="2223294552" sldId="345"/>
+        </pc:sldMkLst>
+      </pc:sldChg>
+      <pc:sldChg chg="add del">
+        <pc:chgData name="Kurapov, Petr A" userId="4f72f5bd-7121-44c3-86b2-1c510f75006f" providerId="ADAL" clId="{D50F62EA-83EF-43A7-B82D-213DF821BB50}" dt="2025-02-13T15:35:18.256" v="17488" actId="47"/>
+        <pc:sldMkLst>
+          <pc:docMk/>
+          <pc:sldMk cId="1247104681" sldId="346"/>
+        </pc:sldMkLst>
+      </pc:sldChg>
+      <pc:sldChg chg="add del">
+        <pc:chgData name="Kurapov, Petr A" userId="4f72f5bd-7121-44c3-86b2-1c510f75006f" providerId="ADAL" clId="{D50F62EA-83EF-43A7-B82D-213DF821BB50}" dt="2025-02-13T15:35:18.256" v="17488" actId="47"/>
+        <pc:sldMkLst>
+          <pc:docMk/>
+          <pc:sldMk cId="310370319" sldId="347"/>
+        </pc:sldMkLst>
+      </pc:sldChg>
+      <pc:sldChg chg="add del">
+        <pc:chgData name="Kurapov, Petr A" userId="4f72f5bd-7121-44c3-86b2-1c510f75006f" providerId="ADAL" clId="{D50F62EA-83EF-43A7-B82D-213DF821BB50}" dt="2025-02-13T15:35:18.256" v="17488" actId="47"/>
+        <pc:sldMkLst>
+          <pc:docMk/>
+          <pc:sldMk cId="2017641597" sldId="348"/>
+        </pc:sldMkLst>
+      </pc:sldChg>
+      <pc:sldChg chg="add del">
+        <pc:chgData name="Kurapov, Petr A" userId="4f72f5bd-7121-44c3-86b2-1c510f75006f" providerId="ADAL" clId="{D50F62EA-83EF-43A7-B82D-213DF821BB50}" dt="2025-02-13T15:35:18.256" v="17488" actId="47"/>
+        <pc:sldMkLst>
+          <pc:docMk/>
+          <pc:sldMk cId="2822492869" sldId="349"/>
+        </pc:sldMkLst>
+      </pc:sldChg>
+      <pc:sldChg chg="add del">
+        <pc:chgData name="Kurapov, Petr A" userId="4f72f5bd-7121-44c3-86b2-1c510f75006f" providerId="ADAL" clId="{D50F62EA-83EF-43A7-B82D-213DF821BB50}" dt="2025-02-13T15:35:18.256" v="17488" actId="47"/>
+        <pc:sldMkLst>
+          <pc:docMk/>
+          <pc:sldMk cId="204077095" sldId="350"/>
+        </pc:sldMkLst>
+      </pc:sldChg>
+      <pc:sldChg chg="add del">
+        <pc:chgData name="Kurapov, Petr A" userId="4f72f5bd-7121-44c3-86b2-1c510f75006f" providerId="ADAL" clId="{D50F62EA-83EF-43A7-B82D-213DF821BB50}" dt="2025-02-13T15:35:18.256" v="17488" actId="47"/>
+        <pc:sldMkLst>
+          <pc:docMk/>
+          <pc:sldMk cId="824581112" sldId="351"/>
+        </pc:sldMkLst>
+      </pc:sldChg>
+      <pc:sldChg chg="add del">
+        <pc:chgData name="Kurapov, Petr A" userId="4f72f5bd-7121-44c3-86b2-1c510f75006f" providerId="ADAL" clId="{D50F62EA-83EF-43A7-B82D-213DF821BB50}" dt="2025-02-13T15:35:18.256" v="17488" actId="47"/>
+        <pc:sldMkLst>
+          <pc:docMk/>
+          <pc:sldMk cId="3504263057" sldId="352"/>
+        </pc:sldMkLst>
+      </pc:sldChg>
+      <pc:sldChg chg="add del">
+        <pc:chgData name="Kurapov, Petr A" userId="4f72f5bd-7121-44c3-86b2-1c510f75006f" providerId="ADAL" clId="{D50F62EA-83EF-43A7-B82D-213DF821BB50}" dt="2025-02-13T15:35:18.256" v="17488" actId="47"/>
+        <pc:sldMkLst>
+          <pc:docMk/>
+          <pc:sldMk cId="3346943257" sldId="353"/>
+        </pc:sldMkLst>
+      </pc:sldChg>
+      <pc:sldChg chg="add del">
+        <pc:chgData name="Kurapov, Petr A" userId="4f72f5bd-7121-44c3-86b2-1c510f75006f" providerId="ADAL" clId="{D50F62EA-83EF-43A7-B82D-213DF821BB50}" dt="2025-02-13T15:35:18.256" v="17488" actId="47"/>
+        <pc:sldMkLst>
+          <pc:docMk/>
+          <pc:sldMk cId="3878044826" sldId="354"/>
+        </pc:sldMkLst>
+      </pc:sldChg>
+      <pc:sldChg chg="add del">
+        <pc:chgData name="Kurapov, Petr A" userId="4f72f5bd-7121-44c3-86b2-1c510f75006f" providerId="ADAL" clId="{D50F62EA-83EF-43A7-B82D-213DF821BB50}" dt="2025-02-13T15:35:18.256" v="17488" actId="47"/>
+        <pc:sldMkLst>
+          <pc:docMk/>
+          <pc:sldMk cId="4082463886" sldId="355"/>
+        </pc:sldMkLst>
+      </pc:sldChg>
+      <pc:sldChg chg="add del">
+        <pc:chgData name="Kurapov, Petr A" userId="4f72f5bd-7121-44c3-86b2-1c510f75006f" providerId="ADAL" clId="{D50F62EA-83EF-43A7-B82D-213DF821BB50}" dt="2025-02-13T15:35:18.256" v="17488" actId="47"/>
+        <pc:sldMkLst>
+          <pc:docMk/>
+          <pc:sldMk cId="571260068" sldId="356"/>
+        </pc:sldMkLst>
+      </pc:sldChg>
+      <pc:sldChg chg="add del">
+        <pc:chgData name="Kurapov, Petr A" userId="4f72f5bd-7121-44c3-86b2-1c510f75006f" providerId="ADAL" clId="{D50F62EA-83EF-43A7-B82D-213DF821BB50}" dt="2025-02-13T15:35:18.256" v="17488" actId="47"/>
+        <pc:sldMkLst>
+          <pc:docMk/>
+          <pc:sldMk cId="1466469252" sldId="357"/>
+        </pc:sldMkLst>
+      </pc:sldChg>
+      <pc:sldChg chg="add del">
+        <pc:chgData name="Kurapov, Petr A" userId="4f72f5bd-7121-44c3-86b2-1c510f75006f" providerId="ADAL" clId="{D50F62EA-83EF-43A7-B82D-213DF821BB50}" dt="2025-02-13T15:35:18.256" v="17488" actId="47"/>
+        <pc:sldMkLst>
+          <pc:docMk/>
+          <pc:sldMk cId="3806023555" sldId="358"/>
+        </pc:sldMkLst>
+      </pc:sldChg>
+      <pc:sldChg chg="add del">
+        <pc:chgData name="Kurapov, Petr A" userId="4f72f5bd-7121-44c3-86b2-1c510f75006f" providerId="ADAL" clId="{D50F62EA-83EF-43A7-B82D-213DF821BB50}" dt="2025-02-13T15:35:18.256" v="17488" actId="47"/>
+        <pc:sldMkLst>
+          <pc:docMk/>
+          <pc:sldMk cId="515023443" sldId="359"/>
+        </pc:sldMkLst>
+      </pc:sldChg>
+      <pc:sldChg chg="add del">
+        <pc:chgData name="Kurapov, Petr A" userId="4f72f5bd-7121-44c3-86b2-1c510f75006f" providerId="ADAL" clId="{D50F62EA-83EF-43A7-B82D-213DF821BB50}" dt="2025-02-13T15:35:18.256" v="17488" actId="47"/>
+        <pc:sldMkLst>
+          <pc:docMk/>
+          <pc:sldMk cId="2432109825" sldId="360"/>
+        </pc:sldMkLst>
+      </pc:sldChg>
+      <pc:sldChg chg="add del">
+        <pc:chgData name="Kurapov, Petr A" userId="4f72f5bd-7121-44c3-86b2-1c510f75006f" providerId="ADAL" clId="{D50F62EA-83EF-43A7-B82D-213DF821BB50}" dt="2025-02-13T15:35:18.256" v="17488" actId="47"/>
+        <pc:sldMkLst>
+          <pc:docMk/>
+          <pc:sldMk cId="2048007483" sldId="361"/>
+        </pc:sldMkLst>
+      </pc:sldChg>
+      <pc:sldChg chg="add del">
+        <pc:chgData name="Kurapov, Petr A" userId="4f72f5bd-7121-44c3-86b2-1c510f75006f" providerId="ADAL" clId="{D50F62EA-83EF-43A7-B82D-213DF821BB50}" dt="2025-02-13T15:35:18.256" v="17488" actId="47"/>
+        <pc:sldMkLst>
+          <pc:docMk/>
+          <pc:sldMk cId="1218385597" sldId="362"/>
+        </pc:sldMkLst>
+      </pc:sldChg>
+      <pc:sldChg chg="add del">
+        <pc:chgData name="Kurapov, Petr A" userId="4f72f5bd-7121-44c3-86b2-1c510f75006f" providerId="ADAL" clId="{D50F62EA-83EF-43A7-B82D-213DF821BB50}" dt="2025-02-13T15:35:18.256" v="17488" actId="47"/>
+        <pc:sldMkLst>
+          <pc:docMk/>
+          <pc:sldMk cId="97082942" sldId="363"/>
+        </pc:sldMkLst>
+      </pc:sldChg>
+      <pc:sldChg chg="add del">
+        <pc:chgData name="Kurapov, Petr A" userId="4f72f5bd-7121-44c3-86b2-1c510f75006f" providerId="ADAL" clId="{D50F62EA-83EF-43A7-B82D-213DF821BB50}" dt="2025-02-13T15:35:18.256" v="17488" actId="47"/>
+        <pc:sldMkLst>
+          <pc:docMk/>
+          <pc:sldMk cId="4172658254" sldId="364"/>
+        </pc:sldMkLst>
+      </pc:sldChg>
+      <pc:sldChg chg="add del">
+        <pc:chgData name="Kurapov, Petr A" userId="4f72f5bd-7121-44c3-86b2-1c510f75006f" providerId="ADAL" clId="{D50F62EA-83EF-43A7-B82D-213DF821BB50}" dt="2025-02-13T15:35:18.256" v="17488" actId="47"/>
+        <pc:sldMkLst>
+          <pc:docMk/>
+          <pc:sldMk cId="2995461214" sldId="365"/>
+        </pc:sldMkLst>
+      </pc:sldChg>
+      <pc:sldChg chg="add del">
+        <pc:chgData name="Kurapov, Petr A" userId="4f72f5bd-7121-44c3-86b2-1c510f75006f" providerId="ADAL" clId="{D50F62EA-83EF-43A7-B82D-213DF821BB50}" dt="2025-02-13T15:35:18.256" v="17488" actId="47"/>
+        <pc:sldMkLst>
+          <pc:docMk/>
+          <pc:sldMk cId="3745958039" sldId="366"/>
+        </pc:sldMkLst>
+      </pc:sldChg>
+      <pc:sldChg chg="add del">
+        <pc:chgData name="Kurapov, Petr A" userId="4f72f5bd-7121-44c3-86b2-1c510f75006f" providerId="ADAL" clId="{D50F62EA-83EF-43A7-B82D-213DF821BB50}" dt="2025-02-13T15:35:18.256" v="17488" actId="47"/>
+        <pc:sldMkLst>
+          <pc:docMk/>
+          <pc:sldMk cId="2578686299" sldId="367"/>
+        </pc:sldMkLst>
+      </pc:sldChg>
+      <pc:sldChg chg="add del">
+        <pc:chgData name="Kurapov, Petr A" userId="4f72f5bd-7121-44c3-86b2-1c510f75006f" providerId="ADAL" clId="{D50F62EA-83EF-43A7-B82D-213DF821BB50}" dt="2025-02-13T15:35:18.256" v="17488" actId="47"/>
+        <pc:sldMkLst>
+          <pc:docMk/>
+          <pc:sldMk cId="1097079597" sldId="368"/>
+        </pc:sldMkLst>
+      </pc:sldChg>
+      <pc:sldChg chg="add del">
+        <pc:chgData name="Kurapov, Petr A" userId="4f72f5bd-7121-44c3-86b2-1c510f75006f" providerId="ADAL" clId="{D50F62EA-83EF-43A7-B82D-213DF821BB50}" dt="2025-02-13T15:35:18.256" v="17488" actId="47"/>
+        <pc:sldMkLst>
+          <pc:docMk/>
+          <pc:sldMk cId="3101952486" sldId="369"/>
+        </pc:sldMkLst>
+      </pc:sldChg>
+      <pc:sldChg chg="add del">
+        <pc:chgData name="Kurapov, Petr A" userId="4f72f5bd-7121-44c3-86b2-1c510f75006f" providerId="ADAL" clId="{D50F62EA-83EF-43A7-B82D-213DF821BB50}" dt="2025-02-13T15:35:18.256" v="17488" actId="47"/>
+        <pc:sldMkLst>
+          <pc:docMk/>
+          <pc:sldMk cId="1138569706" sldId="370"/>
+        </pc:sldMkLst>
+      </pc:sldChg>
+      <pc:sldChg chg="add del">
+        <pc:chgData name="Kurapov, Petr A" userId="4f72f5bd-7121-44c3-86b2-1c510f75006f" providerId="ADAL" clId="{D50F62EA-83EF-43A7-B82D-213DF821BB50}" dt="2025-02-13T15:35:18.256" v="17488" actId="47"/>
+        <pc:sldMkLst>
+          <pc:docMk/>
+          <pc:sldMk cId="908073161" sldId="371"/>
+        </pc:sldMkLst>
+      </pc:sldChg>
+      <pc:sldChg chg="add del">
+        <pc:chgData name="Kurapov, Petr A" userId="4f72f5bd-7121-44c3-86b2-1c510f75006f" providerId="ADAL" clId="{D50F62EA-83EF-43A7-B82D-213DF821BB50}" dt="2025-02-13T15:35:18.256" v="17488" actId="47"/>
+        <pc:sldMkLst>
+          <pc:docMk/>
+          <pc:sldMk cId="3848315398" sldId="372"/>
+        </pc:sldMkLst>
+      </pc:sldChg>
+      <pc:sldChg chg="add del">
+        <pc:chgData name="Kurapov, Petr A" userId="4f72f5bd-7121-44c3-86b2-1c510f75006f" providerId="ADAL" clId="{D50F62EA-83EF-43A7-B82D-213DF821BB50}" dt="2025-02-13T15:35:18.256" v="17488" actId="47"/>
+        <pc:sldMkLst>
+          <pc:docMk/>
+          <pc:sldMk cId="317699188" sldId="373"/>
+        </pc:sldMkLst>
+      </pc:sldChg>
+      <pc:sldChg chg="add del">
+        <pc:chgData name="Kurapov, Petr A" userId="4f72f5bd-7121-44c3-86b2-1c510f75006f" providerId="ADAL" clId="{D50F62EA-83EF-43A7-B82D-213DF821BB50}" dt="2025-02-13T15:35:18.256" v="17488" actId="47"/>
+        <pc:sldMkLst>
+          <pc:docMk/>
+          <pc:sldMk cId="950417154" sldId="374"/>
+        </pc:sldMkLst>
+      </pc:sldChg>
+      <pc:sldChg chg="add del">
+        <pc:chgData name="Kurapov, Petr A" userId="4f72f5bd-7121-44c3-86b2-1c510f75006f" providerId="ADAL" clId="{D50F62EA-83EF-43A7-B82D-213DF821BB50}" dt="2025-02-13T15:35:18.256" v="17488" actId="47"/>
+        <pc:sldMkLst>
+          <pc:docMk/>
+          <pc:sldMk cId="1191538583" sldId="375"/>
+        </pc:sldMkLst>
       </pc:sldChg>
     </pc:docChg>
   </pc:docChgLst>
@@ -3165,7 +2653,7 @@
           <a:p>
             <a:fld id="{73D3584A-1B0D-40B2-BEFA-1B63AFA5FB86}" type="datetimeFigureOut">
               <a:rPr lang="en-US" smtClean="0"/>
-              <a:t>2/6/2025</a:t>
+              <a:t>2/13/2025</a:t>
             </a:fld>
             <a:endParaRPr lang="en-US"/>
           </a:p>
@@ -3707,7 +3195,7 @@
           <a:p>
             <a:fld id="{1D4A0C49-243D-42F1-A13F-A40F94EC9178}" type="slidenum">
               <a:rPr lang="en-US" smtClean="0"/>
-              <a:t>23</a:t>
+              <a:t>28</a:t>
             </a:fld>
             <a:endParaRPr lang="en-US"/>
           </a:p>
@@ -3873,7 +3361,7 @@
           <a:p>
             <a:fld id="{627FA939-6E35-4C5E-B59B-4FE483751032}" type="datetimeFigureOut">
               <a:rPr lang="en-US" smtClean="0"/>
-              <a:t>2/6/2025</a:t>
+              <a:t>2/13/2025</a:t>
             </a:fld>
             <a:endParaRPr lang="en-US"/>
           </a:p>
@@ -4071,7 +3559,7 @@
           <a:p>
             <a:fld id="{627FA939-6E35-4C5E-B59B-4FE483751032}" type="datetimeFigureOut">
               <a:rPr lang="en-US" smtClean="0"/>
-              <a:t>2/6/2025</a:t>
+              <a:t>2/13/2025</a:t>
             </a:fld>
             <a:endParaRPr lang="en-US"/>
           </a:p>
@@ -4279,7 +3767,7 @@
           <a:p>
             <a:fld id="{627FA939-6E35-4C5E-B59B-4FE483751032}" type="datetimeFigureOut">
               <a:rPr lang="en-US" smtClean="0"/>
-              <a:t>2/6/2025</a:t>
+              <a:t>2/13/2025</a:t>
             </a:fld>
             <a:endParaRPr lang="en-US"/>
           </a:p>
@@ -4477,7 +3965,7 @@
           <a:p>
             <a:fld id="{627FA939-6E35-4C5E-B59B-4FE483751032}" type="datetimeFigureOut">
               <a:rPr lang="en-US" smtClean="0"/>
-              <a:t>2/6/2025</a:t>
+              <a:t>2/13/2025</a:t>
             </a:fld>
             <a:endParaRPr lang="en-US"/>
           </a:p>
@@ -4752,7 +4240,7 @@
           <a:p>
             <a:fld id="{627FA939-6E35-4C5E-B59B-4FE483751032}" type="datetimeFigureOut">
               <a:rPr lang="en-US" smtClean="0"/>
-              <a:t>2/6/2025</a:t>
+              <a:t>2/13/2025</a:t>
             </a:fld>
             <a:endParaRPr lang="en-US"/>
           </a:p>
@@ -5017,7 +4505,7 @@
           <a:p>
             <a:fld id="{627FA939-6E35-4C5E-B59B-4FE483751032}" type="datetimeFigureOut">
               <a:rPr lang="en-US" smtClean="0"/>
-              <a:t>2/6/2025</a:t>
+              <a:t>2/13/2025</a:t>
             </a:fld>
             <a:endParaRPr lang="en-US"/>
           </a:p>
@@ -5429,7 +4917,7 @@
           <a:p>
             <a:fld id="{627FA939-6E35-4C5E-B59B-4FE483751032}" type="datetimeFigureOut">
               <a:rPr lang="en-US" smtClean="0"/>
-              <a:t>2/6/2025</a:t>
+              <a:t>2/13/2025</a:t>
             </a:fld>
             <a:endParaRPr lang="en-US"/>
           </a:p>
@@ -5570,7 +5058,7 @@
           <a:p>
             <a:fld id="{627FA939-6E35-4C5E-B59B-4FE483751032}" type="datetimeFigureOut">
               <a:rPr lang="en-US" smtClean="0"/>
-              <a:t>2/6/2025</a:t>
+              <a:t>2/13/2025</a:t>
             </a:fld>
             <a:endParaRPr lang="en-US"/>
           </a:p>
@@ -5683,7 +5171,7 @@
           <a:p>
             <a:fld id="{627FA939-6E35-4C5E-B59B-4FE483751032}" type="datetimeFigureOut">
               <a:rPr lang="en-US" smtClean="0"/>
-              <a:t>2/6/2025</a:t>
+              <a:t>2/13/2025</a:t>
             </a:fld>
             <a:endParaRPr lang="en-US"/>
           </a:p>
@@ -5994,7 +5482,7 @@
           <a:p>
             <a:fld id="{627FA939-6E35-4C5E-B59B-4FE483751032}" type="datetimeFigureOut">
               <a:rPr lang="en-US" smtClean="0"/>
-              <a:t>2/6/2025</a:t>
+              <a:t>2/13/2025</a:t>
             </a:fld>
             <a:endParaRPr lang="en-US"/>
           </a:p>
@@ -6282,7 +5770,7 @@
           <a:p>
             <a:fld id="{627FA939-6E35-4C5E-B59B-4FE483751032}" type="datetimeFigureOut">
               <a:rPr lang="en-US" smtClean="0"/>
-              <a:t>2/6/2025</a:t>
+              <a:t>2/13/2025</a:t>
             </a:fld>
             <a:endParaRPr lang="en-US"/>
           </a:p>
@@ -6523,7 +6011,7 @@
           <a:p>
             <a:fld id="{627FA939-6E35-4C5E-B59B-4FE483751032}" type="datetimeFigureOut">
               <a:rPr lang="en-US" smtClean="0"/>
-              <a:t>2/6/2025</a:t>
+              <a:t>2/13/2025</a:t>
             </a:fld>
             <a:endParaRPr lang="en-US"/>
           </a:p>
@@ -7317,8 +6805,8 @@
           </a:p>
         </p:txBody>
       </p:sp>
-      <mc:AlternateContent xmlns:mc="http://schemas.openxmlformats.org/markup-compatibility/2006">
-        <mc:Choice xmlns:a14="http://schemas.microsoft.com/office/drawing/2010/main" Requires="a14">
+      <mc:AlternateContent xmlns:mc="http://schemas.openxmlformats.org/markup-compatibility/2006" xmlns:a14="http://schemas.microsoft.com/office/drawing/2010/main">
+        <mc:Choice Requires="a14">
           <p:sp>
             <p:nvSpPr>
               <p:cNvPr id="3" name="Content Placeholder 2">
@@ -7777,7 +7265,7 @@
             </p:txBody>
           </p:sp>
         </mc:Choice>
-        <mc:Fallback>
+        <mc:Fallback xmlns="">
           <p:sp>
             <p:nvSpPr>
               <p:cNvPr id="3" name="Content Placeholder 2">
@@ -7940,8 +7428,8 @@
           </a:p>
         </p:txBody>
       </p:sp>
-      <mc:AlternateContent xmlns:mc="http://schemas.openxmlformats.org/markup-compatibility/2006">
-        <mc:Choice xmlns:a14="http://schemas.microsoft.com/office/drawing/2010/main" Requires="a14">
+      <mc:AlternateContent xmlns:mc="http://schemas.openxmlformats.org/markup-compatibility/2006" xmlns:a14="http://schemas.microsoft.com/office/drawing/2010/main">
+        <mc:Choice Requires="a14">
           <p:sp>
             <p:nvSpPr>
               <p:cNvPr id="3" name="Content Placeholder 2">
@@ -8232,7 +7720,7 @@
             </p:txBody>
           </p:sp>
         </mc:Choice>
-        <mc:Fallback>
+        <mc:Fallback xmlns="">
           <p:sp>
             <p:nvSpPr>
               <p:cNvPr id="3" name="Content Placeholder 2">
@@ -8967,8 +8455,8 @@
           </a:graphicData>
         </a:graphic>
       </p:graphicFrame>
-      <mc:AlternateContent xmlns:mc="http://schemas.openxmlformats.org/markup-compatibility/2006">
-        <mc:Choice xmlns:a14="http://schemas.microsoft.com/office/drawing/2010/main" Requires="a14">
+      <mc:AlternateContent xmlns:mc="http://schemas.openxmlformats.org/markup-compatibility/2006" xmlns:a14="http://schemas.microsoft.com/office/drawing/2010/main">
+        <mc:Choice Requires="a14">
           <p:sp>
             <p:nvSpPr>
               <p:cNvPr id="27" name="TextBox 26">
@@ -9003,6 +8491,7 @@
                 </a:r>
               </a:p>
               <a:p>
+                <a:pPr/>
                 <a14:m>
                   <m:oMathPara xmlns:m="http://schemas.openxmlformats.org/officeDocument/2006/math">
                     <m:oMathParaPr>
@@ -9147,6 +8636,7 @@
                 </a:endParaRPr>
               </a:p>
               <a:p>
+                <a:pPr/>
                 <a14:m>
                   <m:oMathPara xmlns:m="http://schemas.openxmlformats.org/officeDocument/2006/math">
                     <m:oMathParaPr>
@@ -9271,7 +8761,7 @@
             </p:txBody>
           </p:sp>
         </mc:Choice>
-        <mc:Fallback>
+        <mc:Fallback xmlns="">
           <p:sp>
             <p:nvSpPr>
               <p:cNvPr id="27" name="TextBox 26">
@@ -10865,6 +10355,6361 @@
           <p:cNvPr id="2" name="Title 1">
             <a:extLst>
               <a:ext uri="{FF2B5EF4-FFF2-40B4-BE49-F238E27FC236}">
+                <a16:creationId xmlns:a16="http://schemas.microsoft.com/office/drawing/2014/main" id="{81B8D5E6-1796-4CBC-A7FF-CD7E0D8BE00B}"/>
+              </a:ext>
+            </a:extLst>
+          </p:cNvPr>
+          <p:cNvSpPr>
+            <a:spLocks noGrp="1"/>
+          </p:cNvSpPr>
+          <p:nvPr>
+            <p:ph type="title"/>
+          </p:nvPr>
+        </p:nvSpPr>
+        <p:spPr/>
+        <p:txBody>
+          <a:bodyPr/>
+          <a:lstStyle/>
+          <a:p>
+            <a:r>
+              <a:rPr lang="en-US" dirty="0"/>
+              <a:t>Storage access</a:t>
+            </a:r>
+          </a:p>
+        </p:txBody>
+      </p:sp>
+      <p:sp>
+        <p:nvSpPr>
+          <p:cNvPr id="3" name="Content Placeholder 2">
+            <a:extLst>
+              <a:ext uri="{FF2B5EF4-FFF2-40B4-BE49-F238E27FC236}">
+                <a16:creationId xmlns:a16="http://schemas.microsoft.com/office/drawing/2014/main" id="{DFFF1B67-5D8C-4729-B77D-73A2F0560072}"/>
+              </a:ext>
+            </a:extLst>
+          </p:cNvPr>
+          <p:cNvSpPr>
+            <a:spLocks noGrp="1"/>
+          </p:cNvSpPr>
+          <p:nvPr>
+            <p:ph sz="half" idx="1"/>
+          </p:nvPr>
+        </p:nvSpPr>
+        <p:spPr/>
+        <p:txBody>
+          <a:bodyPr/>
+          <a:lstStyle/>
+          <a:p>
+            <a:r>
+              <a:rPr lang="en-US" dirty="0"/>
+              <a:t>Data is organized in blocks, “low” number of pages present in the main memory – not able to store all the data in it</a:t>
+            </a:r>
+          </a:p>
+        </p:txBody>
+      </p:sp>
+      <p:graphicFrame>
+        <p:nvGraphicFramePr>
+          <p:cNvPr id="11" name="Table 11">
+            <a:extLst>
+              <a:ext uri="{FF2B5EF4-FFF2-40B4-BE49-F238E27FC236}">
+                <a16:creationId xmlns:a16="http://schemas.microsoft.com/office/drawing/2014/main" id="{2B8AB740-E72B-4D5C-A288-21D990A20C1C}"/>
+              </a:ext>
+            </a:extLst>
+          </p:cNvPr>
+          <p:cNvGraphicFramePr>
+            <a:graphicFrameLocks noGrp="1"/>
+          </p:cNvGraphicFramePr>
+          <p:nvPr>
+            <p:ph sz="half" idx="2"/>
+          </p:nvPr>
+        </p:nvGraphicFramePr>
+        <p:xfrm>
+          <a:off x="6328297" y="3690106"/>
+          <a:ext cx="5181595" cy="1854200"/>
+        </p:xfrm>
+        <a:graphic>
+          <a:graphicData uri="http://schemas.openxmlformats.org/drawingml/2006/table">
+            <a:tbl>
+              <a:tblPr firstRow="1" bandRow="1">
+                <a:tableStyleId>{5C22544A-7EE6-4342-B048-85BDC9FD1C3A}</a:tableStyleId>
+              </a:tblPr>
+              <a:tblGrid>
+                <a:gridCol w="1036319">
+                  <a:extLst>
+                    <a:ext uri="{9D8B030D-6E8A-4147-A177-3AD203B41FA5}">
+                      <a16:colId xmlns:a16="http://schemas.microsoft.com/office/drawing/2014/main" val="61183886"/>
+                    </a:ext>
+                  </a:extLst>
+                </a:gridCol>
+                <a:gridCol w="1036319">
+                  <a:extLst>
+                    <a:ext uri="{9D8B030D-6E8A-4147-A177-3AD203B41FA5}">
+                      <a16:colId xmlns:a16="http://schemas.microsoft.com/office/drawing/2014/main" val="1774714738"/>
+                    </a:ext>
+                  </a:extLst>
+                </a:gridCol>
+                <a:gridCol w="1036319">
+                  <a:extLst>
+                    <a:ext uri="{9D8B030D-6E8A-4147-A177-3AD203B41FA5}">
+                      <a16:colId xmlns:a16="http://schemas.microsoft.com/office/drawing/2014/main" val="3499837360"/>
+                    </a:ext>
+                  </a:extLst>
+                </a:gridCol>
+                <a:gridCol w="1036319">
+                  <a:extLst>
+                    <a:ext uri="{9D8B030D-6E8A-4147-A177-3AD203B41FA5}">
+                      <a16:colId xmlns:a16="http://schemas.microsoft.com/office/drawing/2014/main" val="2512125896"/>
+                    </a:ext>
+                  </a:extLst>
+                </a:gridCol>
+                <a:gridCol w="1036319">
+                  <a:extLst>
+                    <a:ext uri="{9D8B030D-6E8A-4147-A177-3AD203B41FA5}">
+                      <a16:colId xmlns:a16="http://schemas.microsoft.com/office/drawing/2014/main" val="958619618"/>
+                    </a:ext>
+                  </a:extLst>
+                </a:gridCol>
+              </a:tblGrid>
+              <a:tr h="370840">
+                <a:tc>
+                  <a:txBody>
+                    <a:bodyPr/>
+                    <a:lstStyle/>
+                    <a:p>
+                      <a:r>
+                        <a:rPr lang="en-US" dirty="0"/>
+                        <a:t>Id</a:t>
+                      </a:r>
+                    </a:p>
+                  </a:txBody>
+                  <a:tcPr/>
+                </a:tc>
+                <a:tc>
+                  <a:txBody>
+                    <a:bodyPr/>
+                    <a:lstStyle/>
+                    <a:p>
+                      <a:r>
+                        <a:rPr lang="en-US" dirty="0"/>
+                        <a:t>Col1</a:t>
+                      </a:r>
+                    </a:p>
+                  </a:txBody>
+                  <a:tcPr/>
+                </a:tc>
+                <a:tc>
+                  <a:txBody>
+                    <a:bodyPr/>
+                    <a:lstStyle/>
+                    <a:p>
+                      <a:r>
+                        <a:rPr lang="en-US" dirty="0"/>
+                        <a:t>Col2</a:t>
+                      </a:r>
+                    </a:p>
+                  </a:txBody>
+                  <a:tcPr/>
+                </a:tc>
+                <a:tc>
+                  <a:txBody>
+                    <a:bodyPr/>
+                    <a:lstStyle/>
+                    <a:p>
+                      <a:r>
+                        <a:rPr lang="en-US" dirty="0"/>
+                        <a:t>Col3</a:t>
+                      </a:r>
+                    </a:p>
+                  </a:txBody>
+                  <a:tcPr/>
+                </a:tc>
+                <a:tc>
+                  <a:txBody>
+                    <a:bodyPr/>
+                    <a:lstStyle/>
+                    <a:p>
+                      <a:r>
+                        <a:rPr lang="en-US" dirty="0"/>
+                        <a:t>…</a:t>
+                      </a:r>
+                    </a:p>
+                  </a:txBody>
+                  <a:tcPr/>
+                </a:tc>
+                <a:extLst>
+                  <a:ext uri="{0D108BD9-81ED-4DB2-BD59-A6C34878D82A}">
+                    <a16:rowId xmlns:a16="http://schemas.microsoft.com/office/drawing/2014/main" val="1401106168"/>
+                  </a:ext>
+                </a:extLst>
+              </a:tr>
+              <a:tr h="370840">
+                <a:tc>
+                  <a:txBody>
+                    <a:bodyPr/>
+                    <a:lstStyle/>
+                    <a:p>
+                      <a:r>
+                        <a:rPr lang="en-US" dirty="0"/>
+                        <a:t>0</a:t>
+                      </a:r>
+                    </a:p>
+                  </a:txBody>
+                  <a:tcPr/>
+                </a:tc>
+                <a:tc>
+                  <a:txBody>
+                    <a:bodyPr/>
+                    <a:lstStyle/>
+                    <a:p>
+                      <a:endParaRPr lang="en-US" dirty="0"/>
+                    </a:p>
+                  </a:txBody>
+                  <a:tcPr/>
+                </a:tc>
+                <a:tc>
+                  <a:txBody>
+                    <a:bodyPr/>
+                    <a:lstStyle/>
+                    <a:p>
+                      <a:endParaRPr lang="en-US" dirty="0"/>
+                    </a:p>
+                  </a:txBody>
+                  <a:tcPr/>
+                </a:tc>
+                <a:tc>
+                  <a:txBody>
+                    <a:bodyPr/>
+                    <a:lstStyle/>
+                    <a:p>
+                      <a:endParaRPr lang="en-US" dirty="0"/>
+                    </a:p>
+                  </a:txBody>
+                  <a:tcPr/>
+                </a:tc>
+                <a:tc>
+                  <a:txBody>
+                    <a:bodyPr/>
+                    <a:lstStyle/>
+                    <a:p>
+                      <a:endParaRPr lang="en-US" dirty="0"/>
+                    </a:p>
+                  </a:txBody>
+                  <a:tcPr/>
+                </a:tc>
+                <a:extLst>
+                  <a:ext uri="{0D108BD9-81ED-4DB2-BD59-A6C34878D82A}">
+                    <a16:rowId xmlns:a16="http://schemas.microsoft.com/office/drawing/2014/main" val="2120880500"/>
+                  </a:ext>
+                </a:extLst>
+              </a:tr>
+              <a:tr h="370840">
+                <a:tc>
+                  <a:txBody>
+                    <a:bodyPr/>
+                    <a:lstStyle/>
+                    <a:p>
+                      <a:r>
+                        <a:rPr lang="en-US" dirty="0"/>
+                        <a:t>1</a:t>
+                      </a:r>
+                    </a:p>
+                  </a:txBody>
+                  <a:tcPr/>
+                </a:tc>
+                <a:tc>
+                  <a:txBody>
+                    <a:bodyPr/>
+                    <a:lstStyle/>
+                    <a:p>
+                      <a:endParaRPr lang="en-US" dirty="0"/>
+                    </a:p>
+                  </a:txBody>
+                  <a:tcPr/>
+                </a:tc>
+                <a:tc>
+                  <a:txBody>
+                    <a:bodyPr/>
+                    <a:lstStyle/>
+                    <a:p>
+                      <a:endParaRPr lang="en-US" dirty="0"/>
+                    </a:p>
+                  </a:txBody>
+                  <a:tcPr/>
+                </a:tc>
+                <a:tc>
+                  <a:txBody>
+                    <a:bodyPr/>
+                    <a:lstStyle/>
+                    <a:p>
+                      <a:endParaRPr lang="en-US" dirty="0"/>
+                    </a:p>
+                  </a:txBody>
+                  <a:tcPr/>
+                </a:tc>
+                <a:tc>
+                  <a:txBody>
+                    <a:bodyPr/>
+                    <a:lstStyle/>
+                    <a:p>
+                      <a:endParaRPr lang="en-US" dirty="0"/>
+                    </a:p>
+                  </a:txBody>
+                  <a:tcPr/>
+                </a:tc>
+                <a:extLst>
+                  <a:ext uri="{0D108BD9-81ED-4DB2-BD59-A6C34878D82A}">
+                    <a16:rowId xmlns:a16="http://schemas.microsoft.com/office/drawing/2014/main" val="1886583556"/>
+                  </a:ext>
+                </a:extLst>
+              </a:tr>
+              <a:tr h="370840">
+                <a:tc>
+                  <a:txBody>
+                    <a:bodyPr/>
+                    <a:lstStyle/>
+                    <a:p>
+                      <a:r>
+                        <a:rPr lang="en-US" dirty="0"/>
+                        <a:t>2</a:t>
+                      </a:r>
+                    </a:p>
+                  </a:txBody>
+                  <a:tcPr/>
+                </a:tc>
+                <a:tc>
+                  <a:txBody>
+                    <a:bodyPr/>
+                    <a:lstStyle/>
+                    <a:p>
+                      <a:endParaRPr lang="en-US" dirty="0"/>
+                    </a:p>
+                  </a:txBody>
+                  <a:tcPr/>
+                </a:tc>
+                <a:tc>
+                  <a:txBody>
+                    <a:bodyPr/>
+                    <a:lstStyle/>
+                    <a:p>
+                      <a:endParaRPr lang="en-US" dirty="0"/>
+                    </a:p>
+                  </a:txBody>
+                  <a:tcPr/>
+                </a:tc>
+                <a:tc>
+                  <a:txBody>
+                    <a:bodyPr/>
+                    <a:lstStyle/>
+                    <a:p>
+                      <a:endParaRPr lang="en-US" dirty="0"/>
+                    </a:p>
+                  </a:txBody>
+                  <a:tcPr/>
+                </a:tc>
+                <a:tc>
+                  <a:txBody>
+                    <a:bodyPr/>
+                    <a:lstStyle/>
+                    <a:p>
+                      <a:endParaRPr lang="en-US" dirty="0"/>
+                    </a:p>
+                  </a:txBody>
+                  <a:tcPr/>
+                </a:tc>
+                <a:extLst>
+                  <a:ext uri="{0D108BD9-81ED-4DB2-BD59-A6C34878D82A}">
+                    <a16:rowId xmlns:a16="http://schemas.microsoft.com/office/drawing/2014/main" val="2655486631"/>
+                  </a:ext>
+                </a:extLst>
+              </a:tr>
+              <a:tr h="370840">
+                <a:tc>
+                  <a:txBody>
+                    <a:bodyPr/>
+                    <a:lstStyle/>
+                    <a:p>
+                      <a:r>
+                        <a:rPr lang="en-US" dirty="0"/>
+                        <a:t>3</a:t>
+                      </a:r>
+                    </a:p>
+                  </a:txBody>
+                  <a:tcPr/>
+                </a:tc>
+                <a:tc>
+                  <a:txBody>
+                    <a:bodyPr/>
+                    <a:lstStyle/>
+                    <a:p>
+                      <a:endParaRPr lang="en-US"/>
+                    </a:p>
+                  </a:txBody>
+                  <a:tcPr/>
+                </a:tc>
+                <a:tc>
+                  <a:txBody>
+                    <a:bodyPr/>
+                    <a:lstStyle/>
+                    <a:p>
+                      <a:endParaRPr lang="en-US"/>
+                    </a:p>
+                  </a:txBody>
+                  <a:tcPr/>
+                </a:tc>
+                <a:tc>
+                  <a:txBody>
+                    <a:bodyPr/>
+                    <a:lstStyle/>
+                    <a:p>
+                      <a:endParaRPr lang="en-US"/>
+                    </a:p>
+                  </a:txBody>
+                  <a:tcPr/>
+                </a:tc>
+                <a:tc>
+                  <a:txBody>
+                    <a:bodyPr/>
+                    <a:lstStyle/>
+                    <a:p>
+                      <a:endParaRPr lang="en-US" dirty="0"/>
+                    </a:p>
+                  </a:txBody>
+                  <a:tcPr/>
+                </a:tc>
+                <a:extLst>
+                  <a:ext uri="{0D108BD9-81ED-4DB2-BD59-A6C34878D82A}">
+                    <a16:rowId xmlns:a16="http://schemas.microsoft.com/office/drawing/2014/main" val="3031717897"/>
+                  </a:ext>
+                </a:extLst>
+              </a:tr>
+            </a:tbl>
+          </a:graphicData>
+        </a:graphic>
+      </p:graphicFrame>
+      <p:sp>
+        <p:nvSpPr>
+          <p:cNvPr id="4" name="Rectangle 3">
+            <a:extLst>
+              <a:ext uri="{FF2B5EF4-FFF2-40B4-BE49-F238E27FC236}">
+                <a16:creationId xmlns:a16="http://schemas.microsoft.com/office/drawing/2014/main" id="{FA0275FD-A257-4BF2-833A-09911D1CE52A}"/>
+              </a:ext>
+            </a:extLst>
+          </p:cNvPr>
+          <p:cNvSpPr/>
+          <p:nvPr/>
+        </p:nvSpPr>
+        <p:spPr>
+          <a:xfrm>
+            <a:off x="9496235" y="1913576"/>
+            <a:ext cx="2301139" cy="1453351"/>
+          </a:xfrm>
+          <a:prstGeom prst="rect">
+            <a:avLst/>
+          </a:prstGeom>
+        </p:spPr>
+        <p:style>
+          <a:lnRef idx="2">
+            <a:schemeClr val="accent1">
+              <a:shade val="50000"/>
+            </a:schemeClr>
+          </a:lnRef>
+          <a:fillRef idx="1">
+            <a:schemeClr val="accent1"/>
+          </a:fillRef>
+          <a:effectRef idx="0">
+            <a:schemeClr val="accent1"/>
+          </a:effectRef>
+          <a:fontRef idx="minor">
+            <a:schemeClr val="lt1"/>
+          </a:fontRef>
+        </p:style>
+        <p:txBody>
+          <a:bodyPr rtlCol="0" anchor="ctr"/>
+          <a:lstStyle/>
+          <a:p>
+            <a:pPr algn="ctr"/>
+            <a:r>
+              <a:rPr lang="en-US" dirty="0"/>
+              <a:t>Disk</a:t>
+            </a:r>
+          </a:p>
+        </p:txBody>
+      </p:sp>
+      <p:sp>
+        <p:nvSpPr>
+          <p:cNvPr id="5" name="Rectangle: Rounded Corners 4">
+            <a:extLst>
+              <a:ext uri="{FF2B5EF4-FFF2-40B4-BE49-F238E27FC236}">
+                <a16:creationId xmlns:a16="http://schemas.microsoft.com/office/drawing/2014/main" id="{5D387998-15F3-4FF2-A1C7-B1CA2D047125}"/>
+              </a:ext>
+            </a:extLst>
+          </p:cNvPr>
+          <p:cNvSpPr/>
+          <p:nvPr/>
+        </p:nvSpPr>
+        <p:spPr>
+          <a:xfrm>
+            <a:off x="9726349" y="2894590"/>
+            <a:ext cx="926511" cy="284614"/>
+          </a:xfrm>
+          <a:prstGeom prst="roundRect">
+            <a:avLst/>
+          </a:prstGeom>
+        </p:spPr>
+        <p:style>
+          <a:lnRef idx="2">
+            <a:schemeClr val="accent5">
+              <a:shade val="50000"/>
+            </a:schemeClr>
+          </a:lnRef>
+          <a:fillRef idx="1">
+            <a:schemeClr val="accent5"/>
+          </a:fillRef>
+          <a:effectRef idx="0">
+            <a:schemeClr val="accent5"/>
+          </a:effectRef>
+          <a:fontRef idx="minor">
+            <a:schemeClr val="lt1"/>
+          </a:fontRef>
+        </p:style>
+        <p:txBody>
+          <a:bodyPr rtlCol="0" anchor="ctr"/>
+          <a:lstStyle/>
+          <a:p>
+            <a:pPr algn="ctr"/>
+            <a:r>
+              <a:rPr lang="en-US" dirty="0"/>
+              <a:t>Block </a:t>
+            </a:r>
+            <a:r>
+              <a:rPr lang="en-US" dirty="0" err="1"/>
+              <a:t>i</a:t>
+            </a:r>
+            <a:endParaRPr lang="en-US" dirty="0"/>
+          </a:p>
+        </p:txBody>
+      </p:sp>
+      <p:sp>
+        <p:nvSpPr>
+          <p:cNvPr id="6" name="Rectangle 5">
+            <a:extLst>
+              <a:ext uri="{FF2B5EF4-FFF2-40B4-BE49-F238E27FC236}">
+                <a16:creationId xmlns:a16="http://schemas.microsoft.com/office/drawing/2014/main" id="{3F393E05-B744-4FF2-844C-EF55CCDCAD2E}"/>
+              </a:ext>
+            </a:extLst>
+          </p:cNvPr>
+          <p:cNvSpPr/>
+          <p:nvPr/>
+        </p:nvSpPr>
+        <p:spPr>
+          <a:xfrm>
+            <a:off x="6159584" y="1913575"/>
+            <a:ext cx="2301139" cy="1453351"/>
+          </a:xfrm>
+          <a:prstGeom prst="rect">
+            <a:avLst/>
+          </a:prstGeom>
+        </p:spPr>
+        <p:style>
+          <a:lnRef idx="2">
+            <a:schemeClr val="accent1">
+              <a:shade val="50000"/>
+            </a:schemeClr>
+          </a:lnRef>
+          <a:fillRef idx="1">
+            <a:schemeClr val="accent1"/>
+          </a:fillRef>
+          <a:effectRef idx="0">
+            <a:schemeClr val="accent1"/>
+          </a:effectRef>
+          <a:fontRef idx="minor">
+            <a:schemeClr val="lt1"/>
+          </a:fontRef>
+        </p:style>
+        <p:txBody>
+          <a:bodyPr rtlCol="0" anchor="ctr"/>
+          <a:lstStyle/>
+          <a:p>
+            <a:pPr algn="ctr"/>
+            <a:r>
+              <a:rPr lang="en-US" dirty="0"/>
+              <a:t>Main memory</a:t>
+            </a:r>
+          </a:p>
+        </p:txBody>
+      </p:sp>
+      <p:cxnSp>
+        <p:nvCxnSpPr>
+          <p:cNvPr id="8" name="Straight Arrow Connector 7">
+            <a:extLst>
+              <a:ext uri="{FF2B5EF4-FFF2-40B4-BE49-F238E27FC236}">
+                <a16:creationId xmlns:a16="http://schemas.microsoft.com/office/drawing/2014/main" id="{7A07420A-B9D9-4F02-A9D1-0DA6C5619651}"/>
+              </a:ext>
+            </a:extLst>
+          </p:cNvPr>
+          <p:cNvCxnSpPr>
+            <a:cxnSpLocks/>
+            <a:stCxn id="5" idx="1"/>
+          </p:cNvCxnSpPr>
+          <p:nvPr/>
+        </p:nvCxnSpPr>
+        <p:spPr>
+          <a:xfrm flipH="1">
+            <a:off x="7582656" y="3036897"/>
+            <a:ext cx="2143693" cy="0"/>
+          </a:xfrm>
+          <a:prstGeom prst="straightConnector1">
+            <a:avLst/>
+          </a:prstGeom>
+          <a:ln>
+            <a:tailEnd type="triangle"/>
+          </a:ln>
+        </p:spPr>
+        <p:style>
+          <a:lnRef idx="3">
+            <a:schemeClr val="accent2"/>
+          </a:lnRef>
+          <a:fillRef idx="0">
+            <a:schemeClr val="accent2"/>
+          </a:fillRef>
+          <a:effectRef idx="2">
+            <a:schemeClr val="accent2"/>
+          </a:effectRef>
+          <a:fontRef idx="minor">
+            <a:schemeClr val="tx1"/>
+          </a:fontRef>
+        </p:style>
+      </p:cxnSp>
+      <p:sp>
+        <p:nvSpPr>
+          <p:cNvPr id="9" name="TextBox 8">
+            <a:extLst>
+              <a:ext uri="{FF2B5EF4-FFF2-40B4-BE49-F238E27FC236}">
+                <a16:creationId xmlns:a16="http://schemas.microsoft.com/office/drawing/2014/main" id="{266467A2-8579-42C3-96D5-B491805822E0}"/>
+              </a:ext>
+            </a:extLst>
+          </p:cNvPr>
+          <p:cNvSpPr txBox="1"/>
+          <p:nvPr/>
+        </p:nvSpPr>
+        <p:spPr>
+          <a:xfrm>
+            <a:off x="8493524" y="2709924"/>
+            <a:ext cx="1156625" cy="369332"/>
+          </a:xfrm>
+          <a:prstGeom prst="rect">
+            <a:avLst/>
+          </a:prstGeom>
+          <a:noFill/>
+        </p:spPr>
+        <p:txBody>
+          <a:bodyPr wrap="square" rtlCol="0">
+            <a:spAutoFit/>
+          </a:bodyPr>
+          <a:lstStyle/>
+          <a:p>
+            <a:r>
+              <a:rPr lang="en-US" dirty="0"/>
+              <a:t>fetch</a:t>
+            </a:r>
+          </a:p>
+        </p:txBody>
+      </p:sp>
+      <p:sp>
+        <p:nvSpPr>
+          <p:cNvPr id="12" name="TextBox 11">
+            <a:extLst>
+              <a:ext uri="{FF2B5EF4-FFF2-40B4-BE49-F238E27FC236}">
+                <a16:creationId xmlns:a16="http://schemas.microsoft.com/office/drawing/2014/main" id="{399472DC-4484-4523-4EEB-A411AF3BD9A2}"/>
+              </a:ext>
+            </a:extLst>
+          </p:cNvPr>
+          <p:cNvSpPr txBox="1"/>
+          <p:nvPr/>
+        </p:nvSpPr>
+        <p:spPr>
+          <a:xfrm>
+            <a:off x="722898" y="3506177"/>
+            <a:ext cx="11074476" cy="3046988"/>
+          </a:xfrm>
+          <a:prstGeom prst="rect">
+            <a:avLst/>
+          </a:prstGeom>
+          <a:noFill/>
+        </p:spPr>
+        <p:txBody>
+          <a:bodyPr wrap="square" rtlCol="0">
+            <a:spAutoFit/>
+          </a:bodyPr>
+          <a:lstStyle/>
+          <a:p>
+            <a:r>
+              <a:rPr lang="en-US" sz="1200" dirty="0"/>
+              <a:t>Latency Comparison Numbers (~2012)</a:t>
+            </a:r>
+          </a:p>
+          <a:p>
+            <a:r>
+              <a:rPr lang="en-US" sz="1200" dirty="0"/>
+              <a:t>----------------------------------</a:t>
+            </a:r>
+          </a:p>
+          <a:p>
+            <a:r>
+              <a:rPr lang="en-US" sz="1200" dirty="0"/>
+              <a:t>L1 cache reference                           0.5 ns</a:t>
+            </a:r>
+          </a:p>
+          <a:p>
+            <a:r>
+              <a:rPr lang="en-US" sz="1200" dirty="0"/>
+              <a:t>Branch </a:t>
+            </a:r>
+            <a:r>
+              <a:rPr lang="en-US" sz="1200" dirty="0" err="1"/>
+              <a:t>mispredict</a:t>
+            </a:r>
+            <a:r>
+              <a:rPr lang="en-US" sz="1200" dirty="0"/>
+              <a:t>                            5   ns</a:t>
+            </a:r>
+          </a:p>
+          <a:p>
+            <a:r>
+              <a:rPr lang="en-US" sz="1200" dirty="0"/>
+              <a:t>L2 cache reference                           7   ns                      14x L1 cache</a:t>
+            </a:r>
+          </a:p>
+          <a:p>
+            <a:r>
+              <a:rPr lang="en-US" sz="1200" dirty="0"/>
+              <a:t>Mutex lock/unlock                           25   ns</a:t>
+            </a:r>
+          </a:p>
+          <a:p>
+            <a:r>
+              <a:rPr lang="en-US" sz="1200" dirty="0"/>
+              <a:t>Main memory reference                      100   ns                      20x L2 cache, 200x L1 cache</a:t>
+            </a:r>
+          </a:p>
+          <a:p>
+            <a:r>
+              <a:rPr lang="en-US" sz="1200" dirty="0"/>
+              <a:t>Compress 1K bytes with Zippy             3,000   ns        3 us</a:t>
+            </a:r>
+          </a:p>
+          <a:p>
+            <a:r>
+              <a:rPr lang="en-US" sz="1200" dirty="0"/>
+              <a:t>Send 1K bytes over 1 Gbps network       10,000   ns       10 us</a:t>
+            </a:r>
+          </a:p>
+          <a:p>
+            <a:r>
+              <a:rPr lang="en-US" sz="1200" dirty="0"/>
+              <a:t>Read 4K randomly from SSD*             150,000   ns      150 us          ~1GB/sec SSD</a:t>
+            </a:r>
+          </a:p>
+          <a:p>
+            <a:r>
+              <a:rPr lang="en-US" sz="1200" dirty="0"/>
+              <a:t>Read 1 MB sequentially from memory     250,000   ns      250 us</a:t>
+            </a:r>
+          </a:p>
+          <a:p>
+            <a:r>
+              <a:rPr lang="en-US" sz="1200" dirty="0"/>
+              <a:t>Round trip within same datacenter      500,000   ns      500 us</a:t>
+            </a:r>
+          </a:p>
+          <a:p>
+            <a:r>
+              <a:rPr lang="en-US" sz="1200" dirty="0"/>
+              <a:t>Read 1 MB sequentially from SSD*     1,000,000   ns    1,000 us    1 </a:t>
+            </a:r>
+            <a:r>
+              <a:rPr lang="en-US" sz="1200" dirty="0" err="1"/>
+              <a:t>ms</a:t>
+            </a:r>
+            <a:r>
+              <a:rPr lang="en-US" sz="1200" dirty="0"/>
+              <a:t>  ~1GB/sec SSD, 4X memory</a:t>
+            </a:r>
+          </a:p>
+          <a:p>
+            <a:r>
+              <a:rPr lang="en-US" sz="1200" dirty="0"/>
+              <a:t>Disk seek                           10,000,000   ns   10,000 us   10 </a:t>
+            </a:r>
+            <a:r>
+              <a:rPr lang="en-US" sz="1200" dirty="0" err="1"/>
+              <a:t>ms</a:t>
+            </a:r>
+            <a:r>
+              <a:rPr lang="en-US" sz="1200" dirty="0"/>
+              <a:t>  20x datacenter roundtrip</a:t>
+            </a:r>
+          </a:p>
+          <a:p>
+            <a:r>
+              <a:rPr lang="en-US" sz="1200" dirty="0"/>
+              <a:t>Read 1 MB sequentially from disk    20,000,000   ns   20,000 us   20 </a:t>
+            </a:r>
+            <a:r>
+              <a:rPr lang="en-US" sz="1200" dirty="0" err="1"/>
+              <a:t>ms</a:t>
+            </a:r>
+            <a:r>
+              <a:rPr lang="en-US" sz="1200" dirty="0"/>
+              <a:t>  80x memory, 20X SSD</a:t>
+            </a:r>
+          </a:p>
+          <a:p>
+            <a:r>
+              <a:rPr lang="en-US" sz="1200" dirty="0"/>
+              <a:t>Send packet CA-&gt;Netherlands-&gt;CA    150,000,000   ns  150,000 us  150 </a:t>
+            </a:r>
+            <a:r>
+              <a:rPr lang="en-US" sz="1200" dirty="0" err="1"/>
+              <a:t>ms</a:t>
+            </a:r>
+            <a:endParaRPr lang="en-US" sz="1200" dirty="0"/>
+          </a:p>
+        </p:txBody>
+      </p:sp>
+      <p:sp>
+        <p:nvSpPr>
+          <p:cNvPr id="14" name="TextBox 13">
+            <a:extLst>
+              <a:ext uri="{FF2B5EF4-FFF2-40B4-BE49-F238E27FC236}">
+                <a16:creationId xmlns:a16="http://schemas.microsoft.com/office/drawing/2014/main" id="{823904D3-EB02-F901-FB7A-AA81AA69BC66}"/>
+              </a:ext>
+            </a:extLst>
+          </p:cNvPr>
+          <p:cNvSpPr txBox="1"/>
+          <p:nvPr/>
+        </p:nvSpPr>
+        <p:spPr>
+          <a:xfrm>
+            <a:off x="722898" y="6492875"/>
+            <a:ext cx="4542687" cy="276999"/>
+          </a:xfrm>
+          <a:prstGeom prst="rect">
+            <a:avLst/>
+          </a:prstGeom>
+          <a:noFill/>
+        </p:spPr>
+        <p:txBody>
+          <a:bodyPr wrap="square" rtlCol="0">
+            <a:spAutoFit/>
+          </a:bodyPr>
+          <a:lstStyle/>
+          <a:p>
+            <a:r>
+              <a:rPr lang="en-US" sz="1200" dirty="0">
+                <a:hlinkClick r:id="rId2"/>
+              </a:rPr>
+              <a:t>https://gist.github.com/jboner/2841832</a:t>
+            </a:r>
+            <a:endParaRPr lang="en-US" sz="1200" dirty="0"/>
+          </a:p>
+        </p:txBody>
+      </p:sp>
+    </p:spTree>
+    <p:extLst>
+      <p:ext uri="{BB962C8B-B14F-4D97-AF65-F5344CB8AC3E}">
+        <p14:creationId xmlns:p14="http://schemas.microsoft.com/office/powerpoint/2010/main" val="3434663707"/>
+      </p:ext>
+    </p:extLst>
+  </p:cSld>
+  <p:clrMapOvr>
+    <a:masterClrMapping/>
+  </p:clrMapOvr>
+</p:sld>
+</file>
+
+<file path=ppt/slides/slide17.xml><?xml version="1.0" encoding="utf-8"?>
+<p:sld xmlns:a="http://schemas.openxmlformats.org/drawingml/2006/main" xmlns:r="http://schemas.openxmlformats.org/officeDocument/2006/relationships" xmlns:p="http://schemas.openxmlformats.org/presentationml/2006/main">
+  <p:cSld>
+    <p:spTree>
+      <p:nvGrpSpPr>
+        <p:cNvPr id="1" name=""/>
+        <p:cNvGrpSpPr/>
+        <p:nvPr/>
+      </p:nvGrpSpPr>
+      <p:grpSpPr>
+        <a:xfrm>
+          <a:off x="0" y="0"/>
+          <a:ext cx="0" cy="0"/>
+          <a:chOff x="0" y="0"/>
+          <a:chExt cx="0" cy="0"/>
+        </a:xfrm>
+      </p:grpSpPr>
+      <p:sp>
+        <p:nvSpPr>
+          <p:cNvPr id="2" name="Title 1">
+            <a:extLst>
+              <a:ext uri="{FF2B5EF4-FFF2-40B4-BE49-F238E27FC236}">
+                <a16:creationId xmlns:a16="http://schemas.microsoft.com/office/drawing/2014/main" id="{81B8D5E6-1796-4CBC-A7FF-CD7E0D8BE00B}"/>
+              </a:ext>
+            </a:extLst>
+          </p:cNvPr>
+          <p:cNvSpPr>
+            <a:spLocks noGrp="1"/>
+          </p:cNvSpPr>
+          <p:nvPr>
+            <p:ph type="title"/>
+          </p:nvPr>
+        </p:nvSpPr>
+        <p:spPr/>
+        <p:txBody>
+          <a:bodyPr/>
+          <a:lstStyle/>
+          <a:p>
+            <a:r>
+              <a:rPr lang="en-US" dirty="0"/>
+              <a:t>Storage access</a:t>
+            </a:r>
+          </a:p>
+        </p:txBody>
+      </p:sp>
+      <p:sp>
+        <p:nvSpPr>
+          <p:cNvPr id="3" name="Content Placeholder 2">
+            <a:extLst>
+              <a:ext uri="{FF2B5EF4-FFF2-40B4-BE49-F238E27FC236}">
+                <a16:creationId xmlns:a16="http://schemas.microsoft.com/office/drawing/2014/main" id="{DFFF1B67-5D8C-4729-B77D-73A2F0560072}"/>
+              </a:ext>
+            </a:extLst>
+          </p:cNvPr>
+          <p:cNvSpPr>
+            <a:spLocks noGrp="1"/>
+          </p:cNvSpPr>
+          <p:nvPr>
+            <p:ph sz="half" idx="1"/>
+          </p:nvPr>
+        </p:nvSpPr>
+        <p:spPr/>
+        <p:txBody>
+          <a:bodyPr/>
+          <a:lstStyle/>
+          <a:p>
+            <a:r>
+              <a:rPr lang="en-US" dirty="0"/>
+              <a:t>Data is organized in blocks, “low” number of pages present in the main memory – not able to store all the data in it</a:t>
+            </a:r>
+          </a:p>
+          <a:p>
+            <a:r>
+              <a:rPr lang="en-US" dirty="0"/>
+              <a:t>i.e. row-store</a:t>
+            </a:r>
+          </a:p>
+          <a:p>
+            <a:r>
+              <a:rPr lang="en-US" dirty="0"/>
+              <a:t>Sequential table scan – many accesses (# of chunks)</a:t>
+            </a:r>
+          </a:p>
+          <a:p>
+            <a:endParaRPr lang="en-US" dirty="0"/>
+          </a:p>
+        </p:txBody>
+      </p:sp>
+      <p:graphicFrame>
+        <p:nvGraphicFramePr>
+          <p:cNvPr id="11" name="Table 11">
+            <a:extLst>
+              <a:ext uri="{FF2B5EF4-FFF2-40B4-BE49-F238E27FC236}">
+                <a16:creationId xmlns:a16="http://schemas.microsoft.com/office/drawing/2014/main" id="{2B8AB740-E72B-4D5C-A288-21D990A20C1C}"/>
+              </a:ext>
+            </a:extLst>
+          </p:cNvPr>
+          <p:cNvGraphicFramePr>
+            <a:graphicFrameLocks noGrp="1"/>
+          </p:cNvGraphicFramePr>
+          <p:nvPr>
+            <p:ph sz="half" idx="2"/>
+          </p:nvPr>
+        </p:nvGraphicFramePr>
+        <p:xfrm>
+          <a:off x="6269091" y="4202577"/>
+          <a:ext cx="5181595" cy="1854200"/>
+        </p:xfrm>
+        <a:graphic>
+          <a:graphicData uri="http://schemas.openxmlformats.org/drawingml/2006/table">
+            <a:tbl>
+              <a:tblPr firstRow="1" bandRow="1">
+                <a:tableStyleId>{5C22544A-7EE6-4342-B048-85BDC9FD1C3A}</a:tableStyleId>
+              </a:tblPr>
+              <a:tblGrid>
+                <a:gridCol w="1036319">
+                  <a:extLst>
+                    <a:ext uri="{9D8B030D-6E8A-4147-A177-3AD203B41FA5}">
+                      <a16:colId xmlns:a16="http://schemas.microsoft.com/office/drawing/2014/main" val="61183886"/>
+                    </a:ext>
+                  </a:extLst>
+                </a:gridCol>
+                <a:gridCol w="1036319">
+                  <a:extLst>
+                    <a:ext uri="{9D8B030D-6E8A-4147-A177-3AD203B41FA5}">
+                      <a16:colId xmlns:a16="http://schemas.microsoft.com/office/drawing/2014/main" val="1774714738"/>
+                    </a:ext>
+                  </a:extLst>
+                </a:gridCol>
+                <a:gridCol w="1036319">
+                  <a:extLst>
+                    <a:ext uri="{9D8B030D-6E8A-4147-A177-3AD203B41FA5}">
+                      <a16:colId xmlns:a16="http://schemas.microsoft.com/office/drawing/2014/main" val="3499837360"/>
+                    </a:ext>
+                  </a:extLst>
+                </a:gridCol>
+                <a:gridCol w="1036319">
+                  <a:extLst>
+                    <a:ext uri="{9D8B030D-6E8A-4147-A177-3AD203B41FA5}">
+                      <a16:colId xmlns:a16="http://schemas.microsoft.com/office/drawing/2014/main" val="2512125896"/>
+                    </a:ext>
+                  </a:extLst>
+                </a:gridCol>
+                <a:gridCol w="1036319">
+                  <a:extLst>
+                    <a:ext uri="{9D8B030D-6E8A-4147-A177-3AD203B41FA5}">
+                      <a16:colId xmlns:a16="http://schemas.microsoft.com/office/drawing/2014/main" val="958619618"/>
+                    </a:ext>
+                  </a:extLst>
+                </a:gridCol>
+              </a:tblGrid>
+              <a:tr h="370840">
+                <a:tc>
+                  <a:txBody>
+                    <a:bodyPr/>
+                    <a:lstStyle/>
+                    <a:p>
+                      <a:r>
+                        <a:rPr lang="en-US" dirty="0"/>
+                        <a:t>Id</a:t>
+                      </a:r>
+                    </a:p>
+                  </a:txBody>
+                  <a:tcPr/>
+                </a:tc>
+                <a:tc>
+                  <a:txBody>
+                    <a:bodyPr/>
+                    <a:lstStyle/>
+                    <a:p>
+                      <a:r>
+                        <a:rPr lang="en-US" dirty="0"/>
+                        <a:t>Col1</a:t>
+                      </a:r>
+                    </a:p>
+                  </a:txBody>
+                  <a:tcPr/>
+                </a:tc>
+                <a:tc>
+                  <a:txBody>
+                    <a:bodyPr/>
+                    <a:lstStyle/>
+                    <a:p>
+                      <a:r>
+                        <a:rPr lang="en-US" dirty="0"/>
+                        <a:t>Col2</a:t>
+                      </a:r>
+                    </a:p>
+                  </a:txBody>
+                  <a:tcPr/>
+                </a:tc>
+                <a:tc>
+                  <a:txBody>
+                    <a:bodyPr/>
+                    <a:lstStyle/>
+                    <a:p>
+                      <a:r>
+                        <a:rPr lang="en-US" dirty="0"/>
+                        <a:t>Col3</a:t>
+                      </a:r>
+                    </a:p>
+                  </a:txBody>
+                  <a:tcPr/>
+                </a:tc>
+                <a:tc>
+                  <a:txBody>
+                    <a:bodyPr/>
+                    <a:lstStyle/>
+                    <a:p>
+                      <a:r>
+                        <a:rPr lang="en-US" dirty="0"/>
+                        <a:t>…</a:t>
+                      </a:r>
+                    </a:p>
+                  </a:txBody>
+                  <a:tcPr/>
+                </a:tc>
+                <a:extLst>
+                  <a:ext uri="{0D108BD9-81ED-4DB2-BD59-A6C34878D82A}">
+                    <a16:rowId xmlns:a16="http://schemas.microsoft.com/office/drawing/2014/main" val="1401106168"/>
+                  </a:ext>
+                </a:extLst>
+              </a:tr>
+              <a:tr h="370840">
+                <a:tc>
+                  <a:txBody>
+                    <a:bodyPr/>
+                    <a:lstStyle/>
+                    <a:p>
+                      <a:r>
+                        <a:rPr lang="en-US" dirty="0"/>
+                        <a:t>0</a:t>
+                      </a:r>
+                    </a:p>
+                  </a:txBody>
+                  <a:tcPr/>
+                </a:tc>
+                <a:tc>
+                  <a:txBody>
+                    <a:bodyPr/>
+                    <a:lstStyle/>
+                    <a:p>
+                      <a:endParaRPr lang="en-US" dirty="0"/>
+                    </a:p>
+                  </a:txBody>
+                  <a:tcPr/>
+                </a:tc>
+                <a:tc>
+                  <a:txBody>
+                    <a:bodyPr/>
+                    <a:lstStyle/>
+                    <a:p>
+                      <a:endParaRPr lang="en-US" dirty="0"/>
+                    </a:p>
+                  </a:txBody>
+                  <a:tcPr/>
+                </a:tc>
+                <a:tc>
+                  <a:txBody>
+                    <a:bodyPr/>
+                    <a:lstStyle/>
+                    <a:p>
+                      <a:endParaRPr lang="en-US" dirty="0"/>
+                    </a:p>
+                  </a:txBody>
+                  <a:tcPr/>
+                </a:tc>
+                <a:tc>
+                  <a:txBody>
+                    <a:bodyPr/>
+                    <a:lstStyle/>
+                    <a:p>
+                      <a:endParaRPr lang="en-US" dirty="0"/>
+                    </a:p>
+                  </a:txBody>
+                  <a:tcPr/>
+                </a:tc>
+                <a:extLst>
+                  <a:ext uri="{0D108BD9-81ED-4DB2-BD59-A6C34878D82A}">
+                    <a16:rowId xmlns:a16="http://schemas.microsoft.com/office/drawing/2014/main" val="2120880500"/>
+                  </a:ext>
+                </a:extLst>
+              </a:tr>
+              <a:tr h="370840">
+                <a:tc>
+                  <a:txBody>
+                    <a:bodyPr/>
+                    <a:lstStyle/>
+                    <a:p>
+                      <a:r>
+                        <a:rPr lang="en-US" dirty="0"/>
+                        <a:t>1</a:t>
+                      </a:r>
+                    </a:p>
+                  </a:txBody>
+                  <a:tcPr/>
+                </a:tc>
+                <a:tc>
+                  <a:txBody>
+                    <a:bodyPr/>
+                    <a:lstStyle/>
+                    <a:p>
+                      <a:endParaRPr lang="en-US" dirty="0"/>
+                    </a:p>
+                  </a:txBody>
+                  <a:tcPr/>
+                </a:tc>
+                <a:tc>
+                  <a:txBody>
+                    <a:bodyPr/>
+                    <a:lstStyle/>
+                    <a:p>
+                      <a:endParaRPr lang="en-US" dirty="0"/>
+                    </a:p>
+                  </a:txBody>
+                  <a:tcPr/>
+                </a:tc>
+                <a:tc>
+                  <a:txBody>
+                    <a:bodyPr/>
+                    <a:lstStyle/>
+                    <a:p>
+                      <a:endParaRPr lang="en-US" dirty="0"/>
+                    </a:p>
+                  </a:txBody>
+                  <a:tcPr/>
+                </a:tc>
+                <a:tc>
+                  <a:txBody>
+                    <a:bodyPr/>
+                    <a:lstStyle/>
+                    <a:p>
+                      <a:endParaRPr lang="en-US" dirty="0"/>
+                    </a:p>
+                  </a:txBody>
+                  <a:tcPr/>
+                </a:tc>
+                <a:extLst>
+                  <a:ext uri="{0D108BD9-81ED-4DB2-BD59-A6C34878D82A}">
+                    <a16:rowId xmlns:a16="http://schemas.microsoft.com/office/drawing/2014/main" val="1886583556"/>
+                  </a:ext>
+                </a:extLst>
+              </a:tr>
+              <a:tr h="370840">
+                <a:tc>
+                  <a:txBody>
+                    <a:bodyPr/>
+                    <a:lstStyle/>
+                    <a:p>
+                      <a:r>
+                        <a:rPr lang="en-US" dirty="0"/>
+                        <a:t>2</a:t>
+                      </a:r>
+                    </a:p>
+                  </a:txBody>
+                  <a:tcPr/>
+                </a:tc>
+                <a:tc>
+                  <a:txBody>
+                    <a:bodyPr/>
+                    <a:lstStyle/>
+                    <a:p>
+                      <a:endParaRPr lang="en-US" dirty="0"/>
+                    </a:p>
+                  </a:txBody>
+                  <a:tcPr/>
+                </a:tc>
+                <a:tc>
+                  <a:txBody>
+                    <a:bodyPr/>
+                    <a:lstStyle/>
+                    <a:p>
+                      <a:endParaRPr lang="en-US" dirty="0"/>
+                    </a:p>
+                  </a:txBody>
+                  <a:tcPr/>
+                </a:tc>
+                <a:tc>
+                  <a:txBody>
+                    <a:bodyPr/>
+                    <a:lstStyle/>
+                    <a:p>
+                      <a:endParaRPr lang="en-US" dirty="0"/>
+                    </a:p>
+                  </a:txBody>
+                  <a:tcPr/>
+                </a:tc>
+                <a:tc>
+                  <a:txBody>
+                    <a:bodyPr/>
+                    <a:lstStyle/>
+                    <a:p>
+                      <a:endParaRPr lang="en-US" dirty="0"/>
+                    </a:p>
+                  </a:txBody>
+                  <a:tcPr/>
+                </a:tc>
+                <a:extLst>
+                  <a:ext uri="{0D108BD9-81ED-4DB2-BD59-A6C34878D82A}">
+                    <a16:rowId xmlns:a16="http://schemas.microsoft.com/office/drawing/2014/main" val="2655486631"/>
+                  </a:ext>
+                </a:extLst>
+              </a:tr>
+              <a:tr h="370840">
+                <a:tc>
+                  <a:txBody>
+                    <a:bodyPr/>
+                    <a:lstStyle/>
+                    <a:p>
+                      <a:r>
+                        <a:rPr lang="en-US" dirty="0"/>
+                        <a:t>3</a:t>
+                      </a:r>
+                    </a:p>
+                  </a:txBody>
+                  <a:tcPr/>
+                </a:tc>
+                <a:tc>
+                  <a:txBody>
+                    <a:bodyPr/>
+                    <a:lstStyle/>
+                    <a:p>
+                      <a:endParaRPr lang="en-US"/>
+                    </a:p>
+                  </a:txBody>
+                  <a:tcPr/>
+                </a:tc>
+                <a:tc>
+                  <a:txBody>
+                    <a:bodyPr/>
+                    <a:lstStyle/>
+                    <a:p>
+                      <a:endParaRPr lang="en-US"/>
+                    </a:p>
+                  </a:txBody>
+                  <a:tcPr/>
+                </a:tc>
+                <a:tc>
+                  <a:txBody>
+                    <a:bodyPr/>
+                    <a:lstStyle/>
+                    <a:p>
+                      <a:endParaRPr lang="en-US"/>
+                    </a:p>
+                  </a:txBody>
+                  <a:tcPr/>
+                </a:tc>
+                <a:tc>
+                  <a:txBody>
+                    <a:bodyPr/>
+                    <a:lstStyle/>
+                    <a:p>
+                      <a:endParaRPr lang="en-US" dirty="0"/>
+                    </a:p>
+                  </a:txBody>
+                  <a:tcPr/>
+                </a:tc>
+                <a:extLst>
+                  <a:ext uri="{0D108BD9-81ED-4DB2-BD59-A6C34878D82A}">
+                    <a16:rowId xmlns:a16="http://schemas.microsoft.com/office/drawing/2014/main" val="3031717897"/>
+                  </a:ext>
+                </a:extLst>
+              </a:tr>
+            </a:tbl>
+          </a:graphicData>
+        </a:graphic>
+      </p:graphicFrame>
+      <p:sp>
+        <p:nvSpPr>
+          <p:cNvPr id="4" name="Rectangle 3">
+            <a:extLst>
+              <a:ext uri="{FF2B5EF4-FFF2-40B4-BE49-F238E27FC236}">
+                <a16:creationId xmlns:a16="http://schemas.microsoft.com/office/drawing/2014/main" id="{FA0275FD-A257-4BF2-833A-09911D1CE52A}"/>
+              </a:ext>
+            </a:extLst>
+          </p:cNvPr>
+          <p:cNvSpPr/>
+          <p:nvPr/>
+        </p:nvSpPr>
+        <p:spPr>
+          <a:xfrm>
+            <a:off x="9496235" y="1913576"/>
+            <a:ext cx="2301139" cy="1453351"/>
+          </a:xfrm>
+          <a:prstGeom prst="rect">
+            <a:avLst/>
+          </a:prstGeom>
+        </p:spPr>
+        <p:style>
+          <a:lnRef idx="2">
+            <a:schemeClr val="accent1">
+              <a:shade val="50000"/>
+            </a:schemeClr>
+          </a:lnRef>
+          <a:fillRef idx="1">
+            <a:schemeClr val="accent1"/>
+          </a:fillRef>
+          <a:effectRef idx="0">
+            <a:schemeClr val="accent1"/>
+          </a:effectRef>
+          <a:fontRef idx="minor">
+            <a:schemeClr val="lt1"/>
+          </a:fontRef>
+        </p:style>
+        <p:txBody>
+          <a:bodyPr rtlCol="0" anchor="ctr"/>
+          <a:lstStyle/>
+          <a:p>
+            <a:pPr algn="ctr"/>
+            <a:r>
+              <a:rPr lang="en-US" dirty="0"/>
+              <a:t>Disk</a:t>
+            </a:r>
+          </a:p>
+        </p:txBody>
+      </p:sp>
+      <p:sp>
+        <p:nvSpPr>
+          <p:cNvPr id="5" name="Rectangle: Rounded Corners 4">
+            <a:extLst>
+              <a:ext uri="{FF2B5EF4-FFF2-40B4-BE49-F238E27FC236}">
+                <a16:creationId xmlns:a16="http://schemas.microsoft.com/office/drawing/2014/main" id="{5D387998-15F3-4FF2-A1C7-B1CA2D047125}"/>
+              </a:ext>
+            </a:extLst>
+          </p:cNvPr>
+          <p:cNvSpPr/>
+          <p:nvPr/>
+        </p:nvSpPr>
+        <p:spPr>
+          <a:xfrm>
+            <a:off x="9726349" y="2894590"/>
+            <a:ext cx="926511" cy="284614"/>
+          </a:xfrm>
+          <a:prstGeom prst="roundRect">
+            <a:avLst/>
+          </a:prstGeom>
+        </p:spPr>
+        <p:style>
+          <a:lnRef idx="2">
+            <a:schemeClr val="accent5">
+              <a:shade val="50000"/>
+            </a:schemeClr>
+          </a:lnRef>
+          <a:fillRef idx="1">
+            <a:schemeClr val="accent5"/>
+          </a:fillRef>
+          <a:effectRef idx="0">
+            <a:schemeClr val="accent5"/>
+          </a:effectRef>
+          <a:fontRef idx="minor">
+            <a:schemeClr val="lt1"/>
+          </a:fontRef>
+        </p:style>
+        <p:txBody>
+          <a:bodyPr rtlCol="0" anchor="ctr"/>
+          <a:lstStyle/>
+          <a:p>
+            <a:pPr algn="ctr"/>
+            <a:r>
+              <a:rPr lang="en-US" dirty="0"/>
+              <a:t>Block </a:t>
+            </a:r>
+            <a:r>
+              <a:rPr lang="en-US" dirty="0" err="1"/>
+              <a:t>i</a:t>
+            </a:r>
+            <a:endParaRPr lang="en-US" dirty="0"/>
+          </a:p>
+        </p:txBody>
+      </p:sp>
+      <p:sp>
+        <p:nvSpPr>
+          <p:cNvPr id="6" name="Rectangle 5">
+            <a:extLst>
+              <a:ext uri="{FF2B5EF4-FFF2-40B4-BE49-F238E27FC236}">
+                <a16:creationId xmlns:a16="http://schemas.microsoft.com/office/drawing/2014/main" id="{3F393E05-B744-4FF2-844C-EF55CCDCAD2E}"/>
+              </a:ext>
+            </a:extLst>
+          </p:cNvPr>
+          <p:cNvSpPr/>
+          <p:nvPr/>
+        </p:nvSpPr>
+        <p:spPr>
+          <a:xfrm>
+            <a:off x="6159584" y="1913575"/>
+            <a:ext cx="2301139" cy="1453351"/>
+          </a:xfrm>
+          <a:prstGeom prst="rect">
+            <a:avLst/>
+          </a:prstGeom>
+        </p:spPr>
+        <p:style>
+          <a:lnRef idx="2">
+            <a:schemeClr val="accent1">
+              <a:shade val="50000"/>
+            </a:schemeClr>
+          </a:lnRef>
+          <a:fillRef idx="1">
+            <a:schemeClr val="accent1"/>
+          </a:fillRef>
+          <a:effectRef idx="0">
+            <a:schemeClr val="accent1"/>
+          </a:effectRef>
+          <a:fontRef idx="minor">
+            <a:schemeClr val="lt1"/>
+          </a:fontRef>
+        </p:style>
+        <p:txBody>
+          <a:bodyPr rtlCol="0" anchor="ctr"/>
+          <a:lstStyle/>
+          <a:p>
+            <a:pPr algn="ctr"/>
+            <a:r>
+              <a:rPr lang="en-US" dirty="0"/>
+              <a:t>Main memory</a:t>
+            </a:r>
+          </a:p>
+        </p:txBody>
+      </p:sp>
+      <p:cxnSp>
+        <p:nvCxnSpPr>
+          <p:cNvPr id="8" name="Straight Arrow Connector 7">
+            <a:extLst>
+              <a:ext uri="{FF2B5EF4-FFF2-40B4-BE49-F238E27FC236}">
+                <a16:creationId xmlns:a16="http://schemas.microsoft.com/office/drawing/2014/main" id="{7A07420A-B9D9-4F02-A9D1-0DA6C5619651}"/>
+              </a:ext>
+            </a:extLst>
+          </p:cNvPr>
+          <p:cNvCxnSpPr>
+            <a:cxnSpLocks/>
+            <a:stCxn id="5" idx="1"/>
+          </p:cNvCxnSpPr>
+          <p:nvPr/>
+        </p:nvCxnSpPr>
+        <p:spPr>
+          <a:xfrm flipH="1">
+            <a:off x="7582656" y="3036897"/>
+            <a:ext cx="2143693" cy="0"/>
+          </a:xfrm>
+          <a:prstGeom prst="straightConnector1">
+            <a:avLst/>
+          </a:prstGeom>
+          <a:ln>
+            <a:tailEnd type="triangle"/>
+          </a:ln>
+        </p:spPr>
+        <p:style>
+          <a:lnRef idx="3">
+            <a:schemeClr val="accent2"/>
+          </a:lnRef>
+          <a:fillRef idx="0">
+            <a:schemeClr val="accent2"/>
+          </a:fillRef>
+          <a:effectRef idx="2">
+            <a:schemeClr val="accent2"/>
+          </a:effectRef>
+          <a:fontRef idx="minor">
+            <a:schemeClr val="tx1"/>
+          </a:fontRef>
+        </p:style>
+      </p:cxnSp>
+      <p:sp>
+        <p:nvSpPr>
+          <p:cNvPr id="9" name="TextBox 8">
+            <a:extLst>
+              <a:ext uri="{FF2B5EF4-FFF2-40B4-BE49-F238E27FC236}">
+                <a16:creationId xmlns:a16="http://schemas.microsoft.com/office/drawing/2014/main" id="{266467A2-8579-42C3-96D5-B491805822E0}"/>
+              </a:ext>
+            </a:extLst>
+          </p:cNvPr>
+          <p:cNvSpPr txBox="1"/>
+          <p:nvPr/>
+        </p:nvSpPr>
+        <p:spPr>
+          <a:xfrm>
+            <a:off x="8493524" y="2709924"/>
+            <a:ext cx="1156625" cy="369332"/>
+          </a:xfrm>
+          <a:prstGeom prst="rect">
+            <a:avLst/>
+          </a:prstGeom>
+          <a:noFill/>
+        </p:spPr>
+        <p:txBody>
+          <a:bodyPr wrap="square" rtlCol="0">
+            <a:spAutoFit/>
+          </a:bodyPr>
+          <a:lstStyle/>
+          <a:p>
+            <a:r>
+              <a:rPr lang="en-US" dirty="0"/>
+              <a:t>fetch</a:t>
+            </a:r>
+          </a:p>
+        </p:txBody>
+      </p:sp>
+      <p:sp>
+        <p:nvSpPr>
+          <p:cNvPr id="7" name="Rectangle: Rounded Corners 6">
+            <a:extLst>
+              <a:ext uri="{FF2B5EF4-FFF2-40B4-BE49-F238E27FC236}">
+                <a16:creationId xmlns:a16="http://schemas.microsoft.com/office/drawing/2014/main" id="{993BFBF5-3BFA-4886-8410-D1F9DC3D3204}"/>
+              </a:ext>
+            </a:extLst>
+          </p:cNvPr>
+          <p:cNvSpPr/>
+          <p:nvPr/>
+        </p:nvSpPr>
+        <p:spPr>
+          <a:xfrm>
+            <a:off x="6225187" y="4578056"/>
+            <a:ext cx="5292620" cy="720619"/>
+          </a:xfrm>
+          <a:prstGeom prst="roundRect">
+            <a:avLst/>
+          </a:prstGeom>
+          <a:noFill/>
+          <a:ln w="9525" cap="flat" cmpd="sng" algn="ctr">
+            <a:solidFill>
+              <a:schemeClr val="accent2"/>
+            </a:solidFill>
+            <a:prstDash val="solid"/>
+            <a:round/>
+            <a:headEnd type="none" w="med" len="med"/>
+            <a:tailEnd type="none" w="med" len="med"/>
+          </a:ln>
+        </p:spPr>
+        <p:style>
+          <a:lnRef idx="0">
+            <a:scrgbClr r="0" g="0" b="0"/>
+          </a:lnRef>
+          <a:fillRef idx="0">
+            <a:scrgbClr r="0" g="0" b="0"/>
+          </a:fillRef>
+          <a:effectRef idx="0">
+            <a:scrgbClr r="0" g="0" b="0"/>
+          </a:effectRef>
+          <a:fontRef idx="minor">
+            <a:schemeClr val="accent2"/>
+          </a:fontRef>
+        </p:style>
+        <p:txBody>
+          <a:bodyPr rtlCol="0" anchor="ctr"/>
+          <a:lstStyle/>
+          <a:p>
+            <a:pPr algn="ctr"/>
+            <a:endParaRPr lang="en-US"/>
+          </a:p>
+        </p:txBody>
+      </p:sp>
+      <p:sp>
+        <p:nvSpPr>
+          <p:cNvPr id="12" name="Rectangle: Rounded Corners 11">
+            <a:extLst>
+              <a:ext uri="{FF2B5EF4-FFF2-40B4-BE49-F238E27FC236}">
+                <a16:creationId xmlns:a16="http://schemas.microsoft.com/office/drawing/2014/main" id="{21DB1110-8345-4A4D-8E05-FBE3DD14A4ED}"/>
+              </a:ext>
+            </a:extLst>
+          </p:cNvPr>
+          <p:cNvSpPr/>
+          <p:nvPr/>
+        </p:nvSpPr>
+        <p:spPr>
+          <a:xfrm>
+            <a:off x="6225187" y="5336158"/>
+            <a:ext cx="5292620" cy="720619"/>
+          </a:xfrm>
+          <a:prstGeom prst="roundRect">
+            <a:avLst/>
+          </a:prstGeom>
+          <a:noFill/>
+          <a:ln w="9525" cap="flat" cmpd="sng" algn="ctr">
+            <a:solidFill>
+              <a:schemeClr val="accent2"/>
+            </a:solidFill>
+            <a:prstDash val="solid"/>
+            <a:round/>
+            <a:headEnd type="none" w="med" len="med"/>
+            <a:tailEnd type="none" w="med" len="med"/>
+          </a:ln>
+        </p:spPr>
+        <p:style>
+          <a:lnRef idx="0">
+            <a:scrgbClr r="0" g="0" b="0"/>
+          </a:lnRef>
+          <a:fillRef idx="0">
+            <a:scrgbClr r="0" g="0" b="0"/>
+          </a:fillRef>
+          <a:effectRef idx="0">
+            <a:scrgbClr r="0" g="0" b="0"/>
+          </a:effectRef>
+          <a:fontRef idx="minor">
+            <a:schemeClr val="accent2"/>
+          </a:fontRef>
+        </p:style>
+        <p:txBody>
+          <a:bodyPr rtlCol="0" anchor="ctr"/>
+          <a:lstStyle/>
+          <a:p>
+            <a:pPr algn="ctr"/>
+            <a:endParaRPr lang="en-US"/>
+          </a:p>
+        </p:txBody>
+      </p:sp>
+      <p:sp>
+        <p:nvSpPr>
+          <p:cNvPr id="10" name="Left Brace 9">
+            <a:extLst>
+              <a:ext uri="{FF2B5EF4-FFF2-40B4-BE49-F238E27FC236}">
+                <a16:creationId xmlns:a16="http://schemas.microsoft.com/office/drawing/2014/main" id="{14834D81-EFF5-4053-ADA1-C9EB41A84A87}"/>
+              </a:ext>
+            </a:extLst>
+          </p:cNvPr>
+          <p:cNvSpPr/>
+          <p:nvPr/>
+        </p:nvSpPr>
+        <p:spPr>
+          <a:xfrm>
+            <a:off x="5951929" y="4559314"/>
+            <a:ext cx="223549" cy="758102"/>
+          </a:xfrm>
+          <a:prstGeom prst="leftBrace">
+            <a:avLst>
+              <a:gd name="adj1" fmla="val 84780"/>
+              <a:gd name="adj2" fmla="val 50000"/>
+            </a:avLst>
+          </a:prstGeom>
+        </p:spPr>
+        <p:style>
+          <a:lnRef idx="1">
+            <a:schemeClr val="accent1"/>
+          </a:lnRef>
+          <a:fillRef idx="0">
+            <a:schemeClr val="accent1"/>
+          </a:fillRef>
+          <a:effectRef idx="0">
+            <a:schemeClr val="accent1"/>
+          </a:effectRef>
+          <a:fontRef idx="minor">
+            <a:schemeClr val="tx1"/>
+          </a:fontRef>
+        </p:style>
+        <p:txBody>
+          <a:bodyPr rtlCol="0" anchor="ctr"/>
+          <a:lstStyle/>
+          <a:p>
+            <a:pPr algn="ctr"/>
+            <a:endParaRPr lang="en-US"/>
+          </a:p>
+        </p:txBody>
+      </p:sp>
+      <p:sp>
+        <p:nvSpPr>
+          <p:cNvPr id="13" name="TextBox 12">
+            <a:extLst>
+              <a:ext uri="{FF2B5EF4-FFF2-40B4-BE49-F238E27FC236}">
+                <a16:creationId xmlns:a16="http://schemas.microsoft.com/office/drawing/2014/main" id="{B8BC19CD-E065-4454-93B6-91944A2E86D2}"/>
+              </a:ext>
+            </a:extLst>
+          </p:cNvPr>
+          <p:cNvSpPr txBox="1"/>
+          <p:nvPr/>
+        </p:nvSpPr>
+        <p:spPr>
+          <a:xfrm>
+            <a:off x="4950729" y="4476700"/>
+            <a:ext cx="1138963" cy="923330"/>
+          </a:xfrm>
+          <a:prstGeom prst="rect">
+            <a:avLst/>
+          </a:prstGeom>
+          <a:noFill/>
+        </p:spPr>
+        <p:txBody>
+          <a:bodyPr wrap="square" rtlCol="0">
+            <a:spAutoFit/>
+          </a:bodyPr>
+          <a:lstStyle/>
+          <a:p>
+            <a:r>
+              <a:rPr lang="en-US" dirty="0"/>
+              <a:t>A chunk fits single block</a:t>
+            </a:r>
+          </a:p>
+        </p:txBody>
+      </p:sp>
+    </p:spTree>
+    <p:extLst>
+      <p:ext uri="{BB962C8B-B14F-4D97-AF65-F5344CB8AC3E}">
+        <p14:creationId xmlns:p14="http://schemas.microsoft.com/office/powerpoint/2010/main" val="2405043301"/>
+      </p:ext>
+    </p:extLst>
+  </p:cSld>
+  <p:clrMapOvr>
+    <a:masterClrMapping/>
+  </p:clrMapOvr>
+</p:sld>
+</file>
+
+<file path=ppt/slides/slide18.xml><?xml version="1.0" encoding="utf-8"?>
+<p:sld xmlns:a="http://schemas.openxmlformats.org/drawingml/2006/main" xmlns:r="http://schemas.openxmlformats.org/officeDocument/2006/relationships" xmlns:p="http://schemas.openxmlformats.org/presentationml/2006/main">
+  <p:cSld>
+    <p:spTree>
+      <p:nvGrpSpPr>
+        <p:cNvPr id="1" name=""/>
+        <p:cNvGrpSpPr/>
+        <p:nvPr/>
+      </p:nvGrpSpPr>
+      <p:grpSpPr>
+        <a:xfrm>
+          <a:off x="0" y="0"/>
+          <a:ext cx="0" cy="0"/>
+          <a:chOff x="0" y="0"/>
+          <a:chExt cx="0" cy="0"/>
+        </a:xfrm>
+      </p:grpSpPr>
+      <p:sp>
+        <p:nvSpPr>
+          <p:cNvPr id="2" name="Title 1">
+            <a:extLst>
+              <a:ext uri="{FF2B5EF4-FFF2-40B4-BE49-F238E27FC236}">
+                <a16:creationId xmlns:a16="http://schemas.microsoft.com/office/drawing/2014/main" id="{81B8D5E6-1796-4CBC-A7FF-CD7E0D8BE00B}"/>
+              </a:ext>
+            </a:extLst>
+          </p:cNvPr>
+          <p:cNvSpPr>
+            <a:spLocks noGrp="1"/>
+          </p:cNvSpPr>
+          <p:nvPr>
+            <p:ph type="title"/>
+          </p:nvPr>
+        </p:nvSpPr>
+        <p:spPr/>
+        <p:txBody>
+          <a:bodyPr/>
+          <a:lstStyle/>
+          <a:p>
+            <a:r>
+              <a:rPr lang="en-US" dirty="0"/>
+              <a:t>Storage access</a:t>
+            </a:r>
+          </a:p>
+        </p:txBody>
+      </p:sp>
+      <p:sp>
+        <p:nvSpPr>
+          <p:cNvPr id="3" name="Content Placeholder 2">
+            <a:extLst>
+              <a:ext uri="{FF2B5EF4-FFF2-40B4-BE49-F238E27FC236}">
+                <a16:creationId xmlns:a16="http://schemas.microsoft.com/office/drawing/2014/main" id="{DFFF1B67-5D8C-4729-B77D-73A2F0560072}"/>
+              </a:ext>
+            </a:extLst>
+          </p:cNvPr>
+          <p:cNvSpPr>
+            <a:spLocks noGrp="1"/>
+          </p:cNvSpPr>
+          <p:nvPr>
+            <p:ph sz="half" idx="1"/>
+          </p:nvPr>
+        </p:nvSpPr>
+        <p:spPr/>
+        <p:txBody>
+          <a:bodyPr/>
+          <a:lstStyle/>
+          <a:p>
+            <a:r>
+              <a:rPr lang="en-US" dirty="0"/>
+              <a:t>i.e. row-store</a:t>
+            </a:r>
+          </a:p>
+          <a:p>
+            <a:r>
+              <a:rPr lang="en-US" dirty="0"/>
+              <a:t>Sequential table scan – many accesses (# of chunks)</a:t>
+            </a:r>
+          </a:p>
+          <a:p>
+            <a:r>
+              <a:rPr lang="en-US" dirty="0"/>
+              <a:t>Use index to minimize disk accesses</a:t>
+            </a:r>
+          </a:p>
+          <a:p>
+            <a:endParaRPr lang="en-US" dirty="0"/>
+          </a:p>
+        </p:txBody>
+      </p:sp>
+      <p:graphicFrame>
+        <p:nvGraphicFramePr>
+          <p:cNvPr id="11" name="Table 11">
+            <a:extLst>
+              <a:ext uri="{FF2B5EF4-FFF2-40B4-BE49-F238E27FC236}">
+                <a16:creationId xmlns:a16="http://schemas.microsoft.com/office/drawing/2014/main" id="{2B8AB740-E72B-4D5C-A288-21D990A20C1C}"/>
+              </a:ext>
+            </a:extLst>
+          </p:cNvPr>
+          <p:cNvGraphicFramePr>
+            <a:graphicFrameLocks noGrp="1"/>
+          </p:cNvGraphicFramePr>
+          <p:nvPr>
+            <p:ph sz="half" idx="2"/>
+          </p:nvPr>
+        </p:nvGraphicFramePr>
+        <p:xfrm>
+          <a:off x="6269091" y="4202577"/>
+          <a:ext cx="5181595" cy="1854200"/>
+        </p:xfrm>
+        <a:graphic>
+          <a:graphicData uri="http://schemas.openxmlformats.org/drawingml/2006/table">
+            <a:tbl>
+              <a:tblPr firstRow="1" bandRow="1">
+                <a:tableStyleId>{5C22544A-7EE6-4342-B048-85BDC9FD1C3A}</a:tableStyleId>
+              </a:tblPr>
+              <a:tblGrid>
+                <a:gridCol w="1036319">
+                  <a:extLst>
+                    <a:ext uri="{9D8B030D-6E8A-4147-A177-3AD203B41FA5}">
+                      <a16:colId xmlns:a16="http://schemas.microsoft.com/office/drawing/2014/main" val="61183886"/>
+                    </a:ext>
+                  </a:extLst>
+                </a:gridCol>
+                <a:gridCol w="1036319">
+                  <a:extLst>
+                    <a:ext uri="{9D8B030D-6E8A-4147-A177-3AD203B41FA5}">
+                      <a16:colId xmlns:a16="http://schemas.microsoft.com/office/drawing/2014/main" val="1774714738"/>
+                    </a:ext>
+                  </a:extLst>
+                </a:gridCol>
+                <a:gridCol w="1036319">
+                  <a:extLst>
+                    <a:ext uri="{9D8B030D-6E8A-4147-A177-3AD203B41FA5}">
+                      <a16:colId xmlns:a16="http://schemas.microsoft.com/office/drawing/2014/main" val="3499837360"/>
+                    </a:ext>
+                  </a:extLst>
+                </a:gridCol>
+                <a:gridCol w="1036319">
+                  <a:extLst>
+                    <a:ext uri="{9D8B030D-6E8A-4147-A177-3AD203B41FA5}">
+                      <a16:colId xmlns:a16="http://schemas.microsoft.com/office/drawing/2014/main" val="2512125896"/>
+                    </a:ext>
+                  </a:extLst>
+                </a:gridCol>
+                <a:gridCol w="1036319">
+                  <a:extLst>
+                    <a:ext uri="{9D8B030D-6E8A-4147-A177-3AD203B41FA5}">
+                      <a16:colId xmlns:a16="http://schemas.microsoft.com/office/drawing/2014/main" val="958619618"/>
+                    </a:ext>
+                  </a:extLst>
+                </a:gridCol>
+              </a:tblGrid>
+              <a:tr h="370840">
+                <a:tc>
+                  <a:txBody>
+                    <a:bodyPr/>
+                    <a:lstStyle/>
+                    <a:p>
+                      <a:r>
+                        <a:rPr lang="en-US" dirty="0"/>
+                        <a:t>Id</a:t>
+                      </a:r>
+                    </a:p>
+                  </a:txBody>
+                  <a:tcPr/>
+                </a:tc>
+                <a:tc>
+                  <a:txBody>
+                    <a:bodyPr/>
+                    <a:lstStyle/>
+                    <a:p>
+                      <a:r>
+                        <a:rPr lang="en-US" dirty="0"/>
+                        <a:t>Col1</a:t>
+                      </a:r>
+                    </a:p>
+                  </a:txBody>
+                  <a:tcPr/>
+                </a:tc>
+                <a:tc>
+                  <a:txBody>
+                    <a:bodyPr/>
+                    <a:lstStyle/>
+                    <a:p>
+                      <a:r>
+                        <a:rPr lang="en-US" dirty="0"/>
+                        <a:t>Col2</a:t>
+                      </a:r>
+                    </a:p>
+                  </a:txBody>
+                  <a:tcPr/>
+                </a:tc>
+                <a:tc>
+                  <a:txBody>
+                    <a:bodyPr/>
+                    <a:lstStyle/>
+                    <a:p>
+                      <a:r>
+                        <a:rPr lang="en-US" dirty="0"/>
+                        <a:t>Col3</a:t>
+                      </a:r>
+                    </a:p>
+                  </a:txBody>
+                  <a:tcPr/>
+                </a:tc>
+                <a:tc>
+                  <a:txBody>
+                    <a:bodyPr/>
+                    <a:lstStyle/>
+                    <a:p>
+                      <a:r>
+                        <a:rPr lang="en-US" dirty="0"/>
+                        <a:t>…</a:t>
+                      </a:r>
+                    </a:p>
+                  </a:txBody>
+                  <a:tcPr/>
+                </a:tc>
+                <a:extLst>
+                  <a:ext uri="{0D108BD9-81ED-4DB2-BD59-A6C34878D82A}">
+                    <a16:rowId xmlns:a16="http://schemas.microsoft.com/office/drawing/2014/main" val="1401106168"/>
+                  </a:ext>
+                </a:extLst>
+              </a:tr>
+              <a:tr h="370840">
+                <a:tc>
+                  <a:txBody>
+                    <a:bodyPr/>
+                    <a:lstStyle/>
+                    <a:p>
+                      <a:r>
+                        <a:rPr lang="en-US" dirty="0"/>
+                        <a:t>0</a:t>
+                      </a:r>
+                    </a:p>
+                  </a:txBody>
+                  <a:tcPr/>
+                </a:tc>
+                <a:tc>
+                  <a:txBody>
+                    <a:bodyPr/>
+                    <a:lstStyle/>
+                    <a:p>
+                      <a:endParaRPr lang="en-US" dirty="0"/>
+                    </a:p>
+                  </a:txBody>
+                  <a:tcPr/>
+                </a:tc>
+                <a:tc>
+                  <a:txBody>
+                    <a:bodyPr/>
+                    <a:lstStyle/>
+                    <a:p>
+                      <a:endParaRPr lang="en-US" dirty="0"/>
+                    </a:p>
+                  </a:txBody>
+                  <a:tcPr/>
+                </a:tc>
+                <a:tc>
+                  <a:txBody>
+                    <a:bodyPr/>
+                    <a:lstStyle/>
+                    <a:p>
+                      <a:endParaRPr lang="en-US" dirty="0"/>
+                    </a:p>
+                  </a:txBody>
+                  <a:tcPr/>
+                </a:tc>
+                <a:tc>
+                  <a:txBody>
+                    <a:bodyPr/>
+                    <a:lstStyle/>
+                    <a:p>
+                      <a:endParaRPr lang="en-US" dirty="0"/>
+                    </a:p>
+                  </a:txBody>
+                  <a:tcPr/>
+                </a:tc>
+                <a:extLst>
+                  <a:ext uri="{0D108BD9-81ED-4DB2-BD59-A6C34878D82A}">
+                    <a16:rowId xmlns:a16="http://schemas.microsoft.com/office/drawing/2014/main" val="2120880500"/>
+                  </a:ext>
+                </a:extLst>
+              </a:tr>
+              <a:tr h="370840">
+                <a:tc>
+                  <a:txBody>
+                    <a:bodyPr/>
+                    <a:lstStyle/>
+                    <a:p>
+                      <a:r>
+                        <a:rPr lang="en-US" dirty="0"/>
+                        <a:t>1</a:t>
+                      </a:r>
+                    </a:p>
+                  </a:txBody>
+                  <a:tcPr/>
+                </a:tc>
+                <a:tc>
+                  <a:txBody>
+                    <a:bodyPr/>
+                    <a:lstStyle/>
+                    <a:p>
+                      <a:endParaRPr lang="en-US" dirty="0"/>
+                    </a:p>
+                  </a:txBody>
+                  <a:tcPr/>
+                </a:tc>
+                <a:tc>
+                  <a:txBody>
+                    <a:bodyPr/>
+                    <a:lstStyle/>
+                    <a:p>
+                      <a:endParaRPr lang="en-US" dirty="0"/>
+                    </a:p>
+                  </a:txBody>
+                  <a:tcPr/>
+                </a:tc>
+                <a:tc>
+                  <a:txBody>
+                    <a:bodyPr/>
+                    <a:lstStyle/>
+                    <a:p>
+                      <a:endParaRPr lang="en-US" dirty="0"/>
+                    </a:p>
+                  </a:txBody>
+                  <a:tcPr/>
+                </a:tc>
+                <a:tc>
+                  <a:txBody>
+                    <a:bodyPr/>
+                    <a:lstStyle/>
+                    <a:p>
+                      <a:endParaRPr lang="en-US" dirty="0"/>
+                    </a:p>
+                  </a:txBody>
+                  <a:tcPr/>
+                </a:tc>
+                <a:extLst>
+                  <a:ext uri="{0D108BD9-81ED-4DB2-BD59-A6C34878D82A}">
+                    <a16:rowId xmlns:a16="http://schemas.microsoft.com/office/drawing/2014/main" val="1886583556"/>
+                  </a:ext>
+                </a:extLst>
+              </a:tr>
+              <a:tr h="370840">
+                <a:tc>
+                  <a:txBody>
+                    <a:bodyPr/>
+                    <a:lstStyle/>
+                    <a:p>
+                      <a:r>
+                        <a:rPr lang="en-US" dirty="0"/>
+                        <a:t>2</a:t>
+                      </a:r>
+                    </a:p>
+                  </a:txBody>
+                  <a:tcPr/>
+                </a:tc>
+                <a:tc>
+                  <a:txBody>
+                    <a:bodyPr/>
+                    <a:lstStyle/>
+                    <a:p>
+                      <a:endParaRPr lang="en-US" dirty="0"/>
+                    </a:p>
+                  </a:txBody>
+                  <a:tcPr/>
+                </a:tc>
+                <a:tc>
+                  <a:txBody>
+                    <a:bodyPr/>
+                    <a:lstStyle/>
+                    <a:p>
+                      <a:endParaRPr lang="en-US" dirty="0"/>
+                    </a:p>
+                  </a:txBody>
+                  <a:tcPr/>
+                </a:tc>
+                <a:tc>
+                  <a:txBody>
+                    <a:bodyPr/>
+                    <a:lstStyle/>
+                    <a:p>
+                      <a:endParaRPr lang="en-US" dirty="0"/>
+                    </a:p>
+                  </a:txBody>
+                  <a:tcPr/>
+                </a:tc>
+                <a:tc>
+                  <a:txBody>
+                    <a:bodyPr/>
+                    <a:lstStyle/>
+                    <a:p>
+                      <a:endParaRPr lang="en-US" dirty="0"/>
+                    </a:p>
+                  </a:txBody>
+                  <a:tcPr/>
+                </a:tc>
+                <a:extLst>
+                  <a:ext uri="{0D108BD9-81ED-4DB2-BD59-A6C34878D82A}">
+                    <a16:rowId xmlns:a16="http://schemas.microsoft.com/office/drawing/2014/main" val="2655486631"/>
+                  </a:ext>
+                </a:extLst>
+              </a:tr>
+              <a:tr h="370840">
+                <a:tc>
+                  <a:txBody>
+                    <a:bodyPr/>
+                    <a:lstStyle/>
+                    <a:p>
+                      <a:r>
+                        <a:rPr lang="en-US" dirty="0"/>
+                        <a:t>3</a:t>
+                      </a:r>
+                    </a:p>
+                  </a:txBody>
+                  <a:tcPr/>
+                </a:tc>
+                <a:tc>
+                  <a:txBody>
+                    <a:bodyPr/>
+                    <a:lstStyle/>
+                    <a:p>
+                      <a:endParaRPr lang="en-US"/>
+                    </a:p>
+                  </a:txBody>
+                  <a:tcPr/>
+                </a:tc>
+                <a:tc>
+                  <a:txBody>
+                    <a:bodyPr/>
+                    <a:lstStyle/>
+                    <a:p>
+                      <a:endParaRPr lang="en-US"/>
+                    </a:p>
+                  </a:txBody>
+                  <a:tcPr/>
+                </a:tc>
+                <a:tc>
+                  <a:txBody>
+                    <a:bodyPr/>
+                    <a:lstStyle/>
+                    <a:p>
+                      <a:endParaRPr lang="en-US"/>
+                    </a:p>
+                  </a:txBody>
+                  <a:tcPr/>
+                </a:tc>
+                <a:tc>
+                  <a:txBody>
+                    <a:bodyPr/>
+                    <a:lstStyle/>
+                    <a:p>
+                      <a:endParaRPr lang="en-US" dirty="0"/>
+                    </a:p>
+                  </a:txBody>
+                  <a:tcPr/>
+                </a:tc>
+                <a:extLst>
+                  <a:ext uri="{0D108BD9-81ED-4DB2-BD59-A6C34878D82A}">
+                    <a16:rowId xmlns:a16="http://schemas.microsoft.com/office/drawing/2014/main" val="3031717897"/>
+                  </a:ext>
+                </a:extLst>
+              </a:tr>
+            </a:tbl>
+          </a:graphicData>
+        </a:graphic>
+      </p:graphicFrame>
+      <p:sp>
+        <p:nvSpPr>
+          <p:cNvPr id="4" name="Rectangle 3">
+            <a:extLst>
+              <a:ext uri="{FF2B5EF4-FFF2-40B4-BE49-F238E27FC236}">
+                <a16:creationId xmlns:a16="http://schemas.microsoft.com/office/drawing/2014/main" id="{FA0275FD-A257-4BF2-833A-09911D1CE52A}"/>
+              </a:ext>
+            </a:extLst>
+          </p:cNvPr>
+          <p:cNvSpPr/>
+          <p:nvPr/>
+        </p:nvSpPr>
+        <p:spPr>
+          <a:xfrm>
+            <a:off x="9496235" y="1913576"/>
+            <a:ext cx="2301139" cy="1453351"/>
+          </a:xfrm>
+          <a:prstGeom prst="rect">
+            <a:avLst/>
+          </a:prstGeom>
+        </p:spPr>
+        <p:style>
+          <a:lnRef idx="2">
+            <a:schemeClr val="accent1">
+              <a:shade val="50000"/>
+            </a:schemeClr>
+          </a:lnRef>
+          <a:fillRef idx="1">
+            <a:schemeClr val="accent1"/>
+          </a:fillRef>
+          <a:effectRef idx="0">
+            <a:schemeClr val="accent1"/>
+          </a:effectRef>
+          <a:fontRef idx="minor">
+            <a:schemeClr val="lt1"/>
+          </a:fontRef>
+        </p:style>
+        <p:txBody>
+          <a:bodyPr rtlCol="0" anchor="ctr"/>
+          <a:lstStyle/>
+          <a:p>
+            <a:pPr algn="ctr"/>
+            <a:r>
+              <a:rPr lang="en-US" dirty="0"/>
+              <a:t>Disk</a:t>
+            </a:r>
+          </a:p>
+        </p:txBody>
+      </p:sp>
+      <p:sp>
+        <p:nvSpPr>
+          <p:cNvPr id="5" name="Rectangle: Rounded Corners 4">
+            <a:extLst>
+              <a:ext uri="{FF2B5EF4-FFF2-40B4-BE49-F238E27FC236}">
+                <a16:creationId xmlns:a16="http://schemas.microsoft.com/office/drawing/2014/main" id="{5D387998-15F3-4FF2-A1C7-B1CA2D047125}"/>
+              </a:ext>
+            </a:extLst>
+          </p:cNvPr>
+          <p:cNvSpPr/>
+          <p:nvPr/>
+        </p:nvSpPr>
+        <p:spPr>
+          <a:xfrm>
+            <a:off x="9726349" y="2894590"/>
+            <a:ext cx="859899" cy="284614"/>
+          </a:xfrm>
+          <a:prstGeom prst="roundRect">
+            <a:avLst/>
+          </a:prstGeom>
+        </p:spPr>
+        <p:style>
+          <a:lnRef idx="2">
+            <a:schemeClr val="accent5">
+              <a:shade val="50000"/>
+            </a:schemeClr>
+          </a:lnRef>
+          <a:fillRef idx="1">
+            <a:schemeClr val="accent5"/>
+          </a:fillRef>
+          <a:effectRef idx="0">
+            <a:schemeClr val="accent5"/>
+          </a:effectRef>
+          <a:fontRef idx="minor">
+            <a:schemeClr val="lt1"/>
+          </a:fontRef>
+        </p:style>
+        <p:txBody>
+          <a:bodyPr rtlCol="0" anchor="ctr"/>
+          <a:lstStyle/>
+          <a:p>
+            <a:pPr algn="ctr"/>
+            <a:r>
+              <a:rPr lang="en-US" dirty="0"/>
+              <a:t>Block </a:t>
+            </a:r>
+            <a:r>
+              <a:rPr lang="en-US" dirty="0" err="1"/>
+              <a:t>i</a:t>
+            </a:r>
+            <a:endParaRPr lang="en-US" dirty="0"/>
+          </a:p>
+        </p:txBody>
+      </p:sp>
+      <p:sp>
+        <p:nvSpPr>
+          <p:cNvPr id="6" name="Rectangle 5">
+            <a:extLst>
+              <a:ext uri="{FF2B5EF4-FFF2-40B4-BE49-F238E27FC236}">
+                <a16:creationId xmlns:a16="http://schemas.microsoft.com/office/drawing/2014/main" id="{3F393E05-B744-4FF2-844C-EF55CCDCAD2E}"/>
+              </a:ext>
+            </a:extLst>
+          </p:cNvPr>
+          <p:cNvSpPr/>
+          <p:nvPr/>
+        </p:nvSpPr>
+        <p:spPr>
+          <a:xfrm>
+            <a:off x="6159584" y="1913575"/>
+            <a:ext cx="2301139" cy="1453351"/>
+          </a:xfrm>
+          <a:prstGeom prst="rect">
+            <a:avLst/>
+          </a:prstGeom>
+        </p:spPr>
+        <p:style>
+          <a:lnRef idx="2">
+            <a:schemeClr val="accent1">
+              <a:shade val="50000"/>
+            </a:schemeClr>
+          </a:lnRef>
+          <a:fillRef idx="1">
+            <a:schemeClr val="accent1"/>
+          </a:fillRef>
+          <a:effectRef idx="0">
+            <a:schemeClr val="accent1"/>
+          </a:effectRef>
+          <a:fontRef idx="minor">
+            <a:schemeClr val="lt1"/>
+          </a:fontRef>
+        </p:style>
+        <p:txBody>
+          <a:bodyPr rtlCol="0" anchor="ctr"/>
+          <a:lstStyle/>
+          <a:p>
+            <a:pPr algn="ctr"/>
+            <a:r>
+              <a:rPr lang="en-US" dirty="0"/>
+              <a:t>Main memory</a:t>
+            </a:r>
+          </a:p>
+        </p:txBody>
+      </p:sp>
+      <p:cxnSp>
+        <p:nvCxnSpPr>
+          <p:cNvPr id="8" name="Straight Arrow Connector 7">
+            <a:extLst>
+              <a:ext uri="{FF2B5EF4-FFF2-40B4-BE49-F238E27FC236}">
+                <a16:creationId xmlns:a16="http://schemas.microsoft.com/office/drawing/2014/main" id="{7A07420A-B9D9-4F02-A9D1-0DA6C5619651}"/>
+              </a:ext>
+            </a:extLst>
+          </p:cNvPr>
+          <p:cNvCxnSpPr>
+            <a:cxnSpLocks/>
+            <a:stCxn id="5" idx="1"/>
+            <a:endCxn id="35" idx="3"/>
+          </p:cNvCxnSpPr>
+          <p:nvPr/>
+        </p:nvCxnSpPr>
+        <p:spPr>
+          <a:xfrm flipH="1" flipV="1">
+            <a:off x="7223849" y="3034459"/>
+            <a:ext cx="2502500" cy="2438"/>
+          </a:xfrm>
+          <a:prstGeom prst="straightConnector1">
+            <a:avLst/>
+          </a:prstGeom>
+          <a:ln>
+            <a:tailEnd type="triangle"/>
+          </a:ln>
+        </p:spPr>
+        <p:style>
+          <a:lnRef idx="3">
+            <a:schemeClr val="accent2"/>
+          </a:lnRef>
+          <a:fillRef idx="0">
+            <a:schemeClr val="accent2"/>
+          </a:fillRef>
+          <a:effectRef idx="2">
+            <a:schemeClr val="accent2"/>
+          </a:effectRef>
+          <a:fontRef idx="minor">
+            <a:schemeClr val="tx1"/>
+          </a:fontRef>
+        </p:style>
+      </p:cxnSp>
+      <p:sp>
+        <p:nvSpPr>
+          <p:cNvPr id="9" name="TextBox 8">
+            <a:extLst>
+              <a:ext uri="{FF2B5EF4-FFF2-40B4-BE49-F238E27FC236}">
+                <a16:creationId xmlns:a16="http://schemas.microsoft.com/office/drawing/2014/main" id="{266467A2-8579-42C3-96D5-B491805822E0}"/>
+              </a:ext>
+            </a:extLst>
+          </p:cNvPr>
+          <p:cNvSpPr txBox="1"/>
+          <p:nvPr/>
+        </p:nvSpPr>
+        <p:spPr>
+          <a:xfrm>
+            <a:off x="8493524" y="2709924"/>
+            <a:ext cx="1156625" cy="369332"/>
+          </a:xfrm>
+          <a:prstGeom prst="rect">
+            <a:avLst/>
+          </a:prstGeom>
+          <a:noFill/>
+        </p:spPr>
+        <p:txBody>
+          <a:bodyPr wrap="square" rtlCol="0">
+            <a:spAutoFit/>
+          </a:bodyPr>
+          <a:lstStyle/>
+          <a:p>
+            <a:r>
+              <a:rPr lang="en-US" dirty="0"/>
+              <a:t>access</a:t>
+            </a:r>
+          </a:p>
+        </p:txBody>
+      </p:sp>
+      <p:sp>
+        <p:nvSpPr>
+          <p:cNvPr id="7" name="Rectangle: Rounded Corners 6">
+            <a:extLst>
+              <a:ext uri="{FF2B5EF4-FFF2-40B4-BE49-F238E27FC236}">
+                <a16:creationId xmlns:a16="http://schemas.microsoft.com/office/drawing/2014/main" id="{993BFBF5-3BFA-4886-8410-D1F9DC3D3204}"/>
+              </a:ext>
+            </a:extLst>
+          </p:cNvPr>
+          <p:cNvSpPr/>
+          <p:nvPr/>
+        </p:nvSpPr>
+        <p:spPr>
+          <a:xfrm>
+            <a:off x="6225187" y="4578056"/>
+            <a:ext cx="5292620" cy="720619"/>
+          </a:xfrm>
+          <a:prstGeom prst="roundRect">
+            <a:avLst/>
+          </a:prstGeom>
+          <a:noFill/>
+          <a:ln w="9525" cap="flat" cmpd="sng" algn="ctr">
+            <a:solidFill>
+              <a:schemeClr val="accent2"/>
+            </a:solidFill>
+            <a:prstDash val="solid"/>
+            <a:round/>
+            <a:headEnd type="none" w="med" len="med"/>
+            <a:tailEnd type="none" w="med" len="med"/>
+          </a:ln>
+        </p:spPr>
+        <p:style>
+          <a:lnRef idx="0">
+            <a:scrgbClr r="0" g="0" b="0"/>
+          </a:lnRef>
+          <a:fillRef idx="0">
+            <a:scrgbClr r="0" g="0" b="0"/>
+          </a:fillRef>
+          <a:effectRef idx="0">
+            <a:scrgbClr r="0" g="0" b="0"/>
+          </a:effectRef>
+          <a:fontRef idx="minor">
+            <a:schemeClr val="accent2"/>
+          </a:fontRef>
+        </p:style>
+        <p:txBody>
+          <a:bodyPr rtlCol="0" anchor="ctr"/>
+          <a:lstStyle/>
+          <a:p>
+            <a:pPr algn="ctr"/>
+            <a:endParaRPr lang="en-US"/>
+          </a:p>
+        </p:txBody>
+      </p:sp>
+      <p:sp>
+        <p:nvSpPr>
+          <p:cNvPr id="12" name="Rectangle: Rounded Corners 11">
+            <a:extLst>
+              <a:ext uri="{FF2B5EF4-FFF2-40B4-BE49-F238E27FC236}">
+                <a16:creationId xmlns:a16="http://schemas.microsoft.com/office/drawing/2014/main" id="{21DB1110-8345-4A4D-8E05-FBE3DD14A4ED}"/>
+              </a:ext>
+            </a:extLst>
+          </p:cNvPr>
+          <p:cNvSpPr/>
+          <p:nvPr/>
+        </p:nvSpPr>
+        <p:spPr>
+          <a:xfrm>
+            <a:off x="6225187" y="5336158"/>
+            <a:ext cx="5292620" cy="720619"/>
+          </a:xfrm>
+          <a:prstGeom prst="roundRect">
+            <a:avLst/>
+          </a:prstGeom>
+          <a:noFill/>
+          <a:ln w="9525" cap="flat" cmpd="sng" algn="ctr">
+            <a:solidFill>
+              <a:schemeClr val="accent2"/>
+            </a:solidFill>
+            <a:prstDash val="solid"/>
+            <a:round/>
+            <a:headEnd type="none" w="med" len="med"/>
+            <a:tailEnd type="none" w="med" len="med"/>
+          </a:ln>
+        </p:spPr>
+        <p:style>
+          <a:lnRef idx="0">
+            <a:scrgbClr r="0" g="0" b="0"/>
+          </a:lnRef>
+          <a:fillRef idx="0">
+            <a:scrgbClr r="0" g="0" b="0"/>
+          </a:fillRef>
+          <a:effectRef idx="0">
+            <a:scrgbClr r="0" g="0" b="0"/>
+          </a:effectRef>
+          <a:fontRef idx="minor">
+            <a:schemeClr val="accent2"/>
+          </a:fontRef>
+        </p:style>
+        <p:txBody>
+          <a:bodyPr rtlCol="0" anchor="ctr"/>
+          <a:lstStyle/>
+          <a:p>
+            <a:pPr algn="ctr"/>
+            <a:endParaRPr lang="en-US"/>
+          </a:p>
+        </p:txBody>
+      </p:sp>
+      <p:sp>
+        <p:nvSpPr>
+          <p:cNvPr id="10" name="Left Brace 9">
+            <a:extLst>
+              <a:ext uri="{FF2B5EF4-FFF2-40B4-BE49-F238E27FC236}">
+                <a16:creationId xmlns:a16="http://schemas.microsoft.com/office/drawing/2014/main" id="{14834D81-EFF5-4053-ADA1-C9EB41A84A87}"/>
+              </a:ext>
+            </a:extLst>
+          </p:cNvPr>
+          <p:cNvSpPr/>
+          <p:nvPr/>
+        </p:nvSpPr>
+        <p:spPr>
+          <a:xfrm>
+            <a:off x="5951929" y="4559314"/>
+            <a:ext cx="223549" cy="758102"/>
+          </a:xfrm>
+          <a:prstGeom prst="leftBrace">
+            <a:avLst>
+              <a:gd name="adj1" fmla="val 84780"/>
+              <a:gd name="adj2" fmla="val 50000"/>
+            </a:avLst>
+          </a:prstGeom>
+        </p:spPr>
+        <p:style>
+          <a:lnRef idx="1">
+            <a:schemeClr val="accent1"/>
+          </a:lnRef>
+          <a:fillRef idx="0">
+            <a:schemeClr val="accent1"/>
+          </a:fillRef>
+          <a:effectRef idx="0">
+            <a:schemeClr val="accent1"/>
+          </a:effectRef>
+          <a:fontRef idx="minor">
+            <a:schemeClr val="tx1"/>
+          </a:fontRef>
+        </p:style>
+        <p:txBody>
+          <a:bodyPr rtlCol="0" anchor="ctr"/>
+          <a:lstStyle/>
+          <a:p>
+            <a:pPr algn="ctr"/>
+            <a:endParaRPr lang="en-US"/>
+          </a:p>
+        </p:txBody>
+      </p:sp>
+      <p:sp>
+        <p:nvSpPr>
+          <p:cNvPr id="13" name="TextBox 12">
+            <a:extLst>
+              <a:ext uri="{FF2B5EF4-FFF2-40B4-BE49-F238E27FC236}">
+                <a16:creationId xmlns:a16="http://schemas.microsoft.com/office/drawing/2014/main" id="{B8BC19CD-E065-4454-93B6-91944A2E86D2}"/>
+              </a:ext>
+            </a:extLst>
+          </p:cNvPr>
+          <p:cNvSpPr txBox="1"/>
+          <p:nvPr/>
+        </p:nvSpPr>
+        <p:spPr>
+          <a:xfrm>
+            <a:off x="4950729" y="4476700"/>
+            <a:ext cx="1138963" cy="923330"/>
+          </a:xfrm>
+          <a:prstGeom prst="rect">
+            <a:avLst/>
+          </a:prstGeom>
+          <a:noFill/>
+        </p:spPr>
+        <p:txBody>
+          <a:bodyPr wrap="square" rtlCol="0">
+            <a:spAutoFit/>
+          </a:bodyPr>
+          <a:lstStyle/>
+          <a:p>
+            <a:r>
+              <a:rPr lang="en-US" dirty="0"/>
+              <a:t>A chunk fits single block</a:t>
+            </a:r>
+          </a:p>
+        </p:txBody>
+      </p:sp>
+      <p:graphicFrame>
+        <p:nvGraphicFramePr>
+          <p:cNvPr id="14" name="Table 14">
+            <a:extLst>
+              <a:ext uri="{FF2B5EF4-FFF2-40B4-BE49-F238E27FC236}">
+                <a16:creationId xmlns:a16="http://schemas.microsoft.com/office/drawing/2014/main" id="{381F6F71-3D45-4952-A7A8-0F0591DF7605}"/>
+              </a:ext>
+            </a:extLst>
+          </p:cNvPr>
+          <p:cNvGraphicFramePr>
+            <a:graphicFrameLocks noGrp="1"/>
+          </p:cNvGraphicFramePr>
+          <p:nvPr/>
+        </p:nvGraphicFramePr>
+        <p:xfrm>
+          <a:off x="1512436" y="4382105"/>
+          <a:ext cx="2764058" cy="1112520"/>
+        </p:xfrm>
+        <a:graphic>
+          <a:graphicData uri="http://schemas.openxmlformats.org/drawingml/2006/table">
+            <a:tbl>
+              <a:tblPr firstRow="1" bandRow="1">
+                <a:tableStyleId>{5C22544A-7EE6-4342-B048-85BDC9FD1C3A}</a:tableStyleId>
+              </a:tblPr>
+              <a:tblGrid>
+                <a:gridCol w="1382029">
+                  <a:extLst>
+                    <a:ext uri="{9D8B030D-6E8A-4147-A177-3AD203B41FA5}">
+                      <a16:colId xmlns:a16="http://schemas.microsoft.com/office/drawing/2014/main" val="1786055960"/>
+                    </a:ext>
+                  </a:extLst>
+                </a:gridCol>
+                <a:gridCol w="1382029">
+                  <a:extLst>
+                    <a:ext uri="{9D8B030D-6E8A-4147-A177-3AD203B41FA5}">
+                      <a16:colId xmlns:a16="http://schemas.microsoft.com/office/drawing/2014/main" val="564896528"/>
+                    </a:ext>
+                  </a:extLst>
+                </a:gridCol>
+              </a:tblGrid>
+              <a:tr h="370840">
+                <a:tc>
+                  <a:txBody>
+                    <a:bodyPr/>
+                    <a:lstStyle/>
+                    <a:p>
+                      <a:r>
+                        <a:rPr lang="en-US" dirty="0"/>
+                        <a:t>Id</a:t>
+                      </a:r>
+                    </a:p>
+                  </a:txBody>
+                  <a:tcPr/>
+                </a:tc>
+                <a:tc>
+                  <a:txBody>
+                    <a:bodyPr/>
+                    <a:lstStyle/>
+                    <a:p>
+                      <a:r>
+                        <a:rPr lang="en-US" dirty="0" err="1"/>
+                        <a:t>BlockId</a:t>
+                      </a:r>
+                      <a:endParaRPr lang="en-US" dirty="0"/>
+                    </a:p>
+                  </a:txBody>
+                  <a:tcPr/>
+                </a:tc>
+                <a:extLst>
+                  <a:ext uri="{0D108BD9-81ED-4DB2-BD59-A6C34878D82A}">
+                    <a16:rowId xmlns:a16="http://schemas.microsoft.com/office/drawing/2014/main" val="4221342669"/>
+                  </a:ext>
+                </a:extLst>
+              </a:tr>
+              <a:tr h="370840">
+                <a:tc>
+                  <a:txBody>
+                    <a:bodyPr/>
+                    <a:lstStyle/>
+                    <a:p>
+                      <a:r>
+                        <a:rPr lang="en-US" dirty="0"/>
+                        <a:t>0</a:t>
+                      </a:r>
+                    </a:p>
+                  </a:txBody>
+                  <a:tcPr/>
+                </a:tc>
+                <a:tc>
+                  <a:txBody>
+                    <a:bodyPr/>
+                    <a:lstStyle/>
+                    <a:p>
+                      <a:r>
+                        <a:rPr lang="en-US" dirty="0"/>
+                        <a:t>X</a:t>
+                      </a:r>
+                    </a:p>
+                  </a:txBody>
+                  <a:tcPr/>
+                </a:tc>
+                <a:extLst>
+                  <a:ext uri="{0D108BD9-81ED-4DB2-BD59-A6C34878D82A}">
+                    <a16:rowId xmlns:a16="http://schemas.microsoft.com/office/drawing/2014/main" val="4161096451"/>
+                  </a:ext>
+                </a:extLst>
+              </a:tr>
+              <a:tr h="370840">
+                <a:tc>
+                  <a:txBody>
+                    <a:bodyPr/>
+                    <a:lstStyle/>
+                    <a:p>
+                      <a:r>
+                        <a:rPr lang="en-US" dirty="0"/>
+                        <a:t>1</a:t>
+                      </a:r>
+                    </a:p>
+                  </a:txBody>
+                  <a:tcPr/>
+                </a:tc>
+                <a:tc>
+                  <a:txBody>
+                    <a:bodyPr/>
+                    <a:lstStyle/>
+                    <a:p>
+                      <a:r>
+                        <a:rPr lang="en-US" dirty="0"/>
+                        <a:t>Y</a:t>
+                      </a:r>
+                    </a:p>
+                  </a:txBody>
+                  <a:tcPr/>
+                </a:tc>
+                <a:extLst>
+                  <a:ext uri="{0D108BD9-81ED-4DB2-BD59-A6C34878D82A}">
+                    <a16:rowId xmlns:a16="http://schemas.microsoft.com/office/drawing/2014/main" val="1420299048"/>
+                  </a:ext>
+                </a:extLst>
+              </a:tr>
+            </a:tbl>
+          </a:graphicData>
+        </a:graphic>
+      </p:graphicFrame>
+      <p:cxnSp>
+        <p:nvCxnSpPr>
+          <p:cNvPr id="17" name="Connector: Curved 16">
+            <a:extLst>
+              <a:ext uri="{FF2B5EF4-FFF2-40B4-BE49-F238E27FC236}">
+                <a16:creationId xmlns:a16="http://schemas.microsoft.com/office/drawing/2014/main" id="{9B95E982-953A-4E36-95B2-1439CFA70A0B}"/>
+              </a:ext>
+            </a:extLst>
+          </p:cNvPr>
+          <p:cNvCxnSpPr/>
+          <p:nvPr/>
+        </p:nvCxnSpPr>
+        <p:spPr>
+          <a:xfrm flipV="1">
+            <a:off x="4202607" y="3366926"/>
+            <a:ext cx="5293628" cy="1571439"/>
+          </a:xfrm>
+          <a:prstGeom prst="curvedConnector3">
+            <a:avLst>
+              <a:gd name="adj1" fmla="val 18656"/>
+            </a:avLst>
+          </a:prstGeom>
+          <a:ln>
+            <a:tailEnd type="triangle"/>
+          </a:ln>
+        </p:spPr>
+        <p:style>
+          <a:lnRef idx="1">
+            <a:schemeClr val="accent1"/>
+          </a:lnRef>
+          <a:fillRef idx="0">
+            <a:schemeClr val="accent1"/>
+          </a:fillRef>
+          <a:effectRef idx="0">
+            <a:schemeClr val="accent1"/>
+          </a:effectRef>
+          <a:fontRef idx="minor">
+            <a:schemeClr val="tx1"/>
+          </a:fontRef>
+        </p:style>
+      </p:cxnSp>
+      <p:cxnSp>
+        <p:nvCxnSpPr>
+          <p:cNvPr id="20" name="Connector: Curved 19">
+            <a:extLst>
+              <a:ext uri="{FF2B5EF4-FFF2-40B4-BE49-F238E27FC236}">
+                <a16:creationId xmlns:a16="http://schemas.microsoft.com/office/drawing/2014/main" id="{830A65D0-031C-464A-90D7-F3F0BD0FC68E}"/>
+              </a:ext>
+            </a:extLst>
+          </p:cNvPr>
+          <p:cNvCxnSpPr>
+            <a:cxnSpLocks/>
+            <a:endCxn id="11" idx="1"/>
+          </p:cNvCxnSpPr>
+          <p:nvPr/>
+        </p:nvCxnSpPr>
+        <p:spPr>
+          <a:xfrm flipV="1">
+            <a:off x="2500975" y="5129677"/>
+            <a:ext cx="3768116" cy="270356"/>
+          </a:xfrm>
+          <a:prstGeom prst="curvedConnector3">
+            <a:avLst>
+              <a:gd name="adj1" fmla="val 50000"/>
+            </a:avLst>
+          </a:prstGeom>
+          <a:ln>
+            <a:tailEnd type="triangle"/>
+          </a:ln>
+        </p:spPr>
+        <p:style>
+          <a:lnRef idx="1">
+            <a:schemeClr val="accent1"/>
+          </a:lnRef>
+          <a:fillRef idx="0">
+            <a:schemeClr val="accent1"/>
+          </a:fillRef>
+          <a:effectRef idx="0">
+            <a:schemeClr val="accent1"/>
+          </a:effectRef>
+          <a:fontRef idx="minor">
+            <a:schemeClr val="tx1"/>
+          </a:fontRef>
+        </p:style>
+      </p:cxnSp>
+      <p:sp>
+        <p:nvSpPr>
+          <p:cNvPr id="25" name="Rectangle: Rounded Corners 24">
+            <a:extLst>
+              <a:ext uri="{FF2B5EF4-FFF2-40B4-BE49-F238E27FC236}">
+                <a16:creationId xmlns:a16="http://schemas.microsoft.com/office/drawing/2014/main" id="{2684F7F5-7FC3-40A0-AAA9-FDE9D34839E8}"/>
+              </a:ext>
+            </a:extLst>
+          </p:cNvPr>
+          <p:cNvSpPr/>
+          <p:nvPr/>
+        </p:nvSpPr>
+        <p:spPr>
+          <a:xfrm>
+            <a:off x="9726348" y="2049844"/>
+            <a:ext cx="859899" cy="284614"/>
+          </a:xfrm>
+          <a:prstGeom prst="roundRect">
+            <a:avLst/>
+          </a:prstGeom>
+        </p:spPr>
+        <p:style>
+          <a:lnRef idx="2">
+            <a:schemeClr val="accent5">
+              <a:shade val="50000"/>
+            </a:schemeClr>
+          </a:lnRef>
+          <a:fillRef idx="1">
+            <a:schemeClr val="accent5"/>
+          </a:fillRef>
+          <a:effectRef idx="0">
+            <a:schemeClr val="accent5"/>
+          </a:effectRef>
+          <a:fontRef idx="minor">
+            <a:schemeClr val="lt1"/>
+          </a:fontRef>
+        </p:style>
+        <p:txBody>
+          <a:bodyPr rtlCol="0" anchor="ctr"/>
+          <a:lstStyle/>
+          <a:p>
+            <a:pPr algn="ctr"/>
+            <a:r>
+              <a:rPr lang="en-US" dirty="0"/>
+              <a:t>Index </a:t>
+            </a:r>
+          </a:p>
+        </p:txBody>
+      </p:sp>
+      <p:sp>
+        <p:nvSpPr>
+          <p:cNvPr id="26" name="Rectangle: Rounded Corners 25">
+            <a:extLst>
+              <a:ext uri="{FF2B5EF4-FFF2-40B4-BE49-F238E27FC236}">
+                <a16:creationId xmlns:a16="http://schemas.microsoft.com/office/drawing/2014/main" id="{D0F5D2D6-0C9E-47F7-9EFB-1F06F8E7C615}"/>
+              </a:ext>
+            </a:extLst>
+          </p:cNvPr>
+          <p:cNvSpPr/>
+          <p:nvPr/>
+        </p:nvSpPr>
+        <p:spPr>
+          <a:xfrm>
+            <a:off x="10657908" y="2049844"/>
+            <a:ext cx="859899" cy="284614"/>
+          </a:xfrm>
+          <a:prstGeom prst="roundRect">
+            <a:avLst/>
+          </a:prstGeom>
+        </p:spPr>
+        <p:style>
+          <a:lnRef idx="2">
+            <a:schemeClr val="accent5">
+              <a:shade val="50000"/>
+            </a:schemeClr>
+          </a:lnRef>
+          <a:fillRef idx="1">
+            <a:schemeClr val="accent5"/>
+          </a:fillRef>
+          <a:effectRef idx="0">
+            <a:schemeClr val="accent5"/>
+          </a:effectRef>
+          <a:fontRef idx="minor">
+            <a:schemeClr val="lt1"/>
+          </a:fontRef>
+        </p:style>
+        <p:txBody>
+          <a:bodyPr rtlCol="0" anchor="ctr"/>
+          <a:lstStyle/>
+          <a:p>
+            <a:pPr algn="ctr"/>
+            <a:r>
+              <a:rPr lang="en-US" dirty="0"/>
+              <a:t>Index </a:t>
+            </a:r>
+          </a:p>
+        </p:txBody>
+      </p:sp>
+      <p:sp>
+        <p:nvSpPr>
+          <p:cNvPr id="27" name="Rectangle: Rounded Corners 26">
+            <a:extLst>
+              <a:ext uri="{FF2B5EF4-FFF2-40B4-BE49-F238E27FC236}">
+                <a16:creationId xmlns:a16="http://schemas.microsoft.com/office/drawing/2014/main" id="{1CABC3E2-E636-42E3-BD9B-61D8701F0CA8}"/>
+              </a:ext>
+            </a:extLst>
+          </p:cNvPr>
+          <p:cNvSpPr/>
+          <p:nvPr/>
+        </p:nvSpPr>
+        <p:spPr>
+          <a:xfrm>
+            <a:off x="10660930" y="2892152"/>
+            <a:ext cx="859899" cy="284614"/>
+          </a:xfrm>
+          <a:prstGeom prst="roundRect">
+            <a:avLst/>
+          </a:prstGeom>
+        </p:spPr>
+        <p:style>
+          <a:lnRef idx="2">
+            <a:schemeClr val="accent5">
+              <a:shade val="50000"/>
+            </a:schemeClr>
+          </a:lnRef>
+          <a:fillRef idx="1">
+            <a:schemeClr val="accent5"/>
+          </a:fillRef>
+          <a:effectRef idx="0">
+            <a:schemeClr val="accent5"/>
+          </a:effectRef>
+          <a:fontRef idx="minor">
+            <a:schemeClr val="lt1"/>
+          </a:fontRef>
+        </p:style>
+        <p:txBody>
+          <a:bodyPr rtlCol="0" anchor="ctr"/>
+          <a:lstStyle/>
+          <a:p>
+            <a:pPr algn="ctr"/>
+            <a:r>
+              <a:rPr lang="en-US" dirty="0"/>
+              <a:t>Data </a:t>
+            </a:r>
+          </a:p>
+        </p:txBody>
+      </p:sp>
+      <p:cxnSp>
+        <p:nvCxnSpPr>
+          <p:cNvPr id="29" name="Straight Arrow Connector 28">
+            <a:extLst>
+              <a:ext uri="{FF2B5EF4-FFF2-40B4-BE49-F238E27FC236}">
+                <a16:creationId xmlns:a16="http://schemas.microsoft.com/office/drawing/2014/main" id="{AB59E90B-54A5-4D85-85DD-AFF7A8039A17}"/>
+              </a:ext>
+            </a:extLst>
+          </p:cNvPr>
+          <p:cNvCxnSpPr>
+            <a:cxnSpLocks/>
+            <a:stCxn id="25" idx="1"/>
+            <a:endCxn id="30" idx="3"/>
+          </p:cNvCxnSpPr>
+          <p:nvPr/>
+        </p:nvCxnSpPr>
+        <p:spPr>
+          <a:xfrm flipH="1">
+            <a:off x="7224868" y="2192151"/>
+            <a:ext cx="2501480" cy="1197"/>
+          </a:xfrm>
+          <a:prstGeom prst="straightConnector1">
+            <a:avLst/>
+          </a:prstGeom>
+          <a:ln>
+            <a:tailEnd type="triangle"/>
+          </a:ln>
+        </p:spPr>
+        <p:style>
+          <a:lnRef idx="3">
+            <a:schemeClr val="accent2"/>
+          </a:lnRef>
+          <a:fillRef idx="0">
+            <a:schemeClr val="accent2"/>
+          </a:fillRef>
+          <a:effectRef idx="2">
+            <a:schemeClr val="accent2"/>
+          </a:effectRef>
+          <a:fontRef idx="minor">
+            <a:schemeClr val="tx1"/>
+          </a:fontRef>
+        </p:style>
+      </p:cxnSp>
+      <p:sp>
+        <p:nvSpPr>
+          <p:cNvPr id="30" name="Rectangle: Rounded Corners 29">
+            <a:extLst>
+              <a:ext uri="{FF2B5EF4-FFF2-40B4-BE49-F238E27FC236}">
+                <a16:creationId xmlns:a16="http://schemas.microsoft.com/office/drawing/2014/main" id="{7B2BDEA7-F711-49C9-98C8-5CD2530AF53F}"/>
+              </a:ext>
+            </a:extLst>
+          </p:cNvPr>
+          <p:cNvSpPr/>
+          <p:nvPr/>
+        </p:nvSpPr>
+        <p:spPr>
+          <a:xfrm>
+            <a:off x="6364969" y="2051041"/>
+            <a:ext cx="859899" cy="284614"/>
+          </a:xfrm>
+          <a:prstGeom prst="roundRect">
+            <a:avLst/>
+          </a:prstGeom>
+        </p:spPr>
+        <p:style>
+          <a:lnRef idx="2">
+            <a:schemeClr val="accent5">
+              <a:shade val="50000"/>
+            </a:schemeClr>
+          </a:lnRef>
+          <a:fillRef idx="1">
+            <a:schemeClr val="accent5"/>
+          </a:fillRef>
+          <a:effectRef idx="0">
+            <a:schemeClr val="accent5"/>
+          </a:effectRef>
+          <a:fontRef idx="minor">
+            <a:schemeClr val="lt1"/>
+          </a:fontRef>
+        </p:style>
+        <p:txBody>
+          <a:bodyPr rtlCol="0" anchor="ctr"/>
+          <a:lstStyle/>
+          <a:p>
+            <a:pPr algn="ctr"/>
+            <a:r>
+              <a:rPr lang="en-US" dirty="0"/>
+              <a:t>Index </a:t>
+            </a:r>
+          </a:p>
+        </p:txBody>
+      </p:sp>
+      <p:cxnSp>
+        <p:nvCxnSpPr>
+          <p:cNvPr id="33" name="Connector: Curved 32">
+            <a:extLst>
+              <a:ext uri="{FF2B5EF4-FFF2-40B4-BE49-F238E27FC236}">
+                <a16:creationId xmlns:a16="http://schemas.microsoft.com/office/drawing/2014/main" id="{B2CC263E-9DAE-4610-8909-DE69388972D4}"/>
+              </a:ext>
+            </a:extLst>
+          </p:cNvPr>
+          <p:cNvCxnSpPr>
+            <a:stCxn id="30" idx="2"/>
+            <a:endCxn id="5" idx="0"/>
+          </p:cNvCxnSpPr>
+          <p:nvPr/>
+        </p:nvCxnSpPr>
+        <p:spPr>
+          <a:xfrm rot="16200000" flipH="1">
+            <a:off x="8196142" y="934432"/>
+            <a:ext cx="558935" cy="3361380"/>
+          </a:xfrm>
+          <a:prstGeom prst="curvedConnector3">
+            <a:avLst/>
+          </a:prstGeom>
+          <a:ln>
+            <a:tailEnd type="triangle"/>
+          </a:ln>
+        </p:spPr>
+        <p:style>
+          <a:lnRef idx="3">
+            <a:schemeClr val="accent2"/>
+          </a:lnRef>
+          <a:fillRef idx="0">
+            <a:schemeClr val="accent2"/>
+          </a:fillRef>
+          <a:effectRef idx="2">
+            <a:schemeClr val="accent2"/>
+          </a:effectRef>
+          <a:fontRef idx="minor">
+            <a:schemeClr val="tx1"/>
+          </a:fontRef>
+        </p:style>
+      </p:cxnSp>
+      <p:sp>
+        <p:nvSpPr>
+          <p:cNvPr id="34" name="TextBox 33">
+            <a:extLst>
+              <a:ext uri="{FF2B5EF4-FFF2-40B4-BE49-F238E27FC236}">
+                <a16:creationId xmlns:a16="http://schemas.microsoft.com/office/drawing/2014/main" id="{F0C6B8C0-068F-4EC5-AC96-1D53915ECD2E}"/>
+              </a:ext>
+            </a:extLst>
+          </p:cNvPr>
+          <p:cNvSpPr txBox="1"/>
+          <p:nvPr/>
+        </p:nvSpPr>
+        <p:spPr>
+          <a:xfrm>
+            <a:off x="8514713" y="1865252"/>
+            <a:ext cx="1156625" cy="369332"/>
+          </a:xfrm>
+          <a:prstGeom prst="rect">
+            <a:avLst/>
+          </a:prstGeom>
+          <a:noFill/>
+        </p:spPr>
+        <p:txBody>
+          <a:bodyPr wrap="square" rtlCol="0">
+            <a:spAutoFit/>
+          </a:bodyPr>
+          <a:lstStyle/>
+          <a:p>
+            <a:r>
+              <a:rPr lang="en-US" dirty="0"/>
+              <a:t>fetch</a:t>
+            </a:r>
+          </a:p>
+        </p:txBody>
+      </p:sp>
+      <p:sp>
+        <p:nvSpPr>
+          <p:cNvPr id="35" name="Rectangle: Rounded Corners 34">
+            <a:extLst>
+              <a:ext uri="{FF2B5EF4-FFF2-40B4-BE49-F238E27FC236}">
+                <a16:creationId xmlns:a16="http://schemas.microsoft.com/office/drawing/2014/main" id="{8EF098A0-961F-4A6E-9C3B-5FBD29D5219F}"/>
+              </a:ext>
+            </a:extLst>
+          </p:cNvPr>
+          <p:cNvSpPr/>
+          <p:nvPr/>
+        </p:nvSpPr>
+        <p:spPr>
+          <a:xfrm>
+            <a:off x="6363950" y="2892152"/>
+            <a:ext cx="859899" cy="284614"/>
+          </a:xfrm>
+          <a:prstGeom prst="roundRect">
+            <a:avLst/>
+          </a:prstGeom>
+        </p:spPr>
+        <p:style>
+          <a:lnRef idx="2">
+            <a:schemeClr val="accent5">
+              <a:shade val="50000"/>
+            </a:schemeClr>
+          </a:lnRef>
+          <a:fillRef idx="1">
+            <a:schemeClr val="accent5"/>
+          </a:fillRef>
+          <a:effectRef idx="0">
+            <a:schemeClr val="accent5"/>
+          </a:effectRef>
+          <a:fontRef idx="minor">
+            <a:schemeClr val="lt1"/>
+          </a:fontRef>
+        </p:style>
+        <p:txBody>
+          <a:bodyPr rtlCol="0" anchor="ctr"/>
+          <a:lstStyle/>
+          <a:p>
+            <a:pPr algn="ctr"/>
+            <a:r>
+              <a:rPr lang="en-US" dirty="0"/>
+              <a:t>Data </a:t>
+            </a:r>
+          </a:p>
+        </p:txBody>
+      </p:sp>
+    </p:spTree>
+    <p:extLst>
+      <p:ext uri="{BB962C8B-B14F-4D97-AF65-F5344CB8AC3E}">
+        <p14:creationId xmlns:p14="http://schemas.microsoft.com/office/powerpoint/2010/main" val="1595083590"/>
+      </p:ext>
+    </p:extLst>
+  </p:cSld>
+  <p:clrMapOvr>
+    <a:masterClrMapping/>
+  </p:clrMapOvr>
+</p:sld>
+</file>
+
+<file path=ppt/slides/slide19.xml><?xml version="1.0" encoding="utf-8"?>
+<p:sld xmlns:a="http://schemas.openxmlformats.org/drawingml/2006/main" xmlns:r="http://schemas.openxmlformats.org/officeDocument/2006/relationships" xmlns:p="http://schemas.openxmlformats.org/presentationml/2006/main">
+  <p:cSld>
+    <p:spTree>
+      <p:nvGrpSpPr>
+        <p:cNvPr id="1" name=""/>
+        <p:cNvGrpSpPr/>
+        <p:nvPr/>
+      </p:nvGrpSpPr>
+      <p:grpSpPr>
+        <a:xfrm>
+          <a:off x="0" y="0"/>
+          <a:ext cx="0" cy="0"/>
+          <a:chOff x="0" y="0"/>
+          <a:chExt cx="0" cy="0"/>
+        </a:xfrm>
+      </p:grpSpPr>
+      <p:sp>
+        <p:nvSpPr>
+          <p:cNvPr id="2" name="Title 1">
+            <a:extLst>
+              <a:ext uri="{FF2B5EF4-FFF2-40B4-BE49-F238E27FC236}">
+                <a16:creationId xmlns:a16="http://schemas.microsoft.com/office/drawing/2014/main" id="{81B8D5E6-1796-4CBC-A7FF-CD7E0D8BE00B}"/>
+              </a:ext>
+            </a:extLst>
+          </p:cNvPr>
+          <p:cNvSpPr>
+            <a:spLocks noGrp="1"/>
+          </p:cNvSpPr>
+          <p:nvPr>
+            <p:ph type="title"/>
+          </p:nvPr>
+        </p:nvSpPr>
+        <p:spPr/>
+        <p:txBody>
+          <a:bodyPr/>
+          <a:lstStyle/>
+          <a:p>
+            <a:r>
+              <a:rPr lang="en-US" dirty="0"/>
+              <a:t>Storage access</a:t>
+            </a:r>
+          </a:p>
+        </p:txBody>
+      </p:sp>
+      <p:sp>
+        <p:nvSpPr>
+          <p:cNvPr id="3" name="Content Placeholder 2">
+            <a:extLst>
+              <a:ext uri="{FF2B5EF4-FFF2-40B4-BE49-F238E27FC236}">
+                <a16:creationId xmlns:a16="http://schemas.microsoft.com/office/drawing/2014/main" id="{DFFF1B67-5D8C-4729-B77D-73A2F0560072}"/>
+              </a:ext>
+            </a:extLst>
+          </p:cNvPr>
+          <p:cNvSpPr>
+            <a:spLocks noGrp="1"/>
+          </p:cNvSpPr>
+          <p:nvPr>
+            <p:ph sz="half" idx="1"/>
+          </p:nvPr>
+        </p:nvSpPr>
+        <p:spPr/>
+        <p:txBody>
+          <a:bodyPr/>
+          <a:lstStyle/>
+          <a:p>
+            <a:r>
+              <a:rPr lang="en-US" dirty="0"/>
+              <a:t>i.e. row-store</a:t>
+            </a:r>
+          </a:p>
+          <a:p>
+            <a:r>
+              <a:rPr lang="en-US" dirty="0"/>
+              <a:t>Sequential table scan – many accesses (# of chunks)</a:t>
+            </a:r>
+          </a:p>
+          <a:p>
+            <a:r>
+              <a:rPr lang="en-US" dirty="0"/>
+              <a:t>Use index to minimize disk accesses</a:t>
+            </a:r>
+          </a:p>
+          <a:p>
+            <a:r>
+              <a:rPr lang="en-US" dirty="0"/>
+              <a:t>As index grows, fetching it becomes expensive</a:t>
+            </a:r>
+          </a:p>
+          <a:p>
+            <a:r>
+              <a:rPr lang="en-US" dirty="0"/>
+              <a:t>Tree indexing!</a:t>
+            </a:r>
+          </a:p>
+        </p:txBody>
+      </p:sp>
+      <p:sp>
+        <p:nvSpPr>
+          <p:cNvPr id="4" name="Rectangle 3">
+            <a:extLst>
+              <a:ext uri="{FF2B5EF4-FFF2-40B4-BE49-F238E27FC236}">
+                <a16:creationId xmlns:a16="http://schemas.microsoft.com/office/drawing/2014/main" id="{FA0275FD-A257-4BF2-833A-09911D1CE52A}"/>
+              </a:ext>
+            </a:extLst>
+          </p:cNvPr>
+          <p:cNvSpPr/>
+          <p:nvPr/>
+        </p:nvSpPr>
+        <p:spPr>
+          <a:xfrm>
+            <a:off x="9496235" y="1913576"/>
+            <a:ext cx="2301139" cy="1453351"/>
+          </a:xfrm>
+          <a:prstGeom prst="rect">
+            <a:avLst/>
+          </a:prstGeom>
+        </p:spPr>
+        <p:style>
+          <a:lnRef idx="2">
+            <a:schemeClr val="accent1">
+              <a:shade val="50000"/>
+            </a:schemeClr>
+          </a:lnRef>
+          <a:fillRef idx="1">
+            <a:schemeClr val="accent1"/>
+          </a:fillRef>
+          <a:effectRef idx="0">
+            <a:schemeClr val="accent1"/>
+          </a:effectRef>
+          <a:fontRef idx="minor">
+            <a:schemeClr val="lt1"/>
+          </a:fontRef>
+        </p:style>
+        <p:txBody>
+          <a:bodyPr rtlCol="0" anchor="ctr"/>
+          <a:lstStyle/>
+          <a:p>
+            <a:pPr algn="ctr"/>
+            <a:r>
+              <a:rPr lang="en-US" dirty="0"/>
+              <a:t>Disk</a:t>
+            </a:r>
+          </a:p>
+        </p:txBody>
+      </p:sp>
+      <p:sp>
+        <p:nvSpPr>
+          <p:cNvPr id="5" name="Rectangle: Rounded Corners 4">
+            <a:extLst>
+              <a:ext uri="{FF2B5EF4-FFF2-40B4-BE49-F238E27FC236}">
+                <a16:creationId xmlns:a16="http://schemas.microsoft.com/office/drawing/2014/main" id="{5D387998-15F3-4FF2-A1C7-B1CA2D047125}"/>
+              </a:ext>
+            </a:extLst>
+          </p:cNvPr>
+          <p:cNvSpPr/>
+          <p:nvPr/>
+        </p:nvSpPr>
+        <p:spPr>
+          <a:xfrm>
+            <a:off x="9726349" y="2894590"/>
+            <a:ext cx="859899" cy="284614"/>
+          </a:xfrm>
+          <a:prstGeom prst="roundRect">
+            <a:avLst/>
+          </a:prstGeom>
+        </p:spPr>
+        <p:style>
+          <a:lnRef idx="2">
+            <a:schemeClr val="accent5">
+              <a:shade val="50000"/>
+            </a:schemeClr>
+          </a:lnRef>
+          <a:fillRef idx="1">
+            <a:schemeClr val="accent5"/>
+          </a:fillRef>
+          <a:effectRef idx="0">
+            <a:schemeClr val="accent5"/>
+          </a:effectRef>
+          <a:fontRef idx="minor">
+            <a:schemeClr val="lt1"/>
+          </a:fontRef>
+        </p:style>
+        <p:txBody>
+          <a:bodyPr rtlCol="0" anchor="ctr"/>
+          <a:lstStyle/>
+          <a:p>
+            <a:pPr algn="ctr"/>
+            <a:r>
+              <a:rPr lang="en-US" dirty="0"/>
+              <a:t>Block </a:t>
+            </a:r>
+            <a:r>
+              <a:rPr lang="en-US" dirty="0" err="1"/>
+              <a:t>i</a:t>
+            </a:r>
+            <a:endParaRPr lang="en-US" dirty="0"/>
+          </a:p>
+        </p:txBody>
+      </p:sp>
+      <p:sp>
+        <p:nvSpPr>
+          <p:cNvPr id="6" name="Rectangle 5">
+            <a:extLst>
+              <a:ext uri="{FF2B5EF4-FFF2-40B4-BE49-F238E27FC236}">
+                <a16:creationId xmlns:a16="http://schemas.microsoft.com/office/drawing/2014/main" id="{3F393E05-B744-4FF2-844C-EF55CCDCAD2E}"/>
+              </a:ext>
+            </a:extLst>
+          </p:cNvPr>
+          <p:cNvSpPr/>
+          <p:nvPr/>
+        </p:nvSpPr>
+        <p:spPr>
+          <a:xfrm>
+            <a:off x="6159584" y="1913575"/>
+            <a:ext cx="2301139" cy="1453351"/>
+          </a:xfrm>
+          <a:prstGeom prst="rect">
+            <a:avLst/>
+          </a:prstGeom>
+        </p:spPr>
+        <p:style>
+          <a:lnRef idx="2">
+            <a:schemeClr val="accent1">
+              <a:shade val="50000"/>
+            </a:schemeClr>
+          </a:lnRef>
+          <a:fillRef idx="1">
+            <a:schemeClr val="accent1"/>
+          </a:fillRef>
+          <a:effectRef idx="0">
+            <a:schemeClr val="accent1"/>
+          </a:effectRef>
+          <a:fontRef idx="minor">
+            <a:schemeClr val="lt1"/>
+          </a:fontRef>
+        </p:style>
+        <p:txBody>
+          <a:bodyPr rtlCol="0" anchor="ctr"/>
+          <a:lstStyle/>
+          <a:p>
+            <a:pPr algn="ctr"/>
+            <a:r>
+              <a:rPr lang="en-US" dirty="0"/>
+              <a:t>Main memory</a:t>
+            </a:r>
+          </a:p>
+        </p:txBody>
+      </p:sp>
+      <p:cxnSp>
+        <p:nvCxnSpPr>
+          <p:cNvPr id="8" name="Straight Arrow Connector 7">
+            <a:extLst>
+              <a:ext uri="{FF2B5EF4-FFF2-40B4-BE49-F238E27FC236}">
+                <a16:creationId xmlns:a16="http://schemas.microsoft.com/office/drawing/2014/main" id="{7A07420A-B9D9-4F02-A9D1-0DA6C5619651}"/>
+              </a:ext>
+            </a:extLst>
+          </p:cNvPr>
+          <p:cNvCxnSpPr>
+            <a:cxnSpLocks/>
+            <a:stCxn id="5" idx="1"/>
+            <a:endCxn id="35" idx="3"/>
+          </p:cNvCxnSpPr>
+          <p:nvPr/>
+        </p:nvCxnSpPr>
+        <p:spPr>
+          <a:xfrm flipH="1" flipV="1">
+            <a:off x="7223849" y="3034459"/>
+            <a:ext cx="2502500" cy="2438"/>
+          </a:xfrm>
+          <a:prstGeom prst="straightConnector1">
+            <a:avLst/>
+          </a:prstGeom>
+          <a:ln>
+            <a:tailEnd type="triangle"/>
+          </a:ln>
+        </p:spPr>
+        <p:style>
+          <a:lnRef idx="3">
+            <a:schemeClr val="accent2"/>
+          </a:lnRef>
+          <a:fillRef idx="0">
+            <a:schemeClr val="accent2"/>
+          </a:fillRef>
+          <a:effectRef idx="2">
+            <a:schemeClr val="accent2"/>
+          </a:effectRef>
+          <a:fontRef idx="minor">
+            <a:schemeClr val="tx1"/>
+          </a:fontRef>
+        </p:style>
+      </p:cxnSp>
+      <p:sp>
+        <p:nvSpPr>
+          <p:cNvPr id="9" name="TextBox 8">
+            <a:extLst>
+              <a:ext uri="{FF2B5EF4-FFF2-40B4-BE49-F238E27FC236}">
+                <a16:creationId xmlns:a16="http://schemas.microsoft.com/office/drawing/2014/main" id="{266467A2-8579-42C3-96D5-B491805822E0}"/>
+              </a:ext>
+            </a:extLst>
+          </p:cNvPr>
+          <p:cNvSpPr txBox="1"/>
+          <p:nvPr/>
+        </p:nvSpPr>
+        <p:spPr>
+          <a:xfrm>
+            <a:off x="8493524" y="2709924"/>
+            <a:ext cx="1156625" cy="369332"/>
+          </a:xfrm>
+          <a:prstGeom prst="rect">
+            <a:avLst/>
+          </a:prstGeom>
+          <a:noFill/>
+        </p:spPr>
+        <p:txBody>
+          <a:bodyPr wrap="square" rtlCol="0">
+            <a:spAutoFit/>
+          </a:bodyPr>
+          <a:lstStyle/>
+          <a:p>
+            <a:r>
+              <a:rPr lang="en-US" dirty="0"/>
+              <a:t>access</a:t>
+            </a:r>
+          </a:p>
+        </p:txBody>
+      </p:sp>
+      <p:sp>
+        <p:nvSpPr>
+          <p:cNvPr id="13" name="TextBox 12">
+            <a:extLst>
+              <a:ext uri="{FF2B5EF4-FFF2-40B4-BE49-F238E27FC236}">
+                <a16:creationId xmlns:a16="http://schemas.microsoft.com/office/drawing/2014/main" id="{B8BC19CD-E065-4454-93B6-91944A2E86D2}"/>
+              </a:ext>
+            </a:extLst>
+          </p:cNvPr>
+          <p:cNvSpPr txBox="1"/>
+          <p:nvPr/>
+        </p:nvSpPr>
+        <p:spPr>
+          <a:xfrm>
+            <a:off x="5651179" y="4734395"/>
+            <a:ext cx="1138963" cy="923330"/>
+          </a:xfrm>
+          <a:prstGeom prst="rect">
+            <a:avLst/>
+          </a:prstGeom>
+          <a:noFill/>
+        </p:spPr>
+        <p:txBody>
+          <a:bodyPr wrap="square" rtlCol="0">
+            <a:spAutoFit/>
+          </a:bodyPr>
+          <a:lstStyle/>
+          <a:p>
+            <a:r>
+              <a:rPr lang="en-US" dirty="0"/>
+              <a:t>A chunk fits single block</a:t>
+            </a:r>
+          </a:p>
+        </p:txBody>
+      </p:sp>
+      <p:sp>
+        <p:nvSpPr>
+          <p:cNvPr id="25" name="Rectangle: Rounded Corners 24">
+            <a:extLst>
+              <a:ext uri="{FF2B5EF4-FFF2-40B4-BE49-F238E27FC236}">
+                <a16:creationId xmlns:a16="http://schemas.microsoft.com/office/drawing/2014/main" id="{2684F7F5-7FC3-40A0-AAA9-FDE9D34839E8}"/>
+              </a:ext>
+            </a:extLst>
+          </p:cNvPr>
+          <p:cNvSpPr/>
+          <p:nvPr/>
+        </p:nvSpPr>
+        <p:spPr>
+          <a:xfrm>
+            <a:off x="9726348" y="2049844"/>
+            <a:ext cx="859899" cy="284614"/>
+          </a:xfrm>
+          <a:prstGeom prst="roundRect">
+            <a:avLst/>
+          </a:prstGeom>
+        </p:spPr>
+        <p:style>
+          <a:lnRef idx="2">
+            <a:schemeClr val="accent5">
+              <a:shade val="50000"/>
+            </a:schemeClr>
+          </a:lnRef>
+          <a:fillRef idx="1">
+            <a:schemeClr val="accent5"/>
+          </a:fillRef>
+          <a:effectRef idx="0">
+            <a:schemeClr val="accent5"/>
+          </a:effectRef>
+          <a:fontRef idx="minor">
+            <a:schemeClr val="lt1"/>
+          </a:fontRef>
+        </p:style>
+        <p:txBody>
+          <a:bodyPr rtlCol="0" anchor="ctr"/>
+          <a:lstStyle/>
+          <a:p>
+            <a:pPr algn="ctr"/>
+            <a:r>
+              <a:rPr lang="en-US" dirty="0"/>
+              <a:t>Index </a:t>
+            </a:r>
+          </a:p>
+        </p:txBody>
+      </p:sp>
+      <p:sp>
+        <p:nvSpPr>
+          <p:cNvPr id="26" name="Rectangle: Rounded Corners 25">
+            <a:extLst>
+              <a:ext uri="{FF2B5EF4-FFF2-40B4-BE49-F238E27FC236}">
+                <a16:creationId xmlns:a16="http://schemas.microsoft.com/office/drawing/2014/main" id="{D0F5D2D6-0C9E-47F7-9EFB-1F06F8E7C615}"/>
+              </a:ext>
+            </a:extLst>
+          </p:cNvPr>
+          <p:cNvSpPr/>
+          <p:nvPr/>
+        </p:nvSpPr>
+        <p:spPr>
+          <a:xfrm>
+            <a:off x="10657908" y="2049844"/>
+            <a:ext cx="859899" cy="284614"/>
+          </a:xfrm>
+          <a:prstGeom prst="roundRect">
+            <a:avLst/>
+          </a:prstGeom>
+        </p:spPr>
+        <p:style>
+          <a:lnRef idx="2">
+            <a:schemeClr val="accent5">
+              <a:shade val="50000"/>
+            </a:schemeClr>
+          </a:lnRef>
+          <a:fillRef idx="1">
+            <a:schemeClr val="accent5"/>
+          </a:fillRef>
+          <a:effectRef idx="0">
+            <a:schemeClr val="accent5"/>
+          </a:effectRef>
+          <a:fontRef idx="minor">
+            <a:schemeClr val="lt1"/>
+          </a:fontRef>
+        </p:style>
+        <p:txBody>
+          <a:bodyPr rtlCol="0" anchor="ctr"/>
+          <a:lstStyle/>
+          <a:p>
+            <a:pPr algn="ctr"/>
+            <a:r>
+              <a:rPr lang="en-US" dirty="0"/>
+              <a:t>Index </a:t>
+            </a:r>
+          </a:p>
+        </p:txBody>
+      </p:sp>
+      <p:sp>
+        <p:nvSpPr>
+          <p:cNvPr id="27" name="Rectangle: Rounded Corners 26">
+            <a:extLst>
+              <a:ext uri="{FF2B5EF4-FFF2-40B4-BE49-F238E27FC236}">
+                <a16:creationId xmlns:a16="http://schemas.microsoft.com/office/drawing/2014/main" id="{1CABC3E2-E636-42E3-BD9B-61D8701F0CA8}"/>
+              </a:ext>
+            </a:extLst>
+          </p:cNvPr>
+          <p:cNvSpPr/>
+          <p:nvPr/>
+        </p:nvSpPr>
+        <p:spPr>
+          <a:xfrm>
+            <a:off x="10660930" y="2892152"/>
+            <a:ext cx="859899" cy="284614"/>
+          </a:xfrm>
+          <a:prstGeom prst="roundRect">
+            <a:avLst/>
+          </a:prstGeom>
+        </p:spPr>
+        <p:style>
+          <a:lnRef idx="2">
+            <a:schemeClr val="accent5">
+              <a:shade val="50000"/>
+            </a:schemeClr>
+          </a:lnRef>
+          <a:fillRef idx="1">
+            <a:schemeClr val="accent5"/>
+          </a:fillRef>
+          <a:effectRef idx="0">
+            <a:schemeClr val="accent5"/>
+          </a:effectRef>
+          <a:fontRef idx="minor">
+            <a:schemeClr val="lt1"/>
+          </a:fontRef>
+        </p:style>
+        <p:txBody>
+          <a:bodyPr rtlCol="0" anchor="ctr"/>
+          <a:lstStyle/>
+          <a:p>
+            <a:pPr algn="ctr"/>
+            <a:r>
+              <a:rPr lang="en-US" dirty="0"/>
+              <a:t>Data </a:t>
+            </a:r>
+          </a:p>
+        </p:txBody>
+      </p:sp>
+      <p:cxnSp>
+        <p:nvCxnSpPr>
+          <p:cNvPr id="29" name="Straight Arrow Connector 28">
+            <a:extLst>
+              <a:ext uri="{FF2B5EF4-FFF2-40B4-BE49-F238E27FC236}">
+                <a16:creationId xmlns:a16="http://schemas.microsoft.com/office/drawing/2014/main" id="{AB59E90B-54A5-4D85-85DD-AFF7A8039A17}"/>
+              </a:ext>
+            </a:extLst>
+          </p:cNvPr>
+          <p:cNvCxnSpPr>
+            <a:cxnSpLocks/>
+            <a:stCxn id="25" idx="1"/>
+            <a:endCxn id="30" idx="3"/>
+          </p:cNvCxnSpPr>
+          <p:nvPr/>
+        </p:nvCxnSpPr>
+        <p:spPr>
+          <a:xfrm flipH="1">
+            <a:off x="7224868" y="2192151"/>
+            <a:ext cx="2501480" cy="1197"/>
+          </a:xfrm>
+          <a:prstGeom prst="straightConnector1">
+            <a:avLst/>
+          </a:prstGeom>
+          <a:ln>
+            <a:tailEnd type="triangle"/>
+          </a:ln>
+        </p:spPr>
+        <p:style>
+          <a:lnRef idx="3">
+            <a:schemeClr val="accent2"/>
+          </a:lnRef>
+          <a:fillRef idx="0">
+            <a:schemeClr val="accent2"/>
+          </a:fillRef>
+          <a:effectRef idx="2">
+            <a:schemeClr val="accent2"/>
+          </a:effectRef>
+          <a:fontRef idx="minor">
+            <a:schemeClr val="tx1"/>
+          </a:fontRef>
+        </p:style>
+      </p:cxnSp>
+      <p:sp>
+        <p:nvSpPr>
+          <p:cNvPr id="30" name="Rectangle: Rounded Corners 29">
+            <a:extLst>
+              <a:ext uri="{FF2B5EF4-FFF2-40B4-BE49-F238E27FC236}">
+                <a16:creationId xmlns:a16="http://schemas.microsoft.com/office/drawing/2014/main" id="{7B2BDEA7-F711-49C9-98C8-5CD2530AF53F}"/>
+              </a:ext>
+            </a:extLst>
+          </p:cNvPr>
+          <p:cNvSpPr/>
+          <p:nvPr/>
+        </p:nvSpPr>
+        <p:spPr>
+          <a:xfrm>
+            <a:off x="6364969" y="2051041"/>
+            <a:ext cx="859899" cy="284614"/>
+          </a:xfrm>
+          <a:prstGeom prst="roundRect">
+            <a:avLst/>
+          </a:prstGeom>
+        </p:spPr>
+        <p:style>
+          <a:lnRef idx="2">
+            <a:schemeClr val="accent5">
+              <a:shade val="50000"/>
+            </a:schemeClr>
+          </a:lnRef>
+          <a:fillRef idx="1">
+            <a:schemeClr val="accent5"/>
+          </a:fillRef>
+          <a:effectRef idx="0">
+            <a:schemeClr val="accent5"/>
+          </a:effectRef>
+          <a:fontRef idx="minor">
+            <a:schemeClr val="lt1"/>
+          </a:fontRef>
+        </p:style>
+        <p:txBody>
+          <a:bodyPr rtlCol="0" anchor="ctr"/>
+          <a:lstStyle/>
+          <a:p>
+            <a:pPr algn="ctr"/>
+            <a:r>
+              <a:rPr lang="en-US" dirty="0"/>
+              <a:t>Index </a:t>
+            </a:r>
+          </a:p>
+        </p:txBody>
+      </p:sp>
+      <p:cxnSp>
+        <p:nvCxnSpPr>
+          <p:cNvPr id="33" name="Connector: Curved 32">
+            <a:extLst>
+              <a:ext uri="{FF2B5EF4-FFF2-40B4-BE49-F238E27FC236}">
+                <a16:creationId xmlns:a16="http://schemas.microsoft.com/office/drawing/2014/main" id="{B2CC263E-9DAE-4610-8909-DE69388972D4}"/>
+              </a:ext>
+            </a:extLst>
+          </p:cNvPr>
+          <p:cNvCxnSpPr>
+            <a:stCxn id="30" idx="2"/>
+            <a:endCxn id="5" idx="0"/>
+          </p:cNvCxnSpPr>
+          <p:nvPr/>
+        </p:nvCxnSpPr>
+        <p:spPr>
+          <a:xfrm rot="16200000" flipH="1">
+            <a:off x="8196142" y="934432"/>
+            <a:ext cx="558935" cy="3361380"/>
+          </a:xfrm>
+          <a:prstGeom prst="curvedConnector3">
+            <a:avLst/>
+          </a:prstGeom>
+          <a:ln>
+            <a:tailEnd type="triangle"/>
+          </a:ln>
+        </p:spPr>
+        <p:style>
+          <a:lnRef idx="3">
+            <a:schemeClr val="accent2"/>
+          </a:lnRef>
+          <a:fillRef idx="0">
+            <a:schemeClr val="accent2"/>
+          </a:fillRef>
+          <a:effectRef idx="2">
+            <a:schemeClr val="accent2"/>
+          </a:effectRef>
+          <a:fontRef idx="minor">
+            <a:schemeClr val="tx1"/>
+          </a:fontRef>
+        </p:style>
+      </p:cxnSp>
+      <p:sp>
+        <p:nvSpPr>
+          <p:cNvPr id="34" name="TextBox 33">
+            <a:extLst>
+              <a:ext uri="{FF2B5EF4-FFF2-40B4-BE49-F238E27FC236}">
+                <a16:creationId xmlns:a16="http://schemas.microsoft.com/office/drawing/2014/main" id="{F0C6B8C0-068F-4EC5-AC96-1D53915ECD2E}"/>
+              </a:ext>
+            </a:extLst>
+          </p:cNvPr>
+          <p:cNvSpPr txBox="1"/>
+          <p:nvPr/>
+        </p:nvSpPr>
+        <p:spPr>
+          <a:xfrm>
+            <a:off x="8514713" y="1865252"/>
+            <a:ext cx="1156625" cy="369332"/>
+          </a:xfrm>
+          <a:prstGeom prst="rect">
+            <a:avLst/>
+          </a:prstGeom>
+          <a:noFill/>
+        </p:spPr>
+        <p:txBody>
+          <a:bodyPr wrap="square" rtlCol="0">
+            <a:spAutoFit/>
+          </a:bodyPr>
+          <a:lstStyle/>
+          <a:p>
+            <a:r>
+              <a:rPr lang="en-US" dirty="0"/>
+              <a:t>fetch</a:t>
+            </a:r>
+          </a:p>
+        </p:txBody>
+      </p:sp>
+      <p:sp>
+        <p:nvSpPr>
+          <p:cNvPr id="35" name="Rectangle: Rounded Corners 34">
+            <a:extLst>
+              <a:ext uri="{FF2B5EF4-FFF2-40B4-BE49-F238E27FC236}">
+                <a16:creationId xmlns:a16="http://schemas.microsoft.com/office/drawing/2014/main" id="{8EF098A0-961F-4A6E-9C3B-5FBD29D5219F}"/>
+              </a:ext>
+            </a:extLst>
+          </p:cNvPr>
+          <p:cNvSpPr/>
+          <p:nvPr/>
+        </p:nvSpPr>
+        <p:spPr>
+          <a:xfrm>
+            <a:off x="6363950" y="2892152"/>
+            <a:ext cx="859899" cy="284614"/>
+          </a:xfrm>
+          <a:prstGeom prst="roundRect">
+            <a:avLst/>
+          </a:prstGeom>
+        </p:spPr>
+        <p:style>
+          <a:lnRef idx="2">
+            <a:schemeClr val="accent5">
+              <a:shade val="50000"/>
+            </a:schemeClr>
+          </a:lnRef>
+          <a:fillRef idx="1">
+            <a:schemeClr val="accent5"/>
+          </a:fillRef>
+          <a:effectRef idx="0">
+            <a:schemeClr val="accent5"/>
+          </a:effectRef>
+          <a:fontRef idx="minor">
+            <a:schemeClr val="lt1"/>
+          </a:fontRef>
+        </p:style>
+        <p:txBody>
+          <a:bodyPr rtlCol="0" anchor="ctr"/>
+          <a:lstStyle/>
+          <a:p>
+            <a:pPr algn="ctr"/>
+            <a:r>
+              <a:rPr lang="en-US" dirty="0"/>
+              <a:t>Data </a:t>
+            </a:r>
+          </a:p>
+        </p:txBody>
+      </p:sp>
+      <p:graphicFrame>
+        <p:nvGraphicFramePr>
+          <p:cNvPr id="28" name="Table 14">
+            <a:extLst>
+              <a:ext uri="{FF2B5EF4-FFF2-40B4-BE49-F238E27FC236}">
+                <a16:creationId xmlns:a16="http://schemas.microsoft.com/office/drawing/2014/main" id="{D5DB36FD-F5EF-4D25-A288-0BB9C9FB70F6}"/>
+              </a:ext>
+            </a:extLst>
+          </p:cNvPr>
+          <p:cNvGraphicFramePr>
+            <a:graphicFrameLocks noGrp="1"/>
+          </p:cNvGraphicFramePr>
+          <p:nvPr/>
+        </p:nvGraphicFramePr>
+        <p:xfrm>
+          <a:off x="7495398" y="3875604"/>
+          <a:ext cx="2764058" cy="2595880"/>
+        </p:xfrm>
+        <a:graphic>
+          <a:graphicData uri="http://schemas.openxmlformats.org/drawingml/2006/table">
+            <a:tbl>
+              <a:tblPr firstRow="1" bandRow="1">
+                <a:tableStyleId>{5C22544A-7EE6-4342-B048-85BDC9FD1C3A}</a:tableStyleId>
+              </a:tblPr>
+              <a:tblGrid>
+                <a:gridCol w="1382029">
+                  <a:extLst>
+                    <a:ext uri="{9D8B030D-6E8A-4147-A177-3AD203B41FA5}">
+                      <a16:colId xmlns:a16="http://schemas.microsoft.com/office/drawing/2014/main" val="1786055960"/>
+                    </a:ext>
+                  </a:extLst>
+                </a:gridCol>
+                <a:gridCol w="1382029">
+                  <a:extLst>
+                    <a:ext uri="{9D8B030D-6E8A-4147-A177-3AD203B41FA5}">
+                      <a16:colId xmlns:a16="http://schemas.microsoft.com/office/drawing/2014/main" val="564896528"/>
+                    </a:ext>
+                  </a:extLst>
+                </a:gridCol>
+              </a:tblGrid>
+              <a:tr h="370840">
+                <a:tc>
+                  <a:txBody>
+                    <a:bodyPr/>
+                    <a:lstStyle/>
+                    <a:p>
+                      <a:r>
+                        <a:rPr lang="en-US" dirty="0"/>
+                        <a:t>Id</a:t>
+                      </a:r>
+                    </a:p>
+                  </a:txBody>
+                  <a:tcPr/>
+                </a:tc>
+                <a:tc>
+                  <a:txBody>
+                    <a:bodyPr/>
+                    <a:lstStyle/>
+                    <a:p>
+                      <a:r>
+                        <a:rPr lang="en-US" dirty="0" err="1"/>
+                        <a:t>BlockId</a:t>
+                      </a:r>
+                      <a:endParaRPr lang="en-US" dirty="0"/>
+                    </a:p>
+                  </a:txBody>
+                  <a:tcPr/>
+                </a:tc>
+                <a:extLst>
+                  <a:ext uri="{0D108BD9-81ED-4DB2-BD59-A6C34878D82A}">
+                    <a16:rowId xmlns:a16="http://schemas.microsoft.com/office/drawing/2014/main" val="4221342669"/>
+                  </a:ext>
+                </a:extLst>
+              </a:tr>
+              <a:tr h="370840">
+                <a:tc>
+                  <a:txBody>
+                    <a:bodyPr/>
+                    <a:lstStyle/>
+                    <a:p>
+                      <a:r>
+                        <a:rPr lang="en-US" dirty="0"/>
+                        <a:t>0</a:t>
+                      </a:r>
+                    </a:p>
+                  </a:txBody>
+                  <a:tcPr/>
+                </a:tc>
+                <a:tc>
+                  <a:txBody>
+                    <a:bodyPr/>
+                    <a:lstStyle/>
+                    <a:p>
+                      <a:r>
+                        <a:rPr lang="en-US" dirty="0"/>
+                        <a:t>X</a:t>
+                      </a:r>
+                    </a:p>
+                  </a:txBody>
+                  <a:tcPr/>
+                </a:tc>
+                <a:extLst>
+                  <a:ext uri="{0D108BD9-81ED-4DB2-BD59-A6C34878D82A}">
+                    <a16:rowId xmlns:a16="http://schemas.microsoft.com/office/drawing/2014/main" val="4161096451"/>
+                  </a:ext>
+                </a:extLst>
+              </a:tr>
+              <a:tr h="370840">
+                <a:tc>
+                  <a:txBody>
+                    <a:bodyPr/>
+                    <a:lstStyle/>
+                    <a:p>
+                      <a:r>
+                        <a:rPr lang="en-US" dirty="0"/>
+                        <a:t>1</a:t>
+                      </a:r>
+                    </a:p>
+                  </a:txBody>
+                  <a:tcPr/>
+                </a:tc>
+                <a:tc>
+                  <a:txBody>
+                    <a:bodyPr/>
+                    <a:lstStyle/>
+                    <a:p>
+                      <a:r>
+                        <a:rPr lang="en-US" dirty="0"/>
+                        <a:t>Y</a:t>
+                      </a:r>
+                    </a:p>
+                  </a:txBody>
+                  <a:tcPr/>
+                </a:tc>
+                <a:extLst>
+                  <a:ext uri="{0D108BD9-81ED-4DB2-BD59-A6C34878D82A}">
+                    <a16:rowId xmlns:a16="http://schemas.microsoft.com/office/drawing/2014/main" val="1420299048"/>
+                  </a:ext>
+                </a:extLst>
+              </a:tr>
+              <a:tr h="370840">
+                <a:tc>
+                  <a:txBody>
+                    <a:bodyPr/>
+                    <a:lstStyle/>
+                    <a:p>
+                      <a:r>
+                        <a:rPr lang="en-US" dirty="0"/>
+                        <a:t>2</a:t>
+                      </a:r>
+                    </a:p>
+                  </a:txBody>
+                  <a:tcPr/>
+                </a:tc>
+                <a:tc>
+                  <a:txBody>
+                    <a:bodyPr/>
+                    <a:lstStyle/>
+                    <a:p>
+                      <a:r>
+                        <a:rPr lang="en-US" dirty="0"/>
+                        <a:t>Z</a:t>
+                      </a:r>
+                    </a:p>
+                  </a:txBody>
+                  <a:tcPr/>
+                </a:tc>
+                <a:extLst>
+                  <a:ext uri="{0D108BD9-81ED-4DB2-BD59-A6C34878D82A}">
+                    <a16:rowId xmlns:a16="http://schemas.microsoft.com/office/drawing/2014/main" val="2306198294"/>
+                  </a:ext>
+                </a:extLst>
+              </a:tr>
+              <a:tr h="370840">
+                <a:tc>
+                  <a:txBody>
+                    <a:bodyPr/>
+                    <a:lstStyle/>
+                    <a:p>
+                      <a:r>
+                        <a:rPr lang="en-US" dirty="0"/>
+                        <a:t>3</a:t>
+                      </a:r>
+                    </a:p>
+                  </a:txBody>
+                  <a:tcPr/>
+                </a:tc>
+                <a:tc>
+                  <a:txBody>
+                    <a:bodyPr/>
+                    <a:lstStyle/>
+                    <a:p>
+                      <a:r>
+                        <a:rPr lang="en-US" dirty="0"/>
+                        <a:t>…</a:t>
+                      </a:r>
+                    </a:p>
+                  </a:txBody>
+                  <a:tcPr/>
+                </a:tc>
+                <a:extLst>
+                  <a:ext uri="{0D108BD9-81ED-4DB2-BD59-A6C34878D82A}">
+                    <a16:rowId xmlns:a16="http://schemas.microsoft.com/office/drawing/2014/main" val="668953477"/>
+                  </a:ext>
+                </a:extLst>
+              </a:tr>
+              <a:tr h="370840">
+                <a:tc>
+                  <a:txBody>
+                    <a:bodyPr/>
+                    <a:lstStyle/>
+                    <a:p>
+                      <a:r>
+                        <a:rPr lang="en-US" dirty="0"/>
+                        <a:t>4</a:t>
+                      </a:r>
+                    </a:p>
+                  </a:txBody>
+                  <a:tcPr/>
+                </a:tc>
+                <a:tc>
+                  <a:txBody>
+                    <a:bodyPr/>
+                    <a:lstStyle/>
+                    <a:p>
+                      <a:r>
+                        <a:rPr lang="en-US" dirty="0"/>
+                        <a:t>…</a:t>
+                      </a:r>
+                    </a:p>
+                  </a:txBody>
+                  <a:tcPr/>
+                </a:tc>
+                <a:extLst>
+                  <a:ext uri="{0D108BD9-81ED-4DB2-BD59-A6C34878D82A}">
+                    <a16:rowId xmlns:a16="http://schemas.microsoft.com/office/drawing/2014/main" val="2193693266"/>
+                  </a:ext>
+                </a:extLst>
+              </a:tr>
+              <a:tr h="370840">
+                <a:tc>
+                  <a:txBody>
+                    <a:bodyPr/>
+                    <a:lstStyle/>
+                    <a:p>
+                      <a:r>
+                        <a:rPr lang="en-US" dirty="0"/>
+                        <a:t>5</a:t>
+                      </a:r>
+                    </a:p>
+                  </a:txBody>
+                  <a:tcPr/>
+                </a:tc>
+                <a:tc>
+                  <a:txBody>
+                    <a:bodyPr/>
+                    <a:lstStyle/>
+                    <a:p>
+                      <a:r>
+                        <a:rPr lang="en-US" dirty="0"/>
+                        <a:t>…</a:t>
+                      </a:r>
+                    </a:p>
+                  </a:txBody>
+                  <a:tcPr/>
+                </a:tc>
+                <a:extLst>
+                  <a:ext uri="{0D108BD9-81ED-4DB2-BD59-A6C34878D82A}">
+                    <a16:rowId xmlns:a16="http://schemas.microsoft.com/office/drawing/2014/main" val="260110131"/>
+                  </a:ext>
+                </a:extLst>
+              </a:tr>
+            </a:tbl>
+          </a:graphicData>
+        </a:graphic>
+      </p:graphicFrame>
+      <p:sp>
+        <p:nvSpPr>
+          <p:cNvPr id="18" name="Rectangle: Rounded Corners 17">
+            <a:extLst>
+              <a:ext uri="{FF2B5EF4-FFF2-40B4-BE49-F238E27FC236}">
+                <a16:creationId xmlns:a16="http://schemas.microsoft.com/office/drawing/2014/main" id="{6E662CF1-CEA1-4BC5-A524-B117CF53F3E9}"/>
+              </a:ext>
+            </a:extLst>
+          </p:cNvPr>
+          <p:cNvSpPr/>
+          <p:nvPr/>
+        </p:nvSpPr>
+        <p:spPr>
+          <a:xfrm>
+            <a:off x="7436313" y="4233105"/>
+            <a:ext cx="2882479" cy="1872199"/>
+          </a:xfrm>
+          <a:prstGeom prst="roundRect">
+            <a:avLst/>
+          </a:prstGeom>
+          <a:noFill/>
+          <a:ln w="9525" cap="flat" cmpd="sng" algn="ctr">
+            <a:solidFill>
+              <a:schemeClr val="accent2"/>
+            </a:solidFill>
+            <a:prstDash val="solid"/>
+            <a:round/>
+            <a:headEnd type="none" w="med" len="med"/>
+            <a:tailEnd type="none" w="med" len="med"/>
+          </a:ln>
+        </p:spPr>
+        <p:style>
+          <a:lnRef idx="0">
+            <a:scrgbClr r="0" g="0" b="0"/>
+          </a:lnRef>
+          <a:fillRef idx="0">
+            <a:scrgbClr r="0" g="0" b="0"/>
+          </a:fillRef>
+          <a:effectRef idx="0">
+            <a:scrgbClr r="0" g="0" b="0"/>
+          </a:effectRef>
+          <a:fontRef idx="minor">
+            <a:schemeClr val="accent2"/>
+          </a:fontRef>
+        </p:style>
+        <p:txBody>
+          <a:bodyPr rtlCol="0" anchor="ctr"/>
+          <a:lstStyle/>
+          <a:p>
+            <a:pPr algn="ctr"/>
+            <a:endParaRPr lang="en-US"/>
+          </a:p>
+        </p:txBody>
+      </p:sp>
+      <p:sp>
+        <p:nvSpPr>
+          <p:cNvPr id="31" name="Left Brace 30">
+            <a:extLst>
+              <a:ext uri="{FF2B5EF4-FFF2-40B4-BE49-F238E27FC236}">
+                <a16:creationId xmlns:a16="http://schemas.microsoft.com/office/drawing/2014/main" id="{EC845F39-4DAD-42A7-B402-796A26879DF7}"/>
+              </a:ext>
+            </a:extLst>
+          </p:cNvPr>
+          <p:cNvSpPr/>
+          <p:nvPr/>
+        </p:nvSpPr>
+        <p:spPr>
+          <a:xfrm>
+            <a:off x="6728059" y="4233105"/>
+            <a:ext cx="538696" cy="1872199"/>
+          </a:xfrm>
+          <a:prstGeom prst="leftBrace">
+            <a:avLst>
+              <a:gd name="adj1" fmla="val 84780"/>
+              <a:gd name="adj2" fmla="val 50000"/>
+            </a:avLst>
+          </a:prstGeom>
+        </p:spPr>
+        <p:style>
+          <a:lnRef idx="1">
+            <a:schemeClr val="accent1"/>
+          </a:lnRef>
+          <a:fillRef idx="0">
+            <a:schemeClr val="accent1"/>
+          </a:fillRef>
+          <a:effectRef idx="0">
+            <a:schemeClr val="accent1"/>
+          </a:effectRef>
+          <a:fontRef idx="minor">
+            <a:schemeClr val="tx1"/>
+          </a:fontRef>
+        </p:style>
+        <p:txBody>
+          <a:bodyPr rtlCol="0" anchor="ctr"/>
+          <a:lstStyle/>
+          <a:p>
+            <a:pPr algn="ctr"/>
+            <a:endParaRPr lang="en-US"/>
+          </a:p>
+        </p:txBody>
+      </p:sp>
+    </p:spTree>
+    <p:extLst>
+      <p:ext uri="{BB962C8B-B14F-4D97-AF65-F5344CB8AC3E}">
+        <p14:creationId xmlns:p14="http://schemas.microsoft.com/office/powerpoint/2010/main" val="1186756187"/>
+      </p:ext>
+    </p:extLst>
+  </p:cSld>
+  <p:clrMapOvr>
+    <a:masterClrMapping/>
+  </p:clrMapOvr>
+</p:sld>
+</file>
+
+<file path=ppt/slides/slide2.xml><?xml version="1.0" encoding="utf-8"?>
+<p:sld xmlns:a="http://schemas.openxmlformats.org/drawingml/2006/main" xmlns:r="http://schemas.openxmlformats.org/officeDocument/2006/relationships" xmlns:p="http://schemas.openxmlformats.org/presentationml/2006/main">
+  <p:cSld>
+    <p:spTree>
+      <p:nvGrpSpPr>
+        <p:cNvPr id="1" name=""/>
+        <p:cNvGrpSpPr/>
+        <p:nvPr/>
+      </p:nvGrpSpPr>
+      <p:grpSpPr>
+        <a:xfrm>
+          <a:off x="0" y="0"/>
+          <a:ext cx="0" cy="0"/>
+          <a:chOff x="0" y="0"/>
+          <a:chExt cx="0" cy="0"/>
+        </a:xfrm>
+      </p:grpSpPr>
+      <p:sp>
+        <p:nvSpPr>
+          <p:cNvPr id="4" name="Title 3">
+            <a:extLst>
+              <a:ext uri="{FF2B5EF4-FFF2-40B4-BE49-F238E27FC236}">
+                <a16:creationId xmlns:a16="http://schemas.microsoft.com/office/drawing/2014/main" id="{99EE1D59-A3CA-E176-43CD-A96A4268D6D2}"/>
+              </a:ext>
+            </a:extLst>
+          </p:cNvPr>
+          <p:cNvSpPr>
+            <a:spLocks noGrp="1"/>
+          </p:cNvSpPr>
+          <p:nvPr>
+            <p:ph type="ctrTitle"/>
+          </p:nvPr>
+        </p:nvSpPr>
+        <p:spPr/>
+        <p:txBody>
+          <a:bodyPr/>
+          <a:lstStyle/>
+          <a:p>
+            <a:r>
+              <a:rPr lang="en-US" dirty="0"/>
+              <a:t>Lecture 8</a:t>
+            </a:r>
+          </a:p>
+        </p:txBody>
+      </p:sp>
+      <p:sp>
+        <p:nvSpPr>
+          <p:cNvPr id="5" name="Text Placeholder 4">
+            <a:extLst>
+              <a:ext uri="{FF2B5EF4-FFF2-40B4-BE49-F238E27FC236}">
+                <a16:creationId xmlns:a16="http://schemas.microsoft.com/office/drawing/2014/main" id="{5489B600-294E-65DF-EEDA-56F1669FF1E4}"/>
+              </a:ext>
+            </a:extLst>
+          </p:cNvPr>
+          <p:cNvSpPr>
+            <a:spLocks noGrp="1"/>
+          </p:cNvSpPr>
+          <p:nvPr>
+            <p:ph type="subTitle" idx="1"/>
+          </p:nvPr>
+        </p:nvSpPr>
+        <p:spPr/>
+        <p:txBody>
+          <a:bodyPr/>
+          <a:lstStyle/>
+          <a:p>
+            <a:r>
+              <a:rPr lang="en-US" dirty="0"/>
+              <a:t>Relational databases</a:t>
+            </a:r>
+          </a:p>
+        </p:txBody>
+      </p:sp>
+    </p:spTree>
+    <p:extLst>
+      <p:ext uri="{BB962C8B-B14F-4D97-AF65-F5344CB8AC3E}">
+        <p14:creationId xmlns:p14="http://schemas.microsoft.com/office/powerpoint/2010/main" val="2244662498"/>
+      </p:ext>
+    </p:extLst>
+  </p:cSld>
+  <p:clrMapOvr>
+    <a:masterClrMapping/>
+  </p:clrMapOvr>
+</p:sld>
+</file>
+
+<file path=ppt/slides/slide20.xml><?xml version="1.0" encoding="utf-8"?>
+<p:sld xmlns:a="http://schemas.openxmlformats.org/drawingml/2006/main" xmlns:r="http://schemas.openxmlformats.org/officeDocument/2006/relationships" xmlns:p="http://schemas.openxmlformats.org/presentationml/2006/main">
+  <p:cSld>
+    <p:spTree>
+      <p:nvGrpSpPr>
+        <p:cNvPr id="1" name=""/>
+        <p:cNvGrpSpPr/>
+        <p:nvPr/>
+      </p:nvGrpSpPr>
+      <p:grpSpPr>
+        <a:xfrm>
+          <a:off x="0" y="0"/>
+          <a:ext cx="0" cy="0"/>
+          <a:chOff x="0" y="0"/>
+          <a:chExt cx="0" cy="0"/>
+        </a:xfrm>
+      </p:grpSpPr>
+      <p:sp>
+        <p:nvSpPr>
+          <p:cNvPr id="2" name="Title 1">
+            <a:extLst>
+              <a:ext uri="{FF2B5EF4-FFF2-40B4-BE49-F238E27FC236}">
+                <a16:creationId xmlns:a16="http://schemas.microsoft.com/office/drawing/2014/main" id="{81B8D5E6-1796-4CBC-A7FF-CD7E0D8BE00B}"/>
+              </a:ext>
+            </a:extLst>
+          </p:cNvPr>
+          <p:cNvSpPr>
+            <a:spLocks noGrp="1"/>
+          </p:cNvSpPr>
+          <p:nvPr>
+            <p:ph type="title"/>
+          </p:nvPr>
+        </p:nvSpPr>
+        <p:spPr/>
+        <p:txBody>
+          <a:bodyPr/>
+          <a:lstStyle/>
+          <a:p>
+            <a:r>
+              <a:rPr lang="en-US" dirty="0"/>
+              <a:t>B(+)-tree</a:t>
+            </a:r>
+          </a:p>
+        </p:txBody>
+      </p:sp>
+      <p:sp>
+        <p:nvSpPr>
+          <p:cNvPr id="4" name="Content Placeholder 3">
+            <a:extLst>
+              <a:ext uri="{FF2B5EF4-FFF2-40B4-BE49-F238E27FC236}">
+                <a16:creationId xmlns:a16="http://schemas.microsoft.com/office/drawing/2014/main" id="{63FA8DCA-66E4-4084-9835-1200849F47CE}"/>
+              </a:ext>
+            </a:extLst>
+          </p:cNvPr>
+          <p:cNvSpPr>
+            <a:spLocks noGrp="1"/>
+          </p:cNvSpPr>
+          <p:nvPr>
+            <p:ph sz="half" idx="1"/>
+          </p:nvPr>
+        </p:nvSpPr>
+        <p:spPr/>
+        <p:txBody>
+          <a:bodyPr/>
+          <a:lstStyle/>
+          <a:p>
+            <a:r>
+              <a:rPr lang="en-US" dirty="0"/>
+              <a:t>Self-balancing m-way search tree</a:t>
+            </a:r>
+          </a:p>
+          <a:p>
+            <a:r>
+              <a:rPr lang="en-US" dirty="0"/>
+              <a:t>Perfectly balanced: same height on every path from root</a:t>
+            </a:r>
+          </a:p>
+          <a:p>
+            <a:r>
+              <a:rPr lang="en-US" dirty="0"/>
+              <a:t>Every node, except for root are at least half full</a:t>
+            </a:r>
+          </a:p>
+          <a:p>
+            <a:r>
+              <a:rPr lang="en-US" dirty="0"/>
+              <a:t>Keys are sorted in a node</a:t>
+            </a:r>
+          </a:p>
+          <a:p>
+            <a:endParaRPr lang="en-US" dirty="0"/>
+          </a:p>
+        </p:txBody>
+      </p:sp>
+      <p:sp>
+        <p:nvSpPr>
+          <p:cNvPr id="6" name="Rectangle 5">
+            <a:extLst>
+              <a:ext uri="{FF2B5EF4-FFF2-40B4-BE49-F238E27FC236}">
+                <a16:creationId xmlns:a16="http://schemas.microsoft.com/office/drawing/2014/main" id="{33C11160-4CF3-4E2A-B794-5A5A1A2CCED8}"/>
+              </a:ext>
+            </a:extLst>
+          </p:cNvPr>
+          <p:cNvSpPr/>
+          <p:nvPr/>
+        </p:nvSpPr>
+        <p:spPr>
+          <a:xfrm>
+            <a:off x="8304284" y="2217608"/>
+            <a:ext cx="581341" cy="363337"/>
+          </a:xfrm>
+          <a:prstGeom prst="rect">
+            <a:avLst/>
+          </a:prstGeom>
+        </p:spPr>
+        <p:style>
+          <a:lnRef idx="2">
+            <a:schemeClr val="accent1">
+              <a:shade val="50000"/>
+            </a:schemeClr>
+          </a:lnRef>
+          <a:fillRef idx="1">
+            <a:schemeClr val="accent1"/>
+          </a:fillRef>
+          <a:effectRef idx="0">
+            <a:schemeClr val="accent1"/>
+          </a:effectRef>
+          <a:fontRef idx="minor">
+            <a:schemeClr val="lt1"/>
+          </a:fontRef>
+        </p:style>
+        <p:txBody>
+          <a:bodyPr rtlCol="0" anchor="ctr"/>
+          <a:lstStyle/>
+          <a:p>
+            <a:pPr algn="ctr"/>
+            <a:r>
+              <a:rPr lang="en-US" dirty="0"/>
+              <a:t>A</a:t>
+            </a:r>
+          </a:p>
+        </p:txBody>
+      </p:sp>
+      <p:sp>
+        <p:nvSpPr>
+          <p:cNvPr id="8" name="Rectangle 7">
+            <a:extLst>
+              <a:ext uri="{FF2B5EF4-FFF2-40B4-BE49-F238E27FC236}">
+                <a16:creationId xmlns:a16="http://schemas.microsoft.com/office/drawing/2014/main" id="{3223FFEA-AAB0-45A0-A498-F9DD71632691}"/>
+              </a:ext>
+            </a:extLst>
+          </p:cNvPr>
+          <p:cNvSpPr/>
+          <p:nvPr/>
+        </p:nvSpPr>
+        <p:spPr>
+          <a:xfrm>
+            <a:off x="7722944" y="3691757"/>
+            <a:ext cx="581341" cy="363337"/>
+          </a:xfrm>
+          <a:prstGeom prst="rect">
+            <a:avLst/>
+          </a:prstGeom>
+        </p:spPr>
+        <p:style>
+          <a:lnRef idx="2">
+            <a:schemeClr val="accent1">
+              <a:shade val="50000"/>
+            </a:schemeClr>
+          </a:lnRef>
+          <a:fillRef idx="1">
+            <a:schemeClr val="accent1"/>
+          </a:fillRef>
+          <a:effectRef idx="0">
+            <a:schemeClr val="accent1"/>
+          </a:effectRef>
+          <a:fontRef idx="minor">
+            <a:schemeClr val="lt1"/>
+          </a:fontRef>
+        </p:style>
+        <p:txBody>
+          <a:bodyPr rtlCol="0" anchor="ctr"/>
+          <a:lstStyle/>
+          <a:p>
+            <a:pPr algn="ctr"/>
+            <a:r>
+              <a:rPr lang="en-US" dirty="0"/>
+              <a:t>L</a:t>
+            </a:r>
+          </a:p>
+        </p:txBody>
+      </p:sp>
+      <p:sp>
+        <p:nvSpPr>
+          <p:cNvPr id="9" name="Rectangle 8">
+            <a:extLst>
+              <a:ext uri="{FF2B5EF4-FFF2-40B4-BE49-F238E27FC236}">
+                <a16:creationId xmlns:a16="http://schemas.microsoft.com/office/drawing/2014/main" id="{DADA7687-1C48-4F09-B73E-1FC67D4DD666}"/>
+              </a:ext>
+            </a:extLst>
+          </p:cNvPr>
+          <p:cNvSpPr/>
+          <p:nvPr/>
+        </p:nvSpPr>
+        <p:spPr>
+          <a:xfrm>
+            <a:off x="8304285" y="3691757"/>
+            <a:ext cx="581341" cy="363337"/>
+          </a:xfrm>
+          <a:prstGeom prst="rect">
+            <a:avLst/>
+          </a:prstGeom>
+        </p:spPr>
+        <p:style>
+          <a:lnRef idx="2">
+            <a:schemeClr val="accent1">
+              <a:shade val="50000"/>
+            </a:schemeClr>
+          </a:lnRef>
+          <a:fillRef idx="1">
+            <a:schemeClr val="accent1"/>
+          </a:fillRef>
+          <a:effectRef idx="0">
+            <a:schemeClr val="accent1"/>
+          </a:effectRef>
+          <a:fontRef idx="minor">
+            <a:schemeClr val="lt1"/>
+          </a:fontRef>
+        </p:style>
+        <p:txBody>
+          <a:bodyPr rtlCol="0" anchor="ctr"/>
+          <a:lstStyle/>
+          <a:p>
+            <a:pPr algn="ctr"/>
+            <a:r>
+              <a:rPr lang="en-US" dirty="0"/>
+              <a:t>M</a:t>
+            </a:r>
+          </a:p>
+        </p:txBody>
+      </p:sp>
+      <p:sp>
+        <p:nvSpPr>
+          <p:cNvPr id="10" name="Rectangle 9">
+            <a:extLst>
+              <a:ext uri="{FF2B5EF4-FFF2-40B4-BE49-F238E27FC236}">
+                <a16:creationId xmlns:a16="http://schemas.microsoft.com/office/drawing/2014/main" id="{4F4DCE8F-04BF-4387-AFE1-DE75A6EC0FC7}"/>
+              </a:ext>
+            </a:extLst>
+          </p:cNvPr>
+          <p:cNvSpPr/>
+          <p:nvPr/>
+        </p:nvSpPr>
+        <p:spPr>
+          <a:xfrm>
+            <a:off x="8885626" y="3691757"/>
+            <a:ext cx="581341" cy="363337"/>
+          </a:xfrm>
+          <a:prstGeom prst="rect">
+            <a:avLst/>
+          </a:prstGeom>
+        </p:spPr>
+        <p:style>
+          <a:lnRef idx="2">
+            <a:schemeClr val="accent1">
+              <a:shade val="50000"/>
+            </a:schemeClr>
+          </a:lnRef>
+          <a:fillRef idx="1">
+            <a:schemeClr val="accent1"/>
+          </a:fillRef>
+          <a:effectRef idx="0">
+            <a:schemeClr val="accent1"/>
+          </a:effectRef>
+          <a:fontRef idx="minor">
+            <a:schemeClr val="lt1"/>
+          </a:fontRef>
+        </p:style>
+        <p:txBody>
+          <a:bodyPr rtlCol="0" anchor="ctr"/>
+          <a:lstStyle/>
+          <a:p>
+            <a:pPr algn="ctr"/>
+            <a:r>
+              <a:rPr lang="en-US" dirty="0"/>
+              <a:t>N</a:t>
+            </a:r>
+          </a:p>
+        </p:txBody>
+      </p:sp>
+      <p:sp>
+        <p:nvSpPr>
+          <p:cNvPr id="11" name="Rectangle 10">
+            <a:extLst>
+              <a:ext uri="{FF2B5EF4-FFF2-40B4-BE49-F238E27FC236}">
+                <a16:creationId xmlns:a16="http://schemas.microsoft.com/office/drawing/2014/main" id="{35F2A1C9-924A-42CA-A366-154690388325}"/>
+              </a:ext>
+            </a:extLst>
+          </p:cNvPr>
+          <p:cNvSpPr/>
+          <p:nvPr/>
+        </p:nvSpPr>
+        <p:spPr>
+          <a:xfrm>
+            <a:off x="9779335" y="3036393"/>
+            <a:ext cx="581341" cy="363337"/>
+          </a:xfrm>
+          <a:prstGeom prst="rect">
+            <a:avLst/>
+          </a:prstGeom>
+        </p:spPr>
+        <p:style>
+          <a:lnRef idx="2">
+            <a:schemeClr val="accent1">
+              <a:shade val="50000"/>
+            </a:schemeClr>
+          </a:lnRef>
+          <a:fillRef idx="1">
+            <a:schemeClr val="accent1"/>
+          </a:fillRef>
+          <a:effectRef idx="0">
+            <a:schemeClr val="accent1"/>
+          </a:effectRef>
+          <a:fontRef idx="minor">
+            <a:schemeClr val="lt1"/>
+          </a:fontRef>
+        </p:style>
+        <p:txBody>
+          <a:bodyPr rtlCol="0" anchor="ctr"/>
+          <a:lstStyle/>
+          <a:p>
+            <a:pPr algn="ctr"/>
+            <a:r>
+              <a:rPr lang="en-US" dirty="0"/>
+              <a:t>D</a:t>
+            </a:r>
+          </a:p>
+        </p:txBody>
+      </p:sp>
+      <p:sp>
+        <p:nvSpPr>
+          <p:cNvPr id="12" name="Rectangle 11">
+            <a:extLst>
+              <a:ext uri="{FF2B5EF4-FFF2-40B4-BE49-F238E27FC236}">
+                <a16:creationId xmlns:a16="http://schemas.microsoft.com/office/drawing/2014/main" id="{B3412AF7-D41D-4E8B-B696-5832D6B10760}"/>
+              </a:ext>
+            </a:extLst>
+          </p:cNvPr>
+          <p:cNvSpPr/>
+          <p:nvPr/>
+        </p:nvSpPr>
+        <p:spPr>
+          <a:xfrm>
+            <a:off x="10360676" y="3036393"/>
+            <a:ext cx="581341" cy="363337"/>
+          </a:xfrm>
+          <a:prstGeom prst="rect">
+            <a:avLst/>
+          </a:prstGeom>
+        </p:spPr>
+        <p:style>
+          <a:lnRef idx="2">
+            <a:schemeClr val="accent1">
+              <a:shade val="50000"/>
+            </a:schemeClr>
+          </a:lnRef>
+          <a:fillRef idx="1">
+            <a:schemeClr val="accent1"/>
+          </a:fillRef>
+          <a:effectRef idx="0">
+            <a:schemeClr val="accent1"/>
+          </a:effectRef>
+          <a:fontRef idx="minor">
+            <a:schemeClr val="lt1"/>
+          </a:fontRef>
+        </p:style>
+        <p:txBody>
+          <a:bodyPr rtlCol="0" anchor="ctr"/>
+          <a:lstStyle/>
+          <a:p>
+            <a:pPr algn="ctr"/>
+            <a:r>
+              <a:rPr lang="en-US" dirty="0"/>
+              <a:t>E</a:t>
+            </a:r>
+          </a:p>
+        </p:txBody>
+      </p:sp>
+      <p:sp>
+        <p:nvSpPr>
+          <p:cNvPr id="13" name="Rectangle 12">
+            <a:extLst>
+              <a:ext uri="{FF2B5EF4-FFF2-40B4-BE49-F238E27FC236}">
+                <a16:creationId xmlns:a16="http://schemas.microsoft.com/office/drawing/2014/main" id="{C8849D9D-2F13-4094-9C8A-4281DC4CAE85}"/>
+              </a:ext>
+            </a:extLst>
+          </p:cNvPr>
+          <p:cNvSpPr/>
+          <p:nvPr/>
+        </p:nvSpPr>
+        <p:spPr>
+          <a:xfrm>
+            <a:off x="10942017" y="3036393"/>
+            <a:ext cx="581341" cy="363337"/>
+          </a:xfrm>
+          <a:prstGeom prst="rect">
+            <a:avLst/>
+          </a:prstGeom>
+        </p:spPr>
+        <p:style>
+          <a:lnRef idx="2">
+            <a:schemeClr val="accent1">
+              <a:shade val="50000"/>
+            </a:schemeClr>
+          </a:lnRef>
+          <a:fillRef idx="1">
+            <a:schemeClr val="accent1"/>
+          </a:fillRef>
+          <a:effectRef idx="0">
+            <a:schemeClr val="accent1"/>
+          </a:effectRef>
+          <a:fontRef idx="minor">
+            <a:schemeClr val="lt1"/>
+          </a:fontRef>
+        </p:style>
+        <p:txBody>
+          <a:bodyPr rtlCol="0" anchor="ctr"/>
+          <a:lstStyle/>
+          <a:p>
+            <a:pPr algn="ctr"/>
+            <a:r>
+              <a:rPr lang="en-US" dirty="0"/>
+              <a:t>G</a:t>
+            </a:r>
+          </a:p>
+        </p:txBody>
+      </p:sp>
+      <p:grpSp>
+        <p:nvGrpSpPr>
+          <p:cNvPr id="32" name="Group 31">
+            <a:extLst>
+              <a:ext uri="{FF2B5EF4-FFF2-40B4-BE49-F238E27FC236}">
+                <a16:creationId xmlns:a16="http://schemas.microsoft.com/office/drawing/2014/main" id="{080215C3-B6DA-46C9-BCA8-E1E9514CB1FE}"/>
+              </a:ext>
+            </a:extLst>
+          </p:cNvPr>
+          <p:cNvGrpSpPr/>
+          <p:nvPr>
+            <p:custDataLst>
+              <p:custData r:id="rId1"/>
+            </p:custDataLst>
+          </p:nvPr>
+        </p:nvGrpSpPr>
+        <p:grpSpPr>
+          <a:xfrm>
+            <a:off x="6713166" y="3036393"/>
+            <a:ext cx="1162682" cy="363337"/>
+            <a:chOff x="6713166" y="3036393"/>
+            <a:chExt cx="1162682" cy="363337"/>
+          </a:xfrm>
+        </p:grpSpPr>
+        <p:sp>
+          <p:nvSpPr>
+            <p:cNvPr id="14" name="Rectangle 13">
+              <a:extLst>
+                <a:ext uri="{FF2B5EF4-FFF2-40B4-BE49-F238E27FC236}">
+                  <a16:creationId xmlns:a16="http://schemas.microsoft.com/office/drawing/2014/main" id="{3E5D1BC7-1AB3-4756-9DA2-0CC1381E47FA}"/>
+                </a:ext>
+              </a:extLst>
+            </p:cNvPr>
+            <p:cNvSpPr/>
+            <p:nvPr/>
+          </p:nvSpPr>
+          <p:spPr>
+            <a:xfrm>
+              <a:off x="6713166" y="3036393"/>
+              <a:ext cx="581341" cy="363337"/>
+            </a:xfrm>
+            <a:prstGeom prst="rect">
+              <a:avLst/>
+            </a:prstGeom>
+          </p:spPr>
+          <p:style>
+            <a:lnRef idx="2">
+              <a:schemeClr val="accent1">
+                <a:shade val="50000"/>
+              </a:schemeClr>
+            </a:lnRef>
+            <a:fillRef idx="1">
+              <a:schemeClr val="accent1"/>
+            </a:fillRef>
+            <a:effectRef idx="0">
+              <a:schemeClr val="accent1"/>
+            </a:effectRef>
+            <a:fontRef idx="minor">
+              <a:schemeClr val="lt1"/>
+            </a:fontRef>
+          </p:style>
+          <p:txBody>
+            <a:bodyPr rtlCol="0" anchor="ctr"/>
+            <a:lstStyle/>
+            <a:p>
+              <a:pPr algn="ctr"/>
+              <a:r>
+                <a:rPr lang="en-US" dirty="0"/>
+                <a:t>B</a:t>
+              </a:r>
+            </a:p>
+          </p:txBody>
+        </p:sp>
+        <p:sp>
+          <p:nvSpPr>
+            <p:cNvPr id="15" name="Rectangle 14">
+              <a:extLst>
+                <a:ext uri="{FF2B5EF4-FFF2-40B4-BE49-F238E27FC236}">
+                  <a16:creationId xmlns:a16="http://schemas.microsoft.com/office/drawing/2014/main" id="{944A6D7E-76B6-4021-B75A-3A9DB25728E9}"/>
+                </a:ext>
+              </a:extLst>
+            </p:cNvPr>
+            <p:cNvSpPr/>
+            <p:nvPr/>
+          </p:nvSpPr>
+          <p:spPr>
+            <a:xfrm>
+              <a:off x="7294507" y="3036393"/>
+              <a:ext cx="581341" cy="363337"/>
+            </a:xfrm>
+            <a:prstGeom prst="rect">
+              <a:avLst/>
+            </a:prstGeom>
+          </p:spPr>
+          <p:style>
+            <a:lnRef idx="2">
+              <a:schemeClr val="accent1">
+                <a:shade val="50000"/>
+              </a:schemeClr>
+            </a:lnRef>
+            <a:fillRef idx="1">
+              <a:schemeClr val="accent1"/>
+            </a:fillRef>
+            <a:effectRef idx="0">
+              <a:schemeClr val="accent1"/>
+            </a:effectRef>
+            <a:fontRef idx="minor">
+              <a:schemeClr val="lt1"/>
+            </a:fontRef>
+          </p:style>
+          <p:txBody>
+            <a:bodyPr rtlCol="0" anchor="ctr"/>
+            <a:lstStyle/>
+            <a:p>
+              <a:pPr algn="ctr"/>
+              <a:r>
+                <a:rPr lang="en-US" dirty="0"/>
+                <a:t>C</a:t>
+              </a:r>
+            </a:p>
+          </p:txBody>
+        </p:sp>
+      </p:grpSp>
+      <p:sp>
+        <p:nvSpPr>
+          <p:cNvPr id="16" name="Rectangle 15">
+            <a:extLst>
+              <a:ext uri="{FF2B5EF4-FFF2-40B4-BE49-F238E27FC236}">
+                <a16:creationId xmlns:a16="http://schemas.microsoft.com/office/drawing/2014/main" id="{45AB65A7-2359-40E3-94B3-5C59426D5896}"/>
+              </a:ext>
+            </a:extLst>
+          </p:cNvPr>
+          <p:cNvSpPr/>
+          <p:nvPr/>
+        </p:nvSpPr>
+        <p:spPr>
+          <a:xfrm>
+            <a:off x="6479774" y="3691757"/>
+            <a:ext cx="581341" cy="363337"/>
+          </a:xfrm>
+          <a:prstGeom prst="rect">
+            <a:avLst/>
+          </a:prstGeom>
+        </p:spPr>
+        <p:style>
+          <a:lnRef idx="2">
+            <a:schemeClr val="accent1">
+              <a:shade val="50000"/>
+            </a:schemeClr>
+          </a:lnRef>
+          <a:fillRef idx="1">
+            <a:schemeClr val="accent1"/>
+          </a:fillRef>
+          <a:effectRef idx="0">
+            <a:schemeClr val="accent1"/>
+          </a:effectRef>
+          <a:fontRef idx="minor">
+            <a:schemeClr val="lt1"/>
+          </a:fontRef>
+        </p:style>
+        <p:txBody>
+          <a:bodyPr rtlCol="0" anchor="ctr"/>
+          <a:lstStyle/>
+          <a:p>
+            <a:pPr algn="ctr"/>
+            <a:r>
+              <a:rPr lang="en-US" dirty="0"/>
+              <a:t>J</a:t>
+            </a:r>
+          </a:p>
+        </p:txBody>
+      </p:sp>
+      <p:sp>
+        <p:nvSpPr>
+          <p:cNvPr id="17" name="Rectangle 16">
+            <a:extLst>
+              <a:ext uri="{FF2B5EF4-FFF2-40B4-BE49-F238E27FC236}">
+                <a16:creationId xmlns:a16="http://schemas.microsoft.com/office/drawing/2014/main" id="{342010F0-59CF-4BCD-9BA5-E791C3D1246B}"/>
+              </a:ext>
+            </a:extLst>
+          </p:cNvPr>
+          <p:cNvSpPr/>
+          <p:nvPr/>
+        </p:nvSpPr>
+        <p:spPr>
+          <a:xfrm>
+            <a:off x="7061115" y="3691757"/>
+            <a:ext cx="581341" cy="363337"/>
+          </a:xfrm>
+          <a:prstGeom prst="rect">
+            <a:avLst/>
+          </a:prstGeom>
+        </p:spPr>
+        <p:style>
+          <a:lnRef idx="2">
+            <a:schemeClr val="accent1">
+              <a:shade val="50000"/>
+            </a:schemeClr>
+          </a:lnRef>
+          <a:fillRef idx="1">
+            <a:schemeClr val="accent1"/>
+          </a:fillRef>
+          <a:effectRef idx="0">
+            <a:schemeClr val="accent1"/>
+          </a:effectRef>
+          <a:fontRef idx="minor">
+            <a:schemeClr val="lt1"/>
+          </a:fontRef>
+        </p:style>
+        <p:txBody>
+          <a:bodyPr rtlCol="0" anchor="ctr"/>
+          <a:lstStyle/>
+          <a:p>
+            <a:pPr algn="ctr"/>
+            <a:r>
+              <a:rPr lang="en-US" dirty="0"/>
+              <a:t>K</a:t>
+            </a:r>
+          </a:p>
+        </p:txBody>
+      </p:sp>
+      <p:sp>
+        <p:nvSpPr>
+          <p:cNvPr id="19" name="Rectangle 18">
+            <a:extLst>
+              <a:ext uri="{FF2B5EF4-FFF2-40B4-BE49-F238E27FC236}">
+                <a16:creationId xmlns:a16="http://schemas.microsoft.com/office/drawing/2014/main" id="{852A511A-8F1A-4ADA-B58A-C8AEAC9A62C2}"/>
+              </a:ext>
+            </a:extLst>
+          </p:cNvPr>
+          <p:cNvSpPr/>
+          <p:nvPr/>
+        </p:nvSpPr>
+        <p:spPr>
+          <a:xfrm>
+            <a:off x="5817945" y="3687878"/>
+            <a:ext cx="581341" cy="367216"/>
+          </a:xfrm>
+          <a:custGeom>
+            <a:avLst/>
+            <a:gdLst>
+              <a:gd name="connsiteX0" fmla="*/ 0 w 581341"/>
+              <a:gd name="connsiteY0" fmla="*/ 0 h 363337"/>
+              <a:gd name="connsiteX1" fmla="*/ 581341 w 581341"/>
+              <a:gd name="connsiteY1" fmla="*/ 0 h 363337"/>
+              <a:gd name="connsiteX2" fmla="*/ 581341 w 581341"/>
+              <a:gd name="connsiteY2" fmla="*/ 363337 h 363337"/>
+              <a:gd name="connsiteX3" fmla="*/ 0 w 581341"/>
+              <a:gd name="connsiteY3" fmla="*/ 363337 h 363337"/>
+              <a:gd name="connsiteX4" fmla="*/ 0 w 581341"/>
+              <a:gd name="connsiteY4" fmla="*/ 0 h 363337"/>
+              <a:gd name="connsiteX0" fmla="*/ 0 w 581341"/>
+              <a:gd name="connsiteY0" fmla="*/ 3879 h 367216"/>
+              <a:gd name="connsiteX1" fmla="*/ 376964 w 581341"/>
+              <a:gd name="connsiteY1" fmla="*/ 0 h 367216"/>
+              <a:gd name="connsiteX2" fmla="*/ 581341 w 581341"/>
+              <a:gd name="connsiteY2" fmla="*/ 3879 h 367216"/>
+              <a:gd name="connsiteX3" fmla="*/ 581341 w 581341"/>
+              <a:gd name="connsiteY3" fmla="*/ 367216 h 367216"/>
+              <a:gd name="connsiteX4" fmla="*/ 0 w 581341"/>
+              <a:gd name="connsiteY4" fmla="*/ 367216 h 367216"/>
+              <a:gd name="connsiteX5" fmla="*/ 0 w 581341"/>
+              <a:gd name="connsiteY5" fmla="*/ 3879 h 367216"/>
+              <a:gd name="connsiteX0" fmla="*/ 0 w 581341"/>
+              <a:gd name="connsiteY0" fmla="*/ 3879 h 367216"/>
+              <a:gd name="connsiteX1" fmla="*/ 376964 w 581341"/>
+              <a:gd name="connsiteY1" fmla="*/ 0 h 367216"/>
+              <a:gd name="connsiteX2" fmla="*/ 581341 w 581341"/>
+              <a:gd name="connsiteY2" fmla="*/ 3879 h 367216"/>
+              <a:gd name="connsiteX3" fmla="*/ 581341 w 581341"/>
+              <a:gd name="connsiteY3" fmla="*/ 367216 h 367216"/>
+              <a:gd name="connsiteX4" fmla="*/ 0 w 581341"/>
+              <a:gd name="connsiteY4" fmla="*/ 367216 h 367216"/>
+              <a:gd name="connsiteX5" fmla="*/ 0 w 581341"/>
+              <a:gd name="connsiteY5" fmla="*/ 3879 h 367216"/>
+            </a:gdLst>
+            <a:ahLst/>
+            <a:cxnLst>
+              <a:cxn ang="0">
+                <a:pos x="connsiteX0" y="connsiteY0"/>
+              </a:cxn>
+              <a:cxn ang="0">
+                <a:pos x="connsiteX1" y="connsiteY1"/>
+              </a:cxn>
+              <a:cxn ang="0">
+                <a:pos x="connsiteX2" y="connsiteY2"/>
+              </a:cxn>
+              <a:cxn ang="0">
+                <a:pos x="connsiteX3" y="connsiteY3"/>
+              </a:cxn>
+              <a:cxn ang="0">
+                <a:pos x="connsiteX4" y="connsiteY4"/>
+              </a:cxn>
+              <a:cxn ang="0">
+                <a:pos x="connsiteX5" y="connsiteY5"/>
+              </a:cxn>
+            </a:cxnLst>
+            <a:rect l="l" t="t" r="r" b="b"/>
+            <a:pathLst>
+              <a:path w="581341" h="367216">
+                <a:moveTo>
+                  <a:pt x="0" y="3879"/>
+                </a:moveTo>
+                <a:cubicBezTo>
+                  <a:pt x="125655" y="2586"/>
+                  <a:pt x="3028" y="1293"/>
+                  <a:pt x="376964" y="0"/>
+                </a:cubicBezTo>
+                <a:lnTo>
+                  <a:pt x="581341" y="3879"/>
+                </a:lnTo>
+                <a:lnTo>
+                  <a:pt x="581341" y="367216"/>
+                </a:lnTo>
+                <a:lnTo>
+                  <a:pt x="0" y="367216"/>
+                </a:lnTo>
+                <a:lnTo>
+                  <a:pt x="0" y="3879"/>
+                </a:lnTo>
+                <a:close/>
+              </a:path>
+            </a:pathLst>
+          </a:custGeom>
+        </p:spPr>
+        <p:style>
+          <a:lnRef idx="2">
+            <a:schemeClr val="accent1">
+              <a:shade val="50000"/>
+            </a:schemeClr>
+          </a:lnRef>
+          <a:fillRef idx="1">
+            <a:schemeClr val="accent1"/>
+          </a:fillRef>
+          <a:effectRef idx="0">
+            <a:schemeClr val="accent1"/>
+          </a:effectRef>
+          <a:fontRef idx="minor">
+            <a:schemeClr val="lt1"/>
+          </a:fontRef>
+        </p:style>
+        <p:txBody>
+          <a:bodyPr rtlCol="0" anchor="ctr"/>
+          <a:lstStyle/>
+          <a:p>
+            <a:pPr algn="ctr"/>
+            <a:r>
+              <a:rPr lang="en-US" dirty="0"/>
+              <a:t>I</a:t>
+            </a:r>
+          </a:p>
+        </p:txBody>
+      </p:sp>
+      <p:sp>
+        <p:nvSpPr>
+          <p:cNvPr id="20" name="Rectangle 19">
+            <a:extLst>
+              <a:ext uri="{FF2B5EF4-FFF2-40B4-BE49-F238E27FC236}">
+                <a16:creationId xmlns:a16="http://schemas.microsoft.com/office/drawing/2014/main" id="{BD987A9D-3D57-499A-BFF3-0136F6C0D0BA}"/>
+              </a:ext>
+            </a:extLst>
+          </p:cNvPr>
+          <p:cNvSpPr/>
+          <p:nvPr/>
+        </p:nvSpPr>
+        <p:spPr>
+          <a:xfrm>
+            <a:off x="9473024" y="4458300"/>
+            <a:ext cx="581341" cy="363337"/>
+          </a:xfrm>
+          <a:prstGeom prst="rect">
+            <a:avLst/>
+          </a:prstGeom>
+        </p:spPr>
+        <p:style>
+          <a:lnRef idx="2">
+            <a:schemeClr val="accent1">
+              <a:shade val="50000"/>
+            </a:schemeClr>
+          </a:lnRef>
+          <a:fillRef idx="1">
+            <a:schemeClr val="accent1"/>
+          </a:fillRef>
+          <a:effectRef idx="0">
+            <a:schemeClr val="accent1"/>
+          </a:effectRef>
+          <a:fontRef idx="minor">
+            <a:schemeClr val="lt1"/>
+          </a:fontRef>
+        </p:style>
+        <p:txBody>
+          <a:bodyPr rtlCol="0" anchor="ctr"/>
+          <a:lstStyle/>
+          <a:p>
+            <a:pPr algn="ctr"/>
+            <a:r>
+              <a:rPr lang="en-US" dirty="0"/>
+              <a:t>Q</a:t>
+            </a:r>
+          </a:p>
+        </p:txBody>
+      </p:sp>
+      <p:sp>
+        <p:nvSpPr>
+          <p:cNvPr id="21" name="Rectangle 20">
+            <a:extLst>
+              <a:ext uri="{FF2B5EF4-FFF2-40B4-BE49-F238E27FC236}">
+                <a16:creationId xmlns:a16="http://schemas.microsoft.com/office/drawing/2014/main" id="{3DDB1753-BB27-4486-8292-4170F9FD5B7E}"/>
+              </a:ext>
+            </a:extLst>
+          </p:cNvPr>
+          <p:cNvSpPr/>
+          <p:nvPr/>
+        </p:nvSpPr>
+        <p:spPr>
+          <a:xfrm>
+            <a:off x="10054365" y="4458300"/>
+            <a:ext cx="581341" cy="363337"/>
+          </a:xfrm>
+          <a:prstGeom prst="rect">
+            <a:avLst/>
+          </a:prstGeom>
+        </p:spPr>
+        <p:style>
+          <a:lnRef idx="2">
+            <a:schemeClr val="accent1">
+              <a:shade val="50000"/>
+            </a:schemeClr>
+          </a:lnRef>
+          <a:fillRef idx="1">
+            <a:schemeClr val="accent1"/>
+          </a:fillRef>
+          <a:effectRef idx="0">
+            <a:schemeClr val="accent1"/>
+          </a:effectRef>
+          <a:fontRef idx="minor">
+            <a:schemeClr val="lt1"/>
+          </a:fontRef>
+        </p:style>
+        <p:txBody>
+          <a:bodyPr rtlCol="0" anchor="ctr"/>
+          <a:lstStyle/>
+          <a:p>
+            <a:pPr algn="ctr"/>
+            <a:r>
+              <a:rPr lang="en-US" dirty="0"/>
+              <a:t>R</a:t>
+            </a:r>
+          </a:p>
+        </p:txBody>
+      </p:sp>
+      <p:sp>
+        <p:nvSpPr>
+          <p:cNvPr id="22" name="Rectangle 21">
+            <a:extLst>
+              <a:ext uri="{FF2B5EF4-FFF2-40B4-BE49-F238E27FC236}">
+                <a16:creationId xmlns:a16="http://schemas.microsoft.com/office/drawing/2014/main" id="{F59A44EE-996D-4DE3-A5B6-5A9D4EAA1926}"/>
+              </a:ext>
+            </a:extLst>
+          </p:cNvPr>
+          <p:cNvSpPr/>
+          <p:nvPr/>
+        </p:nvSpPr>
+        <p:spPr>
+          <a:xfrm>
+            <a:off x="8181159" y="4454927"/>
+            <a:ext cx="581341" cy="363337"/>
+          </a:xfrm>
+          <a:prstGeom prst="rect">
+            <a:avLst/>
+          </a:prstGeom>
+        </p:spPr>
+        <p:style>
+          <a:lnRef idx="2">
+            <a:schemeClr val="accent1">
+              <a:shade val="50000"/>
+            </a:schemeClr>
+          </a:lnRef>
+          <a:fillRef idx="1">
+            <a:schemeClr val="accent1"/>
+          </a:fillRef>
+          <a:effectRef idx="0">
+            <a:schemeClr val="accent1"/>
+          </a:effectRef>
+          <a:fontRef idx="minor">
+            <a:schemeClr val="lt1"/>
+          </a:fontRef>
+        </p:style>
+        <p:txBody>
+          <a:bodyPr rtlCol="0" anchor="ctr"/>
+          <a:lstStyle/>
+          <a:p>
+            <a:pPr algn="ctr"/>
+            <a:r>
+              <a:rPr lang="en-US" dirty="0"/>
+              <a:t>O</a:t>
+            </a:r>
+          </a:p>
+        </p:txBody>
+      </p:sp>
+      <p:sp>
+        <p:nvSpPr>
+          <p:cNvPr id="23" name="Rectangle 22">
+            <a:extLst>
+              <a:ext uri="{FF2B5EF4-FFF2-40B4-BE49-F238E27FC236}">
+                <a16:creationId xmlns:a16="http://schemas.microsoft.com/office/drawing/2014/main" id="{18A80D15-5BB0-4B96-A652-B15A471B4188}"/>
+              </a:ext>
+            </a:extLst>
+          </p:cNvPr>
+          <p:cNvSpPr/>
+          <p:nvPr/>
+        </p:nvSpPr>
+        <p:spPr>
+          <a:xfrm>
+            <a:off x="8762500" y="4454927"/>
+            <a:ext cx="581341" cy="363337"/>
+          </a:xfrm>
+          <a:prstGeom prst="rect">
+            <a:avLst/>
+          </a:prstGeom>
+        </p:spPr>
+        <p:style>
+          <a:lnRef idx="2">
+            <a:schemeClr val="accent1">
+              <a:shade val="50000"/>
+            </a:schemeClr>
+          </a:lnRef>
+          <a:fillRef idx="1">
+            <a:schemeClr val="accent1"/>
+          </a:fillRef>
+          <a:effectRef idx="0">
+            <a:schemeClr val="accent1"/>
+          </a:effectRef>
+          <a:fontRef idx="minor">
+            <a:schemeClr val="lt1"/>
+          </a:fontRef>
+        </p:style>
+        <p:txBody>
+          <a:bodyPr rtlCol="0" anchor="ctr"/>
+          <a:lstStyle/>
+          <a:p>
+            <a:pPr algn="ctr"/>
+            <a:r>
+              <a:rPr lang="en-US" dirty="0"/>
+              <a:t>P</a:t>
+            </a:r>
+          </a:p>
+        </p:txBody>
+      </p:sp>
+      <p:sp>
+        <p:nvSpPr>
+          <p:cNvPr id="28" name="Rectangle 27">
+            <a:extLst>
+              <a:ext uri="{FF2B5EF4-FFF2-40B4-BE49-F238E27FC236}">
+                <a16:creationId xmlns:a16="http://schemas.microsoft.com/office/drawing/2014/main" id="{18ECB4F7-52E2-4391-9A37-2AC787F8285B}"/>
+              </a:ext>
+            </a:extLst>
+          </p:cNvPr>
+          <p:cNvSpPr/>
+          <p:nvPr/>
+        </p:nvSpPr>
+        <p:spPr>
+          <a:xfrm>
+            <a:off x="10764889" y="4455935"/>
+            <a:ext cx="581341" cy="363337"/>
+          </a:xfrm>
+          <a:prstGeom prst="rect">
+            <a:avLst/>
+          </a:prstGeom>
+        </p:spPr>
+        <p:style>
+          <a:lnRef idx="2">
+            <a:schemeClr val="accent1">
+              <a:shade val="50000"/>
+            </a:schemeClr>
+          </a:lnRef>
+          <a:fillRef idx="1">
+            <a:schemeClr val="accent1"/>
+          </a:fillRef>
+          <a:effectRef idx="0">
+            <a:schemeClr val="accent1"/>
+          </a:effectRef>
+          <a:fontRef idx="minor">
+            <a:schemeClr val="lt1"/>
+          </a:fontRef>
+        </p:style>
+        <p:txBody>
+          <a:bodyPr rtlCol="0" anchor="ctr"/>
+          <a:lstStyle/>
+          <a:p>
+            <a:pPr algn="ctr"/>
+            <a:r>
+              <a:rPr lang="en-US" dirty="0"/>
+              <a:t>S</a:t>
+            </a:r>
+          </a:p>
+        </p:txBody>
+      </p:sp>
+      <p:sp>
+        <p:nvSpPr>
+          <p:cNvPr id="29" name="Rectangle 28">
+            <a:extLst>
+              <a:ext uri="{FF2B5EF4-FFF2-40B4-BE49-F238E27FC236}">
+                <a16:creationId xmlns:a16="http://schemas.microsoft.com/office/drawing/2014/main" id="{D32CB864-C4E3-435F-9B60-7EAE0A328F2C}"/>
+              </a:ext>
+            </a:extLst>
+          </p:cNvPr>
+          <p:cNvSpPr/>
+          <p:nvPr/>
+        </p:nvSpPr>
+        <p:spPr>
+          <a:xfrm>
+            <a:off x="11475413" y="4455935"/>
+            <a:ext cx="581341" cy="363337"/>
+          </a:xfrm>
+          <a:prstGeom prst="rect">
+            <a:avLst/>
+          </a:prstGeom>
+        </p:spPr>
+        <p:style>
+          <a:lnRef idx="2">
+            <a:schemeClr val="accent1">
+              <a:shade val="50000"/>
+            </a:schemeClr>
+          </a:lnRef>
+          <a:fillRef idx="1">
+            <a:schemeClr val="accent1"/>
+          </a:fillRef>
+          <a:effectRef idx="0">
+            <a:schemeClr val="accent1"/>
+          </a:effectRef>
+          <a:fontRef idx="minor">
+            <a:schemeClr val="lt1"/>
+          </a:fontRef>
+        </p:style>
+        <p:txBody>
+          <a:bodyPr rtlCol="0" anchor="ctr"/>
+          <a:lstStyle/>
+          <a:p>
+            <a:pPr algn="ctr"/>
+            <a:r>
+              <a:rPr lang="en-US" dirty="0"/>
+              <a:t>T</a:t>
+            </a:r>
+          </a:p>
+        </p:txBody>
+      </p:sp>
+      <p:cxnSp>
+        <p:nvCxnSpPr>
+          <p:cNvPr id="37" name="Straight Connector 36">
+            <a:extLst>
+              <a:ext uri="{FF2B5EF4-FFF2-40B4-BE49-F238E27FC236}">
+                <a16:creationId xmlns:a16="http://schemas.microsoft.com/office/drawing/2014/main" id="{6290EFA2-F99E-4C84-BE77-EDF5B435E32C}"/>
+              </a:ext>
+            </a:extLst>
+          </p:cNvPr>
+          <p:cNvCxnSpPr>
+            <a:cxnSpLocks/>
+            <a:stCxn id="6" idx="2"/>
+          </p:cNvCxnSpPr>
+          <p:nvPr/>
+        </p:nvCxnSpPr>
+        <p:spPr>
+          <a:xfrm flipH="1">
+            <a:off x="7294507" y="2580945"/>
+            <a:ext cx="1300448" cy="455448"/>
+          </a:xfrm>
+          <a:prstGeom prst="line">
+            <a:avLst/>
+          </a:prstGeom>
+        </p:spPr>
+        <p:style>
+          <a:lnRef idx="1">
+            <a:schemeClr val="accent1"/>
+          </a:lnRef>
+          <a:fillRef idx="0">
+            <a:schemeClr val="accent1"/>
+          </a:fillRef>
+          <a:effectRef idx="0">
+            <a:schemeClr val="accent1"/>
+          </a:effectRef>
+          <a:fontRef idx="minor">
+            <a:schemeClr val="tx1"/>
+          </a:fontRef>
+        </p:style>
+      </p:cxnSp>
+      <p:cxnSp>
+        <p:nvCxnSpPr>
+          <p:cNvPr id="40" name="Straight Connector 39">
+            <a:extLst>
+              <a:ext uri="{FF2B5EF4-FFF2-40B4-BE49-F238E27FC236}">
+                <a16:creationId xmlns:a16="http://schemas.microsoft.com/office/drawing/2014/main" id="{1538EBB1-847A-432D-A7D8-40DF1D87E471}"/>
+              </a:ext>
+            </a:extLst>
+          </p:cNvPr>
+          <p:cNvCxnSpPr>
+            <a:stCxn id="6" idx="2"/>
+            <a:endCxn id="12" idx="0"/>
+          </p:cNvCxnSpPr>
+          <p:nvPr/>
+        </p:nvCxnSpPr>
+        <p:spPr>
+          <a:xfrm>
+            <a:off x="8594955" y="2580945"/>
+            <a:ext cx="2056392" cy="455448"/>
+          </a:xfrm>
+          <a:prstGeom prst="line">
+            <a:avLst/>
+          </a:prstGeom>
+        </p:spPr>
+        <p:style>
+          <a:lnRef idx="1">
+            <a:schemeClr val="accent1"/>
+          </a:lnRef>
+          <a:fillRef idx="0">
+            <a:schemeClr val="accent1"/>
+          </a:fillRef>
+          <a:effectRef idx="0">
+            <a:schemeClr val="accent1"/>
+          </a:effectRef>
+          <a:fontRef idx="minor">
+            <a:schemeClr val="tx1"/>
+          </a:fontRef>
+        </p:style>
+      </p:cxnSp>
+      <p:cxnSp>
+        <p:nvCxnSpPr>
+          <p:cNvPr id="42" name="Straight Connector 41">
+            <a:extLst>
+              <a:ext uri="{FF2B5EF4-FFF2-40B4-BE49-F238E27FC236}">
+                <a16:creationId xmlns:a16="http://schemas.microsoft.com/office/drawing/2014/main" id="{4E42484C-9299-40FB-9416-1FF066AE774D}"/>
+              </a:ext>
+            </a:extLst>
+          </p:cNvPr>
+          <p:cNvCxnSpPr/>
+          <p:nvPr/>
+        </p:nvCxnSpPr>
+        <p:spPr>
+          <a:xfrm flipH="1">
+            <a:off x="7061115" y="3399730"/>
+            <a:ext cx="233392" cy="292027"/>
+          </a:xfrm>
+          <a:prstGeom prst="line">
+            <a:avLst/>
+          </a:prstGeom>
+        </p:spPr>
+        <p:style>
+          <a:lnRef idx="1">
+            <a:schemeClr val="accent1"/>
+          </a:lnRef>
+          <a:fillRef idx="0">
+            <a:schemeClr val="accent1"/>
+          </a:fillRef>
+          <a:effectRef idx="0">
+            <a:schemeClr val="accent1"/>
+          </a:effectRef>
+          <a:fontRef idx="minor">
+            <a:schemeClr val="tx1"/>
+          </a:fontRef>
+        </p:style>
+      </p:cxnSp>
+      <p:cxnSp>
+        <p:nvCxnSpPr>
+          <p:cNvPr id="44" name="Straight Connector 43">
+            <a:extLst>
+              <a:ext uri="{FF2B5EF4-FFF2-40B4-BE49-F238E27FC236}">
+                <a16:creationId xmlns:a16="http://schemas.microsoft.com/office/drawing/2014/main" id="{040B565A-C11B-4451-9440-DF28A4487EC7}"/>
+              </a:ext>
+            </a:extLst>
+          </p:cNvPr>
+          <p:cNvCxnSpPr>
+            <a:cxnSpLocks/>
+            <a:endCxn id="19" idx="1"/>
+          </p:cNvCxnSpPr>
+          <p:nvPr/>
+        </p:nvCxnSpPr>
+        <p:spPr>
+          <a:xfrm flipH="1">
+            <a:off x="6194909" y="3399730"/>
+            <a:ext cx="518258" cy="288148"/>
+          </a:xfrm>
+          <a:prstGeom prst="line">
+            <a:avLst/>
+          </a:prstGeom>
+        </p:spPr>
+        <p:style>
+          <a:lnRef idx="1">
+            <a:schemeClr val="accent1"/>
+          </a:lnRef>
+          <a:fillRef idx="0">
+            <a:schemeClr val="accent1"/>
+          </a:fillRef>
+          <a:effectRef idx="0">
+            <a:schemeClr val="accent1"/>
+          </a:effectRef>
+          <a:fontRef idx="minor">
+            <a:schemeClr val="tx1"/>
+          </a:fontRef>
+        </p:style>
+      </p:cxnSp>
+      <p:cxnSp>
+        <p:nvCxnSpPr>
+          <p:cNvPr id="51" name="Straight Connector 50">
+            <a:extLst>
+              <a:ext uri="{FF2B5EF4-FFF2-40B4-BE49-F238E27FC236}">
+                <a16:creationId xmlns:a16="http://schemas.microsoft.com/office/drawing/2014/main" id="{AD5B9C17-19CE-4F97-8134-53F6FE9C9E4A}"/>
+              </a:ext>
+            </a:extLst>
+          </p:cNvPr>
+          <p:cNvCxnSpPr>
+            <a:endCxn id="9" idx="0"/>
+          </p:cNvCxnSpPr>
+          <p:nvPr/>
+        </p:nvCxnSpPr>
+        <p:spPr>
+          <a:xfrm>
+            <a:off x="7875848" y="3399730"/>
+            <a:ext cx="719108" cy="292027"/>
+          </a:xfrm>
+          <a:prstGeom prst="line">
+            <a:avLst/>
+          </a:prstGeom>
+        </p:spPr>
+        <p:style>
+          <a:lnRef idx="1">
+            <a:schemeClr val="accent1"/>
+          </a:lnRef>
+          <a:fillRef idx="0">
+            <a:schemeClr val="accent1"/>
+          </a:fillRef>
+          <a:effectRef idx="0">
+            <a:schemeClr val="accent1"/>
+          </a:effectRef>
+          <a:fontRef idx="minor">
+            <a:schemeClr val="tx1"/>
+          </a:fontRef>
+        </p:style>
+      </p:cxnSp>
+      <p:cxnSp>
+        <p:nvCxnSpPr>
+          <p:cNvPr id="53" name="Straight Connector 52">
+            <a:extLst>
+              <a:ext uri="{FF2B5EF4-FFF2-40B4-BE49-F238E27FC236}">
+                <a16:creationId xmlns:a16="http://schemas.microsoft.com/office/drawing/2014/main" id="{97179A34-0787-46F3-A784-73479A9F5224}"/>
+              </a:ext>
+            </a:extLst>
+          </p:cNvPr>
+          <p:cNvCxnSpPr/>
+          <p:nvPr/>
+        </p:nvCxnSpPr>
+        <p:spPr>
+          <a:xfrm flipH="1">
+            <a:off x="10054365" y="3399730"/>
+            <a:ext cx="306311" cy="1055197"/>
+          </a:xfrm>
+          <a:prstGeom prst="line">
+            <a:avLst/>
+          </a:prstGeom>
+        </p:spPr>
+        <p:style>
+          <a:lnRef idx="1">
+            <a:schemeClr val="accent1"/>
+          </a:lnRef>
+          <a:fillRef idx="0">
+            <a:schemeClr val="accent1"/>
+          </a:fillRef>
+          <a:effectRef idx="0">
+            <a:schemeClr val="accent1"/>
+          </a:effectRef>
+          <a:fontRef idx="minor">
+            <a:schemeClr val="tx1"/>
+          </a:fontRef>
+        </p:style>
+      </p:cxnSp>
+      <p:cxnSp>
+        <p:nvCxnSpPr>
+          <p:cNvPr id="55" name="Straight Connector 54">
+            <a:extLst>
+              <a:ext uri="{FF2B5EF4-FFF2-40B4-BE49-F238E27FC236}">
+                <a16:creationId xmlns:a16="http://schemas.microsoft.com/office/drawing/2014/main" id="{F0509395-FC0F-4F38-975B-B4059131C371}"/>
+              </a:ext>
+            </a:extLst>
+          </p:cNvPr>
+          <p:cNvCxnSpPr>
+            <a:endCxn id="28" idx="0"/>
+          </p:cNvCxnSpPr>
+          <p:nvPr/>
+        </p:nvCxnSpPr>
+        <p:spPr>
+          <a:xfrm>
+            <a:off x="10942017" y="3399730"/>
+            <a:ext cx="113543" cy="1056205"/>
+          </a:xfrm>
+          <a:prstGeom prst="line">
+            <a:avLst/>
+          </a:prstGeom>
+        </p:spPr>
+        <p:style>
+          <a:lnRef idx="1">
+            <a:schemeClr val="accent1"/>
+          </a:lnRef>
+          <a:fillRef idx="0">
+            <a:schemeClr val="accent1"/>
+          </a:fillRef>
+          <a:effectRef idx="0">
+            <a:schemeClr val="accent1"/>
+          </a:effectRef>
+          <a:fontRef idx="minor">
+            <a:schemeClr val="tx1"/>
+          </a:fontRef>
+        </p:style>
+      </p:cxnSp>
+      <p:cxnSp>
+        <p:nvCxnSpPr>
+          <p:cNvPr id="57" name="Straight Connector 56">
+            <a:extLst>
+              <a:ext uri="{FF2B5EF4-FFF2-40B4-BE49-F238E27FC236}">
+                <a16:creationId xmlns:a16="http://schemas.microsoft.com/office/drawing/2014/main" id="{C5BA3F3D-5D31-4835-A2A2-458C0AD1C398}"/>
+              </a:ext>
+            </a:extLst>
+          </p:cNvPr>
+          <p:cNvCxnSpPr>
+            <a:endCxn id="29" idx="0"/>
+          </p:cNvCxnSpPr>
+          <p:nvPr/>
+        </p:nvCxnSpPr>
+        <p:spPr>
+          <a:xfrm>
+            <a:off x="11523358" y="3399730"/>
+            <a:ext cx="242726" cy="1056205"/>
+          </a:xfrm>
+          <a:prstGeom prst="line">
+            <a:avLst/>
+          </a:prstGeom>
+        </p:spPr>
+        <p:style>
+          <a:lnRef idx="1">
+            <a:schemeClr val="accent1"/>
+          </a:lnRef>
+          <a:fillRef idx="0">
+            <a:schemeClr val="accent1"/>
+          </a:fillRef>
+          <a:effectRef idx="0">
+            <a:schemeClr val="accent1"/>
+          </a:effectRef>
+          <a:fontRef idx="minor">
+            <a:schemeClr val="tx1"/>
+          </a:fontRef>
+        </p:style>
+      </p:cxnSp>
+      <p:cxnSp>
+        <p:nvCxnSpPr>
+          <p:cNvPr id="59" name="Straight Connector 58">
+            <a:extLst>
+              <a:ext uri="{FF2B5EF4-FFF2-40B4-BE49-F238E27FC236}">
+                <a16:creationId xmlns:a16="http://schemas.microsoft.com/office/drawing/2014/main" id="{A59FD5EE-7D8B-4271-A0F7-74CBF66853F5}"/>
+              </a:ext>
+            </a:extLst>
+          </p:cNvPr>
+          <p:cNvCxnSpPr/>
+          <p:nvPr/>
+        </p:nvCxnSpPr>
+        <p:spPr>
+          <a:xfrm flipH="1">
+            <a:off x="8762500" y="3399730"/>
+            <a:ext cx="1016835" cy="1055197"/>
+          </a:xfrm>
+          <a:prstGeom prst="line">
+            <a:avLst/>
+          </a:prstGeom>
+        </p:spPr>
+        <p:style>
+          <a:lnRef idx="1">
+            <a:schemeClr val="accent1"/>
+          </a:lnRef>
+          <a:fillRef idx="0">
+            <a:schemeClr val="accent1"/>
+          </a:fillRef>
+          <a:effectRef idx="0">
+            <a:schemeClr val="accent1"/>
+          </a:effectRef>
+          <a:fontRef idx="minor">
+            <a:schemeClr val="tx1"/>
+          </a:fontRef>
+        </p:style>
+      </p:cxnSp>
+      <mc:AlternateContent xmlns:mc="http://schemas.openxmlformats.org/markup-compatibility/2006" xmlns:a14="http://schemas.microsoft.com/office/drawing/2010/main">
+        <mc:Choice Requires="a14">
+          <p:sp>
+            <p:nvSpPr>
+              <p:cNvPr id="7" name="TextBox 6">
+                <a:extLst>
+                  <a:ext uri="{FF2B5EF4-FFF2-40B4-BE49-F238E27FC236}">
+                    <a16:creationId xmlns:a16="http://schemas.microsoft.com/office/drawing/2014/main" id="{F6B2F98B-FE47-4C4F-A17C-39B4F1A2573B}"/>
+                  </a:ext>
+                </a:extLst>
+              </p:cNvPr>
+              <p:cNvSpPr txBox="1"/>
+              <p:nvPr/>
+            </p:nvSpPr>
+            <p:spPr>
+              <a:xfrm>
+                <a:off x="5990008" y="3274319"/>
+                <a:ext cx="448649" cy="276999"/>
+              </a:xfrm>
+              <a:prstGeom prst="rect">
+                <a:avLst/>
+              </a:prstGeom>
+              <a:noFill/>
+            </p:spPr>
+            <p:txBody>
+              <a:bodyPr wrap="none" lIns="0" tIns="0" rIns="0" bIns="0" rtlCol="0">
+                <a:spAutoFit/>
+              </a:bodyPr>
+              <a:lstStyle/>
+              <a:p>
+                <a:pPr/>
+                <a14:m>
+                  <m:oMathPara xmlns:m="http://schemas.openxmlformats.org/officeDocument/2006/math">
+                    <m:oMathParaPr>
+                      <m:jc m:val="centerGroup"/>
+                    </m:oMathParaPr>
+                    <m:oMath xmlns:m="http://schemas.openxmlformats.org/officeDocument/2006/math">
+                      <m:r>
+                        <a:rPr lang="en-US" b="0" i="1" smtClean="0">
+                          <a:latin typeface="Cambria Math" panose="02040503050406030204" pitchFamily="18" charset="0"/>
+                        </a:rPr>
+                        <m:t>≤</m:t>
+                      </m:r>
+                      <m:r>
+                        <a:rPr lang="en-US" b="0" i="1" smtClean="0">
+                          <a:latin typeface="Cambria Math" panose="02040503050406030204" pitchFamily="18" charset="0"/>
+                        </a:rPr>
+                        <m:t>𝐵</m:t>
+                      </m:r>
+                    </m:oMath>
+                  </m:oMathPara>
+                </a14:m>
+                <a:endParaRPr lang="en-US" dirty="0"/>
+              </a:p>
+            </p:txBody>
+          </p:sp>
+        </mc:Choice>
+        <mc:Fallback xmlns="">
+          <p:sp>
+            <p:nvSpPr>
+              <p:cNvPr id="7" name="TextBox 6">
+                <a:extLst>
+                  <a:ext uri="{FF2B5EF4-FFF2-40B4-BE49-F238E27FC236}">
+                    <a16:creationId xmlns:a16="http://schemas.microsoft.com/office/drawing/2014/main" id="{F6B2F98B-FE47-4C4F-A17C-39B4F1A2573B}"/>
+                  </a:ext>
+                </a:extLst>
+              </p:cNvPr>
+              <p:cNvSpPr txBox="1">
+                <a:spLocks noRot="1" noChangeAspect="1" noMove="1" noResize="1" noEditPoints="1" noAdjustHandles="1" noChangeArrowheads="1" noChangeShapeType="1" noTextEdit="1"/>
+              </p:cNvSpPr>
+              <p:nvPr/>
+            </p:nvSpPr>
+            <p:spPr>
+              <a:xfrm>
+                <a:off x="5990008" y="3274319"/>
+                <a:ext cx="448649" cy="276999"/>
+              </a:xfrm>
+              <a:prstGeom prst="rect">
+                <a:avLst/>
+              </a:prstGeom>
+              <a:blipFill>
+                <a:blip r:embed="rId5"/>
+                <a:stretch>
+                  <a:fillRect l="-12329" r="-10959" b="-10870"/>
+                </a:stretch>
+              </a:blipFill>
+            </p:spPr>
+            <p:txBody>
+              <a:bodyPr/>
+              <a:lstStyle/>
+              <a:p>
+                <a:r>
+                  <a:rPr lang="en-US">
+                    <a:noFill/>
+                  </a:rPr>
+                  <a:t> </a:t>
+                </a:r>
+              </a:p>
+            </p:txBody>
+          </p:sp>
+        </mc:Fallback>
+      </mc:AlternateContent>
+      <mc:AlternateContent xmlns:mc="http://schemas.openxmlformats.org/markup-compatibility/2006" xmlns:a14="http://schemas.microsoft.com/office/drawing/2010/main">
+        <mc:Choice Requires="a14">
+          <p:sp>
+            <p:nvSpPr>
+              <p:cNvPr id="38" name="TextBox 37">
+                <a:extLst>
+                  <a:ext uri="{FF2B5EF4-FFF2-40B4-BE49-F238E27FC236}">
+                    <a16:creationId xmlns:a16="http://schemas.microsoft.com/office/drawing/2014/main" id="{102D1655-D7D3-4845-82E8-1AAE2B85043E}"/>
+                  </a:ext>
+                </a:extLst>
+              </p:cNvPr>
+              <p:cNvSpPr txBox="1"/>
+              <p:nvPr/>
+            </p:nvSpPr>
+            <p:spPr>
+              <a:xfrm>
+                <a:off x="6574395" y="3410879"/>
+                <a:ext cx="1107996" cy="276999"/>
+              </a:xfrm>
+              <a:prstGeom prst="rect">
+                <a:avLst/>
+              </a:prstGeom>
+              <a:noFill/>
+            </p:spPr>
+            <p:txBody>
+              <a:bodyPr wrap="none" lIns="0" tIns="0" rIns="0" bIns="0" rtlCol="0">
+                <a:spAutoFit/>
+              </a:bodyPr>
+              <a:lstStyle/>
+              <a:p>
+                <a:pPr/>
+                <a14:m>
+                  <m:oMathPara xmlns:m="http://schemas.openxmlformats.org/officeDocument/2006/math">
+                    <m:oMathParaPr>
+                      <m:jc m:val="centerGroup"/>
+                    </m:oMathParaPr>
+                    <m:oMath xmlns:m="http://schemas.openxmlformats.org/officeDocument/2006/math">
+                      <m:r>
+                        <a:rPr lang="en-US" b="0" i="1" smtClean="0">
+                          <a:latin typeface="Cambria Math" panose="02040503050406030204" pitchFamily="18" charset="0"/>
+                        </a:rPr>
+                        <m:t>≥</m:t>
+                      </m:r>
+                      <m:r>
+                        <a:rPr lang="en-US" b="0" i="1" smtClean="0">
+                          <a:latin typeface="Cambria Math" panose="02040503050406030204" pitchFamily="18" charset="0"/>
+                        </a:rPr>
+                        <m:t>𝐵</m:t>
+                      </m:r>
+                      <m:r>
+                        <a:rPr lang="en-US" b="0" i="1" smtClean="0">
+                          <a:latin typeface="Cambria Math" panose="02040503050406030204" pitchFamily="18" charset="0"/>
+                        </a:rPr>
+                        <m:t> &amp;≤</m:t>
+                      </m:r>
+                      <m:r>
+                        <a:rPr lang="en-US" b="0" i="1" smtClean="0">
+                          <a:latin typeface="Cambria Math" panose="02040503050406030204" pitchFamily="18" charset="0"/>
+                        </a:rPr>
+                        <m:t>𝐶</m:t>
+                      </m:r>
+                    </m:oMath>
+                  </m:oMathPara>
+                </a14:m>
+                <a:endParaRPr lang="en-US" dirty="0"/>
+              </a:p>
+            </p:txBody>
+          </p:sp>
+        </mc:Choice>
+        <mc:Fallback xmlns="">
+          <p:sp>
+            <p:nvSpPr>
+              <p:cNvPr id="38" name="TextBox 37">
+                <a:extLst>
+                  <a:ext uri="{FF2B5EF4-FFF2-40B4-BE49-F238E27FC236}">
+                    <a16:creationId xmlns:a16="http://schemas.microsoft.com/office/drawing/2014/main" id="{102D1655-D7D3-4845-82E8-1AAE2B85043E}"/>
+                  </a:ext>
+                </a:extLst>
+              </p:cNvPr>
+              <p:cNvSpPr txBox="1">
+                <a:spLocks noRot="1" noChangeAspect="1" noMove="1" noResize="1" noEditPoints="1" noAdjustHandles="1" noChangeArrowheads="1" noChangeShapeType="1" noTextEdit="1"/>
+              </p:cNvSpPr>
+              <p:nvPr/>
+            </p:nvSpPr>
+            <p:spPr>
+              <a:xfrm>
+                <a:off x="6574395" y="3410879"/>
+                <a:ext cx="1107996" cy="276999"/>
+              </a:xfrm>
+              <a:prstGeom prst="rect">
+                <a:avLst/>
+              </a:prstGeom>
+              <a:blipFill>
+                <a:blip r:embed="rId6"/>
+                <a:stretch>
+                  <a:fillRect l="-4396" r="-3846" b="-11111"/>
+                </a:stretch>
+              </a:blipFill>
+            </p:spPr>
+            <p:txBody>
+              <a:bodyPr/>
+              <a:lstStyle/>
+              <a:p>
+                <a:r>
+                  <a:rPr lang="en-US">
+                    <a:noFill/>
+                  </a:rPr>
+                  <a:t> </a:t>
+                </a:r>
+              </a:p>
+            </p:txBody>
+          </p:sp>
+        </mc:Fallback>
+      </mc:AlternateContent>
+      <mc:AlternateContent xmlns:mc="http://schemas.openxmlformats.org/markup-compatibility/2006" xmlns:a14="http://schemas.microsoft.com/office/drawing/2010/main">
+        <mc:Choice Requires="a14">
+          <p:sp>
+            <p:nvSpPr>
+              <p:cNvPr id="39" name="TextBox 38">
+                <a:extLst>
+                  <a:ext uri="{FF2B5EF4-FFF2-40B4-BE49-F238E27FC236}">
+                    <a16:creationId xmlns:a16="http://schemas.microsoft.com/office/drawing/2014/main" id="{FA7B5666-91EA-4501-A7B2-D61F27EDA6DE}"/>
+                  </a:ext>
+                </a:extLst>
+              </p:cNvPr>
+              <p:cNvSpPr txBox="1"/>
+              <p:nvPr/>
+            </p:nvSpPr>
+            <p:spPr>
+              <a:xfrm>
+                <a:off x="8147328" y="3250951"/>
+                <a:ext cx="438133" cy="276999"/>
+              </a:xfrm>
+              <a:prstGeom prst="rect">
+                <a:avLst/>
+              </a:prstGeom>
+              <a:noFill/>
+            </p:spPr>
+            <p:txBody>
+              <a:bodyPr wrap="none" lIns="0" tIns="0" rIns="0" bIns="0" rtlCol="0">
+                <a:spAutoFit/>
+              </a:bodyPr>
+              <a:lstStyle/>
+              <a:p>
+                <a:pPr/>
+                <a14:m>
+                  <m:oMathPara xmlns:m="http://schemas.openxmlformats.org/officeDocument/2006/math">
+                    <m:oMathParaPr>
+                      <m:jc m:val="centerGroup"/>
+                    </m:oMathParaPr>
+                    <m:oMath xmlns:m="http://schemas.openxmlformats.org/officeDocument/2006/math">
+                      <m:r>
+                        <a:rPr lang="en-US" b="0" i="1" smtClean="0">
+                          <a:latin typeface="Cambria Math" panose="02040503050406030204" pitchFamily="18" charset="0"/>
+                        </a:rPr>
+                        <m:t>≥</m:t>
+                      </m:r>
+                      <m:r>
+                        <a:rPr lang="en-US" b="0" i="1" smtClean="0">
+                          <a:latin typeface="Cambria Math" panose="02040503050406030204" pitchFamily="18" charset="0"/>
+                        </a:rPr>
+                        <m:t>𝐶</m:t>
+                      </m:r>
+                    </m:oMath>
+                  </m:oMathPara>
+                </a14:m>
+                <a:endParaRPr lang="en-US" dirty="0"/>
+              </a:p>
+            </p:txBody>
+          </p:sp>
+        </mc:Choice>
+        <mc:Fallback xmlns="">
+          <p:sp>
+            <p:nvSpPr>
+              <p:cNvPr id="39" name="TextBox 38">
+                <a:extLst>
+                  <a:ext uri="{FF2B5EF4-FFF2-40B4-BE49-F238E27FC236}">
+                    <a16:creationId xmlns:a16="http://schemas.microsoft.com/office/drawing/2014/main" id="{FA7B5666-91EA-4501-A7B2-D61F27EDA6DE}"/>
+                  </a:ext>
+                </a:extLst>
+              </p:cNvPr>
+              <p:cNvSpPr txBox="1">
+                <a:spLocks noRot="1" noChangeAspect="1" noMove="1" noResize="1" noEditPoints="1" noAdjustHandles="1" noChangeArrowheads="1" noChangeShapeType="1" noTextEdit="1"/>
+              </p:cNvSpPr>
+              <p:nvPr/>
+            </p:nvSpPr>
+            <p:spPr>
+              <a:xfrm>
+                <a:off x="8147328" y="3250951"/>
+                <a:ext cx="438133" cy="276999"/>
+              </a:xfrm>
+              <a:prstGeom prst="rect">
+                <a:avLst/>
+              </a:prstGeom>
+              <a:blipFill>
+                <a:blip r:embed="rId7"/>
+                <a:stretch>
+                  <a:fillRect l="-12676" r="-11268" b="-10870"/>
+                </a:stretch>
+              </a:blipFill>
+            </p:spPr>
+            <p:txBody>
+              <a:bodyPr/>
+              <a:lstStyle/>
+              <a:p>
+                <a:r>
+                  <a:rPr lang="en-US">
+                    <a:noFill/>
+                  </a:rPr>
+                  <a:t> </a:t>
+                </a:r>
+              </a:p>
+            </p:txBody>
+          </p:sp>
+        </mc:Fallback>
+      </mc:AlternateContent>
+      <p:sp>
+        <p:nvSpPr>
+          <p:cNvPr id="5" name="Rectangle 4">
+            <a:extLst>
+              <a:ext uri="{FF2B5EF4-FFF2-40B4-BE49-F238E27FC236}">
+                <a16:creationId xmlns:a16="http://schemas.microsoft.com/office/drawing/2014/main" id="{2B8EB0AB-D04E-73FE-B30D-E34B9E0F7F15}"/>
+              </a:ext>
+            </a:extLst>
+          </p:cNvPr>
+          <p:cNvSpPr/>
+          <p:nvPr/>
+        </p:nvSpPr>
+        <p:spPr>
+          <a:xfrm>
+            <a:off x="1413463" y="6176963"/>
+            <a:ext cx="10680214" cy="276999"/>
+          </a:xfrm>
+          <a:prstGeom prst="rect">
+            <a:avLst/>
+          </a:prstGeom>
+        </p:spPr>
+        <p:txBody>
+          <a:bodyPr wrap="square">
+            <a:spAutoFit/>
+          </a:bodyPr>
+          <a:lstStyle/>
+          <a:p>
+            <a:r>
+              <a:rPr lang="en-US" sz="1200" dirty="0" err="1">
+                <a:solidFill>
+                  <a:srgbClr val="242021"/>
+                </a:solidFill>
+                <a:latin typeface="CMR8"/>
+              </a:rPr>
+              <a:t>D.Comer</a:t>
+            </a:r>
+            <a:r>
+              <a:rPr lang="en-US" sz="1200" dirty="0">
+                <a:solidFill>
+                  <a:srgbClr val="242021"/>
+                </a:solidFill>
+                <a:latin typeface="CMR8"/>
+              </a:rPr>
+              <a:t>, The ubiquitous B-Tree. </a:t>
+            </a:r>
+            <a:r>
+              <a:rPr lang="en-US" sz="1200" dirty="0">
+                <a:solidFill>
+                  <a:srgbClr val="242021"/>
+                </a:solidFill>
+                <a:latin typeface="CMR8"/>
+                <a:hlinkClick r:id="rId8"/>
+              </a:rPr>
+              <a:t>http://carlosproal.com/ir/papers/p121-comer.pdf</a:t>
+            </a:r>
+            <a:endParaRPr lang="en-US" sz="1200" dirty="0">
+              <a:solidFill>
+                <a:srgbClr val="242021"/>
+              </a:solidFill>
+              <a:latin typeface="CMR8"/>
+            </a:endParaRPr>
+          </a:p>
+        </p:txBody>
+      </p:sp>
+      <p:pic>
+        <p:nvPicPr>
+          <p:cNvPr id="18" name="Picture 2" descr="article icon | IconBros">
+            <a:extLst>
+              <a:ext uri="{FF2B5EF4-FFF2-40B4-BE49-F238E27FC236}">
+                <a16:creationId xmlns:a16="http://schemas.microsoft.com/office/drawing/2014/main" id="{CDDAA2C5-5DD9-35C8-B18B-FEF1343A849A}"/>
+              </a:ext>
+            </a:extLst>
+          </p:cNvPr>
+          <p:cNvPicPr>
+            <a:picLocks noChangeAspect="1" noChangeArrowheads="1"/>
+          </p:cNvPicPr>
+          <p:nvPr/>
+        </p:nvPicPr>
+        <p:blipFill>
+          <a:blip r:embed="rId9">
+            <a:extLst>
+              <a:ext uri="{28A0092B-C50C-407E-A947-70E740481C1C}">
+                <a14:useLocalDpi xmlns:a14="http://schemas.microsoft.com/office/drawing/2010/main" val="0"/>
+              </a:ext>
+            </a:extLst>
+          </a:blip>
+          <a:srcRect/>
+          <a:stretch>
+            <a:fillRect/>
+          </a:stretch>
+        </p:blipFill>
+        <p:spPr bwMode="auto">
+          <a:xfrm>
+            <a:off x="1032958" y="6176963"/>
+            <a:ext cx="380505" cy="380505"/>
+          </a:xfrm>
+          <a:prstGeom prst="rect">
+            <a:avLst/>
+          </a:prstGeom>
+          <a:noFill/>
+          <a:extLst>
+            <a:ext uri="{909E8E84-426E-40DD-AFC4-6F175D3DCCD1}">
+              <a14:hiddenFill xmlns:a14="http://schemas.microsoft.com/office/drawing/2010/main">
+                <a:solidFill>
+                  <a:srgbClr val="FFFFFF"/>
+                </a:solidFill>
+              </a14:hiddenFill>
+            </a:ext>
+          </a:extLst>
+        </p:spPr>
+      </p:pic>
+    </p:spTree>
+    <p:extLst>
+      <p:ext uri="{BB962C8B-B14F-4D97-AF65-F5344CB8AC3E}">
+        <p14:creationId xmlns:p14="http://schemas.microsoft.com/office/powerpoint/2010/main" val="329803256"/>
+      </p:ext>
+    </p:extLst>
+  </p:cSld>
+  <p:clrMapOvr>
+    <a:masterClrMapping/>
+  </p:clrMapOvr>
+</p:sld>
+</file>
+
+<file path=ppt/slides/slide21.xml><?xml version="1.0" encoding="utf-8"?>
+<p:sld xmlns:a="http://schemas.openxmlformats.org/drawingml/2006/main" xmlns:r="http://schemas.openxmlformats.org/officeDocument/2006/relationships" xmlns:p="http://schemas.openxmlformats.org/presentationml/2006/main">
+  <p:cSld>
+    <p:spTree>
+      <p:nvGrpSpPr>
+        <p:cNvPr id="1" name=""/>
+        <p:cNvGrpSpPr/>
+        <p:nvPr/>
+      </p:nvGrpSpPr>
+      <p:grpSpPr>
+        <a:xfrm>
+          <a:off x="0" y="0"/>
+          <a:ext cx="0" cy="0"/>
+          <a:chOff x="0" y="0"/>
+          <a:chExt cx="0" cy="0"/>
+        </a:xfrm>
+      </p:grpSpPr>
+      <p:sp>
+        <p:nvSpPr>
+          <p:cNvPr id="2" name="Title 1">
+            <a:extLst>
+              <a:ext uri="{FF2B5EF4-FFF2-40B4-BE49-F238E27FC236}">
                 <a16:creationId xmlns:a16="http://schemas.microsoft.com/office/drawing/2014/main" id="{2B849953-458C-2276-A4FB-F053C8F1DBEC}"/>
               </a:ext>
             </a:extLst>
@@ -11019,7 +16864,7 @@
 </p:sld>
 </file>
 
-<file path=ppt/slides/slide17.xml><?xml version="1.0" encoding="utf-8"?>
+<file path=ppt/slides/slide22.xml><?xml version="1.0" encoding="utf-8"?>
 <p:sld xmlns:a="http://schemas.openxmlformats.org/drawingml/2006/main" xmlns:r="http://schemas.openxmlformats.org/officeDocument/2006/relationships" xmlns:p="http://schemas.openxmlformats.org/presentationml/2006/main">
   <p:cSld>
     <p:spTree>
@@ -11064,8 +16909,8 @@
           </a:p>
         </p:txBody>
       </p:sp>
-      <mc:AlternateContent xmlns:mc="http://schemas.openxmlformats.org/markup-compatibility/2006">
-        <mc:Choice xmlns:a14="http://schemas.microsoft.com/office/drawing/2010/main" Requires="a14">
+      <mc:AlternateContent xmlns:mc="http://schemas.openxmlformats.org/markup-compatibility/2006" xmlns:a14="http://schemas.microsoft.com/office/drawing/2010/main">
+        <mc:Choice Requires="a14">
           <p:sp>
             <p:nvSpPr>
               <p:cNvPr id="5" name="Content Placeholder 4">
@@ -11109,7 +16954,6 @@
                 </a:r>
               </a:p>
               <a:p>
-                <a:pPr/>
                 <a14:m>
                   <m:oMath xmlns:m="http://schemas.openxmlformats.org/officeDocument/2006/math">
                     <m:sSub>
@@ -11726,7 +17570,7 @@
             </p:txBody>
           </p:sp>
         </mc:Choice>
-        <mc:Fallback>
+        <mc:Fallback xmlns="">
           <p:sp>
             <p:nvSpPr>
               <p:cNvPr id="5" name="Content Placeholder 4">
@@ -12039,7 +17883,7 @@
 </p:sld>
 </file>
 
-<file path=ppt/slides/slide18.xml><?xml version="1.0" encoding="utf-8"?>
+<file path=ppt/slides/slide23.xml><?xml version="1.0" encoding="utf-8"?>
 <p:sld xmlns:a="http://schemas.openxmlformats.org/drawingml/2006/main" xmlns:r="http://schemas.openxmlformats.org/officeDocument/2006/relationships" xmlns:p="http://schemas.openxmlformats.org/presentationml/2006/main">
   <p:cSld>
     <p:spTree>
@@ -12090,8 +17934,8 @@
           </a:p>
         </p:txBody>
       </p:sp>
-      <mc:AlternateContent xmlns:mc="http://schemas.openxmlformats.org/markup-compatibility/2006">
-        <mc:Choice xmlns:a14="http://schemas.microsoft.com/office/drawing/2010/main" Requires="a14">
+      <mc:AlternateContent xmlns:mc="http://schemas.openxmlformats.org/markup-compatibility/2006" xmlns:a14="http://schemas.microsoft.com/office/drawing/2010/main">
+        <mc:Choice Requires="a14">
           <p:sp>
             <p:nvSpPr>
               <p:cNvPr id="5" name="Content Placeholder 4">
@@ -12120,7 +17964,6 @@
               </a:bodyPr>
               <a:lstStyle/>
               <a:p>
-                <a:pPr/>
                 <a14:m>
                   <m:oMath xmlns:m="http://schemas.openxmlformats.org/officeDocument/2006/math">
                     <m:sSub>
@@ -12737,7 +18580,7 @@
             </p:txBody>
           </p:sp>
         </mc:Choice>
-        <mc:Fallback>
+        <mc:Fallback xmlns="">
           <p:sp>
             <p:nvSpPr>
               <p:cNvPr id="5" name="Content Placeholder 4">
@@ -13182,8 +19025,8 @@
           </a:p>
         </p:txBody>
       </p:sp>
-      <mc:AlternateContent xmlns:mc="http://schemas.openxmlformats.org/markup-compatibility/2006">
-        <mc:Choice xmlns:a14="http://schemas.microsoft.com/office/drawing/2010/main" Requires="a14">
+      <mc:AlternateContent xmlns:mc="http://schemas.openxmlformats.org/markup-compatibility/2006" xmlns:a14="http://schemas.microsoft.com/office/drawing/2010/main">
+        <mc:Choice Requires="a14">
           <p:sp>
             <p:nvSpPr>
               <p:cNvPr id="9" name="TextBox 8">
@@ -13234,7 +19077,7 @@
             </p:txBody>
           </p:sp>
         </mc:Choice>
-        <mc:Fallback>
+        <mc:Fallback xmlns="">
           <p:sp>
             <p:nvSpPr>
               <p:cNvPr id="9" name="TextBox 8">
@@ -13279,8 +19122,8 @@
           </p:sp>
         </mc:Fallback>
       </mc:AlternateContent>
-      <mc:AlternateContent xmlns:mc="http://schemas.openxmlformats.org/markup-compatibility/2006">
-        <mc:Choice xmlns:a14="http://schemas.microsoft.com/office/drawing/2010/main" Requires="a14">
+      <mc:AlternateContent xmlns:mc="http://schemas.openxmlformats.org/markup-compatibility/2006" xmlns:a14="http://schemas.microsoft.com/office/drawing/2010/main">
+        <mc:Choice Requires="a14">
           <p:sp>
             <p:nvSpPr>
               <p:cNvPr id="10" name="TextBox 9">
@@ -13331,7 +19174,7 @@
             </p:txBody>
           </p:sp>
         </mc:Choice>
-        <mc:Fallback>
+        <mc:Fallback xmlns="">
           <p:sp>
             <p:nvSpPr>
               <p:cNvPr id="10" name="TextBox 9">
@@ -13376,8 +19219,8 @@
           </p:sp>
         </mc:Fallback>
       </mc:AlternateContent>
-      <mc:AlternateContent xmlns:mc="http://schemas.openxmlformats.org/markup-compatibility/2006">
-        <mc:Choice xmlns:a14="http://schemas.microsoft.com/office/drawing/2010/main" Requires="a14">
+      <mc:AlternateContent xmlns:mc="http://schemas.openxmlformats.org/markup-compatibility/2006" xmlns:a14="http://schemas.microsoft.com/office/drawing/2010/main">
+        <mc:Choice Requires="a14">
           <p:sp>
             <p:nvSpPr>
               <p:cNvPr id="12" name="TextBox 11">
@@ -13428,7 +19271,7 @@
             </p:txBody>
           </p:sp>
         </mc:Choice>
-        <mc:Fallback>
+        <mc:Fallback xmlns="">
           <p:sp>
             <p:nvSpPr>
               <p:cNvPr id="12" name="TextBox 11">
@@ -13473,8 +19316,8 @@
           </p:sp>
         </mc:Fallback>
       </mc:AlternateContent>
-      <mc:AlternateContent xmlns:mc="http://schemas.openxmlformats.org/markup-compatibility/2006">
-        <mc:Choice xmlns:a14="http://schemas.microsoft.com/office/drawing/2010/main" Requires="a14">
+      <mc:AlternateContent xmlns:mc="http://schemas.openxmlformats.org/markup-compatibility/2006" xmlns:a14="http://schemas.microsoft.com/office/drawing/2010/main">
+        <mc:Choice Requires="a14">
           <p:sp>
             <p:nvSpPr>
               <p:cNvPr id="14" name="TextBox 13">
@@ -13525,7 +19368,7 @@
             </p:txBody>
           </p:sp>
         </mc:Choice>
-        <mc:Fallback>
+        <mc:Fallback xmlns="">
           <p:sp>
             <p:nvSpPr>
               <p:cNvPr id="14" name="TextBox 13">
@@ -13960,8 +19803,8 @@
           </a:p>
         </p:txBody>
       </p:sp>
-      <mc:AlternateContent xmlns:mc="http://schemas.openxmlformats.org/markup-compatibility/2006">
-        <mc:Choice xmlns:a14="http://schemas.microsoft.com/office/drawing/2010/main" Requires="a14">
+      <mc:AlternateContent xmlns:mc="http://schemas.openxmlformats.org/markup-compatibility/2006" xmlns:a14="http://schemas.microsoft.com/office/drawing/2010/main">
+        <mc:Choice Requires="a14">
           <p:sp>
             <p:nvSpPr>
               <p:cNvPr id="35" name="TextBox 34">
@@ -14012,7 +19855,7 @@
             </p:txBody>
           </p:sp>
         </mc:Choice>
-        <mc:Fallback>
+        <mc:Fallback xmlns="">
           <p:sp>
             <p:nvSpPr>
               <p:cNvPr id="35" name="TextBox 34">
@@ -14057,8 +19900,8 @@
           </p:sp>
         </mc:Fallback>
       </mc:AlternateContent>
-      <mc:AlternateContent xmlns:mc="http://schemas.openxmlformats.org/markup-compatibility/2006">
-        <mc:Choice xmlns:a14="http://schemas.microsoft.com/office/drawing/2010/main" Requires="a14">
+      <mc:AlternateContent xmlns:mc="http://schemas.openxmlformats.org/markup-compatibility/2006" xmlns:a14="http://schemas.microsoft.com/office/drawing/2010/main">
+        <mc:Choice Requires="a14">
           <p:sp>
             <p:nvSpPr>
               <p:cNvPr id="36" name="TextBox 35">
@@ -14109,7 +19952,7 @@
             </p:txBody>
           </p:sp>
         </mc:Choice>
-        <mc:Fallback>
+        <mc:Fallback xmlns="">
           <p:sp>
             <p:nvSpPr>
               <p:cNvPr id="36" name="TextBox 35">
@@ -14154,8 +19997,8 @@
           </p:sp>
         </mc:Fallback>
       </mc:AlternateContent>
-      <mc:AlternateContent xmlns:mc="http://schemas.openxmlformats.org/markup-compatibility/2006">
-        <mc:Choice xmlns:a14="http://schemas.microsoft.com/office/drawing/2010/main" Requires="a14">
+      <mc:AlternateContent xmlns:mc="http://schemas.openxmlformats.org/markup-compatibility/2006" xmlns:a14="http://schemas.microsoft.com/office/drawing/2010/main">
+        <mc:Choice Requires="a14">
           <p:sp>
             <p:nvSpPr>
               <p:cNvPr id="37" name="TextBox 36">
@@ -14206,7 +20049,7 @@
             </p:txBody>
           </p:sp>
         </mc:Choice>
-        <mc:Fallback>
+        <mc:Fallback xmlns="">
           <p:sp>
             <p:nvSpPr>
               <p:cNvPr id="37" name="TextBox 36">
@@ -14251,8 +20094,8 @@
           </p:sp>
         </mc:Fallback>
       </mc:AlternateContent>
-      <mc:AlternateContent xmlns:mc="http://schemas.openxmlformats.org/markup-compatibility/2006">
-        <mc:Choice xmlns:a14="http://schemas.microsoft.com/office/drawing/2010/main" Requires="a14">
+      <mc:AlternateContent xmlns:mc="http://schemas.openxmlformats.org/markup-compatibility/2006" xmlns:a14="http://schemas.microsoft.com/office/drawing/2010/main">
+        <mc:Choice Requires="a14">
           <p:sp>
             <p:nvSpPr>
               <p:cNvPr id="38" name="TextBox 37">
@@ -14303,7 +20146,7 @@
             </p:txBody>
           </p:sp>
         </mc:Choice>
-        <mc:Fallback>
+        <mc:Fallback xmlns="">
           <p:sp>
             <p:nvSpPr>
               <p:cNvPr id="38" name="TextBox 37">
@@ -14613,7 +20456,7 @@
 </p:sld>
 </file>
 
-<file path=ppt/slides/slide19.xml><?xml version="1.0" encoding="utf-8"?>
+<file path=ppt/slides/slide24.xml><?xml version="1.0" encoding="utf-8"?>
 <p:sld xmlns:a="http://schemas.openxmlformats.org/drawingml/2006/main" xmlns:r="http://schemas.openxmlformats.org/officeDocument/2006/relationships" xmlns:p="http://schemas.openxmlformats.org/presentationml/2006/main">
   <p:cSld>
     <p:spTree>
@@ -14765,93 +20608,7 @@
 </p:sld>
 </file>
 
-<file path=ppt/slides/slide2.xml><?xml version="1.0" encoding="utf-8"?>
-<p:sld xmlns:a="http://schemas.openxmlformats.org/drawingml/2006/main" xmlns:r="http://schemas.openxmlformats.org/officeDocument/2006/relationships" xmlns:p="http://schemas.openxmlformats.org/presentationml/2006/main">
-  <p:cSld>
-    <p:spTree>
-      <p:nvGrpSpPr>
-        <p:cNvPr id="1" name=""/>
-        <p:cNvGrpSpPr/>
-        <p:nvPr/>
-      </p:nvGrpSpPr>
-      <p:grpSpPr>
-        <a:xfrm>
-          <a:off x="0" y="0"/>
-          <a:ext cx="0" cy="0"/>
-          <a:chOff x="0" y="0"/>
-          <a:chExt cx="0" cy="0"/>
-        </a:xfrm>
-      </p:grpSpPr>
-      <p:sp>
-        <p:nvSpPr>
-          <p:cNvPr id="4" name="Title 3">
-            <a:extLst>
-              <a:ext uri="{FF2B5EF4-FFF2-40B4-BE49-F238E27FC236}">
-                <a16:creationId xmlns:a16="http://schemas.microsoft.com/office/drawing/2014/main" id="{99EE1D59-A3CA-E176-43CD-A96A4268D6D2}"/>
-              </a:ext>
-            </a:extLst>
-          </p:cNvPr>
-          <p:cNvSpPr>
-            <a:spLocks noGrp="1"/>
-          </p:cNvSpPr>
-          <p:nvPr>
-            <p:ph type="ctrTitle"/>
-          </p:nvPr>
-        </p:nvSpPr>
-        <p:spPr/>
-        <p:txBody>
-          <a:bodyPr/>
-          <a:lstStyle/>
-          <a:p>
-            <a:r>
-              <a:rPr lang="en-US" dirty="0"/>
-              <a:t>Lecture 8</a:t>
-            </a:r>
-          </a:p>
-        </p:txBody>
-      </p:sp>
-      <p:sp>
-        <p:nvSpPr>
-          <p:cNvPr id="5" name="Text Placeholder 4">
-            <a:extLst>
-              <a:ext uri="{FF2B5EF4-FFF2-40B4-BE49-F238E27FC236}">
-                <a16:creationId xmlns:a16="http://schemas.microsoft.com/office/drawing/2014/main" id="{5489B600-294E-65DF-EEDA-56F1669FF1E4}"/>
-              </a:ext>
-            </a:extLst>
-          </p:cNvPr>
-          <p:cNvSpPr>
-            <a:spLocks noGrp="1"/>
-          </p:cNvSpPr>
-          <p:nvPr>
-            <p:ph type="subTitle" idx="1"/>
-          </p:nvPr>
-        </p:nvSpPr>
-        <p:spPr/>
-        <p:txBody>
-          <a:bodyPr/>
-          <a:lstStyle/>
-          <a:p>
-            <a:r>
-              <a:rPr lang="en-US" dirty="0"/>
-              <a:t>Relational databases</a:t>
-            </a:r>
-          </a:p>
-        </p:txBody>
-      </p:sp>
-    </p:spTree>
-    <p:extLst>
-      <p:ext uri="{BB962C8B-B14F-4D97-AF65-F5344CB8AC3E}">
-        <p14:creationId xmlns:p14="http://schemas.microsoft.com/office/powerpoint/2010/main" val="2244662498"/>
-      </p:ext>
-    </p:extLst>
-  </p:cSld>
-  <p:clrMapOvr>
-    <a:masterClrMapping/>
-  </p:clrMapOvr>
-</p:sld>
-</file>
-
-<file path=ppt/slides/slide20.xml><?xml version="1.0" encoding="utf-8"?>
+<file path=ppt/slides/slide25.xml><?xml version="1.0" encoding="utf-8"?>
 <p:sld xmlns:a="http://schemas.openxmlformats.org/drawingml/2006/main" xmlns:r="http://schemas.openxmlformats.org/officeDocument/2006/relationships" xmlns:p="http://schemas.openxmlformats.org/presentationml/2006/main">
   <p:cSld>
     <p:spTree>
@@ -15370,8 +21127,8 @@
           </a:p>
         </p:txBody>
       </p:sp>
-      <mc:AlternateContent xmlns:mc="http://schemas.openxmlformats.org/markup-compatibility/2006">
-        <mc:Choice xmlns:a14="http://schemas.microsoft.com/office/drawing/2010/main" Requires="a14">
+      <mc:AlternateContent xmlns:mc="http://schemas.openxmlformats.org/markup-compatibility/2006" xmlns:a14="http://schemas.microsoft.com/office/drawing/2010/main">
+        <mc:Choice Requires="a14">
           <p:sp>
             <p:nvSpPr>
               <p:cNvPr id="9" name="TextBox 8">
@@ -15422,7 +21179,7 @@
             </p:txBody>
           </p:sp>
         </mc:Choice>
-        <mc:Fallback>
+        <mc:Fallback xmlns="">
           <p:sp>
             <p:nvSpPr>
               <p:cNvPr id="9" name="TextBox 8">
@@ -15467,8 +21224,8 @@
           </p:sp>
         </mc:Fallback>
       </mc:AlternateContent>
-      <mc:AlternateContent xmlns:mc="http://schemas.openxmlformats.org/markup-compatibility/2006">
-        <mc:Choice xmlns:a14="http://schemas.microsoft.com/office/drawing/2010/main" Requires="a14">
+      <mc:AlternateContent xmlns:mc="http://schemas.openxmlformats.org/markup-compatibility/2006" xmlns:a14="http://schemas.microsoft.com/office/drawing/2010/main">
+        <mc:Choice Requires="a14">
           <p:sp>
             <p:nvSpPr>
               <p:cNvPr id="10" name="TextBox 9">
@@ -15519,7 +21276,7 @@
             </p:txBody>
           </p:sp>
         </mc:Choice>
-        <mc:Fallback>
+        <mc:Fallback xmlns="">
           <p:sp>
             <p:nvSpPr>
               <p:cNvPr id="10" name="TextBox 9">
@@ -15564,8 +21321,8 @@
           </p:sp>
         </mc:Fallback>
       </mc:AlternateContent>
-      <mc:AlternateContent xmlns:mc="http://schemas.openxmlformats.org/markup-compatibility/2006">
-        <mc:Choice xmlns:a14="http://schemas.microsoft.com/office/drawing/2010/main" Requires="a14">
+      <mc:AlternateContent xmlns:mc="http://schemas.openxmlformats.org/markup-compatibility/2006" xmlns:a14="http://schemas.microsoft.com/office/drawing/2010/main">
+        <mc:Choice Requires="a14">
           <p:sp>
             <p:nvSpPr>
               <p:cNvPr id="12" name="TextBox 11">
@@ -15616,7 +21373,7 @@
             </p:txBody>
           </p:sp>
         </mc:Choice>
-        <mc:Fallback>
+        <mc:Fallback xmlns="">
           <p:sp>
             <p:nvSpPr>
               <p:cNvPr id="12" name="TextBox 11">
@@ -15661,8 +21418,8 @@
           </p:sp>
         </mc:Fallback>
       </mc:AlternateContent>
-      <mc:AlternateContent xmlns:mc="http://schemas.openxmlformats.org/markup-compatibility/2006">
-        <mc:Choice xmlns:a14="http://schemas.microsoft.com/office/drawing/2010/main" Requires="a14">
+      <mc:AlternateContent xmlns:mc="http://schemas.openxmlformats.org/markup-compatibility/2006" xmlns:a14="http://schemas.microsoft.com/office/drawing/2010/main">
+        <mc:Choice Requires="a14">
           <p:sp>
             <p:nvSpPr>
               <p:cNvPr id="14" name="TextBox 13">
@@ -15713,7 +21470,7 @@
             </p:txBody>
           </p:sp>
         </mc:Choice>
-        <mc:Fallback>
+        <mc:Fallback xmlns="">
           <p:sp>
             <p:nvSpPr>
               <p:cNvPr id="14" name="TextBox 13">
@@ -16148,8 +21905,8 @@
           </a:p>
         </p:txBody>
       </p:sp>
-      <mc:AlternateContent xmlns:mc="http://schemas.openxmlformats.org/markup-compatibility/2006">
-        <mc:Choice xmlns:a14="http://schemas.microsoft.com/office/drawing/2010/main" Requires="a14">
+      <mc:AlternateContent xmlns:mc="http://schemas.openxmlformats.org/markup-compatibility/2006" xmlns:a14="http://schemas.microsoft.com/office/drawing/2010/main">
+        <mc:Choice Requires="a14">
           <p:sp>
             <p:nvSpPr>
               <p:cNvPr id="35" name="TextBox 34">
@@ -16200,7 +21957,7 @@
             </p:txBody>
           </p:sp>
         </mc:Choice>
-        <mc:Fallback>
+        <mc:Fallback xmlns="">
           <p:sp>
             <p:nvSpPr>
               <p:cNvPr id="35" name="TextBox 34">
@@ -16245,8 +22002,8 @@
           </p:sp>
         </mc:Fallback>
       </mc:AlternateContent>
-      <mc:AlternateContent xmlns:mc="http://schemas.openxmlformats.org/markup-compatibility/2006">
-        <mc:Choice xmlns:a14="http://schemas.microsoft.com/office/drawing/2010/main" Requires="a14">
+      <mc:AlternateContent xmlns:mc="http://schemas.openxmlformats.org/markup-compatibility/2006" xmlns:a14="http://schemas.microsoft.com/office/drawing/2010/main">
+        <mc:Choice Requires="a14">
           <p:sp>
             <p:nvSpPr>
               <p:cNvPr id="36" name="TextBox 35">
@@ -16297,7 +22054,7 @@
             </p:txBody>
           </p:sp>
         </mc:Choice>
-        <mc:Fallback>
+        <mc:Fallback xmlns="">
           <p:sp>
             <p:nvSpPr>
               <p:cNvPr id="36" name="TextBox 35">
@@ -16342,8 +22099,8 @@
           </p:sp>
         </mc:Fallback>
       </mc:AlternateContent>
-      <mc:AlternateContent xmlns:mc="http://schemas.openxmlformats.org/markup-compatibility/2006">
-        <mc:Choice xmlns:a14="http://schemas.microsoft.com/office/drawing/2010/main" Requires="a14">
+      <mc:AlternateContent xmlns:mc="http://schemas.openxmlformats.org/markup-compatibility/2006" xmlns:a14="http://schemas.microsoft.com/office/drawing/2010/main">
+        <mc:Choice Requires="a14">
           <p:sp>
             <p:nvSpPr>
               <p:cNvPr id="37" name="TextBox 36">
@@ -16394,7 +22151,7 @@
             </p:txBody>
           </p:sp>
         </mc:Choice>
-        <mc:Fallback>
+        <mc:Fallback xmlns="">
           <p:sp>
             <p:nvSpPr>
               <p:cNvPr id="37" name="TextBox 36">
@@ -16439,8 +22196,8 @@
           </p:sp>
         </mc:Fallback>
       </mc:AlternateContent>
-      <mc:AlternateContent xmlns:mc="http://schemas.openxmlformats.org/markup-compatibility/2006">
-        <mc:Choice xmlns:a14="http://schemas.microsoft.com/office/drawing/2010/main" Requires="a14">
+      <mc:AlternateContent xmlns:mc="http://schemas.openxmlformats.org/markup-compatibility/2006" xmlns:a14="http://schemas.microsoft.com/office/drawing/2010/main">
+        <mc:Choice Requires="a14">
           <p:sp>
             <p:nvSpPr>
               <p:cNvPr id="38" name="TextBox 37">
@@ -16491,7 +22248,7 @@
             </p:txBody>
           </p:sp>
         </mc:Choice>
-        <mc:Fallback>
+        <mc:Fallback xmlns="">
           <p:sp>
             <p:nvSpPr>
               <p:cNvPr id="38" name="TextBox 37">
@@ -16941,7 +22698,7 @@
 </p:sld>
 </file>
 
-<file path=ppt/slides/slide21.xml><?xml version="1.0" encoding="utf-8"?>
+<file path=ppt/slides/slide26.xml><?xml version="1.0" encoding="utf-8"?>
 <p:sld xmlns:a="http://schemas.openxmlformats.org/drawingml/2006/main" xmlns:r="http://schemas.openxmlformats.org/officeDocument/2006/relationships" xmlns:p="http://schemas.openxmlformats.org/presentationml/2006/main">
   <p:cSld>
     <p:spTree>
@@ -17310,8 +23067,8 @@
           </a:p>
         </p:txBody>
       </p:sp>
-      <mc:AlternateContent xmlns:mc="http://schemas.openxmlformats.org/markup-compatibility/2006">
-        <mc:Choice xmlns:a14="http://schemas.microsoft.com/office/drawing/2010/main" Requires="a14">
+      <mc:AlternateContent xmlns:mc="http://schemas.openxmlformats.org/markup-compatibility/2006" xmlns:a14="http://schemas.microsoft.com/office/drawing/2010/main">
+        <mc:Choice Requires="a14">
           <p:sp>
             <p:nvSpPr>
               <p:cNvPr id="7" name="TextBox 6">
@@ -17362,7 +23119,7 @@
             </p:txBody>
           </p:sp>
         </mc:Choice>
-        <mc:Fallback>
+        <mc:Fallback xmlns="">
           <p:sp>
             <p:nvSpPr>
               <p:cNvPr id="7" name="TextBox 6">
@@ -17407,8 +23164,8 @@
           </p:sp>
         </mc:Fallback>
       </mc:AlternateContent>
-      <mc:AlternateContent xmlns:mc="http://schemas.openxmlformats.org/markup-compatibility/2006">
-        <mc:Choice xmlns:a14="http://schemas.microsoft.com/office/drawing/2010/main" Requires="a14">
+      <mc:AlternateContent xmlns:mc="http://schemas.openxmlformats.org/markup-compatibility/2006" xmlns:a14="http://schemas.microsoft.com/office/drawing/2010/main">
+        <mc:Choice Requires="a14">
           <p:sp>
             <p:nvSpPr>
               <p:cNvPr id="8" name="TextBox 7">
@@ -17459,7 +23216,7 @@
             </p:txBody>
           </p:sp>
         </mc:Choice>
-        <mc:Fallback>
+        <mc:Fallback xmlns="">
           <p:sp>
             <p:nvSpPr>
               <p:cNvPr id="8" name="TextBox 7">
@@ -17504,8 +23261,8 @@
           </p:sp>
         </mc:Fallback>
       </mc:AlternateContent>
-      <mc:AlternateContent xmlns:mc="http://schemas.openxmlformats.org/markup-compatibility/2006">
-        <mc:Choice xmlns:a14="http://schemas.microsoft.com/office/drawing/2010/main" Requires="a14">
+      <mc:AlternateContent xmlns:mc="http://schemas.openxmlformats.org/markup-compatibility/2006" xmlns:a14="http://schemas.microsoft.com/office/drawing/2010/main">
+        <mc:Choice Requires="a14">
           <p:sp>
             <p:nvSpPr>
               <p:cNvPr id="9" name="TextBox 8">
@@ -17556,7 +23313,7 @@
             </p:txBody>
           </p:sp>
         </mc:Choice>
-        <mc:Fallback>
+        <mc:Fallback xmlns="">
           <p:sp>
             <p:nvSpPr>
               <p:cNvPr id="9" name="TextBox 8">
@@ -17601,8 +23358,8 @@
           </p:sp>
         </mc:Fallback>
       </mc:AlternateContent>
-      <mc:AlternateContent xmlns:mc="http://schemas.openxmlformats.org/markup-compatibility/2006">
-        <mc:Choice xmlns:a14="http://schemas.microsoft.com/office/drawing/2010/main" Requires="a14">
+      <mc:AlternateContent xmlns:mc="http://schemas.openxmlformats.org/markup-compatibility/2006" xmlns:a14="http://schemas.microsoft.com/office/drawing/2010/main">
+        <mc:Choice Requires="a14">
           <p:sp>
             <p:nvSpPr>
               <p:cNvPr id="10" name="TextBox 9">
@@ -17653,7 +23410,7 @@
             </p:txBody>
           </p:sp>
         </mc:Choice>
-        <mc:Fallback>
+        <mc:Fallback xmlns="">
           <p:sp>
             <p:nvSpPr>
               <p:cNvPr id="10" name="TextBox 9">
@@ -18223,7 +23980,7 @@
 </p:sld>
 </file>
 
-<file path=ppt/slides/slide22.xml><?xml version="1.0" encoding="utf-8"?>
+<file path=ppt/slides/slide27.xml><?xml version="1.0" encoding="utf-8"?>
 <p:sld xmlns:a="http://schemas.openxmlformats.org/drawingml/2006/main" xmlns:r="http://schemas.openxmlformats.org/officeDocument/2006/relationships" xmlns:p="http://schemas.openxmlformats.org/presentationml/2006/main">
   <p:cSld>
     <p:spTree>
@@ -18374,7 +24131,7 @@
 </p:sld>
 </file>
 
-<file path=ppt/slides/slide23.xml><?xml version="1.0" encoding="utf-8"?>
+<file path=ppt/slides/slide28.xml><?xml version="1.0" encoding="utf-8"?>
 <p:sld xmlns:a="http://schemas.openxmlformats.org/drawingml/2006/main" xmlns:r="http://schemas.openxmlformats.org/officeDocument/2006/relationships" xmlns:p="http://schemas.openxmlformats.org/presentationml/2006/main">
   <p:cSld>
     <p:spTree>
@@ -18533,7 +24290,7 @@
 </p:sld>
 </file>
 
-<file path=ppt/slides/slide24.xml><?xml version="1.0" encoding="utf-8"?>
+<file path=ppt/slides/slide29.xml><?xml version="1.0" encoding="utf-8"?>
 <p:sld xmlns:a="http://schemas.openxmlformats.org/drawingml/2006/main" xmlns:r="http://schemas.openxmlformats.org/officeDocument/2006/relationships" xmlns:p="http://schemas.openxmlformats.org/presentationml/2006/main">
   <p:cSld>
     <p:spTree>
@@ -18638,8 +24395,8 @@
           </a:p>
         </p:txBody>
       </p:sp>
-      <mc:AlternateContent xmlns:mc="http://schemas.openxmlformats.org/markup-compatibility/2006">
-        <mc:Choice xmlns:a14="http://schemas.microsoft.com/office/drawing/2010/main" Requires="a14">
+      <mc:AlternateContent xmlns:mc="http://schemas.openxmlformats.org/markup-compatibility/2006" xmlns:a14="http://schemas.microsoft.com/office/drawing/2010/main">
+        <mc:Choice Requires="a14">
           <p:graphicFrame>
             <p:nvGraphicFramePr>
               <p:cNvPr id="90" name="Table 47">
@@ -18935,7 +24692,7 @@
             </a:graphic>
           </p:graphicFrame>
         </mc:Choice>
-        <mc:Fallback>
+        <mc:Fallback xmlns="">
           <p:graphicFrame>
             <p:nvGraphicFramePr>
               <p:cNvPr id="90" name="Table 47">
@@ -19266,8 +25023,8 @@
             </a:extLst>
           </p:spPr>
         </p:pic>
-        <mc:AlternateContent xmlns:mc="http://schemas.openxmlformats.org/markup-compatibility/2006">
-          <mc:Choice xmlns:a14="http://schemas.microsoft.com/office/drawing/2010/main" Requires="a14">
+        <mc:AlternateContent xmlns:mc="http://schemas.openxmlformats.org/markup-compatibility/2006" xmlns:a14="http://schemas.microsoft.com/office/drawing/2010/main">
+          <mc:Choice Requires="a14">
             <p:sp>
               <p:nvSpPr>
                 <p:cNvPr id="94" name="TextBox 93">
@@ -19318,7 +25075,7 @@
               </p:txBody>
             </p:sp>
           </mc:Choice>
-          <mc:Fallback>
+          <mc:Fallback xmlns="">
             <p:sp>
               <p:nvSpPr>
                 <p:cNvPr id="94" name="TextBox 93">
@@ -19363,8 +25120,8 @@
             </p:sp>
           </mc:Fallback>
         </mc:AlternateContent>
-        <mc:AlternateContent xmlns:mc="http://schemas.openxmlformats.org/markup-compatibility/2006">
-          <mc:Choice xmlns:a14="http://schemas.microsoft.com/office/drawing/2010/main" Requires="a14">
+        <mc:AlternateContent xmlns:mc="http://schemas.openxmlformats.org/markup-compatibility/2006" xmlns:a14="http://schemas.microsoft.com/office/drawing/2010/main">
+          <mc:Choice Requires="a14">
             <p:sp>
               <p:nvSpPr>
                 <p:cNvPr id="95" name="TextBox 94">
@@ -19415,7 +25172,7 @@
               </p:txBody>
             </p:sp>
           </mc:Choice>
-          <mc:Fallback>
+          <mc:Fallback xmlns="">
             <p:sp>
               <p:nvSpPr>
                 <p:cNvPr id="95" name="TextBox 94">
@@ -19460,8 +25217,8 @@
             </p:sp>
           </mc:Fallback>
         </mc:AlternateContent>
-        <mc:AlternateContent xmlns:mc="http://schemas.openxmlformats.org/markup-compatibility/2006">
-          <mc:Choice xmlns:a14="http://schemas.microsoft.com/office/drawing/2010/main" Requires="a14">
+        <mc:AlternateContent xmlns:mc="http://schemas.openxmlformats.org/markup-compatibility/2006" xmlns:a14="http://schemas.microsoft.com/office/drawing/2010/main">
+          <mc:Choice Requires="a14">
             <p:sp>
               <p:nvSpPr>
                 <p:cNvPr id="96" name="TextBox 95">
@@ -19512,7 +25269,7 @@
               </p:txBody>
             </p:sp>
           </mc:Choice>
-          <mc:Fallback>
+          <mc:Fallback xmlns="">
             <p:sp>
               <p:nvSpPr>
                 <p:cNvPr id="96" name="TextBox 95">
@@ -19557,8 +25314,8 @@
             </p:sp>
           </mc:Fallback>
         </mc:AlternateContent>
-        <mc:AlternateContent xmlns:mc="http://schemas.openxmlformats.org/markup-compatibility/2006">
-          <mc:Choice xmlns:a14="http://schemas.microsoft.com/office/drawing/2010/main" Requires="a14">
+        <mc:AlternateContent xmlns:mc="http://schemas.openxmlformats.org/markup-compatibility/2006" xmlns:a14="http://schemas.microsoft.com/office/drawing/2010/main">
+          <mc:Choice Requires="a14">
             <p:sp>
               <p:nvSpPr>
                 <p:cNvPr id="97" name="TextBox 96">
@@ -19612,7 +25369,7 @@
               </p:txBody>
             </p:sp>
           </mc:Choice>
-          <mc:Fallback>
+          <mc:Fallback xmlns="">
             <p:sp>
               <p:nvSpPr>
                 <p:cNvPr id="97" name="TextBox 96">
@@ -19657,8 +25414,8 @@
             </p:sp>
           </mc:Fallback>
         </mc:AlternateContent>
-        <mc:AlternateContent xmlns:mc="http://schemas.openxmlformats.org/markup-compatibility/2006">
-          <mc:Choice xmlns:a14="http://schemas.microsoft.com/office/drawing/2010/main" Requires="a14">
+        <mc:AlternateContent xmlns:mc="http://schemas.openxmlformats.org/markup-compatibility/2006" xmlns:a14="http://schemas.microsoft.com/office/drawing/2010/main">
+          <mc:Choice Requires="a14">
             <p:sp>
               <p:nvSpPr>
                 <p:cNvPr id="98" name="TextBox 97">
@@ -19727,7 +25484,7 @@
               </p:txBody>
             </p:sp>
           </mc:Choice>
-          <mc:Fallback>
+          <mc:Fallback xmlns="">
             <p:sp>
               <p:nvSpPr>
                 <p:cNvPr id="98" name="TextBox 97">
@@ -19772,8 +25529,8 @@
             </p:sp>
           </mc:Fallback>
         </mc:AlternateContent>
-        <mc:AlternateContent xmlns:mc="http://schemas.openxmlformats.org/markup-compatibility/2006">
-          <mc:Choice xmlns:a14="http://schemas.microsoft.com/office/drawing/2010/main" Requires="a14">
+        <mc:AlternateContent xmlns:mc="http://schemas.openxmlformats.org/markup-compatibility/2006" xmlns:a14="http://schemas.microsoft.com/office/drawing/2010/main">
+          <mc:Choice Requires="a14">
             <p:sp>
               <p:nvSpPr>
                 <p:cNvPr id="99" name="TextBox 98">
@@ -19842,7 +25599,7 @@
               </p:txBody>
             </p:sp>
           </mc:Choice>
-          <mc:Fallback>
+          <mc:Fallback xmlns="">
             <p:sp>
               <p:nvSpPr>
                 <p:cNvPr id="99" name="TextBox 98">
@@ -20461,8 +26218,8 @@
             </a:fontRef>
           </p:style>
         </p:cxnSp>
-        <mc:AlternateContent xmlns:mc="http://schemas.openxmlformats.org/markup-compatibility/2006">
-          <mc:Choice xmlns:a14="http://schemas.microsoft.com/office/drawing/2010/main" Requires="a14">
+        <mc:AlternateContent xmlns:mc="http://schemas.openxmlformats.org/markup-compatibility/2006" xmlns:a14="http://schemas.microsoft.com/office/drawing/2010/main">
+          <mc:Choice Requires="a14">
             <p:sp>
               <p:nvSpPr>
                 <p:cNvPr id="114" name="TextBox 113">
@@ -20513,7 +26270,7 @@
               </p:txBody>
             </p:sp>
           </mc:Choice>
-          <mc:Fallback>
+          <mc:Fallback xmlns="">
             <p:sp>
               <p:nvSpPr>
                 <p:cNvPr id="114" name="TextBox 113">
@@ -20558,8 +26315,8 @@
             </p:sp>
           </mc:Fallback>
         </mc:AlternateContent>
-        <mc:AlternateContent xmlns:mc="http://schemas.openxmlformats.org/markup-compatibility/2006">
-          <mc:Choice xmlns:a14="http://schemas.microsoft.com/office/drawing/2010/main" Requires="a14">
+        <mc:AlternateContent xmlns:mc="http://schemas.openxmlformats.org/markup-compatibility/2006" xmlns:a14="http://schemas.microsoft.com/office/drawing/2010/main">
+          <mc:Choice Requires="a14">
             <p:sp>
               <p:nvSpPr>
                 <p:cNvPr id="115" name="TextBox 114">
@@ -20610,7 +26367,7 @@
               </p:txBody>
             </p:sp>
           </mc:Choice>
-          <mc:Fallback>
+          <mc:Fallback xmlns="">
             <p:sp>
               <p:nvSpPr>
                 <p:cNvPr id="115" name="TextBox 114">
@@ -20655,8 +26412,8 @@
             </p:sp>
           </mc:Fallback>
         </mc:AlternateContent>
-        <mc:AlternateContent xmlns:mc="http://schemas.openxmlformats.org/markup-compatibility/2006">
-          <mc:Choice xmlns:a14="http://schemas.microsoft.com/office/drawing/2010/main" Requires="a14">
+        <mc:AlternateContent xmlns:mc="http://schemas.openxmlformats.org/markup-compatibility/2006" xmlns:a14="http://schemas.microsoft.com/office/drawing/2010/main">
+          <mc:Choice Requires="a14">
             <p:sp>
               <p:nvSpPr>
                 <p:cNvPr id="116" name="TextBox 115">
@@ -20726,7 +26483,7 @@
               </p:txBody>
             </p:sp>
           </mc:Choice>
-          <mc:Fallback>
+          <mc:Fallback xmlns="">
             <p:sp>
               <p:nvSpPr>
                 <p:cNvPr id="116" name="TextBox 115">
@@ -20771,8 +26528,8 @@
             </p:sp>
           </mc:Fallback>
         </mc:AlternateContent>
-        <mc:AlternateContent xmlns:mc="http://schemas.openxmlformats.org/markup-compatibility/2006">
-          <mc:Choice xmlns:a14="http://schemas.microsoft.com/office/drawing/2010/main" Requires="a14">
+        <mc:AlternateContent xmlns:mc="http://schemas.openxmlformats.org/markup-compatibility/2006" xmlns:a14="http://schemas.microsoft.com/office/drawing/2010/main">
+          <mc:Choice Requires="a14">
             <p:sp>
               <p:nvSpPr>
                 <p:cNvPr id="117" name="TextBox 116">
@@ -20823,7 +26580,7 @@
               </p:txBody>
             </p:sp>
           </mc:Choice>
-          <mc:Fallback>
+          <mc:Fallback xmlns="">
             <p:sp>
               <p:nvSpPr>
                 <p:cNvPr id="117" name="TextBox 116">
@@ -20868,8 +26625,8 @@
             </p:sp>
           </mc:Fallback>
         </mc:AlternateContent>
-        <mc:AlternateContent xmlns:mc="http://schemas.openxmlformats.org/markup-compatibility/2006">
-          <mc:Choice xmlns:a14="http://schemas.microsoft.com/office/drawing/2010/main" Requires="a14">
+        <mc:AlternateContent xmlns:mc="http://schemas.openxmlformats.org/markup-compatibility/2006" xmlns:a14="http://schemas.microsoft.com/office/drawing/2010/main">
+          <mc:Choice Requires="a14">
             <p:sp>
               <p:nvSpPr>
                 <p:cNvPr id="118" name="TextBox 117">
@@ -20938,7 +26695,7 @@
               </p:txBody>
             </p:sp>
           </mc:Choice>
-          <mc:Fallback>
+          <mc:Fallback xmlns="">
             <p:sp>
               <p:nvSpPr>
                 <p:cNvPr id="118" name="TextBox 117">
@@ -20983,8 +26740,8 @@
             </p:sp>
           </mc:Fallback>
         </mc:AlternateContent>
-        <mc:AlternateContent xmlns:mc="http://schemas.openxmlformats.org/markup-compatibility/2006">
-          <mc:Choice xmlns:a14="http://schemas.microsoft.com/office/drawing/2010/main" Requires="a14">
+        <mc:AlternateContent xmlns:mc="http://schemas.openxmlformats.org/markup-compatibility/2006" xmlns:a14="http://schemas.microsoft.com/office/drawing/2010/main">
+          <mc:Choice Requires="a14">
             <p:sp>
               <p:nvSpPr>
                 <p:cNvPr id="119" name="TextBox 118">
@@ -21053,7 +26810,7 @@
               </p:txBody>
             </p:sp>
           </mc:Choice>
-          <mc:Fallback>
+          <mc:Fallback xmlns="">
             <p:sp>
               <p:nvSpPr>
                 <p:cNvPr id="119" name="TextBox 118">
@@ -21687,7 +27444,108 @@
 </p:sld>
 </file>
 
-<file path=ppt/slides/slide25.xml><?xml version="1.0" encoding="utf-8"?>
+<file path=ppt/slides/slide3.xml><?xml version="1.0" encoding="utf-8"?>
+<p:sld xmlns:a="http://schemas.openxmlformats.org/drawingml/2006/main" xmlns:r="http://schemas.openxmlformats.org/officeDocument/2006/relationships" xmlns:p="http://schemas.openxmlformats.org/presentationml/2006/main">
+  <p:cSld>
+    <p:spTree>
+      <p:nvGrpSpPr>
+        <p:cNvPr id="1" name=""/>
+        <p:cNvGrpSpPr/>
+        <p:nvPr/>
+      </p:nvGrpSpPr>
+      <p:grpSpPr>
+        <a:xfrm>
+          <a:off x="0" y="0"/>
+          <a:ext cx="0" cy="0"/>
+          <a:chOff x="0" y="0"/>
+          <a:chExt cx="0" cy="0"/>
+        </a:xfrm>
+      </p:grpSpPr>
+      <p:sp>
+        <p:nvSpPr>
+          <p:cNvPr id="2" name="Title 1">
+            <a:extLst>
+              <a:ext uri="{FF2B5EF4-FFF2-40B4-BE49-F238E27FC236}">
+                <a16:creationId xmlns:a16="http://schemas.microsoft.com/office/drawing/2014/main" id="{4B6FD08C-20C1-3326-3989-B2FBF6F9BE02}"/>
+              </a:ext>
+            </a:extLst>
+          </p:cNvPr>
+          <p:cNvSpPr>
+            <a:spLocks noGrp="1"/>
+          </p:cNvSpPr>
+          <p:nvPr>
+            <p:ph type="title"/>
+          </p:nvPr>
+        </p:nvSpPr>
+        <p:spPr/>
+        <p:txBody>
+          <a:bodyPr/>
+          <a:lstStyle/>
+          <a:p>
+            <a:r>
+              <a:rPr lang="en-US" dirty="0"/>
+              <a:t>Agenda</a:t>
+            </a:r>
+          </a:p>
+        </p:txBody>
+      </p:sp>
+      <p:sp>
+        <p:nvSpPr>
+          <p:cNvPr id="3" name="Content Placeholder 2">
+            <a:extLst>
+              <a:ext uri="{FF2B5EF4-FFF2-40B4-BE49-F238E27FC236}">
+                <a16:creationId xmlns:a16="http://schemas.microsoft.com/office/drawing/2014/main" id="{FD1FBA22-FDE7-2794-C826-36E968765B4D}"/>
+              </a:ext>
+            </a:extLst>
+          </p:cNvPr>
+          <p:cNvSpPr>
+            <a:spLocks noGrp="1"/>
+          </p:cNvSpPr>
+          <p:nvPr>
+            <p:ph idx="1"/>
+          </p:nvPr>
+        </p:nvSpPr>
+        <p:spPr/>
+        <p:txBody>
+          <a:bodyPr/>
+          <a:lstStyle/>
+          <a:p>
+            <a:r>
+              <a:rPr lang="en-US" dirty="0"/>
+              <a:t>Early systems – pre-relational-algebra &amp; problems</a:t>
+            </a:r>
+          </a:p>
+          <a:p>
+            <a:r>
+              <a:rPr lang="en-US" dirty="0"/>
+              <a:t>The relational algebra</a:t>
+            </a:r>
+          </a:p>
+          <a:p>
+            <a:r>
+              <a:rPr lang="en-US" dirty="0"/>
+              <a:t>Modern DBMS components and concepts</a:t>
+            </a:r>
+          </a:p>
+          <a:p>
+            <a:endParaRPr lang="en-US" dirty="0"/>
+          </a:p>
+        </p:txBody>
+      </p:sp>
+    </p:spTree>
+    <p:extLst>
+      <p:ext uri="{BB962C8B-B14F-4D97-AF65-F5344CB8AC3E}">
+        <p14:creationId xmlns:p14="http://schemas.microsoft.com/office/powerpoint/2010/main" val="3748530886"/>
+      </p:ext>
+    </p:extLst>
+  </p:cSld>
+  <p:clrMapOvr>
+    <a:masterClrMapping/>
+  </p:clrMapOvr>
+</p:sld>
+</file>
+
+<file path=ppt/slides/slide30.xml><?xml version="1.0" encoding="utf-8"?>
 <p:sld xmlns:a="http://schemas.openxmlformats.org/drawingml/2006/main" xmlns:r="http://schemas.openxmlformats.org/officeDocument/2006/relationships" xmlns:p="http://schemas.openxmlformats.org/presentationml/2006/main">
   <p:cSld>
     <p:spTree>
@@ -21950,8 +27808,8 @@
           </a:p>
         </p:txBody>
       </p:sp>
-      <mc:AlternateContent xmlns:mc="http://schemas.openxmlformats.org/markup-compatibility/2006">
-        <mc:Choice xmlns:a14="http://schemas.microsoft.com/office/drawing/2010/main" Requires="a14">
+      <mc:AlternateContent xmlns:mc="http://schemas.openxmlformats.org/markup-compatibility/2006" xmlns:a14="http://schemas.microsoft.com/office/drawing/2010/main">
+        <mc:Choice Requires="a14">
           <p:sp>
             <p:nvSpPr>
               <p:cNvPr id="8" name="TextBox 7">
@@ -22002,7 +27860,7 @@
             </p:txBody>
           </p:sp>
         </mc:Choice>
-        <mc:Fallback>
+        <mc:Fallback xmlns="">
           <p:sp>
             <p:nvSpPr>
               <p:cNvPr id="8" name="TextBox 7">
@@ -22047,8 +27905,8 @@
           </p:sp>
         </mc:Fallback>
       </mc:AlternateContent>
-      <mc:AlternateContent xmlns:mc="http://schemas.openxmlformats.org/markup-compatibility/2006">
-        <mc:Choice xmlns:a14="http://schemas.microsoft.com/office/drawing/2010/main" Requires="a14">
+      <mc:AlternateContent xmlns:mc="http://schemas.openxmlformats.org/markup-compatibility/2006" xmlns:a14="http://schemas.microsoft.com/office/drawing/2010/main">
+        <mc:Choice Requires="a14">
           <p:sp>
             <p:nvSpPr>
               <p:cNvPr id="9" name="TextBox 8">
@@ -22099,7 +27957,7 @@
             </p:txBody>
           </p:sp>
         </mc:Choice>
-        <mc:Fallback>
+        <mc:Fallback xmlns="">
           <p:sp>
             <p:nvSpPr>
               <p:cNvPr id="9" name="TextBox 8">
@@ -22144,8 +28002,8 @@
           </p:sp>
         </mc:Fallback>
       </mc:AlternateContent>
-      <mc:AlternateContent xmlns:mc="http://schemas.openxmlformats.org/markup-compatibility/2006">
-        <mc:Choice xmlns:a14="http://schemas.microsoft.com/office/drawing/2010/main" Requires="a14">
+      <mc:AlternateContent xmlns:mc="http://schemas.openxmlformats.org/markup-compatibility/2006" xmlns:a14="http://schemas.microsoft.com/office/drawing/2010/main">
+        <mc:Choice Requires="a14">
           <p:sp>
             <p:nvSpPr>
               <p:cNvPr id="10" name="TextBox 9">
@@ -22196,7 +28054,7 @@
             </p:txBody>
           </p:sp>
         </mc:Choice>
-        <mc:Fallback>
+        <mc:Fallback xmlns="">
           <p:sp>
             <p:nvSpPr>
               <p:cNvPr id="10" name="TextBox 9">
@@ -22241,8 +28099,8 @@
           </p:sp>
         </mc:Fallback>
       </mc:AlternateContent>
-      <mc:AlternateContent xmlns:mc="http://schemas.openxmlformats.org/markup-compatibility/2006">
-        <mc:Choice xmlns:a14="http://schemas.microsoft.com/office/drawing/2010/main" Requires="a14">
+      <mc:AlternateContent xmlns:mc="http://schemas.openxmlformats.org/markup-compatibility/2006" xmlns:a14="http://schemas.microsoft.com/office/drawing/2010/main">
+        <mc:Choice Requires="a14">
           <p:sp>
             <p:nvSpPr>
               <p:cNvPr id="11" name="TextBox 10">
@@ -22293,7 +28151,7 @@
             </p:txBody>
           </p:sp>
         </mc:Choice>
-        <mc:Fallback>
+        <mc:Fallback xmlns="">
           <p:sp>
             <p:nvSpPr>
               <p:cNvPr id="11" name="TextBox 10">
@@ -22703,7 +28561,7 @@
 </p:sld>
 </file>
 
-<file path=ppt/slides/slide26.xml><?xml version="1.0" encoding="utf-8"?>
+<file path=ppt/slides/slide31.xml><?xml version="1.0" encoding="utf-8"?>
 <p:sld xmlns:a="http://schemas.openxmlformats.org/drawingml/2006/main" xmlns:r="http://schemas.openxmlformats.org/officeDocument/2006/relationships" xmlns:p="http://schemas.openxmlformats.org/presentationml/2006/main">
   <p:cSld>
     <p:spTree>
@@ -22858,7 +28716,7 @@
 </p:sld>
 </file>
 
-<file path=ppt/slides/slide27.xml><?xml version="1.0" encoding="utf-8"?>
+<file path=ppt/slides/slide32.xml><?xml version="1.0" encoding="utf-8"?>
 <p:sld xmlns:a="http://schemas.openxmlformats.org/drawingml/2006/main" xmlns:r="http://schemas.openxmlformats.org/officeDocument/2006/relationships" xmlns:p="http://schemas.openxmlformats.org/presentationml/2006/main">
   <p:cSld>
     <p:spTree>
@@ -22990,7 +28848,7 @@
 </p:sld>
 </file>
 
-<file path=ppt/slides/slide28.xml><?xml version="1.0" encoding="utf-8"?>
+<file path=ppt/slides/slide33.xml><?xml version="1.0" encoding="utf-8"?>
 <p:sld xmlns:a="http://schemas.openxmlformats.org/drawingml/2006/main" xmlns:r="http://schemas.openxmlformats.org/officeDocument/2006/relationships" xmlns:p="http://schemas.openxmlformats.org/presentationml/2006/main">
   <p:cSld>
     <p:spTree>
@@ -23260,7 +29118,7 @@
 </p:sld>
 </file>
 
-<file path=ppt/slides/slide29.xml><?xml version="1.0" encoding="utf-8"?>
+<file path=ppt/slides/slide34.xml><?xml version="1.0" encoding="utf-8"?>
 <p:sld xmlns:a="http://schemas.openxmlformats.org/drawingml/2006/main" xmlns:r="http://schemas.openxmlformats.org/officeDocument/2006/relationships" xmlns:p="http://schemas.openxmlformats.org/presentationml/2006/main">
   <p:cSld>
     <p:spTree>
@@ -23422,108 +29280,7 @@
 </p:sld>
 </file>
 
-<file path=ppt/slides/slide3.xml><?xml version="1.0" encoding="utf-8"?>
-<p:sld xmlns:a="http://schemas.openxmlformats.org/drawingml/2006/main" xmlns:r="http://schemas.openxmlformats.org/officeDocument/2006/relationships" xmlns:p="http://schemas.openxmlformats.org/presentationml/2006/main">
-  <p:cSld>
-    <p:spTree>
-      <p:nvGrpSpPr>
-        <p:cNvPr id="1" name=""/>
-        <p:cNvGrpSpPr/>
-        <p:nvPr/>
-      </p:nvGrpSpPr>
-      <p:grpSpPr>
-        <a:xfrm>
-          <a:off x="0" y="0"/>
-          <a:ext cx="0" cy="0"/>
-          <a:chOff x="0" y="0"/>
-          <a:chExt cx="0" cy="0"/>
-        </a:xfrm>
-      </p:grpSpPr>
-      <p:sp>
-        <p:nvSpPr>
-          <p:cNvPr id="2" name="Title 1">
-            <a:extLst>
-              <a:ext uri="{FF2B5EF4-FFF2-40B4-BE49-F238E27FC236}">
-                <a16:creationId xmlns:a16="http://schemas.microsoft.com/office/drawing/2014/main" id="{4B6FD08C-20C1-3326-3989-B2FBF6F9BE02}"/>
-              </a:ext>
-            </a:extLst>
-          </p:cNvPr>
-          <p:cNvSpPr>
-            <a:spLocks noGrp="1"/>
-          </p:cNvSpPr>
-          <p:nvPr>
-            <p:ph type="title"/>
-          </p:nvPr>
-        </p:nvSpPr>
-        <p:spPr/>
-        <p:txBody>
-          <a:bodyPr/>
-          <a:lstStyle/>
-          <a:p>
-            <a:r>
-              <a:rPr lang="en-US" dirty="0"/>
-              <a:t>Agenda</a:t>
-            </a:r>
-          </a:p>
-        </p:txBody>
-      </p:sp>
-      <p:sp>
-        <p:nvSpPr>
-          <p:cNvPr id="3" name="Content Placeholder 2">
-            <a:extLst>
-              <a:ext uri="{FF2B5EF4-FFF2-40B4-BE49-F238E27FC236}">
-                <a16:creationId xmlns:a16="http://schemas.microsoft.com/office/drawing/2014/main" id="{FD1FBA22-FDE7-2794-C826-36E968765B4D}"/>
-              </a:ext>
-            </a:extLst>
-          </p:cNvPr>
-          <p:cNvSpPr>
-            <a:spLocks noGrp="1"/>
-          </p:cNvSpPr>
-          <p:nvPr>
-            <p:ph idx="1"/>
-          </p:nvPr>
-        </p:nvSpPr>
-        <p:spPr/>
-        <p:txBody>
-          <a:bodyPr/>
-          <a:lstStyle/>
-          <a:p>
-            <a:r>
-              <a:rPr lang="en-US" dirty="0"/>
-              <a:t>Early systems – pre-relational-algebra &amp; problems</a:t>
-            </a:r>
-          </a:p>
-          <a:p>
-            <a:r>
-              <a:rPr lang="en-US" dirty="0"/>
-              <a:t>The relational algebra</a:t>
-            </a:r>
-          </a:p>
-          <a:p>
-            <a:r>
-              <a:rPr lang="en-US" dirty="0"/>
-              <a:t>Modern DBMS components and concepts</a:t>
-            </a:r>
-          </a:p>
-          <a:p>
-            <a:endParaRPr lang="en-US" dirty="0"/>
-          </a:p>
-        </p:txBody>
-      </p:sp>
-    </p:spTree>
-    <p:extLst>
-      <p:ext uri="{BB962C8B-B14F-4D97-AF65-F5344CB8AC3E}">
-        <p14:creationId xmlns:p14="http://schemas.microsoft.com/office/powerpoint/2010/main" val="3748530886"/>
-      </p:ext>
-    </p:extLst>
-  </p:cSld>
-  <p:clrMapOvr>
-    <a:masterClrMapping/>
-  </p:clrMapOvr>
-</p:sld>
-</file>
-
-<file path=ppt/slides/slide30.xml><?xml version="1.0" encoding="utf-8"?>
+<file path=ppt/slides/slide35.xml><?xml version="1.0" encoding="utf-8"?>
 <p:sld xmlns:a="http://schemas.openxmlformats.org/drawingml/2006/main" xmlns:r="http://schemas.openxmlformats.org/officeDocument/2006/relationships" xmlns:p="http://schemas.openxmlformats.org/presentationml/2006/main">
   <p:cSld>
     <p:spTree>
@@ -23643,7 +29400,7 @@
 </p:sld>
 </file>
 
-<file path=ppt/slides/slide31.xml><?xml version="1.0" encoding="utf-8"?>
+<file path=ppt/slides/slide36.xml><?xml version="1.0" encoding="utf-8"?>
 <p:sld xmlns:a="http://schemas.openxmlformats.org/drawingml/2006/main" xmlns:r="http://schemas.openxmlformats.org/officeDocument/2006/relationships" xmlns:p="http://schemas.openxmlformats.org/presentationml/2006/main">
   <p:cSld>
     <p:spTree>
@@ -26136,6 +31893,20 @@
 </a:theme>
 </file>
 
+<file path=customXml/item1.xml><?xml version="1.0" encoding="utf-8"?>
+<Control xmlns="http://schemas.microsoft.com/VisualStudio/2011/storyboarding/control">
+  <Id Name="0089f658-97a8-481c-82ca-0fa7c93abf52" Revision="1" Stencil="System.MyShapes" StencilVersion="1.0"/>
+</Control>
+</file>
+
+<file path=customXml/itemProps1.xml><?xml version="1.0" encoding="utf-8"?>
+<ds:datastoreItem xmlns:ds="http://schemas.openxmlformats.org/officeDocument/2006/customXml" ds:itemID="{7C91CDA2-0A81-4A98-A9BE-C812FB0A2985}">
+  <ds:schemaRefs>
+    <ds:schemaRef ds:uri="http://schemas.microsoft.com/VisualStudio/2011/storyboarding/control"/>
+  </ds:schemaRefs>
+</ds:datastoreItem>
+</file>
+
 <file path=docMetadata/LabelInfo.xml><?xml version="1.0" encoding="utf-8"?>
 <clbl:labelList xmlns:clbl="http://schemas.microsoft.com/office/2020/mipLabelMetadata">
   <clbl:label id="{46c98d88-e344-4ed4-8496-4ed7712e255d}" enabled="0" method="" siteId="{46c98d88-e344-4ed4-8496-4ed7712e255d}" removed="1"/>
